--- a/Posts/2020/Nov/UndertheHood/Converging_diverging_nozzle.pptx
+++ b/Posts/2020/Nov/UndertheHood/Converging_diverging_nozzle.pptx
@@ -260,7 +260,7 @@
           <a:p>
             <a:fld id="{90885F19-7195-4343-9CC3-AADB0D9ABDED}" type="datetimeFigureOut">
               <a:rPr lang="en-US" smtClean="0"/>
-              <a:t>12/26/2020</a:t>
+              <a:t>1/13/2021</a:t>
             </a:fld>
             <a:endParaRPr lang="en-US"/>
           </a:p>
@@ -458,7 +458,7 @@
           <a:p>
             <a:fld id="{90885F19-7195-4343-9CC3-AADB0D9ABDED}" type="datetimeFigureOut">
               <a:rPr lang="en-US" smtClean="0"/>
-              <a:t>12/26/2020</a:t>
+              <a:t>1/13/2021</a:t>
             </a:fld>
             <a:endParaRPr lang="en-US"/>
           </a:p>
@@ -666,7 +666,7 @@
           <a:p>
             <a:fld id="{90885F19-7195-4343-9CC3-AADB0D9ABDED}" type="datetimeFigureOut">
               <a:rPr lang="en-US" smtClean="0"/>
-              <a:t>12/26/2020</a:t>
+              <a:t>1/13/2021</a:t>
             </a:fld>
             <a:endParaRPr lang="en-US"/>
           </a:p>
@@ -864,7 +864,7 @@
           <a:p>
             <a:fld id="{90885F19-7195-4343-9CC3-AADB0D9ABDED}" type="datetimeFigureOut">
               <a:rPr lang="en-US" smtClean="0"/>
-              <a:t>12/26/2020</a:t>
+              <a:t>1/13/2021</a:t>
             </a:fld>
             <a:endParaRPr lang="en-US"/>
           </a:p>
@@ -1139,7 +1139,7 @@
           <a:p>
             <a:fld id="{90885F19-7195-4343-9CC3-AADB0D9ABDED}" type="datetimeFigureOut">
               <a:rPr lang="en-US" smtClean="0"/>
-              <a:t>12/26/2020</a:t>
+              <a:t>1/13/2021</a:t>
             </a:fld>
             <a:endParaRPr lang="en-US"/>
           </a:p>
@@ -1404,7 +1404,7 @@
           <a:p>
             <a:fld id="{90885F19-7195-4343-9CC3-AADB0D9ABDED}" type="datetimeFigureOut">
               <a:rPr lang="en-US" smtClean="0"/>
-              <a:t>12/26/2020</a:t>
+              <a:t>1/13/2021</a:t>
             </a:fld>
             <a:endParaRPr lang="en-US"/>
           </a:p>
@@ -1816,7 +1816,7 @@
           <a:p>
             <a:fld id="{90885F19-7195-4343-9CC3-AADB0D9ABDED}" type="datetimeFigureOut">
               <a:rPr lang="en-US" smtClean="0"/>
-              <a:t>12/26/2020</a:t>
+              <a:t>1/13/2021</a:t>
             </a:fld>
             <a:endParaRPr lang="en-US"/>
           </a:p>
@@ -1957,7 +1957,7 @@
           <a:p>
             <a:fld id="{90885F19-7195-4343-9CC3-AADB0D9ABDED}" type="datetimeFigureOut">
               <a:rPr lang="en-US" smtClean="0"/>
-              <a:t>12/26/2020</a:t>
+              <a:t>1/13/2021</a:t>
             </a:fld>
             <a:endParaRPr lang="en-US"/>
           </a:p>
@@ -2070,7 +2070,7 @@
           <a:p>
             <a:fld id="{90885F19-7195-4343-9CC3-AADB0D9ABDED}" type="datetimeFigureOut">
               <a:rPr lang="en-US" smtClean="0"/>
-              <a:t>12/26/2020</a:t>
+              <a:t>1/13/2021</a:t>
             </a:fld>
             <a:endParaRPr lang="en-US"/>
           </a:p>
@@ -2381,7 +2381,7 @@
           <a:p>
             <a:fld id="{90885F19-7195-4343-9CC3-AADB0D9ABDED}" type="datetimeFigureOut">
               <a:rPr lang="en-US" smtClean="0"/>
-              <a:t>12/26/2020</a:t>
+              <a:t>1/13/2021</a:t>
             </a:fld>
             <a:endParaRPr lang="en-US"/>
           </a:p>
@@ -2669,7 +2669,7 @@
           <a:p>
             <a:fld id="{90885F19-7195-4343-9CC3-AADB0D9ABDED}" type="datetimeFigureOut">
               <a:rPr lang="en-US" smtClean="0"/>
-              <a:t>12/26/2020</a:t>
+              <a:t>1/13/2021</a:t>
             </a:fld>
             <a:endParaRPr lang="en-US"/>
           </a:p>
@@ -2910,7 +2910,7 @@
           <a:p>
             <a:fld id="{90885F19-7195-4343-9CC3-AADB0D9ABDED}" type="datetimeFigureOut">
               <a:rPr lang="en-US" smtClean="0"/>
-              <a:t>12/26/2020</a:t>
+              <a:t>1/13/2021</a:t>
             </a:fld>
             <a:endParaRPr lang="en-US"/>
           </a:p>
@@ -6058,6 +6058,35 @@
           </p:sp>
         </mc:Fallback>
       </mc:AlternateContent>
+      <p:pic>
+        <p:nvPicPr>
+          <p:cNvPr id="3" name="Picture 2">
+            <a:extLst>
+              <a:ext uri="{FF2B5EF4-FFF2-40B4-BE49-F238E27FC236}">
+                <a16:creationId xmlns:a16="http://schemas.microsoft.com/office/drawing/2014/main" id="{BA1CF23A-0373-4E49-90D5-CD2B415C585E}"/>
+              </a:ext>
+            </a:extLst>
+          </p:cNvPr>
+          <p:cNvPicPr>
+            <a:picLocks noChangeAspect="1"/>
+          </p:cNvPicPr>
+          <p:nvPr/>
+        </p:nvPicPr>
+        <p:blipFill rotWithShape="1">
+          <a:blip r:embed="rId4"/>
+          <a:srcRect l="26765" t="46582" r="29178" b="40375"/>
+          <a:stretch/>
+        </p:blipFill>
+        <p:spPr>
+          <a:xfrm>
+            <a:off x="981181" y="5475475"/>
+            <a:ext cx="4720977" cy="894503"/>
+          </a:xfrm>
+          <a:prstGeom prst="rect">
+            <a:avLst/>
+          </a:prstGeom>
+        </p:spPr>
+      </p:pic>
     </p:spTree>
     <p:extLst>
       <p:ext uri="{BB962C8B-B14F-4D97-AF65-F5344CB8AC3E}">

--- a/Posts/2020/Nov/UndertheHood/Converging_diverging_nozzle.pptx
+++ b/Posts/2020/Nov/UndertheHood/Converging_diverging_nozzle.pptx
@@ -6,7 +6,9 @@
   </p:sldMasterIdLst>
   <p:sldIdLst>
     <p:sldId id="256" r:id="rId2"/>
-    <p:sldId id="257" r:id="rId3"/>
+    <p:sldId id="259" r:id="rId3"/>
+    <p:sldId id="258" r:id="rId4"/>
+    <p:sldId id="257" r:id="rId5"/>
   </p:sldIdLst>
   <p:sldSz cx="12192000" cy="6858000"/>
   <p:notesSz cx="6858000" cy="9144000"/>
@@ -260,7 +262,7 @@
           <a:p>
             <a:fld id="{90885F19-7195-4343-9CC3-AADB0D9ABDED}" type="datetimeFigureOut">
               <a:rPr lang="en-US" smtClean="0"/>
-              <a:t>1/13/2021</a:t>
+              <a:t>9/24/2022</a:t>
             </a:fld>
             <a:endParaRPr lang="en-US"/>
           </a:p>
@@ -458,7 +460,7 @@
           <a:p>
             <a:fld id="{90885F19-7195-4343-9CC3-AADB0D9ABDED}" type="datetimeFigureOut">
               <a:rPr lang="en-US" smtClean="0"/>
-              <a:t>1/13/2021</a:t>
+              <a:t>9/24/2022</a:t>
             </a:fld>
             <a:endParaRPr lang="en-US"/>
           </a:p>
@@ -666,7 +668,7 @@
           <a:p>
             <a:fld id="{90885F19-7195-4343-9CC3-AADB0D9ABDED}" type="datetimeFigureOut">
               <a:rPr lang="en-US" smtClean="0"/>
-              <a:t>1/13/2021</a:t>
+              <a:t>9/24/2022</a:t>
             </a:fld>
             <a:endParaRPr lang="en-US"/>
           </a:p>
@@ -864,7 +866,7 @@
           <a:p>
             <a:fld id="{90885F19-7195-4343-9CC3-AADB0D9ABDED}" type="datetimeFigureOut">
               <a:rPr lang="en-US" smtClean="0"/>
-              <a:t>1/13/2021</a:t>
+              <a:t>9/24/2022</a:t>
             </a:fld>
             <a:endParaRPr lang="en-US"/>
           </a:p>
@@ -1139,7 +1141,7 @@
           <a:p>
             <a:fld id="{90885F19-7195-4343-9CC3-AADB0D9ABDED}" type="datetimeFigureOut">
               <a:rPr lang="en-US" smtClean="0"/>
-              <a:t>1/13/2021</a:t>
+              <a:t>9/24/2022</a:t>
             </a:fld>
             <a:endParaRPr lang="en-US"/>
           </a:p>
@@ -1404,7 +1406,7 @@
           <a:p>
             <a:fld id="{90885F19-7195-4343-9CC3-AADB0D9ABDED}" type="datetimeFigureOut">
               <a:rPr lang="en-US" smtClean="0"/>
-              <a:t>1/13/2021</a:t>
+              <a:t>9/24/2022</a:t>
             </a:fld>
             <a:endParaRPr lang="en-US"/>
           </a:p>
@@ -1816,7 +1818,7 @@
           <a:p>
             <a:fld id="{90885F19-7195-4343-9CC3-AADB0D9ABDED}" type="datetimeFigureOut">
               <a:rPr lang="en-US" smtClean="0"/>
-              <a:t>1/13/2021</a:t>
+              <a:t>9/24/2022</a:t>
             </a:fld>
             <a:endParaRPr lang="en-US"/>
           </a:p>
@@ -1957,7 +1959,7 @@
           <a:p>
             <a:fld id="{90885F19-7195-4343-9CC3-AADB0D9ABDED}" type="datetimeFigureOut">
               <a:rPr lang="en-US" smtClean="0"/>
-              <a:t>1/13/2021</a:t>
+              <a:t>9/24/2022</a:t>
             </a:fld>
             <a:endParaRPr lang="en-US"/>
           </a:p>
@@ -2070,7 +2072,7 @@
           <a:p>
             <a:fld id="{90885F19-7195-4343-9CC3-AADB0D9ABDED}" type="datetimeFigureOut">
               <a:rPr lang="en-US" smtClean="0"/>
-              <a:t>1/13/2021</a:t>
+              <a:t>9/24/2022</a:t>
             </a:fld>
             <a:endParaRPr lang="en-US"/>
           </a:p>
@@ -2381,7 +2383,7 @@
           <a:p>
             <a:fld id="{90885F19-7195-4343-9CC3-AADB0D9ABDED}" type="datetimeFigureOut">
               <a:rPr lang="en-US" smtClean="0"/>
-              <a:t>1/13/2021</a:t>
+              <a:t>9/24/2022</a:t>
             </a:fld>
             <a:endParaRPr lang="en-US"/>
           </a:p>
@@ -2669,7 +2671,7 @@
           <a:p>
             <a:fld id="{90885F19-7195-4343-9CC3-AADB0D9ABDED}" type="datetimeFigureOut">
               <a:rPr lang="en-US" smtClean="0"/>
-              <a:t>1/13/2021</a:t>
+              <a:t>9/24/2022</a:t>
             </a:fld>
             <a:endParaRPr lang="en-US"/>
           </a:p>
@@ -2910,7 +2912,7 @@
           <a:p>
             <a:fld id="{90885F19-7195-4343-9CC3-AADB0D9ABDED}" type="datetimeFigureOut">
               <a:rPr lang="en-US" smtClean="0"/>
-              <a:t>1/13/2021</a:t>
+              <a:t>9/24/2022</a:t>
             </a:fld>
             <a:endParaRPr lang="en-US"/>
           </a:p>
@@ -3399,7 +3401,7 @@
         <p:spPr>
           <a:xfrm>
             <a:off x="7888808" y="332597"/>
-            <a:ext cx="1857842" cy="3594100"/>
+            <a:ext cx="3610702" cy="3594100"/>
           </a:xfrm>
           <a:prstGeom prst="round2DiagRect">
             <a:avLst>
@@ -3451,10 +3453,10 @@
         </p:nvGrpSpPr>
         <p:grpSpPr>
           <a:xfrm>
-            <a:off x="6061754" y="1186665"/>
-            <a:ext cx="2681554" cy="1885965"/>
-            <a:chOff x="6061754" y="1186665"/>
-            <a:chExt cx="2681554" cy="1885965"/>
+            <a:off x="6045272" y="1186665"/>
+            <a:ext cx="2698036" cy="1875034"/>
+            <a:chOff x="6045272" y="1186665"/>
+            <a:chExt cx="2698036" cy="1875034"/>
           </a:xfrm>
         </p:grpSpPr>
         <p:sp>
@@ -3528,10 +3530,10 @@
           </p:nvGrpSpPr>
           <p:grpSpPr>
             <a:xfrm>
-              <a:off x="6064322" y="1186665"/>
-              <a:ext cx="2678986" cy="1885965"/>
-              <a:chOff x="6064322" y="1186665"/>
-              <a:chExt cx="2678986" cy="1885965"/>
+              <a:off x="6045272" y="1205715"/>
+              <a:ext cx="2698036" cy="1854215"/>
+              <a:chOff x="6045272" y="1205715"/>
+              <a:chExt cx="2698036" cy="1854215"/>
             </a:xfrm>
             <a:solidFill>
               <a:schemeClr val="bg1"/>
@@ -3551,8 +3553,8 @@
             </p:nvSpPr>
             <p:spPr>
               <a:xfrm>
-                <a:off x="6066890" y="1186665"/>
-                <a:ext cx="2676418" cy="501065"/>
+                <a:off x="6066890" y="1205715"/>
+                <a:ext cx="2676418" cy="482015"/>
               </a:xfrm>
               <a:custGeom>
                 <a:avLst/>
@@ -3563,6 +3565,12 @@
                   <a:gd name="connsiteY1" fmla="*/ 498297 h 501065"/>
                   <a:gd name="connsiteX2" fmla="*/ 2676418 w 2676418"/>
                   <a:gd name="connsiteY2" fmla="*/ 164387 h 501065"/>
+                  <a:gd name="connsiteX0" fmla="*/ 0 w 2676418"/>
+                  <a:gd name="connsiteY0" fmla="*/ 0 h 482015"/>
+                  <a:gd name="connsiteX1" fmla="*/ 996593 w 2676418"/>
+                  <a:gd name="connsiteY1" fmla="*/ 479247 h 482015"/>
+                  <a:gd name="connsiteX2" fmla="*/ 2676418 w 2676418"/>
+                  <a:gd name="connsiteY2" fmla="*/ 145337 h 482015"/>
                 </a:gdLst>
                 <a:ahLst/>
                 <a:cxnLst>
@@ -3578,19 +3586,19 @@
                 </a:cxnLst>
                 <a:rect l="l" t="t" r="r" b="b"/>
                 <a:pathLst>
-                  <a:path w="2676418" h="501065">
+                  <a:path w="2676418" h="482015">
                     <a:moveTo>
                       <a:pt x="0" y="0"/>
                     </a:moveTo>
                     <a:cubicBezTo>
                       <a:pt x="275261" y="235449"/>
-                      <a:pt x="550523" y="470899"/>
-                      <a:pt x="996593" y="498297"/>
+                      <a:pt x="550523" y="451849"/>
+                      <a:pt x="996593" y="479247"/>
                     </a:cubicBezTo>
                     <a:cubicBezTo>
-                      <a:pt x="1442663" y="525695"/>
-                      <a:pt x="2059540" y="345041"/>
-                      <a:pt x="2676418" y="164387"/>
+                      <a:pt x="1442663" y="506645"/>
+                      <a:pt x="2059540" y="325991"/>
+                      <a:pt x="2676418" y="145337"/>
                     </a:cubicBezTo>
                   </a:path>
                 </a:pathLst>
@@ -3636,8 +3644,8 @@
             </p:nvSpPr>
             <p:spPr>
               <a:xfrm flipV="1">
-                <a:off x="6064322" y="2571565"/>
-                <a:ext cx="2676418" cy="501065"/>
+                <a:off x="6045272" y="2571565"/>
+                <a:ext cx="2695468" cy="488365"/>
               </a:xfrm>
               <a:custGeom>
                 <a:avLst/>
@@ -3648,6 +3656,12 @@
                   <a:gd name="connsiteY1" fmla="*/ 498297 h 501065"/>
                   <a:gd name="connsiteX2" fmla="*/ 2676418 w 2676418"/>
                   <a:gd name="connsiteY2" fmla="*/ 164387 h 501065"/>
+                  <a:gd name="connsiteX0" fmla="*/ 0 w 2695468"/>
+                  <a:gd name="connsiteY0" fmla="*/ 0 h 488365"/>
+                  <a:gd name="connsiteX1" fmla="*/ 1015643 w 2695468"/>
+                  <a:gd name="connsiteY1" fmla="*/ 485597 h 488365"/>
+                  <a:gd name="connsiteX2" fmla="*/ 2695468 w 2695468"/>
+                  <a:gd name="connsiteY2" fmla="*/ 151687 h 488365"/>
                 </a:gdLst>
                 <a:ahLst/>
                 <a:cxnLst>
@@ -3663,19 +3677,19 @@
                 </a:cxnLst>
                 <a:rect l="l" t="t" r="r" b="b"/>
                 <a:pathLst>
-                  <a:path w="2676418" h="501065">
+                  <a:path w="2695468" h="488365">
                     <a:moveTo>
                       <a:pt x="0" y="0"/>
                     </a:moveTo>
                     <a:cubicBezTo>
                       <a:pt x="275261" y="235449"/>
-                      <a:pt x="550523" y="470899"/>
-                      <a:pt x="996593" y="498297"/>
+                      <a:pt x="569573" y="458199"/>
+                      <a:pt x="1015643" y="485597"/>
                     </a:cubicBezTo>
                     <a:cubicBezTo>
-                      <a:pt x="1442663" y="525695"/>
-                      <a:pt x="2059540" y="345041"/>
-                      <a:pt x="2676418" y="164387"/>
+                      <a:pt x="1461713" y="512995"/>
+                      <a:pt x="2078590" y="332341"/>
+                      <a:pt x="2695468" y="151687"/>
                     </a:cubicBezTo>
                   </a:path>
                 </a:pathLst>
@@ -3725,8 +3739,8 @@
             </p:nvCxnSpPr>
             <p:spPr>
               <a:xfrm flipH="1">
-                <a:off x="6064322" y="1186665"/>
-                <a:ext cx="2568" cy="1885965"/>
+                <a:off x="6045272" y="1205715"/>
+                <a:ext cx="21618" cy="1854215"/>
               </a:xfrm>
               <a:prstGeom prst="line">
                 <a:avLst/>
@@ -4680,13 +4694,15 @@
               </a:ext>
             </a:extLst>
           </p:cNvPr>
-          <p:cNvCxnSpPr/>
+          <p:cNvCxnSpPr>
+            <a:cxnSpLocks/>
+          </p:cNvCxnSpPr>
           <p:nvPr/>
         </p:nvCxnSpPr>
         <p:spPr>
           <a:xfrm>
-            <a:off x="4441402" y="3346575"/>
-            <a:ext cx="4459768" cy="0"/>
+            <a:off x="6061754" y="3346575"/>
+            <a:ext cx="2662682" cy="0"/>
           </a:xfrm>
           <a:prstGeom prst="straightConnector1">
             <a:avLst/>
@@ -4695,7 +4711,6167 @@
             <a:solidFill>
               <a:schemeClr val="tx1"/>
             </a:solidFill>
-            <a:tailEnd type="stealth" w="lg" len="lg"/>
+            <a:headEnd type="triangle" w="lg" len="lg"/>
+            <a:tailEnd type="triangle" w="lg" len="lg"/>
+          </a:ln>
+        </p:spPr>
+        <p:style>
+          <a:lnRef idx="1">
+            <a:schemeClr val="accent1"/>
+          </a:lnRef>
+          <a:fillRef idx="0">
+            <a:schemeClr val="accent1"/>
+          </a:fillRef>
+          <a:effectRef idx="0">
+            <a:schemeClr val="accent1"/>
+          </a:effectRef>
+          <a:fontRef idx="minor">
+            <a:schemeClr val="tx1"/>
+          </a:fontRef>
+        </p:style>
+      </p:cxnSp>
+      <mc:AlternateContent xmlns:mc="http://schemas.openxmlformats.org/markup-compatibility/2006">
+        <mc:Choice xmlns:a14="http://schemas.microsoft.com/office/drawing/2010/main" Requires="a14">
+          <p:sp>
+            <p:nvSpPr>
+              <p:cNvPr id="44" name="TextBox 43">
+                <a:extLst>
+                  <a:ext uri="{FF2B5EF4-FFF2-40B4-BE49-F238E27FC236}">
+                    <a16:creationId xmlns:a16="http://schemas.microsoft.com/office/drawing/2014/main" id="{35D5F133-3BA1-468D-9236-09B55B87734A}"/>
+                  </a:ext>
+                </a:extLst>
+              </p:cNvPr>
+              <p:cNvSpPr txBox="1"/>
+              <p:nvPr/>
+            </p:nvSpPr>
+            <p:spPr>
+              <a:xfrm>
+                <a:off x="6572677" y="3333875"/>
+                <a:ext cx="1466850" cy="369332"/>
+              </a:xfrm>
+              <a:prstGeom prst="rect">
+                <a:avLst/>
+              </a:prstGeom>
+              <a:noFill/>
+            </p:spPr>
+            <p:txBody>
+              <a:bodyPr wrap="square" rtlCol="0">
+                <a:spAutoFit/>
+              </a:bodyPr>
+              <a:lstStyle/>
+              <a:p>
+                <a:pPr/>
+                <a14:m>
+                  <m:oMathPara xmlns:m="http://schemas.openxmlformats.org/officeDocument/2006/math">
+                    <m:oMathParaPr>
+                      <m:jc m:val="centerGroup"/>
+                    </m:oMathParaPr>
+                    <m:oMath xmlns:m="http://schemas.openxmlformats.org/officeDocument/2006/math">
+                      <m:r>
+                        <a:rPr lang="en-US" b="0" i="1" smtClean="0">
+                          <a:latin typeface="Cambria Math" panose="02040503050406030204" pitchFamily="18" charset="0"/>
+                        </a:rPr>
+                        <m:t>𝐿</m:t>
+                      </m:r>
+                    </m:oMath>
+                  </m:oMathPara>
+                </a14:m>
+                <a:endParaRPr lang="en-US" dirty="0"/>
+              </a:p>
+            </p:txBody>
+          </p:sp>
+        </mc:Choice>
+        <mc:Fallback>
+          <p:sp>
+            <p:nvSpPr>
+              <p:cNvPr id="44" name="TextBox 43">
+                <a:extLst>
+                  <a:ext uri="{FF2B5EF4-FFF2-40B4-BE49-F238E27FC236}">
+                    <a16:creationId xmlns:a16="http://schemas.microsoft.com/office/drawing/2014/main" id="{35D5F133-3BA1-468D-9236-09B55B87734A}"/>
+                  </a:ext>
+                </a:extLst>
+              </p:cNvPr>
+              <p:cNvSpPr txBox="1">
+                <a:spLocks noRot="1" noChangeAspect="1" noMove="1" noResize="1" noEditPoints="1" noAdjustHandles="1" noChangeArrowheads="1" noChangeShapeType="1" noTextEdit="1"/>
+              </p:cNvSpPr>
+              <p:nvPr/>
+            </p:nvSpPr>
+            <p:spPr>
+              <a:xfrm>
+                <a:off x="6572677" y="3333875"/>
+                <a:ext cx="1466850" cy="369332"/>
+              </a:xfrm>
+              <a:prstGeom prst="rect">
+                <a:avLst/>
+              </a:prstGeom>
+              <a:blipFill>
+                <a:blip r:embed="rId5"/>
+                <a:stretch>
+                  <a:fillRect/>
+                </a:stretch>
+              </a:blipFill>
+            </p:spPr>
+            <p:txBody>
+              <a:bodyPr/>
+              <a:lstStyle/>
+              <a:p>
+                <a:r>
+                  <a:rPr lang="en-US">
+                    <a:noFill/>
+                  </a:rPr>
+                  <a:t> </a:t>
+                </a:r>
+              </a:p>
+            </p:txBody>
+          </p:sp>
+        </mc:Fallback>
+      </mc:AlternateContent>
+    </p:spTree>
+    <p:extLst>
+      <p:ext uri="{BB962C8B-B14F-4D97-AF65-F5344CB8AC3E}">
+        <p14:creationId xmlns:p14="http://schemas.microsoft.com/office/powerpoint/2010/main" val="1700463723"/>
+      </p:ext>
+    </p:extLst>
+  </p:cSld>
+  <p:clrMapOvr>
+    <a:masterClrMapping/>
+  </p:clrMapOvr>
+</p:sld>
+</file>
+
+<file path=ppt/slides/slide2.xml><?xml version="1.0" encoding="utf-8"?>
+<p:sld xmlns:a="http://schemas.openxmlformats.org/drawingml/2006/main" xmlns:r="http://schemas.openxmlformats.org/officeDocument/2006/relationships" xmlns:p="http://schemas.openxmlformats.org/presentationml/2006/main">
+  <p:cSld>
+    <p:spTree>
+      <p:nvGrpSpPr>
+        <p:cNvPr id="1" name=""/>
+        <p:cNvGrpSpPr/>
+        <p:nvPr/>
+      </p:nvGrpSpPr>
+      <p:grpSpPr>
+        <a:xfrm>
+          <a:off x="0" y="0"/>
+          <a:ext cx="0" cy="0"/>
+          <a:chOff x="0" y="0"/>
+          <a:chExt cx="0" cy="0"/>
+        </a:xfrm>
+      </p:grpSpPr>
+      <p:cxnSp>
+        <p:nvCxnSpPr>
+          <p:cNvPr id="5" name="Straight Arrow Connector 4">
+            <a:extLst>
+              <a:ext uri="{FF2B5EF4-FFF2-40B4-BE49-F238E27FC236}">
+                <a16:creationId xmlns:a16="http://schemas.microsoft.com/office/drawing/2014/main" id="{7420E330-B0E1-69EA-7656-FC9E67AC5E36}"/>
+              </a:ext>
+            </a:extLst>
+          </p:cNvPr>
+          <p:cNvCxnSpPr/>
+          <p:nvPr/>
+        </p:nvCxnSpPr>
+        <p:spPr>
+          <a:xfrm>
+            <a:off x="4127500" y="4089400"/>
+            <a:ext cx="6337300" cy="0"/>
+          </a:xfrm>
+          <a:prstGeom prst="straightConnector1">
+            <a:avLst/>
+          </a:prstGeom>
+          <a:ln>
+            <a:solidFill>
+              <a:schemeClr val="tx1"/>
+            </a:solidFill>
+            <a:tailEnd type="triangle"/>
+          </a:ln>
+        </p:spPr>
+        <p:style>
+          <a:lnRef idx="1">
+            <a:schemeClr val="accent1"/>
+          </a:lnRef>
+          <a:fillRef idx="0">
+            <a:schemeClr val="accent1"/>
+          </a:fillRef>
+          <a:effectRef idx="0">
+            <a:schemeClr val="accent1"/>
+          </a:effectRef>
+          <a:fontRef idx="minor">
+            <a:schemeClr val="tx1"/>
+          </a:fontRef>
+        </p:style>
+      </p:cxnSp>
+      <p:sp>
+        <p:nvSpPr>
+          <p:cNvPr id="6" name="TextBox 5">
+            <a:extLst>
+              <a:ext uri="{FF2B5EF4-FFF2-40B4-BE49-F238E27FC236}">
+                <a16:creationId xmlns:a16="http://schemas.microsoft.com/office/drawing/2014/main" id="{3CB9046C-290D-CC7E-2666-179E03EC7D62}"/>
+              </a:ext>
+            </a:extLst>
+          </p:cNvPr>
+          <p:cNvSpPr txBox="1"/>
+          <p:nvPr/>
+        </p:nvSpPr>
+        <p:spPr>
+          <a:xfrm>
+            <a:off x="5943600" y="4515363"/>
+            <a:ext cx="2206626" cy="369332"/>
+          </a:xfrm>
+          <a:prstGeom prst="rect">
+            <a:avLst/>
+          </a:prstGeom>
+          <a:noFill/>
+        </p:spPr>
+        <p:txBody>
+          <a:bodyPr wrap="square" rtlCol="0">
+            <a:spAutoFit/>
+          </a:bodyPr>
+          <a:lstStyle/>
+          <a:p>
+            <a:r>
+              <a:rPr lang="en-US" dirty="0"/>
+              <a:t>distance down nozzle</a:t>
+            </a:r>
+          </a:p>
+        </p:txBody>
+      </p:sp>
+      <p:cxnSp>
+        <p:nvCxnSpPr>
+          <p:cNvPr id="7" name="Straight Arrow Connector 6">
+            <a:extLst>
+              <a:ext uri="{FF2B5EF4-FFF2-40B4-BE49-F238E27FC236}">
+                <a16:creationId xmlns:a16="http://schemas.microsoft.com/office/drawing/2014/main" id="{885BF2C7-4E5C-4C30-41AA-80F25520D267}"/>
+              </a:ext>
+            </a:extLst>
+          </p:cNvPr>
+          <p:cNvCxnSpPr>
+            <a:cxnSpLocks/>
+          </p:cNvCxnSpPr>
+          <p:nvPr/>
+        </p:nvCxnSpPr>
+        <p:spPr>
+          <a:xfrm flipV="1">
+            <a:off x="4279900" y="304800"/>
+            <a:ext cx="0" cy="3937000"/>
+          </a:xfrm>
+          <a:prstGeom prst="straightConnector1">
+            <a:avLst/>
+          </a:prstGeom>
+          <a:ln>
+            <a:solidFill>
+              <a:schemeClr val="tx1"/>
+            </a:solidFill>
+            <a:tailEnd type="triangle"/>
+          </a:ln>
+        </p:spPr>
+        <p:style>
+          <a:lnRef idx="1">
+            <a:schemeClr val="accent1"/>
+          </a:lnRef>
+          <a:fillRef idx="0">
+            <a:schemeClr val="accent1"/>
+          </a:fillRef>
+          <a:effectRef idx="0">
+            <a:schemeClr val="accent1"/>
+          </a:effectRef>
+          <a:fontRef idx="minor">
+            <a:schemeClr val="tx1"/>
+          </a:fontRef>
+        </p:style>
+      </p:cxnSp>
+      <p:sp>
+        <p:nvSpPr>
+          <p:cNvPr id="9" name="TextBox 8">
+            <a:extLst>
+              <a:ext uri="{FF2B5EF4-FFF2-40B4-BE49-F238E27FC236}">
+                <a16:creationId xmlns:a16="http://schemas.microsoft.com/office/drawing/2014/main" id="{D599704D-0485-7E0B-C177-6E15EFFBC711}"/>
+              </a:ext>
+            </a:extLst>
+          </p:cNvPr>
+          <p:cNvSpPr txBox="1"/>
+          <p:nvPr/>
+        </p:nvSpPr>
+        <p:spPr>
+          <a:xfrm rot="16200000">
+            <a:off x="2960778" y="2088634"/>
+            <a:ext cx="1246560" cy="369332"/>
+          </a:xfrm>
+          <a:prstGeom prst="rect">
+            <a:avLst/>
+          </a:prstGeom>
+          <a:noFill/>
+        </p:spPr>
+        <p:txBody>
+          <a:bodyPr wrap="none" rtlCol="0">
+            <a:spAutoFit/>
+          </a:bodyPr>
+          <a:lstStyle/>
+          <a:p>
+            <a:r>
+              <a:rPr lang="en-US" dirty="0"/>
+              <a:t>Flow speed</a:t>
+            </a:r>
+          </a:p>
+        </p:txBody>
+      </p:sp>
+      <mc:AlternateContent xmlns:mc="http://schemas.openxmlformats.org/markup-compatibility/2006">
+        <mc:Choice xmlns:a14="http://schemas.microsoft.com/office/drawing/2010/main" Requires="a14">
+          <p:sp>
+            <p:nvSpPr>
+              <p:cNvPr id="10" name="TextBox 9">
+                <a:extLst>
+                  <a:ext uri="{FF2B5EF4-FFF2-40B4-BE49-F238E27FC236}">
+                    <a16:creationId xmlns:a16="http://schemas.microsoft.com/office/drawing/2014/main" id="{B4C874F3-D63A-771D-8195-E108A7728701}"/>
+                  </a:ext>
+                </a:extLst>
+              </p:cNvPr>
+              <p:cNvSpPr txBox="1"/>
+              <p:nvPr/>
+            </p:nvSpPr>
+            <p:spPr>
+              <a:xfrm>
+                <a:off x="8667750" y="4155042"/>
+                <a:ext cx="304800" cy="369332"/>
+              </a:xfrm>
+              <a:prstGeom prst="rect">
+                <a:avLst/>
+              </a:prstGeom>
+              <a:noFill/>
+            </p:spPr>
+            <p:txBody>
+              <a:bodyPr wrap="square" rtlCol="0">
+                <a:spAutoFit/>
+              </a:bodyPr>
+              <a:lstStyle/>
+              <a:p>
+                <a14:m>
+                  <m:oMathPara xmlns:m="http://schemas.openxmlformats.org/officeDocument/2006/math">
+                    <m:oMathParaPr>
+                      <m:jc m:val="centerGroup"/>
+                    </m:oMathParaPr>
+                    <m:oMath xmlns:m="http://schemas.openxmlformats.org/officeDocument/2006/math">
+                      <m:r>
+                        <a:rPr lang="en-US" b="0" i="1" smtClean="0">
+                          <a:latin typeface="Cambria Math" panose="02040503050406030204" pitchFamily="18" charset="0"/>
+                        </a:rPr>
+                        <m:t>𝐿</m:t>
+                      </m:r>
+                    </m:oMath>
+                  </m:oMathPara>
+                </a14:m>
+                <a:endParaRPr lang="en-US" dirty="0"/>
+              </a:p>
+            </p:txBody>
+          </p:sp>
+        </mc:Choice>
+        <mc:Fallback>
+          <p:sp>
+            <p:nvSpPr>
+              <p:cNvPr id="10" name="TextBox 9">
+                <a:extLst>
+                  <a:ext uri="{FF2B5EF4-FFF2-40B4-BE49-F238E27FC236}">
+                    <a16:creationId xmlns:a16="http://schemas.microsoft.com/office/drawing/2014/main" id="{B4C874F3-D63A-771D-8195-E108A7728701}"/>
+                  </a:ext>
+                </a:extLst>
+              </p:cNvPr>
+              <p:cNvSpPr txBox="1">
+                <a:spLocks noRot="1" noChangeAspect="1" noMove="1" noResize="1" noEditPoints="1" noAdjustHandles="1" noChangeArrowheads="1" noChangeShapeType="1" noTextEdit="1"/>
+              </p:cNvSpPr>
+              <p:nvPr/>
+            </p:nvSpPr>
+            <p:spPr>
+              <a:xfrm>
+                <a:off x="8667750" y="4155042"/>
+                <a:ext cx="304800" cy="369332"/>
+              </a:xfrm>
+              <a:prstGeom prst="rect">
+                <a:avLst/>
+              </a:prstGeom>
+              <a:blipFill>
+                <a:blip r:embed="rId2"/>
+                <a:stretch>
+                  <a:fillRect/>
+                </a:stretch>
+              </a:blipFill>
+            </p:spPr>
+            <p:txBody>
+              <a:bodyPr/>
+              <a:lstStyle/>
+              <a:p>
+                <a:r>
+                  <a:rPr lang="en-US">
+                    <a:noFill/>
+                  </a:rPr>
+                  <a:t> </a:t>
+                </a:r>
+              </a:p>
+            </p:txBody>
+          </p:sp>
+        </mc:Fallback>
+      </mc:AlternateContent>
+      <p:cxnSp>
+        <p:nvCxnSpPr>
+          <p:cNvPr id="12" name="Straight Connector 11">
+            <a:extLst>
+              <a:ext uri="{FF2B5EF4-FFF2-40B4-BE49-F238E27FC236}">
+                <a16:creationId xmlns:a16="http://schemas.microsoft.com/office/drawing/2014/main" id="{E6C6166C-B259-8D9D-490E-9D11AC105BEB}"/>
+              </a:ext>
+            </a:extLst>
+          </p:cNvPr>
+          <p:cNvCxnSpPr>
+            <a:cxnSpLocks/>
+          </p:cNvCxnSpPr>
+          <p:nvPr/>
+        </p:nvCxnSpPr>
+        <p:spPr>
+          <a:xfrm>
+            <a:off x="8820150" y="4013200"/>
+            <a:ext cx="0" cy="142359"/>
+          </a:xfrm>
+          <a:prstGeom prst="line">
+            <a:avLst/>
+          </a:prstGeom>
+        </p:spPr>
+        <p:style>
+          <a:lnRef idx="1">
+            <a:schemeClr val="accent1"/>
+          </a:lnRef>
+          <a:fillRef idx="0">
+            <a:schemeClr val="accent1"/>
+          </a:fillRef>
+          <a:effectRef idx="0">
+            <a:schemeClr val="accent1"/>
+          </a:effectRef>
+          <a:fontRef idx="minor">
+            <a:schemeClr val="tx1"/>
+          </a:fontRef>
+        </p:style>
+      </p:cxnSp>
+      <mc:AlternateContent xmlns:mc="http://schemas.openxmlformats.org/markup-compatibility/2006">
+        <mc:Choice xmlns:a14="http://schemas.microsoft.com/office/drawing/2010/main" Requires="a14">
+          <p:sp>
+            <p:nvSpPr>
+              <p:cNvPr id="15" name="TextBox 14">
+                <a:extLst>
+                  <a:ext uri="{FF2B5EF4-FFF2-40B4-BE49-F238E27FC236}">
+                    <a16:creationId xmlns:a16="http://schemas.microsoft.com/office/drawing/2014/main" id="{92E9C453-18EB-005F-081C-566F3558B069}"/>
+                  </a:ext>
+                </a:extLst>
+              </p:cNvPr>
+              <p:cNvSpPr txBox="1"/>
+              <p:nvPr/>
+            </p:nvSpPr>
+            <p:spPr>
+              <a:xfrm>
+                <a:off x="4121149" y="4155042"/>
+                <a:ext cx="304800" cy="369332"/>
+              </a:xfrm>
+              <a:prstGeom prst="rect">
+                <a:avLst/>
+              </a:prstGeom>
+              <a:noFill/>
+            </p:spPr>
+            <p:txBody>
+              <a:bodyPr wrap="square" rtlCol="0">
+                <a:spAutoFit/>
+              </a:bodyPr>
+              <a:lstStyle/>
+              <a:p>
+                <a14:m>
+                  <m:oMathPara xmlns:m="http://schemas.openxmlformats.org/officeDocument/2006/math">
+                    <m:oMathParaPr>
+                      <m:jc m:val="centerGroup"/>
+                    </m:oMathParaPr>
+                    <m:oMath xmlns:m="http://schemas.openxmlformats.org/officeDocument/2006/math">
+                      <m:r>
+                        <a:rPr lang="en-US" b="0" i="1" smtClean="0">
+                          <a:latin typeface="Cambria Math" panose="02040503050406030204" pitchFamily="18" charset="0"/>
+                        </a:rPr>
+                        <m:t>0</m:t>
+                      </m:r>
+                    </m:oMath>
+                  </m:oMathPara>
+                </a14:m>
+                <a:endParaRPr lang="en-US" dirty="0"/>
+              </a:p>
+            </p:txBody>
+          </p:sp>
+        </mc:Choice>
+        <mc:Fallback>
+          <p:sp>
+            <p:nvSpPr>
+              <p:cNvPr id="15" name="TextBox 14">
+                <a:extLst>
+                  <a:ext uri="{FF2B5EF4-FFF2-40B4-BE49-F238E27FC236}">
+                    <a16:creationId xmlns:a16="http://schemas.microsoft.com/office/drawing/2014/main" id="{92E9C453-18EB-005F-081C-566F3558B069}"/>
+                  </a:ext>
+                </a:extLst>
+              </p:cNvPr>
+              <p:cNvSpPr txBox="1">
+                <a:spLocks noRot="1" noChangeAspect="1" noMove="1" noResize="1" noEditPoints="1" noAdjustHandles="1" noChangeArrowheads="1" noChangeShapeType="1" noTextEdit="1"/>
+              </p:cNvSpPr>
+              <p:nvPr/>
+            </p:nvSpPr>
+            <p:spPr>
+              <a:xfrm>
+                <a:off x="4121149" y="4155042"/>
+                <a:ext cx="304800" cy="369332"/>
+              </a:xfrm>
+              <a:prstGeom prst="rect">
+                <a:avLst/>
+              </a:prstGeom>
+              <a:blipFill>
+                <a:blip r:embed="rId3"/>
+                <a:stretch>
+                  <a:fillRect/>
+                </a:stretch>
+              </a:blipFill>
+            </p:spPr>
+            <p:txBody>
+              <a:bodyPr/>
+              <a:lstStyle/>
+              <a:p>
+                <a:r>
+                  <a:rPr lang="en-US">
+                    <a:noFill/>
+                  </a:rPr>
+                  <a:t> </a:t>
+                </a:r>
+              </a:p>
+            </p:txBody>
+          </p:sp>
+        </mc:Fallback>
+      </mc:AlternateContent>
+      <mc:AlternateContent xmlns:mc="http://schemas.openxmlformats.org/markup-compatibility/2006">
+        <mc:Choice xmlns:a14="http://schemas.microsoft.com/office/drawing/2010/main" Requires="a14">
+          <p:sp>
+            <p:nvSpPr>
+              <p:cNvPr id="16" name="TextBox 15">
+                <a:extLst>
+                  <a:ext uri="{FF2B5EF4-FFF2-40B4-BE49-F238E27FC236}">
+                    <a16:creationId xmlns:a16="http://schemas.microsoft.com/office/drawing/2014/main" id="{D45C76C3-D18D-7B14-AA6A-C145B36A1C2A}"/>
+                  </a:ext>
+                </a:extLst>
+              </p:cNvPr>
+              <p:cNvSpPr txBox="1"/>
+              <p:nvPr/>
+            </p:nvSpPr>
+            <p:spPr>
+              <a:xfrm>
+                <a:off x="3768724" y="3879334"/>
+                <a:ext cx="304800" cy="369332"/>
+              </a:xfrm>
+              <a:prstGeom prst="rect">
+                <a:avLst/>
+              </a:prstGeom>
+              <a:noFill/>
+            </p:spPr>
+            <p:txBody>
+              <a:bodyPr wrap="square" rtlCol="0">
+                <a:spAutoFit/>
+              </a:bodyPr>
+              <a:lstStyle/>
+              <a:p>
+                <a14:m>
+                  <m:oMathPara xmlns:m="http://schemas.openxmlformats.org/officeDocument/2006/math">
+                    <m:oMathParaPr>
+                      <m:jc m:val="centerGroup"/>
+                    </m:oMathParaPr>
+                    <m:oMath xmlns:m="http://schemas.openxmlformats.org/officeDocument/2006/math">
+                      <m:r>
+                        <a:rPr lang="en-US" b="0" i="1" smtClean="0">
+                          <a:latin typeface="Cambria Math" panose="02040503050406030204" pitchFamily="18" charset="0"/>
+                        </a:rPr>
+                        <m:t>0</m:t>
+                      </m:r>
+                    </m:oMath>
+                  </m:oMathPara>
+                </a14:m>
+                <a:endParaRPr lang="en-US" dirty="0"/>
+              </a:p>
+            </p:txBody>
+          </p:sp>
+        </mc:Choice>
+        <mc:Fallback>
+          <p:sp>
+            <p:nvSpPr>
+              <p:cNvPr id="16" name="TextBox 15">
+                <a:extLst>
+                  <a:ext uri="{FF2B5EF4-FFF2-40B4-BE49-F238E27FC236}">
+                    <a16:creationId xmlns:a16="http://schemas.microsoft.com/office/drawing/2014/main" id="{D45C76C3-D18D-7B14-AA6A-C145B36A1C2A}"/>
+                  </a:ext>
+                </a:extLst>
+              </p:cNvPr>
+              <p:cNvSpPr txBox="1">
+                <a:spLocks noRot="1" noChangeAspect="1" noMove="1" noResize="1" noEditPoints="1" noAdjustHandles="1" noChangeArrowheads="1" noChangeShapeType="1" noTextEdit="1"/>
+              </p:cNvSpPr>
+              <p:nvPr/>
+            </p:nvSpPr>
+            <p:spPr>
+              <a:xfrm>
+                <a:off x="3768724" y="3879334"/>
+                <a:ext cx="304800" cy="369332"/>
+              </a:xfrm>
+              <a:prstGeom prst="rect">
+                <a:avLst/>
+              </a:prstGeom>
+              <a:blipFill>
+                <a:blip r:embed="rId4"/>
+                <a:stretch>
+                  <a:fillRect/>
+                </a:stretch>
+              </a:blipFill>
+            </p:spPr>
+            <p:txBody>
+              <a:bodyPr/>
+              <a:lstStyle/>
+              <a:p>
+                <a:r>
+                  <a:rPr lang="en-US">
+                    <a:noFill/>
+                  </a:rPr>
+                  <a:t> </a:t>
+                </a:r>
+              </a:p>
+            </p:txBody>
+          </p:sp>
+        </mc:Fallback>
+      </mc:AlternateContent>
+      <p:cxnSp>
+        <p:nvCxnSpPr>
+          <p:cNvPr id="17" name="Straight Connector 16">
+            <a:extLst>
+              <a:ext uri="{FF2B5EF4-FFF2-40B4-BE49-F238E27FC236}">
+                <a16:creationId xmlns:a16="http://schemas.microsoft.com/office/drawing/2014/main" id="{2D42EFFB-215C-9BDA-CC58-DEA6C323B9A9}"/>
+              </a:ext>
+            </a:extLst>
+          </p:cNvPr>
+          <p:cNvCxnSpPr>
+            <a:cxnSpLocks/>
+          </p:cNvCxnSpPr>
+          <p:nvPr/>
+        </p:nvCxnSpPr>
+        <p:spPr>
+          <a:xfrm rot="16200000">
+            <a:off x="4273551" y="2317750"/>
+            <a:ext cx="0" cy="142359"/>
+          </a:xfrm>
+          <a:prstGeom prst="line">
+            <a:avLst/>
+          </a:prstGeom>
+        </p:spPr>
+        <p:style>
+          <a:lnRef idx="1">
+            <a:schemeClr val="accent1"/>
+          </a:lnRef>
+          <a:fillRef idx="0">
+            <a:schemeClr val="accent1"/>
+          </a:fillRef>
+          <a:effectRef idx="0">
+            <a:schemeClr val="accent1"/>
+          </a:effectRef>
+          <a:fontRef idx="minor">
+            <a:schemeClr val="tx1"/>
+          </a:fontRef>
+        </p:style>
+      </p:cxnSp>
+      <mc:AlternateContent xmlns:mc="http://schemas.openxmlformats.org/markup-compatibility/2006">
+        <mc:Choice xmlns:a14="http://schemas.microsoft.com/office/drawing/2010/main" Requires="a14">
+          <p:sp>
+            <p:nvSpPr>
+              <p:cNvPr id="18" name="TextBox 17">
+                <a:extLst>
+                  <a:ext uri="{FF2B5EF4-FFF2-40B4-BE49-F238E27FC236}">
+                    <a16:creationId xmlns:a16="http://schemas.microsoft.com/office/drawing/2014/main" id="{075AFA42-488C-7658-0EE7-1FD277B9BC7C}"/>
+                  </a:ext>
+                </a:extLst>
+              </p:cNvPr>
+              <p:cNvSpPr txBox="1"/>
+              <p:nvPr/>
+            </p:nvSpPr>
+            <p:spPr>
+              <a:xfrm>
+                <a:off x="3814097" y="2204263"/>
+                <a:ext cx="304800" cy="369332"/>
+              </a:xfrm>
+              <a:prstGeom prst="rect">
+                <a:avLst/>
+              </a:prstGeom>
+              <a:noFill/>
+            </p:spPr>
+            <p:txBody>
+              <a:bodyPr wrap="square" rtlCol="0">
+                <a:spAutoFit/>
+              </a:bodyPr>
+              <a:lstStyle/>
+              <a:p>
+                <a14:m>
+                  <m:oMathPara xmlns:m="http://schemas.openxmlformats.org/officeDocument/2006/math">
+                    <m:oMathParaPr>
+                      <m:jc m:val="centerGroup"/>
+                    </m:oMathParaPr>
+                    <m:oMath xmlns:m="http://schemas.openxmlformats.org/officeDocument/2006/math">
+                      <m:r>
+                        <a:rPr lang="en-US" b="0" i="1" smtClean="0">
+                          <a:latin typeface="Cambria Math" panose="02040503050406030204" pitchFamily="18" charset="0"/>
+                        </a:rPr>
+                        <m:t>1</m:t>
+                      </m:r>
+                    </m:oMath>
+                  </m:oMathPara>
+                </a14:m>
+                <a:endParaRPr lang="en-US" dirty="0"/>
+              </a:p>
+            </p:txBody>
+          </p:sp>
+        </mc:Choice>
+        <mc:Fallback>
+          <p:sp>
+            <p:nvSpPr>
+              <p:cNvPr id="18" name="TextBox 17">
+                <a:extLst>
+                  <a:ext uri="{FF2B5EF4-FFF2-40B4-BE49-F238E27FC236}">
+                    <a16:creationId xmlns:a16="http://schemas.microsoft.com/office/drawing/2014/main" id="{075AFA42-488C-7658-0EE7-1FD277B9BC7C}"/>
+                  </a:ext>
+                </a:extLst>
+              </p:cNvPr>
+              <p:cNvSpPr txBox="1">
+                <a:spLocks noRot="1" noChangeAspect="1" noMove="1" noResize="1" noEditPoints="1" noAdjustHandles="1" noChangeArrowheads="1" noChangeShapeType="1" noTextEdit="1"/>
+              </p:cNvSpPr>
+              <p:nvPr/>
+            </p:nvSpPr>
+            <p:spPr>
+              <a:xfrm>
+                <a:off x="3814097" y="2204263"/>
+                <a:ext cx="304800" cy="369332"/>
+              </a:xfrm>
+              <a:prstGeom prst="rect">
+                <a:avLst/>
+              </a:prstGeom>
+              <a:blipFill>
+                <a:blip r:embed="rId5"/>
+                <a:stretch>
+                  <a:fillRect/>
+                </a:stretch>
+              </a:blipFill>
+            </p:spPr>
+            <p:txBody>
+              <a:bodyPr/>
+              <a:lstStyle/>
+              <a:p>
+                <a:r>
+                  <a:rPr lang="en-US">
+                    <a:noFill/>
+                  </a:rPr>
+                  <a:t> </a:t>
+                </a:r>
+              </a:p>
+            </p:txBody>
+          </p:sp>
+        </mc:Fallback>
+      </mc:AlternateContent>
+      <mc:AlternateContent xmlns:mc="http://schemas.openxmlformats.org/markup-compatibility/2006">
+        <mc:Choice xmlns:a14="http://schemas.microsoft.com/office/drawing/2010/main" Requires="a14">
+          <p:sp>
+            <p:nvSpPr>
+              <p:cNvPr id="19" name="TextBox 18">
+                <a:extLst>
+                  <a:ext uri="{FF2B5EF4-FFF2-40B4-BE49-F238E27FC236}">
+                    <a16:creationId xmlns:a16="http://schemas.microsoft.com/office/drawing/2014/main" id="{A48A0604-B94A-968F-785E-A2819B4190D5}"/>
+                  </a:ext>
+                </a:extLst>
+              </p:cNvPr>
+              <p:cNvSpPr txBox="1"/>
+              <p:nvPr/>
+            </p:nvSpPr>
+            <p:spPr>
+              <a:xfrm>
+                <a:off x="5524498" y="4119858"/>
+                <a:ext cx="819150" cy="369332"/>
+              </a:xfrm>
+              <a:prstGeom prst="rect">
+                <a:avLst/>
+              </a:prstGeom>
+              <a:noFill/>
+            </p:spPr>
+            <p:txBody>
+              <a:bodyPr wrap="square" rtlCol="0">
+                <a:spAutoFit/>
+              </a:bodyPr>
+              <a:lstStyle/>
+              <a:p>
+                <a14:m>
+                  <m:oMathPara xmlns:m="http://schemas.openxmlformats.org/officeDocument/2006/math">
+                    <m:oMathParaPr>
+                      <m:jc m:val="centerGroup"/>
+                    </m:oMathParaPr>
+                    <m:oMath xmlns:m="http://schemas.openxmlformats.org/officeDocument/2006/math">
+                      <m:r>
+                        <a:rPr lang="en-US" b="0" i="1" smtClean="0">
+                          <a:latin typeface="Cambria Math" panose="02040503050406030204" pitchFamily="18" charset="0"/>
+                        </a:rPr>
+                        <m:t>𝑡h𝑟𝑜𝑎𝑡</m:t>
+                      </m:r>
+                    </m:oMath>
+                  </m:oMathPara>
+                </a14:m>
+                <a:endParaRPr lang="en-US" dirty="0"/>
+              </a:p>
+            </p:txBody>
+          </p:sp>
+        </mc:Choice>
+        <mc:Fallback>
+          <p:sp>
+            <p:nvSpPr>
+              <p:cNvPr id="19" name="TextBox 18">
+                <a:extLst>
+                  <a:ext uri="{FF2B5EF4-FFF2-40B4-BE49-F238E27FC236}">
+                    <a16:creationId xmlns:a16="http://schemas.microsoft.com/office/drawing/2014/main" id="{A48A0604-B94A-968F-785E-A2819B4190D5}"/>
+                  </a:ext>
+                </a:extLst>
+              </p:cNvPr>
+              <p:cNvSpPr txBox="1">
+                <a:spLocks noRot="1" noChangeAspect="1" noMove="1" noResize="1" noEditPoints="1" noAdjustHandles="1" noChangeArrowheads="1" noChangeShapeType="1" noTextEdit="1"/>
+              </p:cNvSpPr>
+              <p:nvPr/>
+            </p:nvSpPr>
+            <p:spPr>
+              <a:xfrm>
+                <a:off x="5524498" y="4119858"/>
+                <a:ext cx="819150" cy="369332"/>
+              </a:xfrm>
+              <a:prstGeom prst="rect">
+                <a:avLst/>
+              </a:prstGeom>
+              <a:blipFill>
+                <a:blip r:embed="rId6"/>
+                <a:stretch>
+                  <a:fillRect r="-2963"/>
+                </a:stretch>
+              </a:blipFill>
+            </p:spPr>
+            <p:txBody>
+              <a:bodyPr/>
+              <a:lstStyle/>
+              <a:p>
+                <a:r>
+                  <a:rPr lang="en-US">
+                    <a:noFill/>
+                  </a:rPr>
+                  <a:t> </a:t>
+                </a:r>
+              </a:p>
+            </p:txBody>
+          </p:sp>
+        </mc:Fallback>
+      </mc:AlternateContent>
+      <p:cxnSp>
+        <p:nvCxnSpPr>
+          <p:cNvPr id="20" name="Straight Connector 19">
+            <a:extLst>
+              <a:ext uri="{FF2B5EF4-FFF2-40B4-BE49-F238E27FC236}">
+                <a16:creationId xmlns:a16="http://schemas.microsoft.com/office/drawing/2014/main" id="{4B14768E-2B71-80D9-C185-90F03CC52902}"/>
+              </a:ext>
+            </a:extLst>
+          </p:cNvPr>
+          <p:cNvCxnSpPr>
+            <a:cxnSpLocks/>
+          </p:cNvCxnSpPr>
+          <p:nvPr/>
+        </p:nvCxnSpPr>
+        <p:spPr>
+          <a:xfrm>
+            <a:off x="5943600" y="4013200"/>
+            <a:ext cx="0" cy="142359"/>
+          </a:xfrm>
+          <a:prstGeom prst="line">
+            <a:avLst/>
+          </a:prstGeom>
+        </p:spPr>
+        <p:style>
+          <a:lnRef idx="1">
+            <a:schemeClr val="accent1"/>
+          </a:lnRef>
+          <a:fillRef idx="0">
+            <a:schemeClr val="accent1"/>
+          </a:fillRef>
+          <a:effectRef idx="0">
+            <a:schemeClr val="accent1"/>
+          </a:effectRef>
+          <a:fontRef idx="minor">
+            <a:schemeClr val="tx1"/>
+          </a:fontRef>
+        </p:style>
+      </p:cxnSp>
+      <p:cxnSp>
+        <p:nvCxnSpPr>
+          <p:cNvPr id="21" name="Straight Arrow Connector 20">
+            <a:extLst>
+              <a:ext uri="{FF2B5EF4-FFF2-40B4-BE49-F238E27FC236}">
+                <a16:creationId xmlns:a16="http://schemas.microsoft.com/office/drawing/2014/main" id="{CDD2A22F-0FCD-91B2-3559-8366B887E8F3}"/>
+              </a:ext>
+            </a:extLst>
+          </p:cNvPr>
+          <p:cNvCxnSpPr>
+            <a:cxnSpLocks/>
+          </p:cNvCxnSpPr>
+          <p:nvPr/>
+        </p:nvCxnSpPr>
+        <p:spPr>
+          <a:xfrm flipV="1">
+            <a:off x="5943600" y="304800"/>
+            <a:ext cx="0" cy="3937000"/>
+          </a:xfrm>
+          <a:prstGeom prst="straightConnector1">
+            <a:avLst/>
+          </a:prstGeom>
+          <a:ln>
+            <a:solidFill>
+              <a:schemeClr val="tx1"/>
+            </a:solidFill>
+            <a:prstDash val="dash"/>
+            <a:tailEnd type="none"/>
+          </a:ln>
+        </p:spPr>
+        <p:style>
+          <a:lnRef idx="1">
+            <a:schemeClr val="accent1"/>
+          </a:lnRef>
+          <a:fillRef idx="0">
+            <a:schemeClr val="accent1"/>
+          </a:fillRef>
+          <a:effectRef idx="0">
+            <a:schemeClr val="accent1"/>
+          </a:effectRef>
+          <a:fontRef idx="minor">
+            <a:schemeClr val="tx1"/>
+          </a:fontRef>
+        </p:style>
+      </p:cxnSp>
+      <p:cxnSp>
+        <p:nvCxnSpPr>
+          <p:cNvPr id="22" name="Straight Arrow Connector 21">
+            <a:extLst>
+              <a:ext uri="{FF2B5EF4-FFF2-40B4-BE49-F238E27FC236}">
+                <a16:creationId xmlns:a16="http://schemas.microsoft.com/office/drawing/2014/main" id="{76D62653-8879-3647-D927-E0792ABC1E9E}"/>
+              </a:ext>
+            </a:extLst>
+          </p:cNvPr>
+          <p:cNvCxnSpPr>
+            <a:cxnSpLocks/>
+          </p:cNvCxnSpPr>
+          <p:nvPr/>
+        </p:nvCxnSpPr>
+        <p:spPr>
+          <a:xfrm flipV="1">
+            <a:off x="8820150" y="304800"/>
+            <a:ext cx="0" cy="3937000"/>
+          </a:xfrm>
+          <a:prstGeom prst="straightConnector1">
+            <a:avLst/>
+          </a:prstGeom>
+          <a:ln>
+            <a:solidFill>
+              <a:schemeClr val="tx1"/>
+            </a:solidFill>
+            <a:prstDash val="dash"/>
+            <a:tailEnd type="none"/>
+          </a:ln>
+        </p:spPr>
+        <p:style>
+          <a:lnRef idx="1">
+            <a:schemeClr val="accent1"/>
+          </a:lnRef>
+          <a:fillRef idx="0">
+            <a:schemeClr val="accent1"/>
+          </a:fillRef>
+          <a:effectRef idx="0">
+            <a:schemeClr val="accent1"/>
+          </a:effectRef>
+          <a:fontRef idx="minor">
+            <a:schemeClr val="tx1"/>
+          </a:fontRef>
+        </p:style>
+      </p:cxnSp>
+      <p:cxnSp>
+        <p:nvCxnSpPr>
+          <p:cNvPr id="24" name="Straight Connector 23">
+            <a:extLst>
+              <a:ext uri="{FF2B5EF4-FFF2-40B4-BE49-F238E27FC236}">
+                <a16:creationId xmlns:a16="http://schemas.microsoft.com/office/drawing/2014/main" id="{3009DCA5-EF23-F8FC-2385-0BD4581A5710}"/>
+              </a:ext>
+            </a:extLst>
+          </p:cNvPr>
+          <p:cNvCxnSpPr/>
+          <p:nvPr/>
+        </p:nvCxnSpPr>
+        <p:spPr>
+          <a:xfrm>
+            <a:off x="4279900" y="4097079"/>
+            <a:ext cx="5213350" cy="0"/>
+          </a:xfrm>
+          <a:prstGeom prst="line">
+            <a:avLst/>
+          </a:prstGeom>
+          <a:ln w="25400">
+            <a:solidFill>
+              <a:srgbClr val="00B0F0"/>
+            </a:solidFill>
+          </a:ln>
+        </p:spPr>
+        <p:style>
+          <a:lnRef idx="1">
+            <a:schemeClr val="accent1"/>
+          </a:lnRef>
+          <a:fillRef idx="0">
+            <a:schemeClr val="accent1"/>
+          </a:fillRef>
+          <a:effectRef idx="0">
+            <a:schemeClr val="accent1"/>
+          </a:effectRef>
+          <a:fontRef idx="minor">
+            <a:schemeClr val="tx1"/>
+          </a:fontRef>
+        </p:style>
+      </p:cxnSp>
+      <p:sp>
+        <p:nvSpPr>
+          <p:cNvPr id="27" name="Freeform: Shape 26">
+            <a:extLst>
+              <a:ext uri="{FF2B5EF4-FFF2-40B4-BE49-F238E27FC236}">
+                <a16:creationId xmlns:a16="http://schemas.microsoft.com/office/drawing/2014/main" id="{04CA6171-D62C-1EA8-7FF3-8C6FD551E83B}"/>
+              </a:ext>
+            </a:extLst>
+          </p:cNvPr>
+          <p:cNvSpPr/>
+          <p:nvPr/>
+        </p:nvSpPr>
+        <p:spPr>
+          <a:xfrm>
+            <a:off x="4267200" y="3483933"/>
+            <a:ext cx="5219700" cy="611817"/>
+          </a:xfrm>
+          <a:custGeom>
+            <a:avLst/>
+            <a:gdLst>
+              <a:gd name="connsiteX0" fmla="*/ 0 w 5213350"/>
+              <a:gd name="connsiteY0" fmla="*/ 611817 h 611817"/>
+              <a:gd name="connsiteX1" fmla="*/ 1682750 w 5213350"/>
+              <a:gd name="connsiteY1" fmla="*/ 2217 h 611817"/>
+              <a:gd name="connsiteX2" fmla="*/ 4559300 w 5213350"/>
+              <a:gd name="connsiteY2" fmla="*/ 408617 h 611817"/>
+              <a:gd name="connsiteX3" fmla="*/ 5213350 w 5213350"/>
+              <a:gd name="connsiteY3" fmla="*/ 459417 h 611817"/>
+              <a:gd name="connsiteX0" fmla="*/ 0 w 5219700"/>
+              <a:gd name="connsiteY0" fmla="*/ 611817 h 611817"/>
+              <a:gd name="connsiteX1" fmla="*/ 1682750 w 5219700"/>
+              <a:gd name="connsiteY1" fmla="*/ 2217 h 611817"/>
+              <a:gd name="connsiteX2" fmla="*/ 4559300 w 5219700"/>
+              <a:gd name="connsiteY2" fmla="*/ 408617 h 611817"/>
+              <a:gd name="connsiteX3" fmla="*/ 5219700 w 5219700"/>
+              <a:gd name="connsiteY3" fmla="*/ 491167 h 611817"/>
+            </a:gdLst>
+            <a:ahLst/>
+            <a:cxnLst>
+              <a:cxn ang="0">
+                <a:pos x="connsiteX0" y="connsiteY0"/>
+              </a:cxn>
+              <a:cxn ang="0">
+                <a:pos x="connsiteX1" y="connsiteY1"/>
+              </a:cxn>
+              <a:cxn ang="0">
+                <a:pos x="connsiteX2" y="connsiteY2"/>
+              </a:cxn>
+              <a:cxn ang="0">
+                <a:pos x="connsiteX3" y="connsiteY3"/>
+              </a:cxn>
+            </a:cxnLst>
+            <a:rect l="l" t="t" r="r" b="b"/>
+            <a:pathLst>
+              <a:path w="5219700" h="611817">
+                <a:moveTo>
+                  <a:pt x="0" y="611817"/>
+                </a:moveTo>
+                <a:cubicBezTo>
+                  <a:pt x="461433" y="323950"/>
+                  <a:pt x="922867" y="36084"/>
+                  <a:pt x="1682750" y="2217"/>
+                </a:cubicBezTo>
+                <a:cubicBezTo>
+                  <a:pt x="2442633" y="-31650"/>
+                  <a:pt x="3970867" y="332417"/>
+                  <a:pt x="4559300" y="408617"/>
+                </a:cubicBezTo>
+                <a:cubicBezTo>
+                  <a:pt x="5147733" y="484817"/>
+                  <a:pt x="5186891" y="503867"/>
+                  <a:pt x="5219700" y="491167"/>
+                </a:cubicBezTo>
+              </a:path>
+            </a:pathLst>
+          </a:custGeom>
+          <a:noFill/>
+          <a:ln w="25400">
+            <a:solidFill>
+              <a:srgbClr val="00B0F0"/>
+            </a:solidFill>
+          </a:ln>
+        </p:spPr>
+        <p:style>
+          <a:lnRef idx="2">
+            <a:schemeClr val="accent1">
+              <a:shade val="50000"/>
+            </a:schemeClr>
+          </a:lnRef>
+          <a:fillRef idx="1">
+            <a:schemeClr val="accent1"/>
+          </a:fillRef>
+          <a:effectRef idx="0">
+            <a:schemeClr val="accent1"/>
+          </a:effectRef>
+          <a:fontRef idx="minor">
+            <a:schemeClr val="lt1"/>
+          </a:fontRef>
+        </p:style>
+        <p:txBody>
+          <a:bodyPr rtlCol="0" anchor="ctr"/>
+          <a:lstStyle/>
+          <a:p>
+            <a:pPr algn="ctr"/>
+            <a:endParaRPr lang="en-US"/>
+          </a:p>
+        </p:txBody>
+      </p:sp>
+      <p:sp>
+        <p:nvSpPr>
+          <p:cNvPr id="28" name="Freeform: Shape 27">
+            <a:extLst>
+              <a:ext uri="{FF2B5EF4-FFF2-40B4-BE49-F238E27FC236}">
+                <a16:creationId xmlns:a16="http://schemas.microsoft.com/office/drawing/2014/main" id="{A4F6F395-0C3C-8707-F982-563E377E0419}"/>
+              </a:ext>
+            </a:extLst>
+          </p:cNvPr>
+          <p:cNvSpPr/>
+          <p:nvPr/>
+        </p:nvSpPr>
+        <p:spPr>
+          <a:xfrm>
+            <a:off x="4279900" y="2413435"/>
+            <a:ext cx="5283200" cy="1682941"/>
+          </a:xfrm>
+          <a:custGeom>
+            <a:avLst/>
+            <a:gdLst>
+              <a:gd name="connsiteX0" fmla="*/ 0 w 5213350"/>
+              <a:gd name="connsiteY0" fmla="*/ 611817 h 611817"/>
+              <a:gd name="connsiteX1" fmla="*/ 1682750 w 5213350"/>
+              <a:gd name="connsiteY1" fmla="*/ 2217 h 611817"/>
+              <a:gd name="connsiteX2" fmla="*/ 4559300 w 5213350"/>
+              <a:gd name="connsiteY2" fmla="*/ 408617 h 611817"/>
+              <a:gd name="connsiteX3" fmla="*/ 5213350 w 5213350"/>
+              <a:gd name="connsiteY3" fmla="*/ 459417 h 611817"/>
+              <a:gd name="connsiteX0" fmla="*/ 0 w 5219700"/>
+              <a:gd name="connsiteY0" fmla="*/ 611817 h 611817"/>
+              <a:gd name="connsiteX1" fmla="*/ 1682750 w 5219700"/>
+              <a:gd name="connsiteY1" fmla="*/ 2217 h 611817"/>
+              <a:gd name="connsiteX2" fmla="*/ 4559300 w 5219700"/>
+              <a:gd name="connsiteY2" fmla="*/ 408617 h 611817"/>
+              <a:gd name="connsiteX3" fmla="*/ 5219700 w 5219700"/>
+              <a:gd name="connsiteY3" fmla="*/ 491167 h 611817"/>
+              <a:gd name="connsiteX0" fmla="*/ 0 w 5207000"/>
+              <a:gd name="connsiteY0" fmla="*/ 1731837 h 1731837"/>
+              <a:gd name="connsiteX1" fmla="*/ 1670050 w 5207000"/>
+              <a:gd name="connsiteY1" fmla="*/ 49087 h 1731837"/>
+              <a:gd name="connsiteX2" fmla="*/ 4546600 w 5207000"/>
+              <a:gd name="connsiteY2" fmla="*/ 455487 h 1731837"/>
+              <a:gd name="connsiteX3" fmla="*/ 5207000 w 5207000"/>
+              <a:gd name="connsiteY3" fmla="*/ 538037 h 1731837"/>
+              <a:gd name="connsiteX0" fmla="*/ 0 w 5207000"/>
+              <a:gd name="connsiteY0" fmla="*/ 1709537 h 1709537"/>
+              <a:gd name="connsiteX1" fmla="*/ 1670050 w 5207000"/>
+              <a:gd name="connsiteY1" fmla="*/ 26787 h 1709537"/>
+              <a:gd name="connsiteX2" fmla="*/ 4533900 w 5207000"/>
+              <a:gd name="connsiteY2" fmla="*/ 661787 h 1709537"/>
+              <a:gd name="connsiteX3" fmla="*/ 5207000 w 5207000"/>
+              <a:gd name="connsiteY3" fmla="*/ 515737 h 1709537"/>
+              <a:gd name="connsiteX0" fmla="*/ 0 w 5276850"/>
+              <a:gd name="connsiteY0" fmla="*/ 1709537 h 1709537"/>
+              <a:gd name="connsiteX1" fmla="*/ 1670050 w 5276850"/>
+              <a:gd name="connsiteY1" fmla="*/ 26787 h 1709537"/>
+              <a:gd name="connsiteX2" fmla="*/ 4533900 w 5276850"/>
+              <a:gd name="connsiteY2" fmla="*/ 661787 h 1709537"/>
+              <a:gd name="connsiteX3" fmla="*/ 5276850 w 5276850"/>
+              <a:gd name="connsiteY3" fmla="*/ 769737 h 1709537"/>
+              <a:gd name="connsiteX0" fmla="*/ 0 w 5276850"/>
+              <a:gd name="connsiteY0" fmla="*/ 1708167 h 1708167"/>
+              <a:gd name="connsiteX1" fmla="*/ 1670050 w 5276850"/>
+              <a:gd name="connsiteY1" fmla="*/ 25417 h 1708167"/>
+              <a:gd name="connsiteX2" fmla="*/ 4546600 w 5276850"/>
+              <a:gd name="connsiteY2" fmla="*/ 679467 h 1708167"/>
+              <a:gd name="connsiteX3" fmla="*/ 5276850 w 5276850"/>
+              <a:gd name="connsiteY3" fmla="*/ 768367 h 1708167"/>
+              <a:gd name="connsiteX0" fmla="*/ 0 w 5276850"/>
+              <a:gd name="connsiteY0" fmla="*/ 1682941 h 1682941"/>
+              <a:gd name="connsiteX1" fmla="*/ 1670050 w 5276850"/>
+              <a:gd name="connsiteY1" fmla="*/ 191 h 1682941"/>
+              <a:gd name="connsiteX2" fmla="*/ 4546600 w 5276850"/>
+              <a:gd name="connsiteY2" fmla="*/ 654241 h 1682941"/>
+              <a:gd name="connsiteX3" fmla="*/ 5276850 w 5276850"/>
+              <a:gd name="connsiteY3" fmla="*/ 743141 h 1682941"/>
+              <a:gd name="connsiteX0" fmla="*/ 0 w 5276850"/>
+              <a:gd name="connsiteY0" fmla="*/ 1682941 h 1682941"/>
+              <a:gd name="connsiteX1" fmla="*/ 1670050 w 5276850"/>
+              <a:gd name="connsiteY1" fmla="*/ 191 h 1682941"/>
+              <a:gd name="connsiteX2" fmla="*/ 4546600 w 5276850"/>
+              <a:gd name="connsiteY2" fmla="*/ 654241 h 1682941"/>
+              <a:gd name="connsiteX3" fmla="*/ 5276850 w 5276850"/>
+              <a:gd name="connsiteY3" fmla="*/ 743141 h 1682941"/>
+              <a:gd name="connsiteX0" fmla="*/ 0 w 5276850"/>
+              <a:gd name="connsiteY0" fmla="*/ 1682941 h 1682941"/>
+              <a:gd name="connsiteX1" fmla="*/ 1670050 w 5276850"/>
+              <a:gd name="connsiteY1" fmla="*/ 191 h 1682941"/>
+              <a:gd name="connsiteX2" fmla="*/ 4546600 w 5276850"/>
+              <a:gd name="connsiteY2" fmla="*/ 654241 h 1682941"/>
+              <a:gd name="connsiteX3" fmla="*/ 5276850 w 5276850"/>
+              <a:gd name="connsiteY3" fmla="*/ 743141 h 1682941"/>
+              <a:gd name="connsiteX0" fmla="*/ 0 w 5276850"/>
+              <a:gd name="connsiteY0" fmla="*/ 1682941 h 1682941"/>
+              <a:gd name="connsiteX1" fmla="*/ 1670050 w 5276850"/>
+              <a:gd name="connsiteY1" fmla="*/ 191 h 1682941"/>
+              <a:gd name="connsiteX2" fmla="*/ 4546600 w 5276850"/>
+              <a:gd name="connsiteY2" fmla="*/ 654241 h 1682941"/>
+              <a:gd name="connsiteX3" fmla="*/ 5276850 w 5276850"/>
+              <a:gd name="connsiteY3" fmla="*/ 743141 h 1682941"/>
+              <a:gd name="connsiteX0" fmla="*/ 0 w 5276850"/>
+              <a:gd name="connsiteY0" fmla="*/ 1682941 h 1682941"/>
+              <a:gd name="connsiteX1" fmla="*/ 1670050 w 5276850"/>
+              <a:gd name="connsiteY1" fmla="*/ 191 h 1682941"/>
+              <a:gd name="connsiteX2" fmla="*/ 4546600 w 5276850"/>
+              <a:gd name="connsiteY2" fmla="*/ 654241 h 1682941"/>
+              <a:gd name="connsiteX3" fmla="*/ 5276850 w 5276850"/>
+              <a:gd name="connsiteY3" fmla="*/ 743141 h 1682941"/>
+              <a:gd name="connsiteX0" fmla="*/ 0 w 5353050"/>
+              <a:gd name="connsiteY0" fmla="*/ 1682941 h 1682941"/>
+              <a:gd name="connsiteX1" fmla="*/ 1670050 w 5353050"/>
+              <a:gd name="connsiteY1" fmla="*/ 191 h 1682941"/>
+              <a:gd name="connsiteX2" fmla="*/ 4546600 w 5353050"/>
+              <a:gd name="connsiteY2" fmla="*/ 654241 h 1682941"/>
+              <a:gd name="connsiteX3" fmla="*/ 5353050 w 5353050"/>
+              <a:gd name="connsiteY3" fmla="*/ 863791 h 1682941"/>
+              <a:gd name="connsiteX0" fmla="*/ 0 w 5283200"/>
+              <a:gd name="connsiteY0" fmla="*/ 1682941 h 1682941"/>
+              <a:gd name="connsiteX1" fmla="*/ 1670050 w 5283200"/>
+              <a:gd name="connsiteY1" fmla="*/ 191 h 1682941"/>
+              <a:gd name="connsiteX2" fmla="*/ 4546600 w 5283200"/>
+              <a:gd name="connsiteY2" fmla="*/ 654241 h 1682941"/>
+              <a:gd name="connsiteX3" fmla="*/ 5283200 w 5283200"/>
+              <a:gd name="connsiteY3" fmla="*/ 825691 h 1682941"/>
+            </a:gdLst>
+            <a:ahLst/>
+            <a:cxnLst>
+              <a:cxn ang="0">
+                <a:pos x="connsiteX0" y="connsiteY0"/>
+              </a:cxn>
+              <a:cxn ang="0">
+                <a:pos x="connsiteX1" y="connsiteY1"/>
+              </a:cxn>
+              <a:cxn ang="0">
+                <a:pos x="connsiteX2" y="connsiteY2"/>
+              </a:cxn>
+              <a:cxn ang="0">
+                <a:pos x="connsiteX3" y="connsiteY3"/>
+              </a:cxn>
+            </a:cxnLst>
+            <a:rect l="l" t="t" r="r" b="b"/>
+            <a:pathLst>
+              <a:path w="5283200" h="1682941">
+                <a:moveTo>
+                  <a:pt x="0" y="1682941"/>
+                </a:moveTo>
+                <a:cubicBezTo>
+                  <a:pt x="461433" y="1395074"/>
+                  <a:pt x="766233" y="-18859"/>
+                  <a:pt x="1670050" y="191"/>
+                </a:cubicBezTo>
+                <a:cubicBezTo>
+                  <a:pt x="2573867" y="19241"/>
+                  <a:pt x="3944408" y="516658"/>
+                  <a:pt x="4546600" y="654241"/>
+                </a:cubicBezTo>
+                <a:cubicBezTo>
+                  <a:pt x="5148792" y="791824"/>
+                  <a:pt x="5250391" y="838391"/>
+                  <a:pt x="5283200" y="825691"/>
+                </a:cubicBezTo>
+              </a:path>
+            </a:pathLst>
+          </a:custGeom>
+          <a:noFill/>
+          <a:ln w="25400">
+            <a:solidFill>
+              <a:srgbClr val="00B0F0"/>
+            </a:solidFill>
+          </a:ln>
+        </p:spPr>
+        <p:style>
+          <a:lnRef idx="2">
+            <a:schemeClr val="accent1">
+              <a:shade val="50000"/>
+            </a:schemeClr>
+          </a:lnRef>
+          <a:fillRef idx="1">
+            <a:schemeClr val="accent1"/>
+          </a:fillRef>
+          <a:effectRef idx="0">
+            <a:schemeClr val="accent1"/>
+          </a:effectRef>
+          <a:fontRef idx="minor">
+            <a:schemeClr val="lt1"/>
+          </a:fontRef>
+        </p:style>
+        <p:txBody>
+          <a:bodyPr rtlCol="0" anchor="ctr"/>
+          <a:lstStyle/>
+          <a:p>
+            <a:pPr algn="ctr"/>
+            <a:endParaRPr lang="en-US"/>
+          </a:p>
+        </p:txBody>
+      </p:sp>
+      <p:cxnSp>
+        <p:nvCxnSpPr>
+          <p:cNvPr id="29" name="Straight Arrow Connector 28">
+            <a:extLst>
+              <a:ext uri="{FF2B5EF4-FFF2-40B4-BE49-F238E27FC236}">
+                <a16:creationId xmlns:a16="http://schemas.microsoft.com/office/drawing/2014/main" id="{6F7700BC-A698-C02C-80B2-BA2E74C5F3F7}"/>
+              </a:ext>
+            </a:extLst>
+          </p:cNvPr>
+          <p:cNvCxnSpPr>
+            <a:cxnSpLocks/>
+          </p:cNvCxnSpPr>
+          <p:nvPr/>
+        </p:nvCxnSpPr>
+        <p:spPr>
+          <a:xfrm flipH="1">
+            <a:off x="4273551" y="2388209"/>
+            <a:ext cx="5213349" cy="0"/>
+          </a:xfrm>
+          <a:prstGeom prst="straightConnector1">
+            <a:avLst/>
+          </a:prstGeom>
+          <a:ln>
+            <a:solidFill>
+              <a:schemeClr val="tx1"/>
+            </a:solidFill>
+            <a:prstDash val="dash"/>
+            <a:tailEnd type="none"/>
+          </a:ln>
+        </p:spPr>
+        <p:style>
+          <a:lnRef idx="1">
+            <a:schemeClr val="accent1"/>
+          </a:lnRef>
+          <a:fillRef idx="0">
+            <a:schemeClr val="accent1"/>
+          </a:fillRef>
+          <a:effectRef idx="0">
+            <a:schemeClr val="accent1"/>
+          </a:effectRef>
+          <a:fontRef idx="minor">
+            <a:schemeClr val="tx1"/>
+          </a:fontRef>
+        </p:style>
+      </p:cxnSp>
+      <p:sp>
+        <p:nvSpPr>
+          <p:cNvPr id="32" name="Freeform: Shape 31">
+            <a:extLst>
+              <a:ext uri="{FF2B5EF4-FFF2-40B4-BE49-F238E27FC236}">
+                <a16:creationId xmlns:a16="http://schemas.microsoft.com/office/drawing/2014/main" id="{06564C89-1568-8D42-384A-A55365715491}"/>
+              </a:ext>
+            </a:extLst>
+          </p:cNvPr>
+          <p:cNvSpPr/>
+          <p:nvPr/>
+        </p:nvSpPr>
+        <p:spPr>
+          <a:xfrm>
+            <a:off x="4292601" y="2101849"/>
+            <a:ext cx="5283200" cy="1994525"/>
+          </a:xfrm>
+          <a:custGeom>
+            <a:avLst/>
+            <a:gdLst>
+              <a:gd name="connsiteX0" fmla="*/ 0 w 5213350"/>
+              <a:gd name="connsiteY0" fmla="*/ 611817 h 611817"/>
+              <a:gd name="connsiteX1" fmla="*/ 1682750 w 5213350"/>
+              <a:gd name="connsiteY1" fmla="*/ 2217 h 611817"/>
+              <a:gd name="connsiteX2" fmla="*/ 4559300 w 5213350"/>
+              <a:gd name="connsiteY2" fmla="*/ 408617 h 611817"/>
+              <a:gd name="connsiteX3" fmla="*/ 5213350 w 5213350"/>
+              <a:gd name="connsiteY3" fmla="*/ 459417 h 611817"/>
+              <a:gd name="connsiteX0" fmla="*/ 0 w 5219700"/>
+              <a:gd name="connsiteY0" fmla="*/ 611817 h 611817"/>
+              <a:gd name="connsiteX1" fmla="*/ 1682750 w 5219700"/>
+              <a:gd name="connsiteY1" fmla="*/ 2217 h 611817"/>
+              <a:gd name="connsiteX2" fmla="*/ 4559300 w 5219700"/>
+              <a:gd name="connsiteY2" fmla="*/ 408617 h 611817"/>
+              <a:gd name="connsiteX3" fmla="*/ 5219700 w 5219700"/>
+              <a:gd name="connsiteY3" fmla="*/ 491167 h 611817"/>
+              <a:gd name="connsiteX0" fmla="*/ 0 w 5207000"/>
+              <a:gd name="connsiteY0" fmla="*/ 1731837 h 1731837"/>
+              <a:gd name="connsiteX1" fmla="*/ 1670050 w 5207000"/>
+              <a:gd name="connsiteY1" fmla="*/ 49087 h 1731837"/>
+              <a:gd name="connsiteX2" fmla="*/ 4546600 w 5207000"/>
+              <a:gd name="connsiteY2" fmla="*/ 455487 h 1731837"/>
+              <a:gd name="connsiteX3" fmla="*/ 5207000 w 5207000"/>
+              <a:gd name="connsiteY3" fmla="*/ 538037 h 1731837"/>
+              <a:gd name="connsiteX0" fmla="*/ 0 w 5207000"/>
+              <a:gd name="connsiteY0" fmla="*/ 1709537 h 1709537"/>
+              <a:gd name="connsiteX1" fmla="*/ 1670050 w 5207000"/>
+              <a:gd name="connsiteY1" fmla="*/ 26787 h 1709537"/>
+              <a:gd name="connsiteX2" fmla="*/ 4533900 w 5207000"/>
+              <a:gd name="connsiteY2" fmla="*/ 661787 h 1709537"/>
+              <a:gd name="connsiteX3" fmla="*/ 5207000 w 5207000"/>
+              <a:gd name="connsiteY3" fmla="*/ 515737 h 1709537"/>
+              <a:gd name="connsiteX0" fmla="*/ 0 w 5276850"/>
+              <a:gd name="connsiteY0" fmla="*/ 1709537 h 1709537"/>
+              <a:gd name="connsiteX1" fmla="*/ 1670050 w 5276850"/>
+              <a:gd name="connsiteY1" fmla="*/ 26787 h 1709537"/>
+              <a:gd name="connsiteX2" fmla="*/ 4533900 w 5276850"/>
+              <a:gd name="connsiteY2" fmla="*/ 661787 h 1709537"/>
+              <a:gd name="connsiteX3" fmla="*/ 5276850 w 5276850"/>
+              <a:gd name="connsiteY3" fmla="*/ 769737 h 1709537"/>
+              <a:gd name="connsiteX0" fmla="*/ 0 w 5276850"/>
+              <a:gd name="connsiteY0" fmla="*/ 1708167 h 1708167"/>
+              <a:gd name="connsiteX1" fmla="*/ 1670050 w 5276850"/>
+              <a:gd name="connsiteY1" fmla="*/ 25417 h 1708167"/>
+              <a:gd name="connsiteX2" fmla="*/ 4546600 w 5276850"/>
+              <a:gd name="connsiteY2" fmla="*/ 679467 h 1708167"/>
+              <a:gd name="connsiteX3" fmla="*/ 5276850 w 5276850"/>
+              <a:gd name="connsiteY3" fmla="*/ 768367 h 1708167"/>
+              <a:gd name="connsiteX0" fmla="*/ 0 w 5276850"/>
+              <a:gd name="connsiteY0" fmla="*/ 1682941 h 1682941"/>
+              <a:gd name="connsiteX1" fmla="*/ 1670050 w 5276850"/>
+              <a:gd name="connsiteY1" fmla="*/ 191 h 1682941"/>
+              <a:gd name="connsiteX2" fmla="*/ 4546600 w 5276850"/>
+              <a:gd name="connsiteY2" fmla="*/ 654241 h 1682941"/>
+              <a:gd name="connsiteX3" fmla="*/ 5276850 w 5276850"/>
+              <a:gd name="connsiteY3" fmla="*/ 743141 h 1682941"/>
+              <a:gd name="connsiteX0" fmla="*/ 0 w 5276850"/>
+              <a:gd name="connsiteY0" fmla="*/ 1682941 h 1682941"/>
+              <a:gd name="connsiteX1" fmla="*/ 1670050 w 5276850"/>
+              <a:gd name="connsiteY1" fmla="*/ 191 h 1682941"/>
+              <a:gd name="connsiteX2" fmla="*/ 4546600 w 5276850"/>
+              <a:gd name="connsiteY2" fmla="*/ 654241 h 1682941"/>
+              <a:gd name="connsiteX3" fmla="*/ 5276850 w 5276850"/>
+              <a:gd name="connsiteY3" fmla="*/ 743141 h 1682941"/>
+              <a:gd name="connsiteX0" fmla="*/ 0 w 5276850"/>
+              <a:gd name="connsiteY0" fmla="*/ 1682941 h 1682941"/>
+              <a:gd name="connsiteX1" fmla="*/ 1670050 w 5276850"/>
+              <a:gd name="connsiteY1" fmla="*/ 191 h 1682941"/>
+              <a:gd name="connsiteX2" fmla="*/ 4546600 w 5276850"/>
+              <a:gd name="connsiteY2" fmla="*/ 654241 h 1682941"/>
+              <a:gd name="connsiteX3" fmla="*/ 5276850 w 5276850"/>
+              <a:gd name="connsiteY3" fmla="*/ 743141 h 1682941"/>
+              <a:gd name="connsiteX0" fmla="*/ 0 w 5276850"/>
+              <a:gd name="connsiteY0" fmla="*/ 1682941 h 1682941"/>
+              <a:gd name="connsiteX1" fmla="*/ 1670050 w 5276850"/>
+              <a:gd name="connsiteY1" fmla="*/ 191 h 1682941"/>
+              <a:gd name="connsiteX2" fmla="*/ 4546600 w 5276850"/>
+              <a:gd name="connsiteY2" fmla="*/ 654241 h 1682941"/>
+              <a:gd name="connsiteX3" fmla="*/ 5276850 w 5276850"/>
+              <a:gd name="connsiteY3" fmla="*/ 743141 h 1682941"/>
+              <a:gd name="connsiteX0" fmla="*/ 0 w 5276850"/>
+              <a:gd name="connsiteY0" fmla="*/ 1682941 h 1682941"/>
+              <a:gd name="connsiteX1" fmla="*/ 1670050 w 5276850"/>
+              <a:gd name="connsiteY1" fmla="*/ 191 h 1682941"/>
+              <a:gd name="connsiteX2" fmla="*/ 4546600 w 5276850"/>
+              <a:gd name="connsiteY2" fmla="*/ 654241 h 1682941"/>
+              <a:gd name="connsiteX3" fmla="*/ 5276850 w 5276850"/>
+              <a:gd name="connsiteY3" fmla="*/ 743141 h 1682941"/>
+              <a:gd name="connsiteX0" fmla="*/ 0 w 5353050"/>
+              <a:gd name="connsiteY0" fmla="*/ 1682941 h 1682941"/>
+              <a:gd name="connsiteX1" fmla="*/ 1670050 w 5353050"/>
+              <a:gd name="connsiteY1" fmla="*/ 191 h 1682941"/>
+              <a:gd name="connsiteX2" fmla="*/ 4546600 w 5353050"/>
+              <a:gd name="connsiteY2" fmla="*/ 654241 h 1682941"/>
+              <a:gd name="connsiteX3" fmla="*/ 5353050 w 5353050"/>
+              <a:gd name="connsiteY3" fmla="*/ 863791 h 1682941"/>
+              <a:gd name="connsiteX0" fmla="*/ 0 w 5283200"/>
+              <a:gd name="connsiteY0" fmla="*/ 1682941 h 1682941"/>
+              <a:gd name="connsiteX1" fmla="*/ 1670050 w 5283200"/>
+              <a:gd name="connsiteY1" fmla="*/ 191 h 1682941"/>
+              <a:gd name="connsiteX2" fmla="*/ 4546600 w 5283200"/>
+              <a:gd name="connsiteY2" fmla="*/ 654241 h 1682941"/>
+              <a:gd name="connsiteX3" fmla="*/ 5283200 w 5283200"/>
+              <a:gd name="connsiteY3" fmla="*/ 825691 h 1682941"/>
+              <a:gd name="connsiteX0" fmla="*/ 0 w 5283200"/>
+              <a:gd name="connsiteY0" fmla="*/ 1756958 h 1756958"/>
+              <a:gd name="connsiteX1" fmla="*/ 1670050 w 5283200"/>
+              <a:gd name="connsiteY1" fmla="*/ 74208 h 1756958"/>
+              <a:gd name="connsiteX2" fmla="*/ 3174999 w 5283200"/>
+              <a:gd name="connsiteY2" fmla="*/ 340283 h 1756958"/>
+              <a:gd name="connsiteX3" fmla="*/ 4546600 w 5283200"/>
+              <a:gd name="connsiteY3" fmla="*/ 728258 h 1756958"/>
+              <a:gd name="connsiteX4" fmla="*/ 5283200 w 5283200"/>
+              <a:gd name="connsiteY4" fmla="*/ 899708 h 1756958"/>
+              <a:gd name="connsiteX0" fmla="*/ 0 w 5283200"/>
+              <a:gd name="connsiteY0" fmla="*/ 2038741 h 2038741"/>
+              <a:gd name="connsiteX1" fmla="*/ 1670050 w 5283200"/>
+              <a:gd name="connsiteY1" fmla="*/ 355991 h 2038741"/>
+              <a:gd name="connsiteX2" fmla="*/ 3321049 w 5283200"/>
+              <a:gd name="connsiteY2" fmla="*/ 44216 h 2038741"/>
+              <a:gd name="connsiteX3" fmla="*/ 4546600 w 5283200"/>
+              <a:gd name="connsiteY3" fmla="*/ 1010041 h 2038741"/>
+              <a:gd name="connsiteX4" fmla="*/ 5283200 w 5283200"/>
+              <a:gd name="connsiteY4" fmla="*/ 1181491 h 2038741"/>
+              <a:gd name="connsiteX0" fmla="*/ 0 w 5283200"/>
+              <a:gd name="connsiteY0" fmla="*/ 2038741 h 2038741"/>
+              <a:gd name="connsiteX1" fmla="*/ 1670050 w 5283200"/>
+              <a:gd name="connsiteY1" fmla="*/ 355991 h 2038741"/>
+              <a:gd name="connsiteX2" fmla="*/ 3321049 w 5283200"/>
+              <a:gd name="connsiteY2" fmla="*/ 44216 h 2038741"/>
+              <a:gd name="connsiteX3" fmla="*/ 4546600 w 5283200"/>
+              <a:gd name="connsiteY3" fmla="*/ 1010041 h 2038741"/>
+              <a:gd name="connsiteX4" fmla="*/ 5283200 w 5283200"/>
+              <a:gd name="connsiteY4" fmla="*/ 1181491 h 2038741"/>
+              <a:gd name="connsiteX0" fmla="*/ 0 w 5283200"/>
+              <a:gd name="connsiteY0" fmla="*/ 2038741 h 2038741"/>
+              <a:gd name="connsiteX1" fmla="*/ 1670050 w 5283200"/>
+              <a:gd name="connsiteY1" fmla="*/ 355991 h 2038741"/>
+              <a:gd name="connsiteX2" fmla="*/ 3321049 w 5283200"/>
+              <a:gd name="connsiteY2" fmla="*/ 44216 h 2038741"/>
+              <a:gd name="connsiteX3" fmla="*/ 4546600 w 5283200"/>
+              <a:gd name="connsiteY3" fmla="*/ 1010041 h 2038741"/>
+              <a:gd name="connsiteX4" fmla="*/ 5283200 w 5283200"/>
+              <a:gd name="connsiteY4" fmla="*/ 1181491 h 2038741"/>
+              <a:gd name="connsiteX0" fmla="*/ 0 w 5283200"/>
+              <a:gd name="connsiteY0" fmla="*/ 2038741 h 2038741"/>
+              <a:gd name="connsiteX1" fmla="*/ 1670050 w 5283200"/>
+              <a:gd name="connsiteY1" fmla="*/ 355991 h 2038741"/>
+              <a:gd name="connsiteX2" fmla="*/ 3321049 w 5283200"/>
+              <a:gd name="connsiteY2" fmla="*/ 44216 h 2038741"/>
+              <a:gd name="connsiteX3" fmla="*/ 4540250 w 5283200"/>
+              <a:gd name="connsiteY3" fmla="*/ 952891 h 2038741"/>
+              <a:gd name="connsiteX4" fmla="*/ 5283200 w 5283200"/>
+              <a:gd name="connsiteY4" fmla="*/ 1181491 h 2038741"/>
+              <a:gd name="connsiteX0" fmla="*/ 0 w 5283200"/>
+              <a:gd name="connsiteY0" fmla="*/ 2038741 h 2038741"/>
+              <a:gd name="connsiteX1" fmla="*/ 1670050 w 5283200"/>
+              <a:gd name="connsiteY1" fmla="*/ 355991 h 2038741"/>
+              <a:gd name="connsiteX2" fmla="*/ 3321049 w 5283200"/>
+              <a:gd name="connsiteY2" fmla="*/ 44216 h 2038741"/>
+              <a:gd name="connsiteX3" fmla="*/ 4540250 w 5283200"/>
+              <a:gd name="connsiteY3" fmla="*/ 952891 h 2038741"/>
+              <a:gd name="connsiteX4" fmla="*/ 5283200 w 5283200"/>
+              <a:gd name="connsiteY4" fmla="*/ 1181491 h 2038741"/>
+              <a:gd name="connsiteX0" fmla="*/ 0 w 5492750"/>
+              <a:gd name="connsiteY0" fmla="*/ 2038741 h 2038741"/>
+              <a:gd name="connsiteX1" fmla="*/ 1670050 w 5492750"/>
+              <a:gd name="connsiteY1" fmla="*/ 355991 h 2038741"/>
+              <a:gd name="connsiteX2" fmla="*/ 3321049 w 5492750"/>
+              <a:gd name="connsiteY2" fmla="*/ 44216 h 2038741"/>
+              <a:gd name="connsiteX3" fmla="*/ 4540250 w 5492750"/>
+              <a:gd name="connsiteY3" fmla="*/ 952891 h 2038741"/>
+              <a:gd name="connsiteX4" fmla="*/ 5492750 w 5492750"/>
+              <a:gd name="connsiteY4" fmla="*/ 1124341 h 2038741"/>
+              <a:gd name="connsiteX0" fmla="*/ 0 w 5270500"/>
+              <a:gd name="connsiteY0" fmla="*/ 2038741 h 2038741"/>
+              <a:gd name="connsiteX1" fmla="*/ 1670050 w 5270500"/>
+              <a:gd name="connsiteY1" fmla="*/ 355991 h 2038741"/>
+              <a:gd name="connsiteX2" fmla="*/ 3321049 w 5270500"/>
+              <a:gd name="connsiteY2" fmla="*/ 44216 h 2038741"/>
+              <a:gd name="connsiteX3" fmla="*/ 4540250 w 5270500"/>
+              <a:gd name="connsiteY3" fmla="*/ 952891 h 2038741"/>
+              <a:gd name="connsiteX4" fmla="*/ 5270500 w 5270500"/>
+              <a:gd name="connsiteY4" fmla="*/ 1098941 h 2038741"/>
+              <a:gd name="connsiteX0" fmla="*/ 0 w 5270500"/>
+              <a:gd name="connsiteY0" fmla="*/ 2038741 h 2038741"/>
+              <a:gd name="connsiteX1" fmla="*/ 1670050 w 5270500"/>
+              <a:gd name="connsiteY1" fmla="*/ 355991 h 2038741"/>
+              <a:gd name="connsiteX2" fmla="*/ 3321049 w 5270500"/>
+              <a:gd name="connsiteY2" fmla="*/ 44216 h 2038741"/>
+              <a:gd name="connsiteX3" fmla="*/ 4540250 w 5270500"/>
+              <a:gd name="connsiteY3" fmla="*/ 895741 h 2038741"/>
+              <a:gd name="connsiteX4" fmla="*/ 5270500 w 5270500"/>
+              <a:gd name="connsiteY4" fmla="*/ 1098941 h 2038741"/>
+              <a:gd name="connsiteX0" fmla="*/ 0 w 5270500"/>
+              <a:gd name="connsiteY0" fmla="*/ 2038741 h 2038741"/>
+              <a:gd name="connsiteX1" fmla="*/ 1670050 w 5270500"/>
+              <a:gd name="connsiteY1" fmla="*/ 355991 h 2038741"/>
+              <a:gd name="connsiteX2" fmla="*/ 3321049 w 5270500"/>
+              <a:gd name="connsiteY2" fmla="*/ 44216 h 2038741"/>
+              <a:gd name="connsiteX3" fmla="*/ 4540250 w 5270500"/>
+              <a:gd name="connsiteY3" fmla="*/ 895741 h 2038741"/>
+              <a:gd name="connsiteX4" fmla="*/ 5270500 w 5270500"/>
+              <a:gd name="connsiteY4" fmla="*/ 1098941 h 2038741"/>
+              <a:gd name="connsiteX0" fmla="*/ 0 w 5283200"/>
+              <a:gd name="connsiteY0" fmla="*/ 2038741 h 2038741"/>
+              <a:gd name="connsiteX1" fmla="*/ 1670050 w 5283200"/>
+              <a:gd name="connsiteY1" fmla="*/ 355991 h 2038741"/>
+              <a:gd name="connsiteX2" fmla="*/ 3321049 w 5283200"/>
+              <a:gd name="connsiteY2" fmla="*/ 44216 h 2038741"/>
+              <a:gd name="connsiteX3" fmla="*/ 4540250 w 5283200"/>
+              <a:gd name="connsiteY3" fmla="*/ 895741 h 2038741"/>
+              <a:gd name="connsiteX4" fmla="*/ 5283200 w 5283200"/>
+              <a:gd name="connsiteY4" fmla="*/ 965591 h 2038741"/>
+              <a:gd name="connsiteX0" fmla="*/ 0 w 5283200"/>
+              <a:gd name="connsiteY0" fmla="*/ 2038741 h 2038741"/>
+              <a:gd name="connsiteX1" fmla="*/ 1670050 w 5283200"/>
+              <a:gd name="connsiteY1" fmla="*/ 355991 h 2038741"/>
+              <a:gd name="connsiteX2" fmla="*/ 3321049 w 5283200"/>
+              <a:gd name="connsiteY2" fmla="*/ 44216 h 2038741"/>
+              <a:gd name="connsiteX3" fmla="*/ 4540250 w 5283200"/>
+              <a:gd name="connsiteY3" fmla="*/ 895741 h 2038741"/>
+              <a:gd name="connsiteX4" fmla="*/ 5283200 w 5283200"/>
+              <a:gd name="connsiteY4" fmla="*/ 1073541 h 2038741"/>
+              <a:gd name="connsiteX0" fmla="*/ 0 w 5283200"/>
+              <a:gd name="connsiteY0" fmla="*/ 2038741 h 2038741"/>
+              <a:gd name="connsiteX1" fmla="*/ 1670050 w 5283200"/>
+              <a:gd name="connsiteY1" fmla="*/ 355991 h 2038741"/>
+              <a:gd name="connsiteX2" fmla="*/ 3321049 w 5283200"/>
+              <a:gd name="connsiteY2" fmla="*/ 44216 h 2038741"/>
+              <a:gd name="connsiteX3" fmla="*/ 4540250 w 5283200"/>
+              <a:gd name="connsiteY3" fmla="*/ 895741 h 2038741"/>
+              <a:gd name="connsiteX4" fmla="*/ 5283200 w 5283200"/>
+              <a:gd name="connsiteY4" fmla="*/ 1073541 h 2038741"/>
+              <a:gd name="connsiteX0" fmla="*/ 0 w 5283200"/>
+              <a:gd name="connsiteY0" fmla="*/ 2038741 h 2038741"/>
+              <a:gd name="connsiteX1" fmla="*/ 1670050 w 5283200"/>
+              <a:gd name="connsiteY1" fmla="*/ 355991 h 2038741"/>
+              <a:gd name="connsiteX2" fmla="*/ 3321049 w 5283200"/>
+              <a:gd name="connsiteY2" fmla="*/ 44216 h 2038741"/>
+              <a:gd name="connsiteX3" fmla="*/ 4540250 w 5283200"/>
+              <a:gd name="connsiteY3" fmla="*/ 895741 h 2038741"/>
+              <a:gd name="connsiteX4" fmla="*/ 5283200 w 5283200"/>
+              <a:gd name="connsiteY4" fmla="*/ 1073541 h 2038741"/>
+              <a:gd name="connsiteX0" fmla="*/ 0 w 5283200"/>
+              <a:gd name="connsiteY0" fmla="*/ 2038741 h 2038741"/>
+              <a:gd name="connsiteX1" fmla="*/ 1670050 w 5283200"/>
+              <a:gd name="connsiteY1" fmla="*/ 355991 h 2038741"/>
+              <a:gd name="connsiteX2" fmla="*/ 3321049 w 5283200"/>
+              <a:gd name="connsiteY2" fmla="*/ 44216 h 2038741"/>
+              <a:gd name="connsiteX3" fmla="*/ 4540250 w 5283200"/>
+              <a:gd name="connsiteY3" fmla="*/ 895741 h 2038741"/>
+              <a:gd name="connsiteX4" fmla="*/ 5283200 w 5283200"/>
+              <a:gd name="connsiteY4" fmla="*/ 1073541 h 2038741"/>
+              <a:gd name="connsiteX0" fmla="*/ 0 w 5283200"/>
+              <a:gd name="connsiteY0" fmla="*/ 2038741 h 2038741"/>
+              <a:gd name="connsiteX1" fmla="*/ 1670050 w 5283200"/>
+              <a:gd name="connsiteY1" fmla="*/ 355991 h 2038741"/>
+              <a:gd name="connsiteX2" fmla="*/ 3321049 w 5283200"/>
+              <a:gd name="connsiteY2" fmla="*/ 44216 h 2038741"/>
+              <a:gd name="connsiteX3" fmla="*/ 4540250 w 5283200"/>
+              <a:gd name="connsiteY3" fmla="*/ 895741 h 2038741"/>
+              <a:gd name="connsiteX4" fmla="*/ 5283200 w 5283200"/>
+              <a:gd name="connsiteY4" fmla="*/ 1073541 h 2038741"/>
+              <a:gd name="connsiteX0" fmla="*/ 0 w 5283200"/>
+              <a:gd name="connsiteY0" fmla="*/ 1996061 h 1996061"/>
+              <a:gd name="connsiteX1" fmla="*/ 1670050 w 5283200"/>
+              <a:gd name="connsiteY1" fmla="*/ 313311 h 1996061"/>
+              <a:gd name="connsiteX2" fmla="*/ 3321049 w 5283200"/>
+              <a:gd name="connsiteY2" fmla="*/ 1536 h 1996061"/>
+              <a:gd name="connsiteX3" fmla="*/ 3378199 w 5283200"/>
+              <a:gd name="connsiteY3" fmla="*/ 223787 h 1996061"/>
+              <a:gd name="connsiteX4" fmla="*/ 4540250 w 5283200"/>
+              <a:gd name="connsiteY4" fmla="*/ 853061 h 1996061"/>
+              <a:gd name="connsiteX5" fmla="*/ 5283200 w 5283200"/>
+              <a:gd name="connsiteY5" fmla="*/ 1030861 h 1996061"/>
+              <a:gd name="connsiteX0" fmla="*/ 0 w 5283200"/>
+              <a:gd name="connsiteY0" fmla="*/ 1996061 h 1996061"/>
+              <a:gd name="connsiteX1" fmla="*/ 1670050 w 5283200"/>
+              <a:gd name="connsiteY1" fmla="*/ 313311 h 1996061"/>
+              <a:gd name="connsiteX2" fmla="*/ 3321049 w 5283200"/>
+              <a:gd name="connsiteY2" fmla="*/ 1536 h 1996061"/>
+              <a:gd name="connsiteX3" fmla="*/ 3378199 w 5283200"/>
+              <a:gd name="connsiteY3" fmla="*/ 223787 h 1996061"/>
+              <a:gd name="connsiteX4" fmla="*/ 4540250 w 5283200"/>
+              <a:gd name="connsiteY4" fmla="*/ 853061 h 1996061"/>
+              <a:gd name="connsiteX5" fmla="*/ 5283200 w 5283200"/>
+              <a:gd name="connsiteY5" fmla="*/ 1030861 h 1996061"/>
+              <a:gd name="connsiteX0" fmla="*/ 0 w 5283200"/>
+              <a:gd name="connsiteY0" fmla="*/ 1995044 h 1995044"/>
+              <a:gd name="connsiteX1" fmla="*/ 1670050 w 5283200"/>
+              <a:gd name="connsiteY1" fmla="*/ 312294 h 1995044"/>
+              <a:gd name="connsiteX2" fmla="*/ 3321049 w 5283200"/>
+              <a:gd name="connsiteY2" fmla="*/ 519 h 1995044"/>
+              <a:gd name="connsiteX3" fmla="*/ 3359149 w 5283200"/>
+              <a:gd name="connsiteY3" fmla="*/ 438670 h 1995044"/>
+              <a:gd name="connsiteX4" fmla="*/ 4540250 w 5283200"/>
+              <a:gd name="connsiteY4" fmla="*/ 852044 h 1995044"/>
+              <a:gd name="connsiteX5" fmla="*/ 5283200 w 5283200"/>
+              <a:gd name="connsiteY5" fmla="*/ 1029844 h 1995044"/>
+              <a:gd name="connsiteX0" fmla="*/ 0 w 5283200"/>
+              <a:gd name="connsiteY0" fmla="*/ 1995183 h 1995183"/>
+              <a:gd name="connsiteX1" fmla="*/ 1670050 w 5283200"/>
+              <a:gd name="connsiteY1" fmla="*/ 312433 h 1995183"/>
+              <a:gd name="connsiteX2" fmla="*/ 3321049 w 5283200"/>
+              <a:gd name="connsiteY2" fmla="*/ 658 h 1995183"/>
+              <a:gd name="connsiteX3" fmla="*/ 3359149 w 5283200"/>
+              <a:gd name="connsiteY3" fmla="*/ 438809 h 1995183"/>
+              <a:gd name="connsiteX4" fmla="*/ 4540250 w 5283200"/>
+              <a:gd name="connsiteY4" fmla="*/ 852183 h 1995183"/>
+              <a:gd name="connsiteX5" fmla="*/ 5283200 w 5283200"/>
+              <a:gd name="connsiteY5" fmla="*/ 1029983 h 1995183"/>
+              <a:gd name="connsiteX0" fmla="*/ 0 w 5283200"/>
+              <a:gd name="connsiteY0" fmla="*/ 1994525 h 1994525"/>
+              <a:gd name="connsiteX1" fmla="*/ 1670050 w 5283200"/>
+              <a:gd name="connsiteY1" fmla="*/ 311775 h 1994525"/>
+              <a:gd name="connsiteX2" fmla="*/ 3321049 w 5283200"/>
+              <a:gd name="connsiteY2" fmla="*/ 0 h 1994525"/>
+              <a:gd name="connsiteX3" fmla="*/ 3359149 w 5283200"/>
+              <a:gd name="connsiteY3" fmla="*/ 438151 h 1994525"/>
+              <a:gd name="connsiteX4" fmla="*/ 4540250 w 5283200"/>
+              <a:gd name="connsiteY4" fmla="*/ 851525 h 1994525"/>
+              <a:gd name="connsiteX5" fmla="*/ 5283200 w 5283200"/>
+              <a:gd name="connsiteY5" fmla="*/ 1029325 h 1994525"/>
+              <a:gd name="connsiteX0" fmla="*/ 0 w 5283200"/>
+              <a:gd name="connsiteY0" fmla="*/ 1994525 h 1994525"/>
+              <a:gd name="connsiteX1" fmla="*/ 1670050 w 5283200"/>
+              <a:gd name="connsiteY1" fmla="*/ 311775 h 1994525"/>
+              <a:gd name="connsiteX2" fmla="*/ 3321049 w 5283200"/>
+              <a:gd name="connsiteY2" fmla="*/ 0 h 1994525"/>
+              <a:gd name="connsiteX3" fmla="*/ 3321049 w 5283200"/>
+              <a:gd name="connsiteY3" fmla="*/ 476251 h 1994525"/>
+              <a:gd name="connsiteX4" fmla="*/ 4540250 w 5283200"/>
+              <a:gd name="connsiteY4" fmla="*/ 851525 h 1994525"/>
+              <a:gd name="connsiteX5" fmla="*/ 5283200 w 5283200"/>
+              <a:gd name="connsiteY5" fmla="*/ 1029325 h 1994525"/>
+              <a:gd name="connsiteX0" fmla="*/ 0 w 5283200"/>
+              <a:gd name="connsiteY0" fmla="*/ 1994525 h 1994525"/>
+              <a:gd name="connsiteX1" fmla="*/ 1670050 w 5283200"/>
+              <a:gd name="connsiteY1" fmla="*/ 311775 h 1994525"/>
+              <a:gd name="connsiteX2" fmla="*/ 3321049 w 5283200"/>
+              <a:gd name="connsiteY2" fmla="*/ 0 h 1994525"/>
+              <a:gd name="connsiteX3" fmla="*/ 3333749 w 5283200"/>
+              <a:gd name="connsiteY3" fmla="*/ 476251 h 1994525"/>
+              <a:gd name="connsiteX4" fmla="*/ 4540250 w 5283200"/>
+              <a:gd name="connsiteY4" fmla="*/ 851525 h 1994525"/>
+              <a:gd name="connsiteX5" fmla="*/ 5283200 w 5283200"/>
+              <a:gd name="connsiteY5" fmla="*/ 1029325 h 1994525"/>
+              <a:gd name="connsiteX0" fmla="*/ 0 w 5283200"/>
+              <a:gd name="connsiteY0" fmla="*/ 1994525 h 1994525"/>
+              <a:gd name="connsiteX1" fmla="*/ 1670050 w 5283200"/>
+              <a:gd name="connsiteY1" fmla="*/ 311775 h 1994525"/>
+              <a:gd name="connsiteX2" fmla="*/ 3321049 w 5283200"/>
+              <a:gd name="connsiteY2" fmla="*/ 0 h 1994525"/>
+              <a:gd name="connsiteX3" fmla="*/ 3333749 w 5283200"/>
+              <a:gd name="connsiteY3" fmla="*/ 476251 h 1994525"/>
+              <a:gd name="connsiteX4" fmla="*/ 4540250 w 5283200"/>
+              <a:gd name="connsiteY4" fmla="*/ 851525 h 1994525"/>
+              <a:gd name="connsiteX5" fmla="*/ 5283200 w 5283200"/>
+              <a:gd name="connsiteY5" fmla="*/ 1029325 h 1994525"/>
+              <a:gd name="connsiteX0" fmla="*/ 0 w 5283200"/>
+              <a:gd name="connsiteY0" fmla="*/ 1994525 h 1994525"/>
+              <a:gd name="connsiteX1" fmla="*/ 1670050 w 5283200"/>
+              <a:gd name="connsiteY1" fmla="*/ 311775 h 1994525"/>
+              <a:gd name="connsiteX2" fmla="*/ 3321049 w 5283200"/>
+              <a:gd name="connsiteY2" fmla="*/ 0 h 1994525"/>
+              <a:gd name="connsiteX3" fmla="*/ 3321842 w 5283200"/>
+              <a:gd name="connsiteY3" fmla="*/ 485776 h 1994525"/>
+              <a:gd name="connsiteX4" fmla="*/ 4540250 w 5283200"/>
+              <a:gd name="connsiteY4" fmla="*/ 851525 h 1994525"/>
+              <a:gd name="connsiteX5" fmla="*/ 5283200 w 5283200"/>
+              <a:gd name="connsiteY5" fmla="*/ 1029325 h 1994525"/>
+            </a:gdLst>
+            <a:ahLst/>
+            <a:cxnLst>
+              <a:cxn ang="0">
+                <a:pos x="connsiteX0" y="connsiteY0"/>
+              </a:cxn>
+              <a:cxn ang="0">
+                <a:pos x="connsiteX1" y="connsiteY1"/>
+              </a:cxn>
+              <a:cxn ang="0">
+                <a:pos x="connsiteX2" y="connsiteY2"/>
+              </a:cxn>
+              <a:cxn ang="0">
+                <a:pos x="connsiteX3" y="connsiteY3"/>
+              </a:cxn>
+              <a:cxn ang="0">
+                <a:pos x="connsiteX4" y="connsiteY4"/>
+              </a:cxn>
+              <a:cxn ang="0">
+                <a:pos x="connsiteX5" y="connsiteY5"/>
+              </a:cxn>
+            </a:cxnLst>
+            <a:rect l="l" t="t" r="r" b="b"/>
+            <a:pathLst>
+              <a:path w="5283200" h="1994525">
+                <a:moveTo>
+                  <a:pt x="0" y="1994525"/>
+                </a:moveTo>
+                <a:cubicBezTo>
+                  <a:pt x="461433" y="1706658"/>
+                  <a:pt x="1116542" y="644196"/>
+                  <a:pt x="1670050" y="311775"/>
+                </a:cubicBezTo>
+                <a:cubicBezTo>
+                  <a:pt x="2223558" y="-20646"/>
+                  <a:pt x="3036358" y="14921"/>
+                  <a:pt x="3321049" y="0"/>
+                </a:cubicBezTo>
+                <a:cubicBezTo>
+                  <a:pt x="3319991" y="385129"/>
+                  <a:pt x="3321842" y="-11745"/>
+                  <a:pt x="3321842" y="485776"/>
+                </a:cubicBezTo>
+                <a:cubicBezTo>
+                  <a:pt x="3525042" y="627697"/>
+                  <a:pt x="4213357" y="760934"/>
+                  <a:pt x="4540250" y="851525"/>
+                </a:cubicBezTo>
+                <a:cubicBezTo>
+                  <a:pt x="4867143" y="942117"/>
+                  <a:pt x="5250391" y="1042025"/>
+                  <a:pt x="5283200" y="1029325"/>
+                </a:cubicBezTo>
+              </a:path>
+            </a:pathLst>
+          </a:custGeom>
+          <a:noFill/>
+          <a:ln w="25400">
+            <a:solidFill>
+              <a:srgbClr val="FF0000"/>
+            </a:solidFill>
+          </a:ln>
+        </p:spPr>
+        <p:style>
+          <a:lnRef idx="2">
+            <a:schemeClr val="accent1">
+              <a:shade val="50000"/>
+            </a:schemeClr>
+          </a:lnRef>
+          <a:fillRef idx="1">
+            <a:schemeClr val="accent1"/>
+          </a:fillRef>
+          <a:effectRef idx="0">
+            <a:schemeClr val="accent1"/>
+          </a:effectRef>
+          <a:fontRef idx="minor">
+            <a:schemeClr val="lt1"/>
+          </a:fontRef>
+        </p:style>
+        <p:txBody>
+          <a:bodyPr rtlCol="0" anchor="ctr"/>
+          <a:lstStyle/>
+          <a:p>
+            <a:pPr algn="ctr"/>
+            <a:endParaRPr lang="en-US"/>
+          </a:p>
+        </p:txBody>
+      </p:sp>
+      <p:sp>
+        <p:nvSpPr>
+          <p:cNvPr id="33" name="Freeform: Shape 32">
+            <a:extLst>
+              <a:ext uri="{FF2B5EF4-FFF2-40B4-BE49-F238E27FC236}">
+                <a16:creationId xmlns:a16="http://schemas.microsoft.com/office/drawing/2014/main" id="{103EE9AE-8DDF-C6B7-D0D1-F0DD0EEFD823}"/>
+              </a:ext>
+            </a:extLst>
+          </p:cNvPr>
+          <p:cNvSpPr/>
+          <p:nvPr/>
+        </p:nvSpPr>
+        <p:spPr>
+          <a:xfrm>
+            <a:off x="4292601" y="1800905"/>
+            <a:ext cx="5264150" cy="2295468"/>
+          </a:xfrm>
+          <a:custGeom>
+            <a:avLst/>
+            <a:gdLst>
+              <a:gd name="connsiteX0" fmla="*/ 0 w 5213350"/>
+              <a:gd name="connsiteY0" fmla="*/ 611817 h 611817"/>
+              <a:gd name="connsiteX1" fmla="*/ 1682750 w 5213350"/>
+              <a:gd name="connsiteY1" fmla="*/ 2217 h 611817"/>
+              <a:gd name="connsiteX2" fmla="*/ 4559300 w 5213350"/>
+              <a:gd name="connsiteY2" fmla="*/ 408617 h 611817"/>
+              <a:gd name="connsiteX3" fmla="*/ 5213350 w 5213350"/>
+              <a:gd name="connsiteY3" fmla="*/ 459417 h 611817"/>
+              <a:gd name="connsiteX0" fmla="*/ 0 w 5219700"/>
+              <a:gd name="connsiteY0" fmla="*/ 611817 h 611817"/>
+              <a:gd name="connsiteX1" fmla="*/ 1682750 w 5219700"/>
+              <a:gd name="connsiteY1" fmla="*/ 2217 h 611817"/>
+              <a:gd name="connsiteX2" fmla="*/ 4559300 w 5219700"/>
+              <a:gd name="connsiteY2" fmla="*/ 408617 h 611817"/>
+              <a:gd name="connsiteX3" fmla="*/ 5219700 w 5219700"/>
+              <a:gd name="connsiteY3" fmla="*/ 491167 h 611817"/>
+              <a:gd name="connsiteX0" fmla="*/ 0 w 5207000"/>
+              <a:gd name="connsiteY0" fmla="*/ 1731837 h 1731837"/>
+              <a:gd name="connsiteX1" fmla="*/ 1670050 w 5207000"/>
+              <a:gd name="connsiteY1" fmla="*/ 49087 h 1731837"/>
+              <a:gd name="connsiteX2" fmla="*/ 4546600 w 5207000"/>
+              <a:gd name="connsiteY2" fmla="*/ 455487 h 1731837"/>
+              <a:gd name="connsiteX3" fmla="*/ 5207000 w 5207000"/>
+              <a:gd name="connsiteY3" fmla="*/ 538037 h 1731837"/>
+              <a:gd name="connsiteX0" fmla="*/ 0 w 5207000"/>
+              <a:gd name="connsiteY0" fmla="*/ 1709537 h 1709537"/>
+              <a:gd name="connsiteX1" fmla="*/ 1670050 w 5207000"/>
+              <a:gd name="connsiteY1" fmla="*/ 26787 h 1709537"/>
+              <a:gd name="connsiteX2" fmla="*/ 4533900 w 5207000"/>
+              <a:gd name="connsiteY2" fmla="*/ 661787 h 1709537"/>
+              <a:gd name="connsiteX3" fmla="*/ 5207000 w 5207000"/>
+              <a:gd name="connsiteY3" fmla="*/ 515737 h 1709537"/>
+              <a:gd name="connsiteX0" fmla="*/ 0 w 5276850"/>
+              <a:gd name="connsiteY0" fmla="*/ 1709537 h 1709537"/>
+              <a:gd name="connsiteX1" fmla="*/ 1670050 w 5276850"/>
+              <a:gd name="connsiteY1" fmla="*/ 26787 h 1709537"/>
+              <a:gd name="connsiteX2" fmla="*/ 4533900 w 5276850"/>
+              <a:gd name="connsiteY2" fmla="*/ 661787 h 1709537"/>
+              <a:gd name="connsiteX3" fmla="*/ 5276850 w 5276850"/>
+              <a:gd name="connsiteY3" fmla="*/ 769737 h 1709537"/>
+              <a:gd name="connsiteX0" fmla="*/ 0 w 5276850"/>
+              <a:gd name="connsiteY0" fmla="*/ 1708167 h 1708167"/>
+              <a:gd name="connsiteX1" fmla="*/ 1670050 w 5276850"/>
+              <a:gd name="connsiteY1" fmla="*/ 25417 h 1708167"/>
+              <a:gd name="connsiteX2" fmla="*/ 4546600 w 5276850"/>
+              <a:gd name="connsiteY2" fmla="*/ 679467 h 1708167"/>
+              <a:gd name="connsiteX3" fmla="*/ 5276850 w 5276850"/>
+              <a:gd name="connsiteY3" fmla="*/ 768367 h 1708167"/>
+              <a:gd name="connsiteX0" fmla="*/ 0 w 5276850"/>
+              <a:gd name="connsiteY0" fmla="*/ 1682941 h 1682941"/>
+              <a:gd name="connsiteX1" fmla="*/ 1670050 w 5276850"/>
+              <a:gd name="connsiteY1" fmla="*/ 191 h 1682941"/>
+              <a:gd name="connsiteX2" fmla="*/ 4546600 w 5276850"/>
+              <a:gd name="connsiteY2" fmla="*/ 654241 h 1682941"/>
+              <a:gd name="connsiteX3" fmla="*/ 5276850 w 5276850"/>
+              <a:gd name="connsiteY3" fmla="*/ 743141 h 1682941"/>
+              <a:gd name="connsiteX0" fmla="*/ 0 w 5276850"/>
+              <a:gd name="connsiteY0" fmla="*/ 1682941 h 1682941"/>
+              <a:gd name="connsiteX1" fmla="*/ 1670050 w 5276850"/>
+              <a:gd name="connsiteY1" fmla="*/ 191 h 1682941"/>
+              <a:gd name="connsiteX2" fmla="*/ 4546600 w 5276850"/>
+              <a:gd name="connsiteY2" fmla="*/ 654241 h 1682941"/>
+              <a:gd name="connsiteX3" fmla="*/ 5276850 w 5276850"/>
+              <a:gd name="connsiteY3" fmla="*/ 743141 h 1682941"/>
+              <a:gd name="connsiteX0" fmla="*/ 0 w 5276850"/>
+              <a:gd name="connsiteY0" fmla="*/ 1682941 h 1682941"/>
+              <a:gd name="connsiteX1" fmla="*/ 1670050 w 5276850"/>
+              <a:gd name="connsiteY1" fmla="*/ 191 h 1682941"/>
+              <a:gd name="connsiteX2" fmla="*/ 4546600 w 5276850"/>
+              <a:gd name="connsiteY2" fmla="*/ 654241 h 1682941"/>
+              <a:gd name="connsiteX3" fmla="*/ 5276850 w 5276850"/>
+              <a:gd name="connsiteY3" fmla="*/ 743141 h 1682941"/>
+              <a:gd name="connsiteX0" fmla="*/ 0 w 5276850"/>
+              <a:gd name="connsiteY0" fmla="*/ 1682941 h 1682941"/>
+              <a:gd name="connsiteX1" fmla="*/ 1670050 w 5276850"/>
+              <a:gd name="connsiteY1" fmla="*/ 191 h 1682941"/>
+              <a:gd name="connsiteX2" fmla="*/ 4546600 w 5276850"/>
+              <a:gd name="connsiteY2" fmla="*/ 654241 h 1682941"/>
+              <a:gd name="connsiteX3" fmla="*/ 5276850 w 5276850"/>
+              <a:gd name="connsiteY3" fmla="*/ 743141 h 1682941"/>
+              <a:gd name="connsiteX0" fmla="*/ 0 w 5276850"/>
+              <a:gd name="connsiteY0" fmla="*/ 1682941 h 1682941"/>
+              <a:gd name="connsiteX1" fmla="*/ 1670050 w 5276850"/>
+              <a:gd name="connsiteY1" fmla="*/ 191 h 1682941"/>
+              <a:gd name="connsiteX2" fmla="*/ 4546600 w 5276850"/>
+              <a:gd name="connsiteY2" fmla="*/ 654241 h 1682941"/>
+              <a:gd name="connsiteX3" fmla="*/ 5276850 w 5276850"/>
+              <a:gd name="connsiteY3" fmla="*/ 743141 h 1682941"/>
+              <a:gd name="connsiteX0" fmla="*/ 0 w 5353050"/>
+              <a:gd name="connsiteY0" fmla="*/ 1682941 h 1682941"/>
+              <a:gd name="connsiteX1" fmla="*/ 1670050 w 5353050"/>
+              <a:gd name="connsiteY1" fmla="*/ 191 h 1682941"/>
+              <a:gd name="connsiteX2" fmla="*/ 4546600 w 5353050"/>
+              <a:gd name="connsiteY2" fmla="*/ 654241 h 1682941"/>
+              <a:gd name="connsiteX3" fmla="*/ 5353050 w 5353050"/>
+              <a:gd name="connsiteY3" fmla="*/ 863791 h 1682941"/>
+              <a:gd name="connsiteX0" fmla="*/ 0 w 5283200"/>
+              <a:gd name="connsiteY0" fmla="*/ 1682941 h 1682941"/>
+              <a:gd name="connsiteX1" fmla="*/ 1670050 w 5283200"/>
+              <a:gd name="connsiteY1" fmla="*/ 191 h 1682941"/>
+              <a:gd name="connsiteX2" fmla="*/ 4546600 w 5283200"/>
+              <a:gd name="connsiteY2" fmla="*/ 654241 h 1682941"/>
+              <a:gd name="connsiteX3" fmla="*/ 5283200 w 5283200"/>
+              <a:gd name="connsiteY3" fmla="*/ 825691 h 1682941"/>
+              <a:gd name="connsiteX0" fmla="*/ 0 w 5283200"/>
+              <a:gd name="connsiteY0" fmla="*/ 1756958 h 1756958"/>
+              <a:gd name="connsiteX1" fmla="*/ 1670050 w 5283200"/>
+              <a:gd name="connsiteY1" fmla="*/ 74208 h 1756958"/>
+              <a:gd name="connsiteX2" fmla="*/ 3174999 w 5283200"/>
+              <a:gd name="connsiteY2" fmla="*/ 340283 h 1756958"/>
+              <a:gd name="connsiteX3" fmla="*/ 4546600 w 5283200"/>
+              <a:gd name="connsiteY3" fmla="*/ 728258 h 1756958"/>
+              <a:gd name="connsiteX4" fmla="*/ 5283200 w 5283200"/>
+              <a:gd name="connsiteY4" fmla="*/ 899708 h 1756958"/>
+              <a:gd name="connsiteX0" fmla="*/ 0 w 5283200"/>
+              <a:gd name="connsiteY0" fmla="*/ 2038741 h 2038741"/>
+              <a:gd name="connsiteX1" fmla="*/ 1670050 w 5283200"/>
+              <a:gd name="connsiteY1" fmla="*/ 355991 h 2038741"/>
+              <a:gd name="connsiteX2" fmla="*/ 3321049 w 5283200"/>
+              <a:gd name="connsiteY2" fmla="*/ 44216 h 2038741"/>
+              <a:gd name="connsiteX3" fmla="*/ 4546600 w 5283200"/>
+              <a:gd name="connsiteY3" fmla="*/ 1010041 h 2038741"/>
+              <a:gd name="connsiteX4" fmla="*/ 5283200 w 5283200"/>
+              <a:gd name="connsiteY4" fmla="*/ 1181491 h 2038741"/>
+              <a:gd name="connsiteX0" fmla="*/ 0 w 5283200"/>
+              <a:gd name="connsiteY0" fmla="*/ 2038741 h 2038741"/>
+              <a:gd name="connsiteX1" fmla="*/ 1670050 w 5283200"/>
+              <a:gd name="connsiteY1" fmla="*/ 355991 h 2038741"/>
+              <a:gd name="connsiteX2" fmla="*/ 3321049 w 5283200"/>
+              <a:gd name="connsiteY2" fmla="*/ 44216 h 2038741"/>
+              <a:gd name="connsiteX3" fmla="*/ 4546600 w 5283200"/>
+              <a:gd name="connsiteY3" fmla="*/ 1010041 h 2038741"/>
+              <a:gd name="connsiteX4" fmla="*/ 5283200 w 5283200"/>
+              <a:gd name="connsiteY4" fmla="*/ 1181491 h 2038741"/>
+              <a:gd name="connsiteX0" fmla="*/ 0 w 5283200"/>
+              <a:gd name="connsiteY0" fmla="*/ 2038741 h 2038741"/>
+              <a:gd name="connsiteX1" fmla="*/ 1670050 w 5283200"/>
+              <a:gd name="connsiteY1" fmla="*/ 355991 h 2038741"/>
+              <a:gd name="connsiteX2" fmla="*/ 3321049 w 5283200"/>
+              <a:gd name="connsiteY2" fmla="*/ 44216 h 2038741"/>
+              <a:gd name="connsiteX3" fmla="*/ 4546600 w 5283200"/>
+              <a:gd name="connsiteY3" fmla="*/ 1010041 h 2038741"/>
+              <a:gd name="connsiteX4" fmla="*/ 5283200 w 5283200"/>
+              <a:gd name="connsiteY4" fmla="*/ 1181491 h 2038741"/>
+              <a:gd name="connsiteX0" fmla="*/ 0 w 5283200"/>
+              <a:gd name="connsiteY0" fmla="*/ 2038741 h 2038741"/>
+              <a:gd name="connsiteX1" fmla="*/ 1670050 w 5283200"/>
+              <a:gd name="connsiteY1" fmla="*/ 355991 h 2038741"/>
+              <a:gd name="connsiteX2" fmla="*/ 3321049 w 5283200"/>
+              <a:gd name="connsiteY2" fmla="*/ 44216 h 2038741"/>
+              <a:gd name="connsiteX3" fmla="*/ 4540250 w 5283200"/>
+              <a:gd name="connsiteY3" fmla="*/ 952891 h 2038741"/>
+              <a:gd name="connsiteX4" fmla="*/ 5283200 w 5283200"/>
+              <a:gd name="connsiteY4" fmla="*/ 1181491 h 2038741"/>
+              <a:gd name="connsiteX0" fmla="*/ 0 w 5283200"/>
+              <a:gd name="connsiteY0" fmla="*/ 2038741 h 2038741"/>
+              <a:gd name="connsiteX1" fmla="*/ 1670050 w 5283200"/>
+              <a:gd name="connsiteY1" fmla="*/ 355991 h 2038741"/>
+              <a:gd name="connsiteX2" fmla="*/ 3321049 w 5283200"/>
+              <a:gd name="connsiteY2" fmla="*/ 44216 h 2038741"/>
+              <a:gd name="connsiteX3" fmla="*/ 4540250 w 5283200"/>
+              <a:gd name="connsiteY3" fmla="*/ 952891 h 2038741"/>
+              <a:gd name="connsiteX4" fmla="*/ 5283200 w 5283200"/>
+              <a:gd name="connsiteY4" fmla="*/ 1181491 h 2038741"/>
+              <a:gd name="connsiteX0" fmla="*/ 0 w 5492750"/>
+              <a:gd name="connsiteY0" fmla="*/ 2038741 h 2038741"/>
+              <a:gd name="connsiteX1" fmla="*/ 1670050 w 5492750"/>
+              <a:gd name="connsiteY1" fmla="*/ 355991 h 2038741"/>
+              <a:gd name="connsiteX2" fmla="*/ 3321049 w 5492750"/>
+              <a:gd name="connsiteY2" fmla="*/ 44216 h 2038741"/>
+              <a:gd name="connsiteX3" fmla="*/ 4540250 w 5492750"/>
+              <a:gd name="connsiteY3" fmla="*/ 952891 h 2038741"/>
+              <a:gd name="connsiteX4" fmla="*/ 5492750 w 5492750"/>
+              <a:gd name="connsiteY4" fmla="*/ 1124341 h 2038741"/>
+              <a:gd name="connsiteX0" fmla="*/ 0 w 5270500"/>
+              <a:gd name="connsiteY0" fmla="*/ 2038741 h 2038741"/>
+              <a:gd name="connsiteX1" fmla="*/ 1670050 w 5270500"/>
+              <a:gd name="connsiteY1" fmla="*/ 355991 h 2038741"/>
+              <a:gd name="connsiteX2" fmla="*/ 3321049 w 5270500"/>
+              <a:gd name="connsiteY2" fmla="*/ 44216 h 2038741"/>
+              <a:gd name="connsiteX3" fmla="*/ 4540250 w 5270500"/>
+              <a:gd name="connsiteY3" fmla="*/ 952891 h 2038741"/>
+              <a:gd name="connsiteX4" fmla="*/ 5270500 w 5270500"/>
+              <a:gd name="connsiteY4" fmla="*/ 1098941 h 2038741"/>
+              <a:gd name="connsiteX0" fmla="*/ 0 w 5270500"/>
+              <a:gd name="connsiteY0" fmla="*/ 2038741 h 2038741"/>
+              <a:gd name="connsiteX1" fmla="*/ 1670050 w 5270500"/>
+              <a:gd name="connsiteY1" fmla="*/ 355991 h 2038741"/>
+              <a:gd name="connsiteX2" fmla="*/ 3321049 w 5270500"/>
+              <a:gd name="connsiteY2" fmla="*/ 44216 h 2038741"/>
+              <a:gd name="connsiteX3" fmla="*/ 4540250 w 5270500"/>
+              <a:gd name="connsiteY3" fmla="*/ 895741 h 2038741"/>
+              <a:gd name="connsiteX4" fmla="*/ 5270500 w 5270500"/>
+              <a:gd name="connsiteY4" fmla="*/ 1098941 h 2038741"/>
+              <a:gd name="connsiteX0" fmla="*/ 0 w 5270500"/>
+              <a:gd name="connsiteY0" fmla="*/ 2038741 h 2038741"/>
+              <a:gd name="connsiteX1" fmla="*/ 1670050 w 5270500"/>
+              <a:gd name="connsiteY1" fmla="*/ 355991 h 2038741"/>
+              <a:gd name="connsiteX2" fmla="*/ 3321049 w 5270500"/>
+              <a:gd name="connsiteY2" fmla="*/ 44216 h 2038741"/>
+              <a:gd name="connsiteX3" fmla="*/ 4540250 w 5270500"/>
+              <a:gd name="connsiteY3" fmla="*/ 895741 h 2038741"/>
+              <a:gd name="connsiteX4" fmla="*/ 5270500 w 5270500"/>
+              <a:gd name="connsiteY4" fmla="*/ 1098941 h 2038741"/>
+              <a:gd name="connsiteX0" fmla="*/ 0 w 5283200"/>
+              <a:gd name="connsiteY0" fmla="*/ 2038741 h 2038741"/>
+              <a:gd name="connsiteX1" fmla="*/ 1670050 w 5283200"/>
+              <a:gd name="connsiteY1" fmla="*/ 355991 h 2038741"/>
+              <a:gd name="connsiteX2" fmla="*/ 3321049 w 5283200"/>
+              <a:gd name="connsiteY2" fmla="*/ 44216 h 2038741"/>
+              <a:gd name="connsiteX3" fmla="*/ 4540250 w 5283200"/>
+              <a:gd name="connsiteY3" fmla="*/ 895741 h 2038741"/>
+              <a:gd name="connsiteX4" fmla="*/ 5283200 w 5283200"/>
+              <a:gd name="connsiteY4" fmla="*/ 965591 h 2038741"/>
+              <a:gd name="connsiteX0" fmla="*/ 0 w 5283200"/>
+              <a:gd name="connsiteY0" fmla="*/ 2038741 h 2038741"/>
+              <a:gd name="connsiteX1" fmla="*/ 1670050 w 5283200"/>
+              <a:gd name="connsiteY1" fmla="*/ 355991 h 2038741"/>
+              <a:gd name="connsiteX2" fmla="*/ 3321049 w 5283200"/>
+              <a:gd name="connsiteY2" fmla="*/ 44216 h 2038741"/>
+              <a:gd name="connsiteX3" fmla="*/ 4540250 w 5283200"/>
+              <a:gd name="connsiteY3" fmla="*/ 895741 h 2038741"/>
+              <a:gd name="connsiteX4" fmla="*/ 5283200 w 5283200"/>
+              <a:gd name="connsiteY4" fmla="*/ 1073541 h 2038741"/>
+              <a:gd name="connsiteX0" fmla="*/ 0 w 5283200"/>
+              <a:gd name="connsiteY0" fmla="*/ 2038741 h 2038741"/>
+              <a:gd name="connsiteX1" fmla="*/ 1670050 w 5283200"/>
+              <a:gd name="connsiteY1" fmla="*/ 355991 h 2038741"/>
+              <a:gd name="connsiteX2" fmla="*/ 3321049 w 5283200"/>
+              <a:gd name="connsiteY2" fmla="*/ 44216 h 2038741"/>
+              <a:gd name="connsiteX3" fmla="*/ 4540250 w 5283200"/>
+              <a:gd name="connsiteY3" fmla="*/ 895741 h 2038741"/>
+              <a:gd name="connsiteX4" fmla="*/ 5283200 w 5283200"/>
+              <a:gd name="connsiteY4" fmla="*/ 1073541 h 2038741"/>
+              <a:gd name="connsiteX0" fmla="*/ 0 w 5283200"/>
+              <a:gd name="connsiteY0" fmla="*/ 2038741 h 2038741"/>
+              <a:gd name="connsiteX1" fmla="*/ 1670050 w 5283200"/>
+              <a:gd name="connsiteY1" fmla="*/ 355991 h 2038741"/>
+              <a:gd name="connsiteX2" fmla="*/ 3321049 w 5283200"/>
+              <a:gd name="connsiteY2" fmla="*/ 44216 h 2038741"/>
+              <a:gd name="connsiteX3" fmla="*/ 4540250 w 5283200"/>
+              <a:gd name="connsiteY3" fmla="*/ 895741 h 2038741"/>
+              <a:gd name="connsiteX4" fmla="*/ 5283200 w 5283200"/>
+              <a:gd name="connsiteY4" fmla="*/ 1073541 h 2038741"/>
+              <a:gd name="connsiteX0" fmla="*/ 0 w 5283200"/>
+              <a:gd name="connsiteY0" fmla="*/ 2038741 h 2038741"/>
+              <a:gd name="connsiteX1" fmla="*/ 1670050 w 5283200"/>
+              <a:gd name="connsiteY1" fmla="*/ 355991 h 2038741"/>
+              <a:gd name="connsiteX2" fmla="*/ 3321049 w 5283200"/>
+              <a:gd name="connsiteY2" fmla="*/ 44216 h 2038741"/>
+              <a:gd name="connsiteX3" fmla="*/ 4540250 w 5283200"/>
+              <a:gd name="connsiteY3" fmla="*/ 895741 h 2038741"/>
+              <a:gd name="connsiteX4" fmla="*/ 5283200 w 5283200"/>
+              <a:gd name="connsiteY4" fmla="*/ 1073541 h 2038741"/>
+              <a:gd name="connsiteX0" fmla="*/ 0 w 5283200"/>
+              <a:gd name="connsiteY0" fmla="*/ 2295468 h 2295468"/>
+              <a:gd name="connsiteX1" fmla="*/ 1670050 w 5283200"/>
+              <a:gd name="connsiteY1" fmla="*/ 612718 h 2295468"/>
+              <a:gd name="connsiteX2" fmla="*/ 4533899 w 5283200"/>
+              <a:gd name="connsiteY2" fmla="*/ 21543 h 2295468"/>
+              <a:gd name="connsiteX3" fmla="*/ 4540250 w 5283200"/>
+              <a:gd name="connsiteY3" fmla="*/ 1152468 h 2295468"/>
+              <a:gd name="connsiteX4" fmla="*/ 5283200 w 5283200"/>
+              <a:gd name="connsiteY4" fmla="*/ 1330268 h 2295468"/>
+              <a:gd name="connsiteX0" fmla="*/ 0 w 5283200"/>
+              <a:gd name="connsiteY0" fmla="*/ 2295468 h 2295468"/>
+              <a:gd name="connsiteX1" fmla="*/ 1670050 w 5283200"/>
+              <a:gd name="connsiteY1" fmla="*/ 612718 h 2295468"/>
+              <a:gd name="connsiteX2" fmla="*/ 4533899 w 5283200"/>
+              <a:gd name="connsiteY2" fmla="*/ 21543 h 2295468"/>
+              <a:gd name="connsiteX3" fmla="*/ 4533900 w 5283200"/>
+              <a:gd name="connsiteY3" fmla="*/ 898468 h 2295468"/>
+              <a:gd name="connsiteX4" fmla="*/ 5283200 w 5283200"/>
+              <a:gd name="connsiteY4" fmla="*/ 1330268 h 2295468"/>
+              <a:gd name="connsiteX0" fmla="*/ 0 w 5264150"/>
+              <a:gd name="connsiteY0" fmla="*/ 2295468 h 2295468"/>
+              <a:gd name="connsiteX1" fmla="*/ 1670050 w 5264150"/>
+              <a:gd name="connsiteY1" fmla="*/ 612718 h 2295468"/>
+              <a:gd name="connsiteX2" fmla="*/ 4533899 w 5264150"/>
+              <a:gd name="connsiteY2" fmla="*/ 21543 h 2295468"/>
+              <a:gd name="connsiteX3" fmla="*/ 4533900 w 5264150"/>
+              <a:gd name="connsiteY3" fmla="*/ 898468 h 2295468"/>
+              <a:gd name="connsiteX4" fmla="*/ 5264150 w 5264150"/>
+              <a:gd name="connsiteY4" fmla="*/ 1171518 h 2295468"/>
+              <a:gd name="connsiteX0" fmla="*/ 0 w 5264150"/>
+              <a:gd name="connsiteY0" fmla="*/ 2295468 h 2295468"/>
+              <a:gd name="connsiteX1" fmla="*/ 1670050 w 5264150"/>
+              <a:gd name="connsiteY1" fmla="*/ 612718 h 2295468"/>
+              <a:gd name="connsiteX2" fmla="*/ 4533899 w 5264150"/>
+              <a:gd name="connsiteY2" fmla="*/ 21543 h 2295468"/>
+              <a:gd name="connsiteX3" fmla="*/ 4533900 w 5264150"/>
+              <a:gd name="connsiteY3" fmla="*/ 898468 h 2295468"/>
+              <a:gd name="connsiteX4" fmla="*/ 5264150 w 5264150"/>
+              <a:gd name="connsiteY4" fmla="*/ 1171518 h 2295468"/>
+              <a:gd name="connsiteX0" fmla="*/ 0 w 5264150"/>
+              <a:gd name="connsiteY0" fmla="*/ 2295468 h 2295468"/>
+              <a:gd name="connsiteX1" fmla="*/ 1670050 w 5264150"/>
+              <a:gd name="connsiteY1" fmla="*/ 612718 h 2295468"/>
+              <a:gd name="connsiteX2" fmla="*/ 4533899 w 5264150"/>
+              <a:gd name="connsiteY2" fmla="*/ 21543 h 2295468"/>
+              <a:gd name="connsiteX3" fmla="*/ 4533900 w 5264150"/>
+              <a:gd name="connsiteY3" fmla="*/ 898468 h 2295468"/>
+              <a:gd name="connsiteX4" fmla="*/ 5264150 w 5264150"/>
+              <a:gd name="connsiteY4" fmla="*/ 1171518 h 2295468"/>
+              <a:gd name="connsiteX0" fmla="*/ 0 w 5264150"/>
+              <a:gd name="connsiteY0" fmla="*/ 2295468 h 2295468"/>
+              <a:gd name="connsiteX1" fmla="*/ 1670050 w 5264150"/>
+              <a:gd name="connsiteY1" fmla="*/ 612718 h 2295468"/>
+              <a:gd name="connsiteX2" fmla="*/ 4533899 w 5264150"/>
+              <a:gd name="connsiteY2" fmla="*/ 21543 h 2295468"/>
+              <a:gd name="connsiteX3" fmla="*/ 4533900 w 5264150"/>
+              <a:gd name="connsiteY3" fmla="*/ 898468 h 2295468"/>
+              <a:gd name="connsiteX4" fmla="*/ 5264150 w 5264150"/>
+              <a:gd name="connsiteY4" fmla="*/ 1171518 h 2295468"/>
+            </a:gdLst>
+            <a:ahLst/>
+            <a:cxnLst>
+              <a:cxn ang="0">
+                <a:pos x="connsiteX0" y="connsiteY0"/>
+              </a:cxn>
+              <a:cxn ang="0">
+                <a:pos x="connsiteX1" y="connsiteY1"/>
+              </a:cxn>
+              <a:cxn ang="0">
+                <a:pos x="connsiteX2" y="connsiteY2"/>
+              </a:cxn>
+              <a:cxn ang="0">
+                <a:pos x="connsiteX3" y="connsiteY3"/>
+              </a:cxn>
+              <a:cxn ang="0">
+                <a:pos x="connsiteX4" y="connsiteY4"/>
+              </a:cxn>
+            </a:cxnLst>
+            <a:rect l="l" t="t" r="r" b="b"/>
+            <a:pathLst>
+              <a:path w="5264150" h="2295468">
+                <a:moveTo>
+                  <a:pt x="0" y="2295468"/>
+                </a:moveTo>
+                <a:cubicBezTo>
+                  <a:pt x="461433" y="2007601"/>
+                  <a:pt x="914400" y="991706"/>
+                  <a:pt x="1670050" y="612718"/>
+                </a:cubicBezTo>
+                <a:cubicBezTo>
+                  <a:pt x="2425700" y="233730"/>
+                  <a:pt x="4054474" y="-87465"/>
+                  <a:pt x="4533899" y="21543"/>
+                </a:cubicBezTo>
+                <a:cubicBezTo>
+                  <a:pt x="4530724" y="511551"/>
+                  <a:pt x="4532842" y="643306"/>
+                  <a:pt x="4533900" y="898468"/>
+                </a:cubicBezTo>
+                <a:cubicBezTo>
+                  <a:pt x="4655609" y="1090131"/>
+                  <a:pt x="5231341" y="1184218"/>
+                  <a:pt x="5264150" y="1171518"/>
+                </a:cubicBezTo>
+              </a:path>
+            </a:pathLst>
+          </a:custGeom>
+          <a:noFill/>
+          <a:ln w="25400">
+            <a:solidFill>
+              <a:srgbClr val="FF0000"/>
+            </a:solidFill>
+          </a:ln>
+        </p:spPr>
+        <p:style>
+          <a:lnRef idx="2">
+            <a:schemeClr val="accent1">
+              <a:shade val="50000"/>
+            </a:schemeClr>
+          </a:lnRef>
+          <a:fillRef idx="1">
+            <a:schemeClr val="accent1"/>
+          </a:fillRef>
+          <a:effectRef idx="0">
+            <a:schemeClr val="accent1"/>
+          </a:effectRef>
+          <a:fontRef idx="minor">
+            <a:schemeClr val="lt1"/>
+          </a:fontRef>
+        </p:style>
+        <p:txBody>
+          <a:bodyPr rtlCol="0" anchor="ctr"/>
+          <a:lstStyle/>
+          <a:p>
+            <a:pPr algn="ctr"/>
+            <a:endParaRPr lang="en-US"/>
+          </a:p>
+        </p:txBody>
+      </p:sp>
+      <p:pic>
+        <p:nvPicPr>
+          <p:cNvPr id="34" name="Picture 2" descr="See the source image">
+            <a:extLst>
+              <a:ext uri="{FF2B5EF4-FFF2-40B4-BE49-F238E27FC236}">
+                <a16:creationId xmlns:a16="http://schemas.microsoft.com/office/drawing/2014/main" id="{4A18A5F3-61F8-D527-F078-D46303F55C74}"/>
+              </a:ext>
+            </a:extLst>
+          </p:cNvPr>
+          <p:cNvPicPr>
+            <a:picLocks noChangeAspect="1" noChangeArrowheads="1"/>
+          </p:cNvPicPr>
+          <p:nvPr/>
+        </p:nvPicPr>
+        <p:blipFill>
+          <a:blip r:embed="rId7">
+            <a:extLst>
+              <a:ext uri="{28A0092B-C50C-407E-A947-70E740481C1C}">
+                <a14:useLocalDpi xmlns:a14="http://schemas.microsoft.com/office/drawing/2010/main" val="0"/>
+              </a:ext>
+            </a:extLst>
+          </a:blip>
+          <a:srcRect/>
+          <a:stretch>
+            <a:fillRect/>
+          </a:stretch>
+        </p:blipFill>
+        <p:spPr bwMode="auto">
+          <a:xfrm>
+            <a:off x="-1256021" y="478095"/>
+            <a:ext cx="3638550" cy="4191000"/>
+          </a:xfrm>
+          <a:prstGeom prst="rect">
+            <a:avLst/>
+          </a:prstGeom>
+          <a:noFill/>
+          <a:extLst>
+            <a:ext uri="{909E8E84-426E-40DD-AFC4-6F175D3DCCD1}">
+              <a14:hiddenFill xmlns:a14="http://schemas.microsoft.com/office/drawing/2010/main">
+                <a:solidFill>
+                  <a:srgbClr val="FFFFFF"/>
+                </a:solidFill>
+              </a14:hiddenFill>
+            </a:ext>
+          </a:extLst>
+        </p:spPr>
+      </p:pic>
+      <p:sp>
+        <p:nvSpPr>
+          <p:cNvPr id="35" name="Freeform: Shape 34">
+            <a:extLst>
+              <a:ext uri="{FF2B5EF4-FFF2-40B4-BE49-F238E27FC236}">
+                <a16:creationId xmlns:a16="http://schemas.microsoft.com/office/drawing/2014/main" id="{E7A364A8-D23C-439F-65F6-36EA72F2EAF4}"/>
+              </a:ext>
+            </a:extLst>
+          </p:cNvPr>
+          <p:cNvSpPr/>
+          <p:nvPr/>
+        </p:nvSpPr>
+        <p:spPr>
+          <a:xfrm>
+            <a:off x="4292601" y="1789356"/>
+            <a:ext cx="5283200" cy="2317416"/>
+          </a:xfrm>
+          <a:custGeom>
+            <a:avLst/>
+            <a:gdLst>
+              <a:gd name="connsiteX0" fmla="*/ 0 w 5213350"/>
+              <a:gd name="connsiteY0" fmla="*/ 611817 h 611817"/>
+              <a:gd name="connsiteX1" fmla="*/ 1682750 w 5213350"/>
+              <a:gd name="connsiteY1" fmla="*/ 2217 h 611817"/>
+              <a:gd name="connsiteX2" fmla="*/ 4559300 w 5213350"/>
+              <a:gd name="connsiteY2" fmla="*/ 408617 h 611817"/>
+              <a:gd name="connsiteX3" fmla="*/ 5213350 w 5213350"/>
+              <a:gd name="connsiteY3" fmla="*/ 459417 h 611817"/>
+              <a:gd name="connsiteX0" fmla="*/ 0 w 5219700"/>
+              <a:gd name="connsiteY0" fmla="*/ 611817 h 611817"/>
+              <a:gd name="connsiteX1" fmla="*/ 1682750 w 5219700"/>
+              <a:gd name="connsiteY1" fmla="*/ 2217 h 611817"/>
+              <a:gd name="connsiteX2" fmla="*/ 4559300 w 5219700"/>
+              <a:gd name="connsiteY2" fmla="*/ 408617 h 611817"/>
+              <a:gd name="connsiteX3" fmla="*/ 5219700 w 5219700"/>
+              <a:gd name="connsiteY3" fmla="*/ 491167 h 611817"/>
+              <a:gd name="connsiteX0" fmla="*/ 0 w 5207000"/>
+              <a:gd name="connsiteY0" fmla="*/ 1731837 h 1731837"/>
+              <a:gd name="connsiteX1" fmla="*/ 1670050 w 5207000"/>
+              <a:gd name="connsiteY1" fmla="*/ 49087 h 1731837"/>
+              <a:gd name="connsiteX2" fmla="*/ 4546600 w 5207000"/>
+              <a:gd name="connsiteY2" fmla="*/ 455487 h 1731837"/>
+              <a:gd name="connsiteX3" fmla="*/ 5207000 w 5207000"/>
+              <a:gd name="connsiteY3" fmla="*/ 538037 h 1731837"/>
+              <a:gd name="connsiteX0" fmla="*/ 0 w 5207000"/>
+              <a:gd name="connsiteY0" fmla="*/ 1709537 h 1709537"/>
+              <a:gd name="connsiteX1" fmla="*/ 1670050 w 5207000"/>
+              <a:gd name="connsiteY1" fmla="*/ 26787 h 1709537"/>
+              <a:gd name="connsiteX2" fmla="*/ 4533900 w 5207000"/>
+              <a:gd name="connsiteY2" fmla="*/ 661787 h 1709537"/>
+              <a:gd name="connsiteX3" fmla="*/ 5207000 w 5207000"/>
+              <a:gd name="connsiteY3" fmla="*/ 515737 h 1709537"/>
+              <a:gd name="connsiteX0" fmla="*/ 0 w 5276850"/>
+              <a:gd name="connsiteY0" fmla="*/ 1709537 h 1709537"/>
+              <a:gd name="connsiteX1" fmla="*/ 1670050 w 5276850"/>
+              <a:gd name="connsiteY1" fmla="*/ 26787 h 1709537"/>
+              <a:gd name="connsiteX2" fmla="*/ 4533900 w 5276850"/>
+              <a:gd name="connsiteY2" fmla="*/ 661787 h 1709537"/>
+              <a:gd name="connsiteX3" fmla="*/ 5276850 w 5276850"/>
+              <a:gd name="connsiteY3" fmla="*/ 769737 h 1709537"/>
+              <a:gd name="connsiteX0" fmla="*/ 0 w 5276850"/>
+              <a:gd name="connsiteY0" fmla="*/ 1708167 h 1708167"/>
+              <a:gd name="connsiteX1" fmla="*/ 1670050 w 5276850"/>
+              <a:gd name="connsiteY1" fmla="*/ 25417 h 1708167"/>
+              <a:gd name="connsiteX2" fmla="*/ 4546600 w 5276850"/>
+              <a:gd name="connsiteY2" fmla="*/ 679467 h 1708167"/>
+              <a:gd name="connsiteX3" fmla="*/ 5276850 w 5276850"/>
+              <a:gd name="connsiteY3" fmla="*/ 768367 h 1708167"/>
+              <a:gd name="connsiteX0" fmla="*/ 0 w 5276850"/>
+              <a:gd name="connsiteY0" fmla="*/ 1682941 h 1682941"/>
+              <a:gd name="connsiteX1" fmla="*/ 1670050 w 5276850"/>
+              <a:gd name="connsiteY1" fmla="*/ 191 h 1682941"/>
+              <a:gd name="connsiteX2" fmla="*/ 4546600 w 5276850"/>
+              <a:gd name="connsiteY2" fmla="*/ 654241 h 1682941"/>
+              <a:gd name="connsiteX3" fmla="*/ 5276850 w 5276850"/>
+              <a:gd name="connsiteY3" fmla="*/ 743141 h 1682941"/>
+              <a:gd name="connsiteX0" fmla="*/ 0 w 5276850"/>
+              <a:gd name="connsiteY0" fmla="*/ 1682941 h 1682941"/>
+              <a:gd name="connsiteX1" fmla="*/ 1670050 w 5276850"/>
+              <a:gd name="connsiteY1" fmla="*/ 191 h 1682941"/>
+              <a:gd name="connsiteX2" fmla="*/ 4546600 w 5276850"/>
+              <a:gd name="connsiteY2" fmla="*/ 654241 h 1682941"/>
+              <a:gd name="connsiteX3" fmla="*/ 5276850 w 5276850"/>
+              <a:gd name="connsiteY3" fmla="*/ 743141 h 1682941"/>
+              <a:gd name="connsiteX0" fmla="*/ 0 w 5276850"/>
+              <a:gd name="connsiteY0" fmla="*/ 1682941 h 1682941"/>
+              <a:gd name="connsiteX1" fmla="*/ 1670050 w 5276850"/>
+              <a:gd name="connsiteY1" fmla="*/ 191 h 1682941"/>
+              <a:gd name="connsiteX2" fmla="*/ 4546600 w 5276850"/>
+              <a:gd name="connsiteY2" fmla="*/ 654241 h 1682941"/>
+              <a:gd name="connsiteX3" fmla="*/ 5276850 w 5276850"/>
+              <a:gd name="connsiteY3" fmla="*/ 743141 h 1682941"/>
+              <a:gd name="connsiteX0" fmla="*/ 0 w 5276850"/>
+              <a:gd name="connsiteY0" fmla="*/ 1682941 h 1682941"/>
+              <a:gd name="connsiteX1" fmla="*/ 1670050 w 5276850"/>
+              <a:gd name="connsiteY1" fmla="*/ 191 h 1682941"/>
+              <a:gd name="connsiteX2" fmla="*/ 4546600 w 5276850"/>
+              <a:gd name="connsiteY2" fmla="*/ 654241 h 1682941"/>
+              <a:gd name="connsiteX3" fmla="*/ 5276850 w 5276850"/>
+              <a:gd name="connsiteY3" fmla="*/ 743141 h 1682941"/>
+              <a:gd name="connsiteX0" fmla="*/ 0 w 5276850"/>
+              <a:gd name="connsiteY0" fmla="*/ 1682941 h 1682941"/>
+              <a:gd name="connsiteX1" fmla="*/ 1670050 w 5276850"/>
+              <a:gd name="connsiteY1" fmla="*/ 191 h 1682941"/>
+              <a:gd name="connsiteX2" fmla="*/ 4546600 w 5276850"/>
+              <a:gd name="connsiteY2" fmla="*/ 654241 h 1682941"/>
+              <a:gd name="connsiteX3" fmla="*/ 5276850 w 5276850"/>
+              <a:gd name="connsiteY3" fmla="*/ 743141 h 1682941"/>
+              <a:gd name="connsiteX0" fmla="*/ 0 w 5353050"/>
+              <a:gd name="connsiteY0" fmla="*/ 1682941 h 1682941"/>
+              <a:gd name="connsiteX1" fmla="*/ 1670050 w 5353050"/>
+              <a:gd name="connsiteY1" fmla="*/ 191 h 1682941"/>
+              <a:gd name="connsiteX2" fmla="*/ 4546600 w 5353050"/>
+              <a:gd name="connsiteY2" fmla="*/ 654241 h 1682941"/>
+              <a:gd name="connsiteX3" fmla="*/ 5353050 w 5353050"/>
+              <a:gd name="connsiteY3" fmla="*/ 863791 h 1682941"/>
+              <a:gd name="connsiteX0" fmla="*/ 0 w 5283200"/>
+              <a:gd name="connsiteY0" fmla="*/ 1682941 h 1682941"/>
+              <a:gd name="connsiteX1" fmla="*/ 1670050 w 5283200"/>
+              <a:gd name="connsiteY1" fmla="*/ 191 h 1682941"/>
+              <a:gd name="connsiteX2" fmla="*/ 4546600 w 5283200"/>
+              <a:gd name="connsiteY2" fmla="*/ 654241 h 1682941"/>
+              <a:gd name="connsiteX3" fmla="*/ 5283200 w 5283200"/>
+              <a:gd name="connsiteY3" fmla="*/ 825691 h 1682941"/>
+              <a:gd name="connsiteX0" fmla="*/ 0 w 5283200"/>
+              <a:gd name="connsiteY0" fmla="*/ 1756958 h 1756958"/>
+              <a:gd name="connsiteX1" fmla="*/ 1670050 w 5283200"/>
+              <a:gd name="connsiteY1" fmla="*/ 74208 h 1756958"/>
+              <a:gd name="connsiteX2" fmla="*/ 3174999 w 5283200"/>
+              <a:gd name="connsiteY2" fmla="*/ 340283 h 1756958"/>
+              <a:gd name="connsiteX3" fmla="*/ 4546600 w 5283200"/>
+              <a:gd name="connsiteY3" fmla="*/ 728258 h 1756958"/>
+              <a:gd name="connsiteX4" fmla="*/ 5283200 w 5283200"/>
+              <a:gd name="connsiteY4" fmla="*/ 899708 h 1756958"/>
+              <a:gd name="connsiteX0" fmla="*/ 0 w 5283200"/>
+              <a:gd name="connsiteY0" fmla="*/ 2038741 h 2038741"/>
+              <a:gd name="connsiteX1" fmla="*/ 1670050 w 5283200"/>
+              <a:gd name="connsiteY1" fmla="*/ 355991 h 2038741"/>
+              <a:gd name="connsiteX2" fmla="*/ 3321049 w 5283200"/>
+              <a:gd name="connsiteY2" fmla="*/ 44216 h 2038741"/>
+              <a:gd name="connsiteX3" fmla="*/ 4546600 w 5283200"/>
+              <a:gd name="connsiteY3" fmla="*/ 1010041 h 2038741"/>
+              <a:gd name="connsiteX4" fmla="*/ 5283200 w 5283200"/>
+              <a:gd name="connsiteY4" fmla="*/ 1181491 h 2038741"/>
+              <a:gd name="connsiteX0" fmla="*/ 0 w 5283200"/>
+              <a:gd name="connsiteY0" fmla="*/ 2038741 h 2038741"/>
+              <a:gd name="connsiteX1" fmla="*/ 1670050 w 5283200"/>
+              <a:gd name="connsiteY1" fmla="*/ 355991 h 2038741"/>
+              <a:gd name="connsiteX2" fmla="*/ 3321049 w 5283200"/>
+              <a:gd name="connsiteY2" fmla="*/ 44216 h 2038741"/>
+              <a:gd name="connsiteX3" fmla="*/ 4546600 w 5283200"/>
+              <a:gd name="connsiteY3" fmla="*/ 1010041 h 2038741"/>
+              <a:gd name="connsiteX4" fmla="*/ 5283200 w 5283200"/>
+              <a:gd name="connsiteY4" fmla="*/ 1181491 h 2038741"/>
+              <a:gd name="connsiteX0" fmla="*/ 0 w 5283200"/>
+              <a:gd name="connsiteY0" fmla="*/ 2038741 h 2038741"/>
+              <a:gd name="connsiteX1" fmla="*/ 1670050 w 5283200"/>
+              <a:gd name="connsiteY1" fmla="*/ 355991 h 2038741"/>
+              <a:gd name="connsiteX2" fmla="*/ 3321049 w 5283200"/>
+              <a:gd name="connsiteY2" fmla="*/ 44216 h 2038741"/>
+              <a:gd name="connsiteX3" fmla="*/ 4546600 w 5283200"/>
+              <a:gd name="connsiteY3" fmla="*/ 1010041 h 2038741"/>
+              <a:gd name="connsiteX4" fmla="*/ 5283200 w 5283200"/>
+              <a:gd name="connsiteY4" fmla="*/ 1181491 h 2038741"/>
+              <a:gd name="connsiteX0" fmla="*/ 0 w 5283200"/>
+              <a:gd name="connsiteY0" fmla="*/ 2038741 h 2038741"/>
+              <a:gd name="connsiteX1" fmla="*/ 1670050 w 5283200"/>
+              <a:gd name="connsiteY1" fmla="*/ 355991 h 2038741"/>
+              <a:gd name="connsiteX2" fmla="*/ 3321049 w 5283200"/>
+              <a:gd name="connsiteY2" fmla="*/ 44216 h 2038741"/>
+              <a:gd name="connsiteX3" fmla="*/ 4540250 w 5283200"/>
+              <a:gd name="connsiteY3" fmla="*/ 952891 h 2038741"/>
+              <a:gd name="connsiteX4" fmla="*/ 5283200 w 5283200"/>
+              <a:gd name="connsiteY4" fmla="*/ 1181491 h 2038741"/>
+              <a:gd name="connsiteX0" fmla="*/ 0 w 5283200"/>
+              <a:gd name="connsiteY0" fmla="*/ 2038741 h 2038741"/>
+              <a:gd name="connsiteX1" fmla="*/ 1670050 w 5283200"/>
+              <a:gd name="connsiteY1" fmla="*/ 355991 h 2038741"/>
+              <a:gd name="connsiteX2" fmla="*/ 3321049 w 5283200"/>
+              <a:gd name="connsiteY2" fmla="*/ 44216 h 2038741"/>
+              <a:gd name="connsiteX3" fmla="*/ 4540250 w 5283200"/>
+              <a:gd name="connsiteY3" fmla="*/ 952891 h 2038741"/>
+              <a:gd name="connsiteX4" fmla="*/ 5283200 w 5283200"/>
+              <a:gd name="connsiteY4" fmla="*/ 1181491 h 2038741"/>
+              <a:gd name="connsiteX0" fmla="*/ 0 w 5492750"/>
+              <a:gd name="connsiteY0" fmla="*/ 2038741 h 2038741"/>
+              <a:gd name="connsiteX1" fmla="*/ 1670050 w 5492750"/>
+              <a:gd name="connsiteY1" fmla="*/ 355991 h 2038741"/>
+              <a:gd name="connsiteX2" fmla="*/ 3321049 w 5492750"/>
+              <a:gd name="connsiteY2" fmla="*/ 44216 h 2038741"/>
+              <a:gd name="connsiteX3" fmla="*/ 4540250 w 5492750"/>
+              <a:gd name="connsiteY3" fmla="*/ 952891 h 2038741"/>
+              <a:gd name="connsiteX4" fmla="*/ 5492750 w 5492750"/>
+              <a:gd name="connsiteY4" fmla="*/ 1124341 h 2038741"/>
+              <a:gd name="connsiteX0" fmla="*/ 0 w 5270500"/>
+              <a:gd name="connsiteY0" fmla="*/ 2038741 h 2038741"/>
+              <a:gd name="connsiteX1" fmla="*/ 1670050 w 5270500"/>
+              <a:gd name="connsiteY1" fmla="*/ 355991 h 2038741"/>
+              <a:gd name="connsiteX2" fmla="*/ 3321049 w 5270500"/>
+              <a:gd name="connsiteY2" fmla="*/ 44216 h 2038741"/>
+              <a:gd name="connsiteX3" fmla="*/ 4540250 w 5270500"/>
+              <a:gd name="connsiteY3" fmla="*/ 952891 h 2038741"/>
+              <a:gd name="connsiteX4" fmla="*/ 5270500 w 5270500"/>
+              <a:gd name="connsiteY4" fmla="*/ 1098941 h 2038741"/>
+              <a:gd name="connsiteX0" fmla="*/ 0 w 5270500"/>
+              <a:gd name="connsiteY0" fmla="*/ 2038741 h 2038741"/>
+              <a:gd name="connsiteX1" fmla="*/ 1670050 w 5270500"/>
+              <a:gd name="connsiteY1" fmla="*/ 355991 h 2038741"/>
+              <a:gd name="connsiteX2" fmla="*/ 3321049 w 5270500"/>
+              <a:gd name="connsiteY2" fmla="*/ 44216 h 2038741"/>
+              <a:gd name="connsiteX3" fmla="*/ 4540250 w 5270500"/>
+              <a:gd name="connsiteY3" fmla="*/ 895741 h 2038741"/>
+              <a:gd name="connsiteX4" fmla="*/ 5270500 w 5270500"/>
+              <a:gd name="connsiteY4" fmla="*/ 1098941 h 2038741"/>
+              <a:gd name="connsiteX0" fmla="*/ 0 w 5270500"/>
+              <a:gd name="connsiteY0" fmla="*/ 2038741 h 2038741"/>
+              <a:gd name="connsiteX1" fmla="*/ 1670050 w 5270500"/>
+              <a:gd name="connsiteY1" fmla="*/ 355991 h 2038741"/>
+              <a:gd name="connsiteX2" fmla="*/ 3321049 w 5270500"/>
+              <a:gd name="connsiteY2" fmla="*/ 44216 h 2038741"/>
+              <a:gd name="connsiteX3" fmla="*/ 4540250 w 5270500"/>
+              <a:gd name="connsiteY3" fmla="*/ 895741 h 2038741"/>
+              <a:gd name="connsiteX4" fmla="*/ 5270500 w 5270500"/>
+              <a:gd name="connsiteY4" fmla="*/ 1098941 h 2038741"/>
+              <a:gd name="connsiteX0" fmla="*/ 0 w 5283200"/>
+              <a:gd name="connsiteY0" fmla="*/ 2038741 h 2038741"/>
+              <a:gd name="connsiteX1" fmla="*/ 1670050 w 5283200"/>
+              <a:gd name="connsiteY1" fmla="*/ 355991 h 2038741"/>
+              <a:gd name="connsiteX2" fmla="*/ 3321049 w 5283200"/>
+              <a:gd name="connsiteY2" fmla="*/ 44216 h 2038741"/>
+              <a:gd name="connsiteX3" fmla="*/ 4540250 w 5283200"/>
+              <a:gd name="connsiteY3" fmla="*/ 895741 h 2038741"/>
+              <a:gd name="connsiteX4" fmla="*/ 5283200 w 5283200"/>
+              <a:gd name="connsiteY4" fmla="*/ 965591 h 2038741"/>
+              <a:gd name="connsiteX0" fmla="*/ 0 w 5283200"/>
+              <a:gd name="connsiteY0" fmla="*/ 2038741 h 2038741"/>
+              <a:gd name="connsiteX1" fmla="*/ 1670050 w 5283200"/>
+              <a:gd name="connsiteY1" fmla="*/ 355991 h 2038741"/>
+              <a:gd name="connsiteX2" fmla="*/ 3321049 w 5283200"/>
+              <a:gd name="connsiteY2" fmla="*/ 44216 h 2038741"/>
+              <a:gd name="connsiteX3" fmla="*/ 4540250 w 5283200"/>
+              <a:gd name="connsiteY3" fmla="*/ 895741 h 2038741"/>
+              <a:gd name="connsiteX4" fmla="*/ 5283200 w 5283200"/>
+              <a:gd name="connsiteY4" fmla="*/ 1073541 h 2038741"/>
+              <a:gd name="connsiteX0" fmla="*/ 0 w 5283200"/>
+              <a:gd name="connsiteY0" fmla="*/ 2038741 h 2038741"/>
+              <a:gd name="connsiteX1" fmla="*/ 1670050 w 5283200"/>
+              <a:gd name="connsiteY1" fmla="*/ 355991 h 2038741"/>
+              <a:gd name="connsiteX2" fmla="*/ 3321049 w 5283200"/>
+              <a:gd name="connsiteY2" fmla="*/ 44216 h 2038741"/>
+              <a:gd name="connsiteX3" fmla="*/ 4540250 w 5283200"/>
+              <a:gd name="connsiteY3" fmla="*/ 895741 h 2038741"/>
+              <a:gd name="connsiteX4" fmla="*/ 5283200 w 5283200"/>
+              <a:gd name="connsiteY4" fmla="*/ 1073541 h 2038741"/>
+              <a:gd name="connsiteX0" fmla="*/ 0 w 5283200"/>
+              <a:gd name="connsiteY0" fmla="*/ 2038741 h 2038741"/>
+              <a:gd name="connsiteX1" fmla="*/ 1670050 w 5283200"/>
+              <a:gd name="connsiteY1" fmla="*/ 355991 h 2038741"/>
+              <a:gd name="connsiteX2" fmla="*/ 3321049 w 5283200"/>
+              <a:gd name="connsiteY2" fmla="*/ 44216 h 2038741"/>
+              <a:gd name="connsiteX3" fmla="*/ 4540250 w 5283200"/>
+              <a:gd name="connsiteY3" fmla="*/ 895741 h 2038741"/>
+              <a:gd name="connsiteX4" fmla="*/ 5283200 w 5283200"/>
+              <a:gd name="connsiteY4" fmla="*/ 1073541 h 2038741"/>
+              <a:gd name="connsiteX0" fmla="*/ 0 w 5283200"/>
+              <a:gd name="connsiteY0" fmla="*/ 2038741 h 2038741"/>
+              <a:gd name="connsiteX1" fmla="*/ 1670050 w 5283200"/>
+              <a:gd name="connsiteY1" fmla="*/ 355991 h 2038741"/>
+              <a:gd name="connsiteX2" fmla="*/ 3321049 w 5283200"/>
+              <a:gd name="connsiteY2" fmla="*/ 44216 h 2038741"/>
+              <a:gd name="connsiteX3" fmla="*/ 4540250 w 5283200"/>
+              <a:gd name="connsiteY3" fmla="*/ 895741 h 2038741"/>
+              <a:gd name="connsiteX4" fmla="*/ 5283200 w 5283200"/>
+              <a:gd name="connsiteY4" fmla="*/ 1073541 h 2038741"/>
+              <a:gd name="connsiteX0" fmla="*/ 0 w 5283200"/>
+              <a:gd name="connsiteY0" fmla="*/ 2295468 h 2295468"/>
+              <a:gd name="connsiteX1" fmla="*/ 1670050 w 5283200"/>
+              <a:gd name="connsiteY1" fmla="*/ 612718 h 2295468"/>
+              <a:gd name="connsiteX2" fmla="*/ 4533899 w 5283200"/>
+              <a:gd name="connsiteY2" fmla="*/ 21543 h 2295468"/>
+              <a:gd name="connsiteX3" fmla="*/ 4540250 w 5283200"/>
+              <a:gd name="connsiteY3" fmla="*/ 1152468 h 2295468"/>
+              <a:gd name="connsiteX4" fmla="*/ 5283200 w 5283200"/>
+              <a:gd name="connsiteY4" fmla="*/ 1330268 h 2295468"/>
+              <a:gd name="connsiteX0" fmla="*/ 0 w 5283200"/>
+              <a:gd name="connsiteY0" fmla="*/ 2295468 h 2295468"/>
+              <a:gd name="connsiteX1" fmla="*/ 1670050 w 5283200"/>
+              <a:gd name="connsiteY1" fmla="*/ 612718 h 2295468"/>
+              <a:gd name="connsiteX2" fmla="*/ 4533899 w 5283200"/>
+              <a:gd name="connsiteY2" fmla="*/ 21543 h 2295468"/>
+              <a:gd name="connsiteX3" fmla="*/ 4533900 w 5283200"/>
+              <a:gd name="connsiteY3" fmla="*/ 898468 h 2295468"/>
+              <a:gd name="connsiteX4" fmla="*/ 5283200 w 5283200"/>
+              <a:gd name="connsiteY4" fmla="*/ 1330268 h 2295468"/>
+              <a:gd name="connsiteX0" fmla="*/ 0 w 5264150"/>
+              <a:gd name="connsiteY0" fmla="*/ 2295468 h 2295468"/>
+              <a:gd name="connsiteX1" fmla="*/ 1670050 w 5264150"/>
+              <a:gd name="connsiteY1" fmla="*/ 612718 h 2295468"/>
+              <a:gd name="connsiteX2" fmla="*/ 4533899 w 5264150"/>
+              <a:gd name="connsiteY2" fmla="*/ 21543 h 2295468"/>
+              <a:gd name="connsiteX3" fmla="*/ 4533900 w 5264150"/>
+              <a:gd name="connsiteY3" fmla="*/ 898468 h 2295468"/>
+              <a:gd name="connsiteX4" fmla="*/ 5264150 w 5264150"/>
+              <a:gd name="connsiteY4" fmla="*/ 1171518 h 2295468"/>
+              <a:gd name="connsiteX0" fmla="*/ 0 w 5264150"/>
+              <a:gd name="connsiteY0" fmla="*/ 2295468 h 2295468"/>
+              <a:gd name="connsiteX1" fmla="*/ 1670050 w 5264150"/>
+              <a:gd name="connsiteY1" fmla="*/ 612718 h 2295468"/>
+              <a:gd name="connsiteX2" fmla="*/ 4533899 w 5264150"/>
+              <a:gd name="connsiteY2" fmla="*/ 21543 h 2295468"/>
+              <a:gd name="connsiteX3" fmla="*/ 4533900 w 5264150"/>
+              <a:gd name="connsiteY3" fmla="*/ 898468 h 2295468"/>
+              <a:gd name="connsiteX4" fmla="*/ 5264150 w 5264150"/>
+              <a:gd name="connsiteY4" fmla="*/ 1171518 h 2295468"/>
+              <a:gd name="connsiteX0" fmla="*/ 0 w 5264150"/>
+              <a:gd name="connsiteY0" fmla="*/ 2295468 h 2295468"/>
+              <a:gd name="connsiteX1" fmla="*/ 1670050 w 5264150"/>
+              <a:gd name="connsiteY1" fmla="*/ 612718 h 2295468"/>
+              <a:gd name="connsiteX2" fmla="*/ 4533899 w 5264150"/>
+              <a:gd name="connsiteY2" fmla="*/ 21543 h 2295468"/>
+              <a:gd name="connsiteX3" fmla="*/ 4533900 w 5264150"/>
+              <a:gd name="connsiteY3" fmla="*/ 898468 h 2295468"/>
+              <a:gd name="connsiteX4" fmla="*/ 5264150 w 5264150"/>
+              <a:gd name="connsiteY4" fmla="*/ 1171518 h 2295468"/>
+              <a:gd name="connsiteX0" fmla="*/ 0 w 5264150"/>
+              <a:gd name="connsiteY0" fmla="*/ 2295468 h 2295468"/>
+              <a:gd name="connsiteX1" fmla="*/ 1670050 w 5264150"/>
+              <a:gd name="connsiteY1" fmla="*/ 612718 h 2295468"/>
+              <a:gd name="connsiteX2" fmla="*/ 4533899 w 5264150"/>
+              <a:gd name="connsiteY2" fmla="*/ 21543 h 2295468"/>
+              <a:gd name="connsiteX3" fmla="*/ 4533900 w 5264150"/>
+              <a:gd name="connsiteY3" fmla="*/ 898468 h 2295468"/>
+              <a:gd name="connsiteX4" fmla="*/ 5264150 w 5264150"/>
+              <a:gd name="connsiteY4" fmla="*/ 1171518 h 2295468"/>
+              <a:gd name="connsiteX0" fmla="*/ 0 w 5264150"/>
+              <a:gd name="connsiteY0" fmla="*/ 2317416 h 2317416"/>
+              <a:gd name="connsiteX1" fmla="*/ 1670050 w 5264150"/>
+              <a:gd name="connsiteY1" fmla="*/ 634666 h 2317416"/>
+              <a:gd name="connsiteX2" fmla="*/ 4861559 w 5264150"/>
+              <a:gd name="connsiteY2" fmla="*/ 20631 h 2317416"/>
+              <a:gd name="connsiteX3" fmla="*/ 4533900 w 5264150"/>
+              <a:gd name="connsiteY3" fmla="*/ 920416 h 2317416"/>
+              <a:gd name="connsiteX4" fmla="*/ 5264150 w 5264150"/>
+              <a:gd name="connsiteY4" fmla="*/ 1193466 h 2317416"/>
+              <a:gd name="connsiteX0" fmla="*/ 0 w 5264150"/>
+              <a:gd name="connsiteY0" fmla="*/ 2317416 h 2317416"/>
+              <a:gd name="connsiteX1" fmla="*/ 1670050 w 5264150"/>
+              <a:gd name="connsiteY1" fmla="*/ 634666 h 2317416"/>
+              <a:gd name="connsiteX2" fmla="*/ 4861559 w 5264150"/>
+              <a:gd name="connsiteY2" fmla="*/ 20631 h 2317416"/>
+              <a:gd name="connsiteX3" fmla="*/ 4533900 w 5264150"/>
+              <a:gd name="connsiteY3" fmla="*/ 920416 h 2317416"/>
+              <a:gd name="connsiteX4" fmla="*/ 5264150 w 5264150"/>
+              <a:gd name="connsiteY4" fmla="*/ 1193466 h 2317416"/>
+              <a:gd name="connsiteX0" fmla="*/ 0 w 5264150"/>
+              <a:gd name="connsiteY0" fmla="*/ 2317416 h 2317416"/>
+              <a:gd name="connsiteX1" fmla="*/ 1670050 w 5264150"/>
+              <a:gd name="connsiteY1" fmla="*/ 634666 h 2317416"/>
+              <a:gd name="connsiteX2" fmla="*/ 4861559 w 5264150"/>
+              <a:gd name="connsiteY2" fmla="*/ 20631 h 2317416"/>
+              <a:gd name="connsiteX3" fmla="*/ 4831080 w 5264150"/>
+              <a:gd name="connsiteY3" fmla="*/ 707056 h 2317416"/>
+              <a:gd name="connsiteX4" fmla="*/ 5264150 w 5264150"/>
+              <a:gd name="connsiteY4" fmla="*/ 1193466 h 2317416"/>
+              <a:gd name="connsiteX0" fmla="*/ 0 w 5264150"/>
+              <a:gd name="connsiteY0" fmla="*/ 2317416 h 2317416"/>
+              <a:gd name="connsiteX1" fmla="*/ 1670050 w 5264150"/>
+              <a:gd name="connsiteY1" fmla="*/ 634666 h 2317416"/>
+              <a:gd name="connsiteX2" fmla="*/ 4861559 w 5264150"/>
+              <a:gd name="connsiteY2" fmla="*/ 20631 h 2317416"/>
+              <a:gd name="connsiteX3" fmla="*/ 4859655 w 5264150"/>
+              <a:gd name="connsiteY3" fmla="*/ 713406 h 2317416"/>
+              <a:gd name="connsiteX4" fmla="*/ 5264150 w 5264150"/>
+              <a:gd name="connsiteY4" fmla="*/ 1193466 h 2317416"/>
+              <a:gd name="connsiteX0" fmla="*/ 0 w 5264150"/>
+              <a:gd name="connsiteY0" fmla="*/ 2317416 h 2317416"/>
+              <a:gd name="connsiteX1" fmla="*/ 1670050 w 5264150"/>
+              <a:gd name="connsiteY1" fmla="*/ 634666 h 2317416"/>
+              <a:gd name="connsiteX2" fmla="*/ 4861559 w 5264150"/>
+              <a:gd name="connsiteY2" fmla="*/ 20631 h 2317416"/>
+              <a:gd name="connsiteX3" fmla="*/ 4859655 w 5264150"/>
+              <a:gd name="connsiteY3" fmla="*/ 713406 h 2317416"/>
+              <a:gd name="connsiteX4" fmla="*/ 4930774 w 5264150"/>
+              <a:gd name="connsiteY4" fmla="*/ 826844 h 2317416"/>
+              <a:gd name="connsiteX5" fmla="*/ 5264150 w 5264150"/>
+              <a:gd name="connsiteY5" fmla="*/ 1193466 h 2317416"/>
+              <a:gd name="connsiteX0" fmla="*/ 0 w 5264150"/>
+              <a:gd name="connsiteY0" fmla="*/ 2317416 h 2317416"/>
+              <a:gd name="connsiteX1" fmla="*/ 1670050 w 5264150"/>
+              <a:gd name="connsiteY1" fmla="*/ 634666 h 2317416"/>
+              <a:gd name="connsiteX2" fmla="*/ 4861559 w 5264150"/>
+              <a:gd name="connsiteY2" fmla="*/ 20631 h 2317416"/>
+              <a:gd name="connsiteX3" fmla="*/ 4859655 w 5264150"/>
+              <a:gd name="connsiteY3" fmla="*/ 713406 h 2317416"/>
+              <a:gd name="connsiteX4" fmla="*/ 4930774 w 5264150"/>
+              <a:gd name="connsiteY4" fmla="*/ 826844 h 2317416"/>
+              <a:gd name="connsiteX5" fmla="*/ 5083174 w 5264150"/>
+              <a:gd name="connsiteY5" fmla="*/ 1001469 h 2317416"/>
+              <a:gd name="connsiteX6" fmla="*/ 5264150 w 5264150"/>
+              <a:gd name="connsiteY6" fmla="*/ 1193466 h 2317416"/>
+              <a:gd name="connsiteX0" fmla="*/ 0 w 5264150"/>
+              <a:gd name="connsiteY0" fmla="*/ 2317416 h 2317416"/>
+              <a:gd name="connsiteX1" fmla="*/ 1670050 w 5264150"/>
+              <a:gd name="connsiteY1" fmla="*/ 634666 h 2317416"/>
+              <a:gd name="connsiteX2" fmla="*/ 4861559 w 5264150"/>
+              <a:gd name="connsiteY2" fmla="*/ 20631 h 2317416"/>
+              <a:gd name="connsiteX3" fmla="*/ 4859655 w 5264150"/>
+              <a:gd name="connsiteY3" fmla="*/ 713406 h 2317416"/>
+              <a:gd name="connsiteX4" fmla="*/ 4930774 w 5264150"/>
+              <a:gd name="connsiteY4" fmla="*/ 826844 h 2317416"/>
+              <a:gd name="connsiteX5" fmla="*/ 5083174 w 5264150"/>
+              <a:gd name="connsiteY5" fmla="*/ 1001469 h 2317416"/>
+              <a:gd name="connsiteX6" fmla="*/ 5203824 w 5264150"/>
+              <a:gd name="connsiteY6" fmla="*/ 1125294 h 2317416"/>
+              <a:gd name="connsiteX7" fmla="*/ 5264150 w 5264150"/>
+              <a:gd name="connsiteY7" fmla="*/ 1193466 h 2317416"/>
+              <a:gd name="connsiteX0" fmla="*/ 0 w 5264150"/>
+              <a:gd name="connsiteY0" fmla="*/ 2317416 h 2317416"/>
+              <a:gd name="connsiteX1" fmla="*/ 1670050 w 5264150"/>
+              <a:gd name="connsiteY1" fmla="*/ 634666 h 2317416"/>
+              <a:gd name="connsiteX2" fmla="*/ 4861559 w 5264150"/>
+              <a:gd name="connsiteY2" fmla="*/ 20631 h 2317416"/>
+              <a:gd name="connsiteX3" fmla="*/ 4859655 w 5264150"/>
+              <a:gd name="connsiteY3" fmla="*/ 713406 h 2317416"/>
+              <a:gd name="connsiteX4" fmla="*/ 4930774 w 5264150"/>
+              <a:gd name="connsiteY4" fmla="*/ 826844 h 2317416"/>
+              <a:gd name="connsiteX5" fmla="*/ 4984749 w 5264150"/>
+              <a:gd name="connsiteY5" fmla="*/ 899869 h 2317416"/>
+              <a:gd name="connsiteX6" fmla="*/ 5083174 w 5264150"/>
+              <a:gd name="connsiteY6" fmla="*/ 1001469 h 2317416"/>
+              <a:gd name="connsiteX7" fmla="*/ 5203824 w 5264150"/>
+              <a:gd name="connsiteY7" fmla="*/ 1125294 h 2317416"/>
+              <a:gd name="connsiteX8" fmla="*/ 5264150 w 5264150"/>
+              <a:gd name="connsiteY8" fmla="*/ 1193466 h 2317416"/>
+              <a:gd name="connsiteX0" fmla="*/ 0 w 5264150"/>
+              <a:gd name="connsiteY0" fmla="*/ 2317416 h 2317416"/>
+              <a:gd name="connsiteX1" fmla="*/ 1670050 w 5264150"/>
+              <a:gd name="connsiteY1" fmla="*/ 634666 h 2317416"/>
+              <a:gd name="connsiteX2" fmla="*/ 4861559 w 5264150"/>
+              <a:gd name="connsiteY2" fmla="*/ 20631 h 2317416"/>
+              <a:gd name="connsiteX3" fmla="*/ 4859655 w 5264150"/>
+              <a:gd name="connsiteY3" fmla="*/ 713406 h 2317416"/>
+              <a:gd name="connsiteX4" fmla="*/ 4943474 w 5264150"/>
+              <a:gd name="connsiteY4" fmla="*/ 776044 h 2317416"/>
+              <a:gd name="connsiteX5" fmla="*/ 4984749 w 5264150"/>
+              <a:gd name="connsiteY5" fmla="*/ 899869 h 2317416"/>
+              <a:gd name="connsiteX6" fmla="*/ 5083174 w 5264150"/>
+              <a:gd name="connsiteY6" fmla="*/ 1001469 h 2317416"/>
+              <a:gd name="connsiteX7" fmla="*/ 5203824 w 5264150"/>
+              <a:gd name="connsiteY7" fmla="*/ 1125294 h 2317416"/>
+              <a:gd name="connsiteX8" fmla="*/ 5264150 w 5264150"/>
+              <a:gd name="connsiteY8" fmla="*/ 1193466 h 2317416"/>
+              <a:gd name="connsiteX0" fmla="*/ 0 w 5264150"/>
+              <a:gd name="connsiteY0" fmla="*/ 2317416 h 2317416"/>
+              <a:gd name="connsiteX1" fmla="*/ 1670050 w 5264150"/>
+              <a:gd name="connsiteY1" fmla="*/ 634666 h 2317416"/>
+              <a:gd name="connsiteX2" fmla="*/ 4861559 w 5264150"/>
+              <a:gd name="connsiteY2" fmla="*/ 20631 h 2317416"/>
+              <a:gd name="connsiteX3" fmla="*/ 4859655 w 5264150"/>
+              <a:gd name="connsiteY3" fmla="*/ 713406 h 2317416"/>
+              <a:gd name="connsiteX4" fmla="*/ 4943474 w 5264150"/>
+              <a:gd name="connsiteY4" fmla="*/ 776044 h 2317416"/>
+              <a:gd name="connsiteX5" fmla="*/ 4952999 w 5264150"/>
+              <a:gd name="connsiteY5" fmla="*/ 931619 h 2317416"/>
+              <a:gd name="connsiteX6" fmla="*/ 5083174 w 5264150"/>
+              <a:gd name="connsiteY6" fmla="*/ 1001469 h 2317416"/>
+              <a:gd name="connsiteX7" fmla="*/ 5203824 w 5264150"/>
+              <a:gd name="connsiteY7" fmla="*/ 1125294 h 2317416"/>
+              <a:gd name="connsiteX8" fmla="*/ 5264150 w 5264150"/>
+              <a:gd name="connsiteY8" fmla="*/ 1193466 h 2317416"/>
+              <a:gd name="connsiteX0" fmla="*/ 0 w 5264150"/>
+              <a:gd name="connsiteY0" fmla="*/ 2317416 h 2317416"/>
+              <a:gd name="connsiteX1" fmla="*/ 1670050 w 5264150"/>
+              <a:gd name="connsiteY1" fmla="*/ 634666 h 2317416"/>
+              <a:gd name="connsiteX2" fmla="*/ 4861559 w 5264150"/>
+              <a:gd name="connsiteY2" fmla="*/ 20631 h 2317416"/>
+              <a:gd name="connsiteX3" fmla="*/ 4859655 w 5264150"/>
+              <a:gd name="connsiteY3" fmla="*/ 713406 h 2317416"/>
+              <a:gd name="connsiteX4" fmla="*/ 4943474 w 5264150"/>
+              <a:gd name="connsiteY4" fmla="*/ 776044 h 2317416"/>
+              <a:gd name="connsiteX5" fmla="*/ 4952999 w 5264150"/>
+              <a:gd name="connsiteY5" fmla="*/ 931619 h 2317416"/>
+              <a:gd name="connsiteX6" fmla="*/ 5111749 w 5264150"/>
+              <a:gd name="connsiteY6" fmla="*/ 918919 h 2317416"/>
+              <a:gd name="connsiteX7" fmla="*/ 5203824 w 5264150"/>
+              <a:gd name="connsiteY7" fmla="*/ 1125294 h 2317416"/>
+              <a:gd name="connsiteX8" fmla="*/ 5264150 w 5264150"/>
+              <a:gd name="connsiteY8" fmla="*/ 1193466 h 2317416"/>
+              <a:gd name="connsiteX0" fmla="*/ 0 w 5264150"/>
+              <a:gd name="connsiteY0" fmla="*/ 2317416 h 2317416"/>
+              <a:gd name="connsiteX1" fmla="*/ 1670050 w 5264150"/>
+              <a:gd name="connsiteY1" fmla="*/ 634666 h 2317416"/>
+              <a:gd name="connsiteX2" fmla="*/ 4861559 w 5264150"/>
+              <a:gd name="connsiteY2" fmla="*/ 20631 h 2317416"/>
+              <a:gd name="connsiteX3" fmla="*/ 4859655 w 5264150"/>
+              <a:gd name="connsiteY3" fmla="*/ 713406 h 2317416"/>
+              <a:gd name="connsiteX4" fmla="*/ 4943474 w 5264150"/>
+              <a:gd name="connsiteY4" fmla="*/ 776044 h 2317416"/>
+              <a:gd name="connsiteX5" fmla="*/ 4952999 w 5264150"/>
+              <a:gd name="connsiteY5" fmla="*/ 931619 h 2317416"/>
+              <a:gd name="connsiteX6" fmla="*/ 5111749 w 5264150"/>
+              <a:gd name="connsiteY6" fmla="*/ 918919 h 2317416"/>
+              <a:gd name="connsiteX7" fmla="*/ 5159374 w 5264150"/>
+              <a:gd name="connsiteY7" fmla="*/ 1084019 h 2317416"/>
+              <a:gd name="connsiteX8" fmla="*/ 5264150 w 5264150"/>
+              <a:gd name="connsiteY8" fmla="*/ 1193466 h 2317416"/>
+              <a:gd name="connsiteX0" fmla="*/ 0 w 5283200"/>
+              <a:gd name="connsiteY0" fmla="*/ 2317416 h 2317416"/>
+              <a:gd name="connsiteX1" fmla="*/ 1670050 w 5283200"/>
+              <a:gd name="connsiteY1" fmla="*/ 634666 h 2317416"/>
+              <a:gd name="connsiteX2" fmla="*/ 4861559 w 5283200"/>
+              <a:gd name="connsiteY2" fmla="*/ 20631 h 2317416"/>
+              <a:gd name="connsiteX3" fmla="*/ 4859655 w 5283200"/>
+              <a:gd name="connsiteY3" fmla="*/ 713406 h 2317416"/>
+              <a:gd name="connsiteX4" fmla="*/ 4943474 w 5283200"/>
+              <a:gd name="connsiteY4" fmla="*/ 776044 h 2317416"/>
+              <a:gd name="connsiteX5" fmla="*/ 4952999 w 5283200"/>
+              <a:gd name="connsiteY5" fmla="*/ 931619 h 2317416"/>
+              <a:gd name="connsiteX6" fmla="*/ 5111749 w 5283200"/>
+              <a:gd name="connsiteY6" fmla="*/ 918919 h 2317416"/>
+              <a:gd name="connsiteX7" fmla="*/ 5159374 w 5283200"/>
+              <a:gd name="connsiteY7" fmla="*/ 1084019 h 2317416"/>
+              <a:gd name="connsiteX8" fmla="*/ 5283200 w 5283200"/>
+              <a:gd name="connsiteY8" fmla="*/ 1129966 h 2317416"/>
+            </a:gdLst>
+            <a:ahLst/>
+            <a:cxnLst>
+              <a:cxn ang="0">
+                <a:pos x="connsiteX0" y="connsiteY0"/>
+              </a:cxn>
+              <a:cxn ang="0">
+                <a:pos x="connsiteX1" y="connsiteY1"/>
+              </a:cxn>
+              <a:cxn ang="0">
+                <a:pos x="connsiteX2" y="connsiteY2"/>
+              </a:cxn>
+              <a:cxn ang="0">
+                <a:pos x="connsiteX3" y="connsiteY3"/>
+              </a:cxn>
+              <a:cxn ang="0">
+                <a:pos x="connsiteX4" y="connsiteY4"/>
+              </a:cxn>
+              <a:cxn ang="0">
+                <a:pos x="connsiteX5" y="connsiteY5"/>
+              </a:cxn>
+              <a:cxn ang="0">
+                <a:pos x="connsiteX6" y="connsiteY6"/>
+              </a:cxn>
+              <a:cxn ang="0">
+                <a:pos x="connsiteX7" y="connsiteY7"/>
+              </a:cxn>
+              <a:cxn ang="0">
+                <a:pos x="connsiteX8" y="connsiteY8"/>
+              </a:cxn>
+            </a:cxnLst>
+            <a:rect l="l" t="t" r="r" b="b"/>
+            <a:pathLst>
+              <a:path w="5283200" h="2317416">
+                <a:moveTo>
+                  <a:pt x="0" y="2317416"/>
+                </a:moveTo>
+                <a:cubicBezTo>
+                  <a:pt x="461433" y="2029549"/>
+                  <a:pt x="859790" y="1017463"/>
+                  <a:pt x="1670050" y="634666"/>
+                </a:cubicBezTo>
+                <a:cubicBezTo>
+                  <a:pt x="2480310" y="251869"/>
+                  <a:pt x="4382134" y="-88377"/>
+                  <a:pt x="4861559" y="20631"/>
+                </a:cubicBezTo>
+                <a:cubicBezTo>
+                  <a:pt x="4858384" y="510639"/>
+                  <a:pt x="4858597" y="458244"/>
+                  <a:pt x="4859655" y="713406"/>
+                </a:cubicBezTo>
+                <a:cubicBezTo>
+                  <a:pt x="4871191" y="847775"/>
+                  <a:pt x="4876058" y="696034"/>
+                  <a:pt x="4943474" y="776044"/>
+                </a:cubicBezTo>
+                <a:cubicBezTo>
+                  <a:pt x="4964323" y="807121"/>
+                  <a:pt x="4927599" y="902515"/>
+                  <a:pt x="4952999" y="931619"/>
+                </a:cubicBezTo>
+                <a:cubicBezTo>
+                  <a:pt x="4978399" y="960723"/>
+                  <a:pt x="5075237" y="881348"/>
+                  <a:pt x="5111749" y="918919"/>
+                </a:cubicBezTo>
+                <a:cubicBezTo>
+                  <a:pt x="5157257" y="968661"/>
+                  <a:pt x="5129211" y="1052019"/>
+                  <a:pt x="5159374" y="1084019"/>
+                </a:cubicBezTo>
+                <a:cubicBezTo>
+                  <a:pt x="5189537" y="1116019"/>
+                  <a:pt x="5273146" y="1118604"/>
+                  <a:pt x="5283200" y="1129966"/>
+                </a:cubicBezTo>
+              </a:path>
+            </a:pathLst>
+          </a:custGeom>
+          <a:noFill/>
+          <a:ln w="25400">
+            <a:solidFill>
+              <a:srgbClr val="FF0000"/>
+            </a:solidFill>
+          </a:ln>
+        </p:spPr>
+        <p:style>
+          <a:lnRef idx="2">
+            <a:schemeClr val="accent1">
+              <a:shade val="50000"/>
+            </a:schemeClr>
+          </a:lnRef>
+          <a:fillRef idx="1">
+            <a:schemeClr val="accent1"/>
+          </a:fillRef>
+          <a:effectRef idx="0">
+            <a:schemeClr val="accent1"/>
+          </a:effectRef>
+          <a:fontRef idx="minor">
+            <a:schemeClr val="lt1"/>
+          </a:fontRef>
+        </p:style>
+        <p:txBody>
+          <a:bodyPr rtlCol="0" anchor="ctr"/>
+          <a:lstStyle/>
+          <a:p>
+            <a:pPr algn="ctr"/>
+            <a:endParaRPr lang="en-US"/>
+          </a:p>
+        </p:txBody>
+      </p:sp>
+      <p:sp>
+        <p:nvSpPr>
+          <p:cNvPr id="39" name="Freeform: Shape 38">
+            <a:extLst>
+              <a:ext uri="{FF2B5EF4-FFF2-40B4-BE49-F238E27FC236}">
+                <a16:creationId xmlns:a16="http://schemas.microsoft.com/office/drawing/2014/main" id="{F408C983-E9C3-2B68-E979-9AAFF1C0BFD4}"/>
+              </a:ext>
+            </a:extLst>
+          </p:cNvPr>
+          <p:cNvSpPr/>
+          <p:nvPr/>
+        </p:nvSpPr>
+        <p:spPr>
+          <a:xfrm>
+            <a:off x="4292601" y="1792010"/>
+            <a:ext cx="5302250" cy="2311072"/>
+          </a:xfrm>
+          <a:custGeom>
+            <a:avLst/>
+            <a:gdLst>
+              <a:gd name="connsiteX0" fmla="*/ 0 w 5213350"/>
+              <a:gd name="connsiteY0" fmla="*/ 611817 h 611817"/>
+              <a:gd name="connsiteX1" fmla="*/ 1682750 w 5213350"/>
+              <a:gd name="connsiteY1" fmla="*/ 2217 h 611817"/>
+              <a:gd name="connsiteX2" fmla="*/ 4559300 w 5213350"/>
+              <a:gd name="connsiteY2" fmla="*/ 408617 h 611817"/>
+              <a:gd name="connsiteX3" fmla="*/ 5213350 w 5213350"/>
+              <a:gd name="connsiteY3" fmla="*/ 459417 h 611817"/>
+              <a:gd name="connsiteX0" fmla="*/ 0 w 5219700"/>
+              <a:gd name="connsiteY0" fmla="*/ 611817 h 611817"/>
+              <a:gd name="connsiteX1" fmla="*/ 1682750 w 5219700"/>
+              <a:gd name="connsiteY1" fmla="*/ 2217 h 611817"/>
+              <a:gd name="connsiteX2" fmla="*/ 4559300 w 5219700"/>
+              <a:gd name="connsiteY2" fmla="*/ 408617 h 611817"/>
+              <a:gd name="connsiteX3" fmla="*/ 5219700 w 5219700"/>
+              <a:gd name="connsiteY3" fmla="*/ 491167 h 611817"/>
+              <a:gd name="connsiteX0" fmla="*/ 0 w 5207000"/>
+              <a:gd name="connsiteY0" fmla="*/ 1731837 h 1731837"/>
+              <a:gd name="connsiteX1" fmla="*/ 1670050 w 5207000"/>
+              <a:gd name="connsiteY1" fmla="*/ 49087 h 1731837"/>
+              <a:gd name="connsiteX2" fmla="*/ 4546600 w 5207000"/>
+              <a:gd name="connsiteY2" fmla="*/ 455487 h 1731837"/>
+              <a:gd name="connsiteX3" fmla="*/ 5207000 w 5207000"/>
+              <a:gd name="connsiteY3" fmla="*/ 538037 h 1731837"/>
+              <a:gd name="connsiteX0" fmla="*/ 0 w 5207000"/>
+              <a:gd name="connsiteY0" fmla="*/ 1709537 h 1709537"/>
+              <a:gd name="connsiteX1" fmla="*/ 1670050 w 5207000"/>
+              <a:gd name="connsiteY1" fmla="*/ 26787 h 1709537"/>
+              <a:gd name="connsiteX2" fmla="*/ 4533900 w 5207000"/>
+              <a:gd name="connsiteY2" fmla="*/ 661787 h 1709537"/>
+              <a:gd name="connsiteX3" fmla="*/ 5207000 w 5207000"/>
+              <a:gd name="connsiteY3" fmla="*/ 515737 h 1709537"/>
+              <a:gd name="connsiteX0" fmla="*/ 0 w 5276850"/>
+              <a:gd name="connsiteY0" fmla="*/ 1709537 h 1709537"/>
+              <a:gd name="connsiteX1" fmla="*/ 1670050 w 5276850"/>
+              <a:gd name="connsiteY1" fmla="*/ 26787 h 1709537"/>
+              <a:gd name="connsiteX2" fmla="*/ 4533900 w 5276850"/>
+              <a:gd name="connsiteY2" fmla="*/ 661787 h 1709537"/>
+              <a:gd name="connsiteX3" fmla="*/ 5276850 w 5276850"/>
+              <a:gd name="connsiteY3" fmla="*/ 769737 h 1709537"/>
+              <a:gd name="connsiteX0" fmla="*/ 0 w 5276850"/>
+              <a:gd name="connsiteY0" fmla="*/ 1708167 h 1708167"/>
+              <a:gd name="connsiteX1" fmla="*/ 1670050 w 5276850"/>
+              <a:gd name="connsiteY1" fmla="*/ 25417 h 1708167"/>
+              <a:gd name="connsiteX2" fmla="*/ 4546600 w 5276850"/>
+              <a:gd name="connsiteY2" fmla="*/ 679467 h 1708167"/>
+              <a:gd name="connsiteX3" fmla="*/ 5276850 w 5276850"/>
+              <a:gd name="connsiteY3" fmla="*/ 768367 h 1708167"/>
+              <a:gd name="connsiteX0" fmla="*/ 0 w 5276850"/>
+              <a:gd name="connsiteY0" fmla="*/ 1682941 h 1682941"/>
+              <a:gd name="connsiteX1" fmla="*/ 1670050 w 5276850"/>
+              <a:gd name="connsiteY1" fmla="*/ 191 h 1682941"/>
+              <a:gd name="connsiteX2" fmla="*/ 4546600 w 5276850"/>
+              <a:gd name="connsiteY2" fmla="*/ 654241 h 1682941"/>
+              <a:gd name="connsiteX3" fmla="*/ 5276850 w 5276850"/>
+              <a:gd name="connsiteY3" fmla="*/ 743141 h 1682941"/>
+              <a:gd name="connsiteX0" fmla="*/ 0 w 5276850"/>
+              <a:gd name="connsiteY0" fmla="*/ 1682941 h 1682941"/>
+              <a:gd name="connsiteX1" fmla="*/ 1670050 w 5276850"/>
+              <a:gd name="connsiteY1" fmla="*/ 191 h 1682941"/>
+              <a:gd name="connsiteX2" fmla="*/ 4546600 w 5276850"/>
+              <a:gd name="connsiteY2" fmla="*/ 654241 h 1682941"/>
+              <a:gd name="connsiteX3" fmla="*/ 5276850 w 5276850"/>
+              <a:gd name="connsiteY3" fmla="*/ 743141 h 1682941"/>
+              <a:gd name="connsiteX0" fmla="*/ 0 w 5276850"/>
+              <a:gd name="connsiteY0" fmla="*/ 1682941 h 1682941"/>
+              <a:gd name="connsiteX1" fmla="*/ 1670050 w 5276850"/>
+              <a:gd name="connsiteY1" fmla="*/ 191 h 1682941"/>
+              <a:gd name="connsiteX2" fmla="*/ 4546600 w 5276850"/>
+              <a:gd name="connsiteY2" fmla="*/ 654241 h 1682941"/>
+              <a:gd name="connsiteX3" fmla="*/ 5276850 w 5276850"/>
+              <a:gd name="connsiteY3" fmla="*/ 743141 h 1682941"/>
+              <a:gd name="connsiteX0" fmla="*/ 0 w 5276850"/>
+              <a:gd name="connsiteY0" fmla="*/ 1682941 h 1682941"/>
+              <a:gd name="connsiteX1" fmla="*/ 1670050 w 5276850"/>
+              <a:gd name="connsiteY1" fmla="*/ 191 h 1682941"/>
+              <a:gd name="connsiteX2" fmla="*/ 4546600 w 5276850"/>
+              <a:gd name="connsiteY2" fmla="*/ 654241 h 1682941"/>
+              <a:gd name="connsiteX3" fmla="*/ 5276850 w 5276850"/>
+              <a:gd name="connsiteY3" fmla="*/ 743141 h 1682941"/>
+              <a:gd name="connsiteX0" fmla="*/ 0 w 5276850"/>
+              <a:gd name="connsiteY0" fmla="*/ 1682941 h 1682941"/>
+              <a:gd name="connsiteX1" fmla="*/ 1670050 w 5276850"/>
+              <a:gd name="connsiteY1" fmla="*/ 191 h 1682941"/>
+              <a:gd name="connsiteX2" fmla="*/ 4546600 w 5276850"/>
+              <a:gd name="connsiteY2" fmla="*/ 654241 h 1682941"/>
+              <a:gd name="connsiteX3" fmla="*/ 5276850 w 5276850"/>
+              <a:gd name="connsiteY3" fmla="*/ 743141 h 1682941"/>
+              <a:gd name="connsiteX0" fmla="*/ 0 w 5353050"/>
+              <a:gd name="connsiteY0" fmla="*/ 1682941 h 1682941"/>
+              <a:gd name="connsiteX1" fmla="*/ 1670050 w 5353050"/>
+              <a:gd name="connsiteY1" fmla="*/ 191 h 1682941"/>
+              <a:gd name="connsiteX2" fmla="*/ 4546600 w 5353050"/>
+              <a:gd name="connsiteY2" fmla="*/ 654241 h 1682941"/>
+              <a:gd name="connsiteX3" fmla="*/ 5353050 w 5353050"/>
+              <a:gd name="connsiteY3" fmla="*/ 863791 h 1682941"/>
+              <a:gd name="connsiteX0" fmla="*/ 0 w 5283200"/>
+              <a:gd name="connsiteY0" fmla="*/ 1682941 h 1682941"/>
+              <a:gd name="connsiteX1" fmla="*/ 1670050 w 5283200"/>
+              <a:gd name="connsiteY1" fmla="*/ 191 h 1682941"/>
+              <a:gd name="connsiteX2" fmla="*/ 4546600 w 5283200"/>
+              <a:gd name="connsiteY2" fmla="*/ 654241 h 1682941"/>
+              <a:gd name="connsiteX3" fmla="*/ 5283200 w 5283200"/>
+              <a:gd name="connsiteY3" fmla="*/ 825691 h 1682941"/>
+              <a:gd name="connsiteX0" fmla="*/ 0 w 5283200"/>
+              <a:gd name="connsiteY0" fmla="*/ 1756958 h 1756958"/>
+              <a:gd name="connsiteX1" fmla="*/ 1670050 w 5283200"/>
+              <a:gd name="connsiteY1" fmla="*/ 74208 h 1756958"/>
+              <a:gd name="connsiteX2" fmla="*/ 3174999 w 5283200"/>
+              <a:gd name="connsiteY2" fmla="*/ 340283 h 1756958"/>
+              <a:gd name="connsiteX3" fmla="*/ 4546600 w 5283200"/>
+              <a:gd name="connsiteY3" fmla="*/ 728258 h 1756958"/>
+              <a:gd name="connsiteX4" fmla="*/ 5283200 w 5283200"/>
+              <a:gd name="connsiteY4" fmla="*/ 899708 h 1756958"/>
+              <a:gd name="connsiteX0" fmla="*/ 0 w 5283200"/>
+              <a:gd name="connsiteY0" fmla="*/ 2038741 h 2038741"/>
+              <a:gd name="connsiteX1" fmla="*/ 1670050 w 5283200"/>
+              <a:gd name="connsiteY1" fmla="*/ 355991 h 2038741"/>
+              <a:gd name="connsiteX2" fmla="*/ 3321049 w 5283200"/>
+              <a:gd name="connsiteY2" fmla="*/ 44216 h 2038741"/>
+              <a:gd name="connsiteX3" fmla="*/ 4546600 w 5283200"/>
+              <a:gd name="connsiteY3" fmla="*/ 1010041 h 2038741"/>
+              <a:gd name="connsiteX4" fmla="*/ 5283200 w 5283200"/>
+              <a:gd name="connsiteY4" fmla="*/ 1181491 h 2038741"/>
+              <a:gd name="connsiteX0" fmla="*/ 0 w 5283200"/>
+              <a:gd name="connsiteY0" fmla="*/ 2038741 h 2038741"/>
+              <a:gd name="connsiteX1" fmla="*/ 1670050 w 5283200"/>
+              <a:gd name="connsiteY1" fmla="*/ 355991 h 2038741"/>
+              <a:gd name="connsiteX2" fmla="*/ 3321049 w 5283200"/>
+              <a:gd name="connsiteY2" fmla="*/ 44216 h 2038741"/>
+              <a:gd name="connsiteX3" fmla="*/ 4546600 w 5283200"/>
+              <a:gd name="connsiteY3" fmla="*/ 1010041 h 2038741"/>
+              <a:gd name="connsiteX4" fmla="*/ 5283200 w 5283200"/>
+              <a:gd name="connsiteY4" fmla="*/ 1181491 h 2038741"/>
+              <a:gd name="connsiteX0" fmla="*/ 0 w 5283200"/>
+              <a:gd name="connsiteY0" fmla="*/ 2038741 h 2038741"/>
+              <a:gd name="connsiteX1" fmla="*/ 1670050 w 5283200"/>
+              <a:gd name="connsiteY1" fmla="*/ 355991 h 2038741"/>
+              <a:gd name="connsiteX2" fmla="*/ 3321049 w 5283200"/>
+              <a:gd name="connsiteY2" fmla="*/ 44216 h 2038741"/>
+              <a:gd name="connsiteX3" fmla="*/ 4546600 w 5283200"/>
+              <a:gd name="connsiteY3" fmla="*/ 1010041 h 2038741"/>
+              <a:gd name="connsiteX4" fmla="*/ 5283200 w 5283200"/>
+              <a:gd name="connsiteY4" fmla="*/ 1181491 h 2038741"/>
+              <a:gd name="connsiteX0" fmla="*/ 0 w 5283200"/>
+              <a:gd name="connsiteY0" fmla="*/ 2038741 h 2038741"/>
+              <a:gd name="connsiteX1" fmla="*/ 1670050 w 5283200"/>
+              <a:gd name="connsiteY1" fmla="*/ 355991 h 2038741"/>
+              <a:gd name="connsiteX2" fmla="*/ 3321049 w 5283200"/>
+              <a:gd name="connsiteY2" fmla="*/ 44216 h 2038741"/>
+              <a:gd name="connsiteX3" fmla="*/ 4540250 w 5283200"/>
+              <a:gd name="connsiteY3" fmla="*/ 952891 h 2038741"/>
+              <a:gd name="connsiteX4" fmla="*/ 5283200 w 5283200"/>
+              <a:gd name="connsiteY4" fmla="*/ 1181491 h 2038741"/>
+              <a:gd name="connsiteX0" fmla="*/ 0 w 5283200"/>
+              <a:gd name="connsiteY0" fmla="*/ 2038741 h 2038741"/>
+              <a:gd name="connsiteX1" fmla="*/ 1670050 w 5283200"/>
+              <a:gd name="connsiteY1" fmla="*/ 355991 h 2038741"/>
+              <a:gd name="connsiteX2" fmla="*/ 3321049 w 5283200"/>
+              <a:gd name="connsiteY2" fmla="*/ 44216 h 2038741"/>
+              <a:gd name="connsiteX3" fmla="*/ 4540250 w 5283200"/>
+              <a:gd name="connsiteY3" fmla="*/ 952891 h 2038741"/>
+              <a:gd name="connsiteX4" fmla="*/ 5283200 w 5283200"/>
+              <a:gd name="connsiteY4" fmla="*/ 1181491 h 2038741"/>
+              <a:gd name="connsiteX0" fmla="*/ 0 w 5492750"/>
+              <a:gd name="connsiteY0" fmla="*/ 2038741 h 2038741"/>
+              <a:gd name="connsiteX1" fmla="*/ 1670050 w 5492750"/>
+              <a:gd name="connsiteY1" fmla="*/ 355991 h 2038741"/>
+              <a:gd name="connsiteX2" fmla="*/ 3321049 w 5492750"/>
+              <a:gd name="connsiteY2" fmla="*/ 44216 h 2038741"/>
+              <a:gd name="connsiteX3" fmla="*/ 4540250 w 5492750"/>
+              <a:gd name="connsiteY3" fmla="*/ 952891 h 2038741"/>
+              <a:gd name="connsiteX4" fmla="*/ 5492750 w 5492750"/>
+              <a:gd name="connsiteY4" fmla="*/ 1124341 h 2038741"/>
+              <a:gd name="connsiteX0" fmla="*/ 0 w 5270500"/>
+              <a:gd name="connsiteY0" fmla="*/ 2038741 h 2038741"/>
+              <a:gd name="connsiteX1" fmla="*/ 1670050 w 5270500"/>
+              <a:gd name="connsiteY1" fmla="*/ 355991 h 2038741"/>
+              <a:gd name="connsiteX2" fmla="*/ 3321049 w 5270500"/>
+              <a:gd name="connsiteY2" fmla="*/ 44216 h 2038741"/>
+              <a:gd name="connsiteX3" fmla="*/ 4540250 w 5270500"/>
+              <a:gd name="connsiteY3" fmla="*/ 952891 h 2038741"/>
+              <a:gd name="connsiteX4" fmla="*/ 5270500 w 5270500"/>
+              <a:gd name="connsiteY4" fmla="*/ 1098941 h 2038741"/>
+              <a:gd name="connsiteX0" fmla="*/ 0 w 5270500"/>
+              <a:gd name="connsiteY0" fmla="*/ 2038741 h 2038741"/>
+              <a:gd name="connsiteX1" fmla="*/ 1670050 w 5270500"/>
+              <a:gd name="connsiteY1" fmla="*/ 355991 h 2038741"/>
+              <a:gd name="connsiteX2" fmla="*/ 3321049 w 5270500"/>
+              <a:gd name="connsiteY2" fmla="*/ 44216 h 2038741"/>
+              <a:gd name="connsiteX3" fmla="*/ 4540250 w 5270500"/>
+              <a:gd name="connsiteY3" fmla="*/ 895741 h 2038741"/>
+              <a:gd name="connsiteX4" fmla="*/ 5270500 w 5270500"/>
+              <a:gd name="connsiteY4" fmla="*/ 1098941 h 2038741"/>
+              <a:gd name="connsiteX0" fmla="*/ 0 w 5270500"/>
+              <a:gd name="connsiteY0" fmla="*/ 2038741 h 2038741"/>
+              <a:gd name="connsiteX1" fmla="*/ 1670050 w 5270500"/>
+              <a:gd name="connsiteY1" fmla="*/ 355991 h 2038741"/>
+              <a:gd name="connsiteX2" fmla="*/ 3321049 w 5270500"/>
+              <a:gd name="connsiteY2" fmla="*/ 44216 h 2038741"/>
+              <a:gd name="connsiteX3" fmla="*/ 4540250 w 5270500"/>
+              <a:gd name="connsiteY3" fmla="*/ 895741 h 2038741"/>
+              <a:gd name="connsiteX4" fmla="*/ 5270500 w 5270500"/>
+              <a:gd name="connsiteY4" fmla="*/ 1098941 h 2038741"/>
+              <a:gd name="connsiteX0" fmla="*/ 0 w 5283200"/>
+              <a:gd name="connsiteY0" fmla="*/ 2038741 h 2038741"/>
+              <a:gd name="connsiteX1" fmla="*/ 1670050 w 5283200"/>
+              <a:gd name="connsiteY1" fmla="*/ 355991 h 2038741"/>
+              <a:gd name="connsiteX2" fmla="*/ 3321049 w 5283200"/>
+              <a:gd name="connsiteY2" fmla="*/ 44216 h 2038741"/>
+              <a:gd name="connsiteX3" fmla="*/ 4540250 w 5283200"/>
+              <a:gd name="connsiteY3" fmla="*/ 895741 h 2038741"/>
+              <a:gd name="connsiteX4" fmla="*/ 5283200 w 5283200"/>
+              <a:gd name="connsiteY4" fmla="*/ 965591 h 2038741"/>
+              <a:gd name="connsiteX0" fmla="*/ 0 w 5283200"/>
+              <a:gd name="connsiteY0" fmla="*/ 2038741 h 2038741"/>
+              <a:gd name="connsiteX1" fmla="*/ 1670050 w 5283200"/>
+              <a:gd name="connsiteY1" fmla="*/ 355991 h 2038741"/>
+              <a:gd name="connsiteX2" fmla="*/ 3321049 w 5283200"/>
+              <a:gd name="connsiteY2" fmla="*/ 44216 h 2038741"/>
+              <a:gd name="connsiteX3" fmla="*/ 4540250 w 5283200"/>
+              <a:gd name="connsiteY3" fmla="*/ 895741 h 2038741"/>
+              <a:gd name="connsiteX4" fmla="*/ 5283200 w 5283200"/>
+              <a:gd name="connsiteY4" fmla="*/ 1073541 h 2038741"/>
+              <a:gd name="connsiteX0" fmla="*/ 0 w 5283200"/>
+              <a:gd name="connsiteY0" fmla="*/ 2038741 h 2038741"/>
+              <a:gd name="connsiteX1" fmla="*/ 1670050 w 5283200"/>
+              <a:gd name="connsiteY1" fmla="*/ 355991 h 2038741"/>
+              <a:gd name="connsiteX2" fmla="*/ 3321049 w 5283200"/>
+              <a:gd name="connsiteY2" fmla="*/ 44216 h 2038741"/>
+              <a:gd name="connsiteX3" fmla="*/ 4540250 w 5283200"/>
+              <a:gd name="connsiteY3" fmla="*/ 895741 h 2038741"/>
+              <a:gd name="connsiteX4" fmla="*/ 5283200 w 5283200"/>
+              <a:gd name="connsiteY4" fmla="*/ 1073541 h 2038741"/>
+              <a:gd name="connsiteX0" fmla="*/ 0 w 5283200"/>
+              <a:gd name="connsiteY0" fmla="*/ 2038741 h 2038741"/>
+              <a:gd name="connsiteX1" fmla="*/ 1670050 w 5283200"/>
+              <a:gd name="connsiteY1" fmla="*/ 355991 h 2038741"/>
+              <a:gd name="connsiteX2" fmla="*/ 3321049 w 5283200"/>
+              <a:gd name="connsiteY2" fmla="*/ 44216 h 2038741"/>
+              <a:gd name="connsiteX3" fmla="*/ 4540250 w 5283200"/>
+              <a:gd name="connsiteY3" fmla="*/ 895741 h 2038741"/>
+              <a:gd name="connsiteX4" fmla="*/ 5283200 w 5283200"/>
+              <a:gd name="connsiteY4" fmla="*/ 1073541 h 2038741"/>
+              <a:gd name="connsiteX0" fmla="*/ 0 w 5283200"/>
+              <a:gd name="connsiteY0" fmla="*/ 2038741 h 2038741"/>
+              <a:gd name="connsiteX1" fmla="*/ 1670050 w 5283200"/>
+              <a:gd name="connsiteY1" fmla="*/ 355991 h 2038741"/>
+              <a:gd name="connsiteX2" fmla="*/ 3321049 w 5283200"/>
+              <a:gd name="connsiteY2" fmla="*/ 44216 h 2038741"/>
+              <a:gd name="connsiteX3" fmla="*/ 4540250 w 5283200"/>
+              <a:gd name="connsiteY3" fmla="*/ 895741 h 2038741"/>
+              <a:gd name="connsiteX4" fmla="*/ 5283200 w 5283200"/>
+              <a:gd name="connsiteY4" fmla="*/ 1073541 h 2038741"/>
+              <a:gd name="connsiteX0" fmla="*/ 0 w 5283200"/>
+              <a:gd name="connsiteY0" fmla="*/ 2295468 h 2295468"/>
+              <a:gd name="connsiteX1" fmla="*/ 1670050 w 5283200"/>
+              <a:gd name="connsiteY1" fmla="*/ 612718 h 2295468"/>
+              <a:gd name="connsiteX2" fmla="*/ 4533899 w 5283200"/>
+              <a:gd name="connsiteY2" fmla="*/ 21543 h 2295468"/>
+              <a:gd name="connsiteX3" fmla="*/ 4540250 w 5283200"/>
+              <a:gd name="connsiteY3" fmla="*/ 1152468 h 2295468"/>
+              <a:gd name="connsiteX4" fmla="*/ 5283200 w 5283200"/>
+              <a:gd name="connsiteY4" fmla="*/ 1330268 h 2295468"/>
+              <a:gd name="connsiteX0" fmla="*/ 0 w 5283200"/>
+              <a:gd name="connsiteY0" fmla="*/ 2295468 h 2295468"/>
+              <a:gd name="connsiteX1" fmla="*/ 1670050 w 5283200"/>
+              <a:gd name="connsiteY1" fmla="*/ 612718 h 2295468"/>
+              <a:gd name="connsiteX2" fmla="*/ 4533899 w 5283200"/>
+              <a:gd name="connsiteY2" fmla="*/ 21543 h 2295468"/>
+              <a:gd name="connsiteX3" fmla="*/ 4533900 w 5283200"/>
+              <a:gd name="connsiteY3" fmla="*/ 898468 h 2295468"/>
+              <a:gd name="connsiteX4" fmla="*/ 5283200 w 5283200"/>
+              <a:gd name="connsiteY4" fmla="*/ 1330268 h 2295468"/>
+              <a:gd name="connsiteX0" fmla="*/ 0 w 5264150"/>
+              <a:gd name="connsiteY0" fmla="*/ 2295468 h 2295468"/>
+              <a:gd name="connsiteX1" fmla="*/ 1670050 w 5264150"/>
+              <a:gd name="connsiteY1" fmla="*/ 612718 h 2295468"/>
+              <a:gd name="connsiteX2" fmla="*/ 4533899 w 5264150"/>
+              <a:gd name="connsiteY2" fmla="*/ 21543 h 2295468"/>
+              <a:gd name="connsiteX3" fmla="*/ 4533900 w 5264150"/>
+              <a:gd name="connsiteY3" fmla="*/ 898468 h 2295468"/>
+              <a:gd name="connsiteX4" fmla="*/ 5264150 w 5264150"/>
+              <a:gd name="connsiteY4" fmla="*/ 1171518 h 2295468"/>
+              <a:gd name="connsiteX0" fmla="*/ 0 w 5264150"/>
+              <a:gd name="connsiteY0" fmla="*/ 2295468 h 2295468"/>
+              <a:gd name="connsiteX1" fmla="*/ 1670050 w 5264150"/>
+              <a:gd name="connsiteY1" fmla="*/ 612718 h 2295468"/>
+              <a:gd name="connsiteX2" fmla="*/ 4533899 w 5264150"/>
+              <a:gd name="connsiteY2" fmla="*/ 21543 h 2295468"/>
+              <a:gd name="connsiteX3" fmla="*/ 4533900 w 5264150"/>
+              <a:gd name="connsiteY3" fmla="*/ 898468 h 2295468"/>
+              <a:gd name="connsiteX4" fmla="*/ 5264150 w 5264150"/>
+              <a:gd name="connsiteY4" fmla="*/ 1171518 h 2295468"/>
+              <a:gd name="connsiteX0" fmla="*/ 0 w 5264150"/>
+              <a:gd name="connsiteY0" fmla="*/ 2295468 h 2295468"/>
+              <a:gd name="connsiteX1" fmla="*/ 1670050 w 5264150"/>
+              <a:gd name="connsiteY1" fmla="*/ 612718 h 2295468"/>
+              <a:gd name="connsiteX2" fmla="*/ 4533899 w 5264150"/>
+              <a:gd name="connsiteY2" fmla="*/ 21543 h 2295468"/>
+              <a:gd name="connsiteX3" fmla="*/ 4533900 w 5264150"/>
+              <a:gd name="connsiteY3" fmla="*/ 898468 h 2295468"/>
+              <a:gd name="connsiteX4" fmla="*/ 5264150 w 5264150"/>
+              <a:gd name="connsiteY4" fmla="*/ 1171518 h 2295468"/>
+              <a:gd name="connsiteX0" fmla="*/ 0 w 5264150"/>
+              <a:gd name="connsiteY0" fmla="*/ 2295468 h 2295468"/>
+              <a:gd name="connsiteX1" fmla="*/ 1670050 w 5264150"/>
+              <a:gd name="connsiteY1" fmla="*/ 612718 h 2295468"/>
+              <a:gd name="connsiteX2" fmla="*/ 4533899 w 5264150"/>
+              <a:gd name="connsiteY2" fmla="*/ 21543 h 2295468"/>
+              <a:gd name="connsiteX3" fmla="*/ 4533900 w 5264150"/>
+              <a:gd name="connsiteY3" fmla="*/ 898468 h 2295468"/>
+              <a:gd name="connsiteX4" fmla="*/ 5264150 w 5264150"/>
+              <a:gd name="connsiteY4" fmla="*/ 1171518 h 2295468"/>
+              <a:gd name="connsiteX0" fmla="*/ 0 w 5264150"/>
+              <a:gd name="connsiteY0" fmla="*/ 2317416 h 2317416"/>
+              <a:gd name="connsiteX1" fmla="*/ 1670050 w 5264150"/>
+              <a:gd name="connsiteY1" fmla="*/ 634666 h 2317416"/>
+              <a:gd name="connsiteX2" fmla="*/ 4861559 w 5264150"/>
+              <a:gd name="connsiteY2" fmla="*/ 20631 h 2317416"/>
+              <a:gd name="connsiteX3" fmla="*/ 4533900 w 5264150"/>
+              <a:gd name="connsiteY3" fmla="*/ 920416 h 2317416"/>
+              <a:gd name="connsiteX4" fmla="*/ 5264150 w 5264150"/>
+              <a:gd name="connsiteY4" fmla="*/ 1193466 h 2317416"/>
+              <a:gd name="connsiteX0" fmla="*/ 0 w 5264150"/>
+              <a:gd name="connsiteY0" fmla="*/ 2317416 h 2317416"/>
+              <a:gd name="connsiteX1" fmla="*/ 1670050 w 5264150"/>
+              <a:gd name="connsiteY1" fmla="*/ 634666 h 2317416"/>
+              <a:gd name="connsiteX2" fmla="*/ 4861559 w 5264150"/>
+              <a:gd name="connsiteY2" fmla="*/ 20631 h 2317416"/>
+              <a:gd name="connsiteX3" fmla="*/ 4533900 w 5264150"/>
+              <a:gd name="connsiteY3" fmla="*/ 920416 h 2317416"/>
+              <a:gd name="connsiteX4" fmla="*/ 5264150 w 5264150"/>
+              <a:gd name="connsiteY4" fmla="*/ 1193466 h 2317416"/>
+              <a:gd name="connsiteX0" fmla="*/ 0 w 5264150"/>
+              <a:gd name="connsiteY0" fmla="*/ 2317416 h 2317416"/>
+              <a:gd name="connsiteX1" fmla="*/ 1670050 w 5264150"/>
+              <a:gd name="connsiteY1" fmla="*/ 634666 h 2317416"/>
+              <a:gd name="connsiteX2" fmla="*/ 4861559 w 5264150"/>
+              <a:gd name="connsiteY2" fmla="*/ 20631 h 2317416"/>
+              <a:gd name="connsiteX3" fmla="*/ 4831080 w 5264150"/>
+              <a:gd name="connsiteY3" fmla="*/ 707056 h 2317416"/>
+              <a:gd name="connsiteX4" fmla="*/ 5264150 w 5264150"/>
+              <a:gd name="connsiteY4" fmla="*/ 1193466 h 2317416"/>
+              <a:gd name="connsiteX0" fmla="*/ 0 w 5264150"/>
+              <a:gd name="connsiteY0" fmla="*/ 2317416 h 2317416"/>
+              <a:gd name="connsiteX1" fmla="*/ 1670050 w 5264150"/>
+              <a:gd name="connsiteY1" fmla="*/ 634666 h 2317416"/>
+              <a:gd name="connsiteX2" fmla="*/ 4861559 w 5264150"/>
+              <a:gd name="connsiteY2" fmla="*/ 20631 h 2317416"/>
+              <a:gd name="connsiteX3" fmla="*/ 4859655 w 5264150"/>
+              <a:gd name="connsiteY3" fmla="*/ 713406 h 2317416"/>
+              <a:gd name="connsiteX4" fmla="*/ 5264150 w 5264150"/>
+              <a:gd name="connsiteY4" fmla="*/ 1193466 h 2317416"/>
+              <a:gd name="connsiteX0" fmla="*/ 0 w 5264150"/>
+              <a:gd name="connsiteY0" fmla="*/ 2317416 h 2317416"/>
+              <a:gd name="connsiteX1" fmla="*/ 1670050 w 5264150"/>
+              <a:gd name="connsiteY1" fmla="*/ 634666 h 2317416"/>
+              <a:gd name="connsiteX2" fmla="*/ 4861559 w 5264150"/>
+              <a:gd name="connsiteY2" fmla="*/ 20631 h 2317416"/>
+              <a:gd name="connsiteX3" fmla="*/ 4859655 w 5264150"/>
+              <a:gd name="connsiteY3" fmla="*/ 713406 h 2317416"/>
+              <a:gd name="connsiteX4" fmla="*/ 4930774 w 5264150"/>
+              <a:gd name="connsiteY4" fmla="*/ 826844 h 2317416"/>
+              <a:gd name="connsiteX5" fmla="*/ 5264150 w 5264150"/>
+              <a:gd name="connsiteY5" fmla="*/ 1193466 h 2317416"/>
+              <a:gd name="connsiteX0" fmla="*/ 0 w 5264150"/>
+              <a:gd name="connsiteY0" fmla="*/ 2317416 h 2317416"/>
+              <a:gd name="connsiteX1" fmla="*/ 1670050 w 5264150"/>
+              <a:gd name="connsiteY1" fmla="*/ 634666 h 2317416"/>
+              <a:gd name="connsiteX2" fmla="*/ 4861559 w 5264150"/>
+              <a:gd name="connsiteY2" fmla="*/ 20631 h 2317416"/>
+              <a:gd name="connsiteX3" fmla="*/ 4859655 w 5264150"/>
+              <a:gd name="connsiteY3" fmla="*/ 713406 h 2317416"/>
+              <a:gd name="connsiteX4" fmla="*/ 4930774 w 5264150"/>
+              <a:gd name="connsiteY4" fmla="*/ 826844 h 2317416"/>
+              <a:gd name="connsiteX5" fmla="*/ 5083174 w 5264150"/>
+              <a:gd name="connsiteY5" fmla="*/ 1001469 h 2317416"/>
+              <a:gd name="connsiteX6" fmla="*/ 5264150 w 5264150"/>
+              <a:gd name="connsiteY6" fmla="*/ 1193466 h 2317416"/>
+              <a:gd name="connsiteX0" fmla="*/ 0 w 5264150"/>
+              <a:gd name="connsiteY0" fmla="*/ 2317416 h 2317416"/>
+              <a:gd name="connsiteX1" fmla="*/ 1670050 w 5264150"/>
+              <a:gd name="connsiteY1" fmla="*/ 634666 h 2317416"/>
+              <a:gd name="connsiteX2" fmla="*/ 4861559 w 5264150"/>
+              <a:gd name="connsiteY2" fmla="*/ 20631 h 2317416"/>
+              <a:gd name="connsiteX3" fmla="*/ 4859655 w 5264150"/>
+              <a:gd name="connsiteY3" fmla="*/ 713406 h 2317416"/>
+              <a:gd name="connsiteX4" fmla="*/ 4930774 w 5264150"/>
+              <a:gd name="connsiteY4" fmla="*/ 826844 h 2317416"/>
+              <a:gd name="connsiteX5" fmla="*/ 5083174 w 5264150"/>
+              <a:gd name="connsiteY5" fmla="*/ 1001469 h 2317416"/>
+              <a:gd name="connsiteX6" fmla="*/ 5203824 w 5264150"/>
+              <a:gd name="connsiteY6" fmla="*/ 1125294 h 2317416"/>
+              <a:gd name="connsiteX7" fmla="*/ 5264150 w 5264150"/>
+              <a:gd name="connsiteY7" fmla="*/ 1193466 h 2317416"/>
+              <a:gd name="connsiteX0" fmla="*/ 0 w 5264150"/>
+              <a:gd name="connsiteY0" fmla="*/ 2317416 h 2317416"/>
+              <a:gd name="connsiteX1" fmla="*/ 1670050 w 5264150"/>
+              <a:gd name="connsiteY1" fmla="*/ 634666 h 2317416"/>
+              <a:gd name="connsiteX2" fmla="*/ 4861559 w 5264150"/>
+              <a:gd name="connsiteY2" fmla="*/ 20631 h 2317416"/>
+              <a:gd name="connsiteX3" fmla="*/ 4859655 w 5264150"/>
+              <a:gd name="connsiteY3" fmla="*/ 713406 h 2317416"/>
+              <a:gd name="connsiteX4" fmla="*/ 4930774 w 5264150"/>
+              <a:gd name="connsiteY4" fmla="*/ 826844 h 2317416"/>
+              <a:gd name="connsiteX5" fmla="*/ 4984749 w 5264150"/>
+              <a:gd name="connsiteY5" fmla="*/ 899869 h 2317416"/>
+              <a:gd name="connsiteX6" fmla="*/ 5083174 w 5264150"/>
+              <a:gd name="connsiteY6" fmla="*/ 1001469 h 2317416"/>
+              <a:gd name="connsiteX7" fmla="*/ 5203824 w 5264150"/>
+              <a:gd name="connsiteY7" fmla="*/ 1125294 h 2317416"/>
+              <a:gd name="connsiteX8" fmla="*/ 5264150 w 5264150"/>
+              <a:gd name="connsiteY8" fmla="*/ 1193466 h 2317416"/>
+              <a:gd name="connsiteX0" fmla="*/ 0 w 5264150"/>
+              <a:gd name="connsiteY0" fmla="*/ 2317416 h 2317416"/>
+              <a:gd name="connsiteX1" fmla="*/ 1670050 w 5264150"/>
+              <a:gd name="connsiteY1" fmla="*/ 634666 h 2317416"/>
+              <a:gd name="connsiteX2" fmla="*/ 4861559 w 5264150"/>
+              <a:gd name="connsiteY2" fmla="*/ 20631 h 2317416"/>
+              <a:gd name="connsiteX3" fmla="*/ 4859655 w 5264150"/>
+              <a:gd name="connsiteY3" fmla="*/ 713406 h 2317416"/>
+              <a:gd name="connsiteX4" fmla="*/ 4943474 w 5264150"/>
+              <a:gd name="connsiteY4" fmla="*/ 776044 h 2317416"/>
+              <a:gd name="connsiteX5" fmla="*/ 4984749 w 5264150"/>
+              <a:gd name="connsiteY5" fmla="*/ 899869 h 2317416"/>
+              <a:gd name="connsiteX6" fmla="*/ 5083174 w 5264150"/>
+              <a:gd name="connsiteY6" fmla="*/ 1001469 h 2317416"/>
+              <a:gd name="connsiteX7" fmla="*/ 5203824 w 5264150"/>
+              <a:gd name="connsiteY7" fmla="*/ 1125294 h 2317416"/>
+              <a:gd name="connsiteX8" fmla="*/ 5264150 w 5264150"/>
+              <a:gd name="connsiteY8" fmla="*/ 1193466 h 2317416"/>
+              <a:gd name="connsiteX0" fmla="*/ 0 w 5264150"/>
+              <a:gd name="connsiteY0" fmla="*/ 2317416 h 2317416"/>
+              <a:gd name="connsiteX1" fmla="*/ 1670050 w 5264150"/>
+              <a:gd name="connsiteY1" fmla="*/ 634666 h 2317416"/>
+              <a:gd name="connsiteX2" fmla="*/ 4861559 w 5264150"/>
+              <a:gd name="connsiteY2" fmla="*/ 20631 h 2317416"/>
+              <a:gd name="connsiteX3" fmla="*/ 4859655 w 5264150"/>
+              <a:gd name="connsiteY3" fmla="*/ 713406 h 2317416"/>
+              <a:gd name="connsiteX4" fmla="*/ 4943474 w 5264150"/>
+              <a:gd name="connsiteY4" fmla="*/ 776044 h 2317416"/>
+              <a:gd name="connsiteX5" fmla="*/ 4952999 w 5264150"/>
+              <a:gd name="connsiteY5" fmla="*/ 931619 h 2317416"/>
+              <a:gd name="connsiteX6" fmla="*/ 5083174 w 5264150"/>
+              <a:gd name="connsiteY6" fmla="*/ 1001469 h 2317416"/>
+              <a:gd name="connsiteX7" fmla="*/ 5203824 w 5264150"/>
+              <a:gd name="connsiteY7" fmla="*/ 1125294 h 2317416"/>
+              <a:gd name="connsiteX8" fmla="*/ 5264150 w 5264150"/>
+              <a:gd name="connsiteY8" fmla="*/ 1193466 h 2317416"/>
+              <a:gd name="connsiteX0" fmla="*/ 0 w 5264150"/>
+              <a:gd name="connsiteY0" fmla="*/ 2317416 h 2317416"/>
+              <a:gd name="connsiteX1" fmla="*/ 1670050 w 5264150"/>
+              <a:gd name="connsiteY1" fmla="*/ 634666 h 2317416"/>
+              <a:gd name="connsiteX2" fmla="*/ 4861559 w 5264150"/>
+              <a:gd name="connsiteY2" fmla="*/ 20631 h 2317416"/>
+              <a:gd name="connsiteX3" fmla="*/ 4859655 w 5264150"/>
+              <a:gd name="connsiteY3" fmla="*/ 713406 h 2317416"/>
+              <a:gd name="connsiteX4" fmla="*/ 4943474 w 5264150"/>
+              <a:gd name="connsiteY4" fmla="*/ 776044 h 2317416"/>
+              <a:gd name="connsiteX5" fmla="*/ 4952999 w 5264150"/>
+              <a:gd name="connsiteY5" fmla="*/ 931619 h 2317416"/>
+              <a:gd name="connsiteX6" fmla="*/ 5111749 w 5264150"/>
+              <a:gd name="connsiteY6" fmla="*/ 918919 h 2317416"/>
+              <a:gd name="connsiteX7" fmla="*/ 5203824 w 5264150"/>
+              <a:gd name="connsiteY7" fmla="*/ 1125294 h 2317416"/>
+              <a:gd name="connsiteX8" fmla="*/ 5264150 w 5264150"/>
+              <a:gd name="connsiteY8" fmla="*/ 1193466 h 2317416"/>
+              <a:gd name="connsiteX0" fmla="*/ 0 w 5264150"/>
+              <a:gd name="connsiteY0" fmla="*/ 2317416 h 2317416"/>
+              <a:gd name="connsiteX1" fmla="*/ 1670050 w 5264150"/>
+              <a:gd name="connsiteY1" fmla="*/ 634666 h 2317416"/>
+              <a:gd name="connsiteX2" fmla="*/ 4861559 w 5264150"/>
+              <a:gd name="connsiteY2" fmla="*/ 20631 h 2317416"/>
+              <a:gd name="connsiteX3" fmla="*/ 4859655 w 5264150"/>
+              <a:gd name="connsiteY3" fmla="*/ 713406 h 2317416"/>
+              <a:gd name="connsiteX4" fmla="*/ 4943474 w 5264150"/>
+              <a:gd name="connsiteY4" fmla="*/ 776044 h 2317416"/>
+              <a:gd name="connsiteX5" fmla="*/ 4952999 w 5264150"/>
+              <a:gd name="connsiteY5" fmla="*/ 931619 h 2317416"/>
+              <a:gd name="connsiteX6" fmla="*/ 5111749 w 5264150"/>
+              <a:gd name="connsiteY6" fmla="*/ 918919 h 2317416"/>
+              <a:gd name="connsiteX7" fmla="*/ 5159374 w 5264150"/>
+              <a:gd name="connsiteY7" fmla="*/ 1084019 h 2317416"/>
+              <a:gd name="connsiteX8" fmla="*/ 5264150 w 5264150"/>
+              <a:gd name="connsiteY8" fmla="*/ 1193466 h 2317416"/>
+              <a:gd name="connsiteX0" fmla="*/ 0 w 5283200"/>
+              <a:gd name="connsiteY0" fmla="*/ 2317416 h 2317416"/>
+              <a:gd name="connsiteX1" fmla="*/ 1670050 w 5283200"/>
+              <a:gd name="connsiteY1" fmla="*/ 634666 h 2317416"/>
+              <a:gd name="connsiteX2" fmla="*/ 4861559 w 5283200"/>
+              <a:gd name="connsiteY2" fmla="*/ 20631 h 2317416"/>
+              <a:gd name="connsiteX3" fmla="*/ 4859655 w 5283200"/>
+              <a:gd name="connsiteY3" fmla="*/ 713406 h 2317416"/>
+              <a:gd name="connsiteX4" fmla="*/ 4943474 w 5283200"/>
+              <a:gd name="connsiteY4" fmla="*/ 776044 h 2317416"/>
+              <a:gd name="connsiteX5" fmla="*/ 4952999 w 5283200"/>
+              <a:gd name="connsiteY5" fmla="*/ 931619 h 2317416"/>
+              <a:gd name="connsiteX6" fmla="*/ 5111749 w 5283200"/>
+              <a:gd name="connsiteY6" fmla="*/ 918919 h 2317416"/>
+              <a:gd name="connsiteX7" fmla="*/ 5159374 w 5283200"/>
+              <a:gd name="connsiteY7" fmla="*/ 1084019 h 2317416"/>
+              <a:gd name="connsiteX8" fmla="*/ 5283200 w 5283200"/>
+              <a:gd name="connsiteY8" fmla="*/ 1129966 h 2317416"/>
+              <a:gd name="connsiteX0" fmla="*/ 0 w 5283200"/>
+              <a:gd name="connsiteY0" fmla="*/ 2317416 h 2317416"/>
+              <a:gd name="connsiteX1" fmla="*/ 1670050 w 5283200"/>
+              <a:gd name="connsiteY1" fmla="*/ 634666 h 2317416"/>
+              <a:gd name="connsiteX2" fmla="*/ 4861559 w 5283200"/>
+              <a:gd name="connsiteY2" fmla="*/ 20631 h 2317416"/>
+              <a:gd name="connsiteX3" fmla="*/ 4859655 w 5283200"/>
+              <a:gd name="connsiteY3" fmla="*/ 713406 h 2317416"/>
+              <a:gd name="connsiteX4" fmla="*/ 4952999 w 5283200"/>
+              <a:gd name="connsiteY4" fmla="*/ 931619 h 2317416"/>
+              <a:gd name="connsiteX5" fmla="*/ 5111749 w 5283200"/>
+              <a:gd name="connsiteY5" fmla="*/ 918919 h 2317416"/>
+              <a:gd name="connsiteX6" fmla="*/ 5159374 w 5283200"/>
+              <a:gd name="connsiteY6" fmla="*/ 1084019 h 2317416"/>
+              <a:gd name="connsiteX7" fmla="*/ 5283200 w 5283200"/>
+              <a:gd name="connsiteY7" fmla="*/ 1129966 h 2317416"/>
+              <a:gd name="connsiteX0" fmla="*/ 0 w 5283200"/>
+              <a:gd name="connsiteY0" fmla="*/ 2317416 h 2317416"/>
+              <a:gd name="connsiteX1" fmla="*/ 1670050 w 5283200"/>
+              <a:gd name="connsiteY1" fmla="*/ 634666 h 2317416"/>
+              <a:gd name="connsiteX2" fmla="*/ 4861559 w 5283200"/>
+              <a:gd name="connsiteY2" fmla="*/ 20631 h 2317416"/>
+              <a:gd name="connsiteX3" fmla="*/ 4859655 w 5283200"/>
+              <a:gd name="connsiteY3" fmla="*/ 713406 h 2317416"/>
+              <a:gd name="connsiteX4" fmla="*/ 5111749 w 5283200"/>
+              <a:gd name="connsiteY4" fmla="*/ 918919 h 2317416"/>
+              <a:gd name="connsiteX5" fmla="*/ 5159374 w 5283200"/>
+              <a:gd name="connsiteY5" fmla="*/ 1084019 h 2317416"/>
+              <a:gd name="connsiteX6" fmla="*/ 5283200 w 5283200"/>
+              <a:gd name="connsiteY6" fmla="*/ 1129966 h 2317416"/>
+              <a:gd name="connsiteX0" fmla="*/ 0 w 5283200"/>
+              <a:gd name="connsiteY0" fmla="*/ 2317416 h 2317416"/>
+              <a:gd name="connsiteX1" fmla="*/ 1670050 w 5283200"/>
+              <a:gd name="connsiteY1" fmla="*/ 634666 h 2317416"/>
+              <a:gd name="connsiteX2" fmla="*/ 4861559 w 5283200"/>
+              <a:gd name="connsiteY2" fmla="*/ 20631 h 2317416"/>
+              <a:gd name="connsiteX3" fmla="*/ 4859655 w 5283200"/>
+              <a:gd name="connsiteY3" fmla="*/ 713406 h 2317416"/>
+              <a:gd name="connsiteX4" fmla="*/ 5159374 w 5283200"/>
+              <a:gd name="connsiteY4" fmla="*/ 1084019 h 2317416"/>
+              <a:gd name="connsiteX5" fmla="*/ 5283200 w 5283200"/>
+              <a:gd name="connsiteY5" fmla="*/ 1129966 h 2317416"/>
+              <a:gd name="connsiteX0" fmla="*/ 0 w 5283200"/>
+              <a:gd name="connsiteY0" fmla="*/ 2317416 h 2317416"/>
+              <a:gd name="connsiteX1" fmla="*/ 1670050 w 5283200"/>
+              <a:gd name="connsiteY1" fmla="*/ 634666 h 2317416"/>
+              <a:gd name="connsiteX2" fmla="*/ 4861559 w 5283200"/>
+              <a:gd name="connsiteY2" fmla="*/ 20631 h 2317416"/>
+              <a:gd name="connsiteX3" fmla="*/ 4859655 w 5283200"/>
+              <a:gd name="connsiteY3" fmla="*/ 713406 h 2317416"/>
+              <a:gd name="connsiteX4" fmla="*/ 5283200 w 5283200"/>
+              <a:gd name="connsiteY4" fmla="*/ 1129966 h 2317416"/>
+              <a:gd name="connsiteX0" fmla="*/ 0 w 5283200"/>
+              <a:gd name="connsiteY0" fmla="*/ 2317416 h 2317416"/>
+              <a:gd name="connsiteX1" fmla="*/ 1670050 w 5283200"/>
+              <a:gd name="connsiteY1" fmla="*/ 634666 h 2317416"/>
+              <a:gd name="connsiteX2" fmla="*/ 4861559 w 5283200"/>
+              <a:gd name="connsiteY2" fmla="*/ 20631 h 2317416"/>
+              <a:gd name="connsiteX3" fmla="*/ 5283200 w 5283200"/>
+              <a:gd name="connsiteY3" fmla="*/ 1129966 h 2317416"/>
+              <a:gd name="connsiteX0" fmla="*/ 0 w 5302250"/>
+              <a:gd name="connsiteY0" fmla="*/ 2317416 h 2317416"/>
+              <a:gd name="connsiteX1" fmla="*/ 1670050 w 5302250"/>
+              <a:gd name="connsiteY1" fmla="*/ 634666 h 2317416"/>
+              <a:gd name="connsiteX2" fmla="*/ 4861559 w 5302250"/>
+              <a:gd name="connsiteY2" fmla="*/ 20631 h 2317416"/>
+              <a:gd name="connsiteX3" fmla="*/ 5302250 w 5302250"/>
+              <a:gd name="connsiteY3" fmla="*/ 120316 h 2317416"/>
+              <a:gd name="connsiteX0" fmla="*/ 0 w 5302250"/>
+              <a:gd name="connsiteY0" fmla="*/ 2317416 h 2317416"/>
+              <a:gd name="connsiteX1" fmla="*/ 1670050 w 5302250"/>
+              <a:gd name="connsiteY1" fmla="*/ 634666 h 2317416"/>
+              <a:gd name="connsiteX2" fmla="*/ 4861559 w 5302250"/>
+              <a:gd name="connsiteY2" fmla="*/ 20631 h 2317416"/>
+              <a:gd name="connsiteX3" fmla="*/ 5302250 w 5302250"/>
+              <a:gd name="connsiteY3" fmla="*/ 120316 h 2317416"/>
+              <a:gd name="connsiteX0" fmla="*/ 0 w 5302250"/>
+              <a:gd name="connsiteY0" fmla="*/ 2330949 h 2330949"/>
+              <a:gd name="connsiteX1" fmla="*/ 1670050 w 5302250"/>
+              <a:gd name="connsiteY1" fmla="*/ 648199 h 2330949"/>
+              <a:gd name="connsiteX2" fmla="*/ 4861559 w 5302250"/>
+              <a:gd name="connsiteY2" fmla="*/ 34164 h 2330949"/>
+              <a:gd name="connsiteX3" fmla="*/ 5302250 w 5302250"/>
+              <a:gd name="connsiteY3" fmla="*/ 32249 h 2330949"/>
+              <a:gd name="connsiteX0" fmla="*/ 0 w 5302250"/>
+              <a:gd name="connsiteY0" fmla="*/ 2328622 h 2328622"/>
+              <a:gd name="connsiteX1" fmla="*/ 1670050 w 5302250"/>
+              <a:gd name="connsiteY1" fmla="*/ 645872 h 2328622"/>
+              <a:gd name="connsiteX2" fmla="*/ 4852034 w 5302250"/>
+              <a:gd name="connsiteY2" fmla="*/ 50887 h 2328622"/>
+              <a:gd name="connsiteX3" fmla="*/ 5302250 w 5302250"/>
+              <a:gd name="connsiteY3" fmla="*/ 29922 h 2328622"/>
+              <a:gd name="connsiteX0" fmla="*/ 0 w 5302250"/>
+              <a:gd name="connsiteY0" fmla="*/ 2332960 h 2332960"/>
+              <a:gd name="connsiteX1" fmla="*/ 1670050 w 5302250"/>
+              <a:gd name="connsiteY1" fmla="*/ 650210 h 2332960"/>
+              <a:gd name="connsiteX2" fmla="*/ 4885372 w 5302250"/>
+              <a:gd name="connsiteY2" fmla="*/ 21888 h 2332960"/>
+              <a:gd name="connsiteX3" fmla="*/ 5302250 w 5302250"/>
+              <a:gd name="connsiteY3" fmla="*/ 34260 h 2332960"/>
+              <a:gd name="connsiteX0" fmla="*/ 0 w 5302250"/>
+              <a:gd name="connsiteY0" fmla="*/ 2332960 h 2332960"/>
+              <a:gd name="connsiteX1" fmla="*/ 1670050 w 5302250"/>
+              <a:gd name="connsiteY1" fmla="*/ 650210 h 2332960"/>
+              <a:gd name="connsiteX2" fmla="*/ 4885372 w 5302250"/>
+              <a:gd name="connsiteY2" fmla="*/ 21888 h 2332960"/>
+              <a:gd name="connsiteX3" fmla="*/ 5302250 w 5302250"/>
+              <a:gd name="connsiteY3" fmla="*/ 34260 h 2332960"/>
+              <a:gd name="connsiteX0" fmla="*/ 0 w 5515048"/>
+              <a:gd name="connsiteY0" fmla="*/ 2320029 h 2320029"/>
+              <a:gd name="connsiteX1" fmla="*/ 1670050 w 5515048"/>
+              <a:gd name="connsiteY1" fmla="*/ 637279 h 2320029"/>
+              <a:gd name="connsiteX2" fmla="*/ 4885372 w 5515048"/>
+              <a:gd name="connsiteY2" fmla="*/ 8957 h 2320029"/>
+              <a:gd name="connsiteX3" fmla="*/ 5302250 w 5515048"/>
+              <a:gd name="connsiteY3" fmla="*/ 21329 h 2320029"/>
+              <a:gd name="connsiteX0" fmla="*/ 0 w 5302250"/>
+              <a:gd name="connsiteY0" fmla="*/ 2320029 h 2320029"/>
+              <a:gd name="connsiteX1" fmla="*/ 1670050 w 5302250"/>
+              <a:gd name="connsiteY1" fmla="*/ 637279 h 2320029"/>
+              <a:gd name="connsiteX2" fmla="*/ 4885372 w 5302250"/>
+              <a:gd name="connsiteY2" fmla="*/ 8957 h 2320029"/>
+              <a:gd name="connsiteX3" fmla="*/ 5302250 w 5302250"/>
+              <a:gd name="connsiteY3" fmla="*/ 21329 h 2320029"/>
+              <a:gd name="connsiteX0" fmla="*/ 0 w 5302250"/>
+              <a:gd name="connsiteY0" fmla="*/ 2320029 h 2320029"/>
+              <a:gd name="connsiteX1" fmla="*/ 1670050 w 5302250"/>
+              <a:gd name="connsiteY1" fmla="*/ 637279 h 2320029"/>
+              <a:gd name="connsiteX2" fmla="*/ 4885372 w 5302250"/>
+              <a:gd name="connsiteY2" fmla="*/ 8957 h 2320029"/>
+              <a:gd name="connsiteX3" fmla="*/ 5302250 w 5302250"/>
+              <a:gd name="connsiteY3" fmla="*/ 21329 h 2320029"/>
+              <a:gd name="connsiteX0" fmla="*/ 0 w 5302250"/>
+              <a:gd name="connsiteY0" fmla="*/ 2320029 h 2320029"/>
+              <a:gd name="connsiteX1" fmla="*/ 1670050 w 5302250"/>
+              <a:gd name="connsiteY1" fmla="*/ 637279 h 2320029"/>
+              <a:gd name="connsiteX2" fmla="*/ 4885372 w 5302250"/>
+              <a:gd name="connsiteY2" fmla="*/ 8957 h 2320029"/>
+              <a:gd name="connsiteX3" fmla="*/ 5302250 w 5302250"/>
+              <a:gd name="connsiteY3" fmla="*/ 21329 h 2320029"/>
+              <a:gd name="connsiteX0" fmla="*/ 0 w 5302250"/>
+              <a:gd name="connsiteY0" fmla="*/ 2311072 h 2311072"/>
+              <a:gd name="connsiteX1" fmla="*/ 1670050 w 5302250"/>
+              <a:gd name="connsiteY1" fmla="*/ 628322 h 2311072"/>
+              <a:gd name="connsiteX2" fmla="*/ 4885372 w 5302250"/>
+              <a:gd name="connsiteY2" fmla="*/ 0 h 2311072"/>
+              <a:gd name="connsiteX3" fmla="*/ 5302250 w 5302250"/>
+              <a:gd name="connsiteY3" fmla="*/ 12372 h 2311072"/>
+            </a:gdLst>
+            <a:ahLst/>
+            <a:cxnLst>
+              <a:cxn ang="0">
+                <a:pos x="connsiteX0" y="connsiteY0"/>
+              </a:cxn>
+              <a:cxn ang="0">
+                <a:pos x="connsiteX1" y="connsiteY1"/>
+              </a:cxn>
+              <a:cxn ang="0">
+                <a:pos x="connsiteX2" y="connsiteY2"/>
+              </a:cxn>
+              <a:cxn ang="0">
+                <a:pos x="connsiteX3" y="connsiteY3"/>
+              </a:cxn>
+            </a:cxnLst>
+            <a:rect l="l" t="t" r="r" b="b"/>
+            <a:pathLst>
+              <a:path w="5302250" h="2311072">
+                <a:moveTo>
+                  <a:pt x="0" y="2311072"/>
+                </a:moveTo>
+                <a:cubicBezTo>
+                  <a:pt x="461433" y="2023205"/>
+                  <a:pt x="855821" y="1013501"/>
+                  <a:pt x="1670050" y="628322"/>
+                </a:cubicBezTo>
+                <a:cubicBezTo>
+                  <a:pt x="2484279" y="243143"/>
+                  <a:pt x="3632834" y="19579"/>
+                  <a:pt x="4885372" y="0"/>
+                </a:cubicBezTo>
+                <a:cubicBezTo>
+                  <a:pt x="5074814" y="12700"/>
+                  <a:pt x="5208058" y="8274"/>
+                  <a:pt x="5302250" y="12372"/>
+                </a:cubicBezTo>
+              </a:path>
+            </a:pathLst>
+          </a:custGeom>
+          <a:noFill/>
+          <a:ln w="25400">
+            <a:solidFill>
+              <a:srgbClr val="FF0000"/>
+            </a:solidFill>
+          </a:ln>
+        </p:spPr>
+        <p:style>
+          <a:lnRef idx="2">
+            <a:schemeClr val="accent1">
+              <a:shade val="50000"/>
+            </a:schemeClr>
+          </a:lnRef>
+          <a:fillRef idx="1">
+            <a:schemeClr val="accent1"/>
+          </a:fillRef>
+          <a:effectRef idx="0">
+            <a:schemeClr val="accent1"/>
+          </a:effectRef>
+          <a:fontRef idx="minor">
+            <a:schemeClr val="lt1"/>
+          </a:fontRef>
+        </p:style>
+        <p:txBody>
+          <a:bodyPr rtlCol="0" anchor="ctr"/>
+          <a:lstStyle/>
+          <a:p>
+            <a:pPr algn="ctr"/>
+            <a:endParaRPr lang="en-US"/>
+          </a:p>
+        </p:txBody>
+      </p:sp>
+      <p:sp>
+        <p:nvSpPr>
+          <p:cNvPr id="40" name="Freeform: Shape 39">
+            <a:extLst>
+              <a:ext uri="{FF2B5EF4-FFF2-40B4-BE49-F238E27FC236}">
+                <a16:creationId xmlns:a16="http://schemas.microsoft.com/office/drawing/2014/main" id="{6B7D3D03-79CA-F49E-5A4C-601AC1D1BA17}"/>
+              </a:ext>
+            </a:extLst>
+          </p:cNvPr>
+          <p:cNvSpPr/>
+          <p:nvPr/>
+        </p:nvSpPr>
+        <p:spPr>
+          <a:xfrm>
+            <a:off x="4292602" y="1510289"/>
+            <a:ext cx="5311140" cy="2595123"/>
+          </a:xfrm>
+          <a:custGeom>
+            <a:avLst/>
+            <a:gdLst>
+              <a:gd name="connsiteX0" fmla="*/ 0 w 5213350"/>
+              <a:gd name="connsiteY0" fmla="*/ 611817 h 611817"/>
+              <a:gd name="connsiteX1" fmla="*/ 1682750 w 5213350"/>
+              <a:gd name="connsiteY1" fmla="*/ 2217 h 611817"/>
+              <a:gd name="connsiteX2" fmla="*/ 4559300 w 5213350"/>
+              <a:gd name="connsiteY2" fmla="*/ 408617 h 611817"/>
+              <a:gd name="connsiteX3" fmla="*/ 5213350 w 5213350"/>
+              <a:gd name="connsiteY3" fmla="*/ 459417 h 611817"/>
+              <a:gd name="connsiteX0" fmla="*/ 0 w 5219700"/>
+              <a:gd name="connsiteY0" fmla="*/ 611817 h 611817"/>
+              <a:gd name="connsiteX1" fmla="*/ 1682750 w 5219700"/>
+              <a:gd name="connsiteY1" fmla="*/ 2217 h 611817"/>
+              <a:gd name="connsiteX2" fmla="*/ 4559300 w 5219700"/>
+              <a:gd name="connsiteY2" fmla="*/ 408617 h 611817"/>
+              <a:gd name="connsiteX3" fmla="*/ 5219700 w 5219700"/>
+              <a:gd name="connsiteY3" fmla="*/ 491167 h 611817"/>
+              <a:gd name="connsiteX0" fmla="*/ 0 w 5207000"/>
+              <a:gd name="connsiteY0" fmla="*/ 1731837 h 1731837"/>
+              <a:gd name="connsiteX1" fmla="*/ 1670050 w 5207000"/>
+              <a:gd name="connsiteY1" fmla="*/ 49087 h 1731837"/>
+              <a:gd name="connsiteX2" fmla="*/ 4546600 w 5207000"/>
+              <a:gd name="connsiteY2" fmla="*/ 455487 h 1731837"/>
+              <a:gd name="connsiteX3" fmla="*/ 5207000 w 5207000"/>
+              <a:gd name="connsiteY3" fmla="*/ 538037 h 1731837"/>
+              <a:gd name="connsiteX0" fmla="*/ 0 w 5207000"/>
+              <a:gd name="connsiteY0" fmla="*/ 1709537 h 1709537"/>
+              <a:gd name="connsiteX1" fmla="*/ 1670050 w 5207000"/>
+              <a:gd name="connsiteY1" fmla="*/ 26787 h 1709537"/>
+              <a:gd name="connsiteX2" fmla="*/ 4533900 w 5207000"/>
+              <a:gd name="connsiteY2" fmla="*/ 661787 h 1709537"/>
+              <a:gd name="connsiteX3" fmla="*/ 5207000 w 5207000"/>
+              <a:gd name="connsiteY3" fmla="*/ 515737 h 1709537"/>
+              <a:gd name="connsiteX0" fmla="*/ 0 w 5276850"/>
+              <a:gd name="connsiteY0" fmla="*/ 1709537 h 1709537"/>
+              <a:gd name="connsiteX1" fmla="*/ 1670050 w 5276850"/>
+              <a:gd name="connsiteY1" fmla="*/ 26787 h 1709537"/>
+              <a:gd name="connsiteX2" fmla="*/ 4533900 w 5276850"/>
+              <a:gd name="connsiteY2" fmla="*/ 661787 h 1709537"/>
+              <a:gd name="connsiteX3" fmla="*/ 5276850 w 5276850"/>
+              <a:gd name="connsiteY3" fmla="*/ 769737 h 1709537"/>
+              <a:gd name="connsiteX0" fmla="*/ 0 w 5276850"/>
+              <a:gd name="connsiteY0" fmla="*/ 1708167 h 1708167"/>
+              <a:gd name="connsiteX1" fmla="*/ 1670050 w 5276850"/>
+              <a:gd name="connsiteY1" fmla="*/ 25417 h 1708167"/>
+              <a:gd name="connsiteX2" fmla="*/ 4546600 w 5276850"/>
+              <a:gd name="connsiteY2" fmla="*/ 679467 h 1708167"/>
+              <a:gd name="connsiteX3" fmla="*/ 5276850 w 5276850"/>
+              <a:gd name="connsiteY3" fmla="*/ 768367 h 1708167"/>
+              <a:gd name="connsiteX0" fmla="*/ 0 w 5276850"/>
+              <a:gd name="connsiteY0" fmla="*/ 1682941 h 1682941"/>
+              <a:gd name="connsiteX1" fmla="*/ 1670050 w 5276850"/>
+              <a:gd name="connsiteY1" fmla="*/ 191 h 1682941"/>
+              <a:gd name="connsiteX2" fmla="*/ 4546600 w 5276850"/>
+              <a:gd name="connsiteY2" fmla="*/ 654241 h 1682941"/>
+              <a:gd name="connsiteX3" fmla="*/ 5276850 w 5276850"/>
+              <a:gd name="connsiteY3" fmla="*/ 743141 h 1682941"/>
+              <a:gd name="connsiteX0" fmla="*/ 0 w 5276850"/>
+              <a:gd name="connsiteY0" fmla="*/ 1682941 h 1682941"/>
+              <a:gd name="connsiteX1" fmla="*/ 1670050 w 5276850"/>
+              <a:gd name="connsiteY1" fmla="*/ 191 h 1682941"/>
+              <a:gd name="connsiteX2" fmla="*/ 4546600 w 5276850"/>
+              <a:gd name="connsiteY2" fmla="*/ 654241 h 1682941"/>
+              <a:gd name="connsiteX3" fmla="*/ 5276850 w 5276850"/>
+              <a:gd name="connsiteY3" fmla="*/ 743141 h 1682941"/>
+              <a:gd name="connsiteX0" fmla="*/ 0 w 5276850"/>
+              <a:gd name="connsiteY0" fmla="*/ 1682941 h 1682941"/>
+              <a:gd name="connsiteX1" fmla="*/ 1670050 w 5276850"/>
+              <a:gd name="connsiteY1" fmla="*/ 191 h 1682941"/>
+              <a:gd name="connsiteX2" fmla="*/ 4546600 w 5276850"/>
+              <a:gd name="connsiteY2" fmla="*/ 654241 h 1682941"/>
+              <a:gd name="connsiteX3" fmla="*/ 5276850 w 5276850"/>
+              <a:gd name="connsiteY3" fmla="*/ 743141 h 1682941"/>
+              <a:gd name="connsiteX0" fmla="*/ 0 w 5276850"/>
+              <a:gd name="connsiteY0" fmla="*/ 1682941 h 1682941"/>
+              <a:gd name="connsiteX1" fmla="*/ 1670050 w 5276850"/>
+              <a:gd name="connsiteY1" fmla="*/ 191 h 1682941"/>
+              <a:gd name="connsiteX2" fmla="*/ 4546600 w 5276850"/>
+              <a:gd name="connsiteY2" fmla="*/ 654241 h 1682941"/>
+              <a:gd name="connsiteX3" fmla="*/ 5276850 w 5276850"/>
+              <a:gd name="connsiteY3" fmla="*/ 743141 h 1682941"/>
+              <a:gd name="connsiteX0" fmla="*/ 0 w 5276850"/>
+              <a:gd name="connsiteY0" fmla="*/ 1682941 h 1682941"/>
+              <a:gd name="connsiteX1" fmla="*/ 1670050 w 5276850"/>
+              <a:gd name="connsiteY1" fmla="*/ 191 h 1682941"/>
+              <a:gd name="connsiteX2" fmla="*/ 4546600 w 5276850"/>
+              <a:gd name="connsiteY2" fmla="*/ 654241 h 1682941"/>
+              <a:gd name="connsiteX3" fmla="*/ 5276850 w 5276850"/>
+              <a:gd name="connsiteY3" fmla="*/ 743141 h 1682941"/>
+              <a:gd name="connsiteX0" fmla="*/ 0 w 5353050"/>
+              <a:gd name="connsiteY0" fmla="*/ 1682941 h 1682941"/>
+              <a:gd name="connsiteX1" fmla="*/ 1670050 w 5353050"/>
+              <a:gd name="connsiteY1" fmla="*/ 191 h 1682941"/>
+              <a:gd name="connsiteX2" fmla="*/ 4546600 w 5353050"/>
+              <a:gd name="connsiteY2" fmla="*/ 654241 h 1682941"/>
+              <a:gd name="connsiteX3" fmla="*/ 5353050 w 5353050"/>
+              <a:gd name="connsiteY3" fmla="*/ 863791 h 1682941"/>
+              <a:gd name="connsiteX0" fmla="*/ 0 w 5283200"/>
+              <a:gd name="connsiteY0" fmla="*/ 1682941 h 1682941"/>
+              <a:gd name="connsiteX1" fmla="*/ 1670050 w 5283200"/>
+              <a:gd name="connsiteY1" fmla="*/ 191 h 1682941"/>
+              <a:gd name="connsiteX2" fmla="*/ 4546600 w 5283200"/>
+              <a:gd name="connsiteY2" fmla="*/ 654241 h 1682941"/>
+              <a:gd name="connsiteX3" fmla="*/ 5283200 w 5283200"/>
+              <a:gd name="connsiteY3" fmla="*/ 825691 h 1682941"/>
+              <a:gd name="connsiteX0" fmla="*/ 0 w 5283200"/>
+              <a:gd name="connsiteY0" fmla="*/ 1756958 h 1756958"/>
+              <a:gd name="connsiteX1" fmla="*/ 1670050 w 5283200"/>
+              <a:gd name="connsiteY1" fmla="*/ 74208 h 1756958"/>
+              <a:gd name="connsiteX2" fmla="*/ 3174999 w 5283200"/>
+              <a:gd name="connsiteY2" fmla="*/ 340283 h 1756958"/>
+              <a:gd name="connsiteX3" fmla="*/ 4546600 w 5283200"/>
+              <a:gd name="connsiteY3" fmla="*/ 728258 h 1756958"/>
+              <a:gd name="connsiteX4" fmla="*/ 5283200 w 5283200"/>
+              <a:gd name="connsiteY4" fmla="*/ 899708 h 1756958"/>
+              <a:gd name="connsiteX0" fmla="*/ 0 w 5283200"/>
+              <a:gd name="connsiteY0" fmla="*/ 2038741 h 2038741"/>
+              <a:gd name="connsiteX1" fmla="*/ 1670050 w 5283200"/>
+              <a:gd name="connsiteY1" fmla="*/ 355991 h 2038741"/>
+              <a:gd name="connsiteX2" fmla="*/ 3321049 w 5283200"/>
+              <a:gd name="connsiteY2" fmla="*/ 44216 h 2038741"/>
+              <a:gd name="connsiteX3" fmla="*/ 4546600 w 5283200"/>
+              <a:gd name="connsiteY3" fmla="*/ 1010041 h 2038741"/>
+              <a:gd name="connsiteX4" fmla="*/ 5283200 w 5283200"/>
+              <a:gd name="connsiteY4" fmla="*/ 1181491 h 2038741"/>
+              <a:gd name="connsiteX0" fmla="*/ 0 w 5283200"/>
+              <a:gd name="connsiteY0" fmla="*/ 2038741 h 2038741"/>
+              <a:gd name="connsiteX1" fmla="*/ 1670050 w 5283200"/>
+              <a:gd name="connsiteY1" fmla="*/ 355991 h 2038741"/>
+              <a:gd name="connsiteX2" fmla="*/ 3321049 w 5283200"/>
+              <a:gd name="connsiteY2" fmla="*/ 44216 h 2038741"/>
+              <a:gd name="connsiteX3" fmla="*/ 4546600 w 5283200"/>
+              <a:gd name="connsiteY3" fmla="*/ 1010041 h 2038741"/>
+              <a:gd name="connsiteX4" fmla="*/ 5283200 w 5283200"/>
+              <a:gd name="connsiteY4" fmla="*/ 1181491 h 2038741"/>
+              <a:gd name="connsiteX0" fmla="*/ 0 w 5283200"/>
+              <a:gd name="connsiteY0" fmla="*/ 2038741 h 2038741"/>
+              <a:gd name="connsiteX1" fmla="*/ 1670050 w 5283200"/>
+              <a:gd name="connsiteY1" fmla="*/ 355991 h 2038741"/>
+              <a:gd name="connsiteX2" fmla="*/ 3321049 w 5283200"/>
+              <a:gd name="connsiteY2" fmla="*/ 44216 h 2038741"/>
+              <a:gd name="connsiteX3" fmla="*/ 4546600 w 5283200"/>
+              <a:gd name="connsiteY3" fmla="*/ 1010041 h 2038741"/>
+              <a:gd name="connsiteX4" fmla="*/ 5283200 w 5283200"/>
+              <a:gd name="connsiteY4" fmla="*/ 1181491 h 2038741"/>
+              <a:gd name="connsiteX0" fmla="*/ 0 w 5283200"/>
+              <a:gd name="connsiteY0" fmla="*/ 2038741 h 2038741"/>
+              <a:gd name="connsiteX1" fmla="*/ 1670050 w 5283200"/>
+              <a:gd name="connsiteY1" fmla="*/ 355991 h 2038741"/>
+              <a:gd name="connsiteX2" fmla="*/ 3321049 w 5283200"/>
+              <a:gd name="connsiteY2" fmla="*/ 44216 h 2038741"/>
+              <a:gd name="connsiteX3" fmla="*/ 4540250 w 5283200"/>
+              <a:gd name="connsiteY3" fmla="*/ 952891 h 2038741"/>
+              <a:gd name="connsiteX4" fmla="*/ 5283200 w 5283200"/>
+              <a:gd name="connsiteY4" fmla="*/ 1181491 h 2038741"/>
+              <a:gd name="connsiteX0" fmla="*/ 0 w 5283200"/>
+              <a:gd name="connsiteY0" fmla="*/ 2038741 h 2038741"/>
+              <a:gd name="connsiteX1" fmla="*/ 1670050 w 5283200"/>
+              <a:gd name="connsiteY1" fmla="*/ 355991 h 2038741"/>
+              <a:gd name="connsiteX2" fmla="*/ 3321049 w 5283200"/>
+              <a:gd name="connsiteY2" fmla="*/ 44216 h 2038741"/>
+              <a:gd name="connsiteX3" fmla="*/ 4540250 w 5283200"/>
+              <a:gd name="connsiteY3" fmla="*/ 952891 h 2038741"/>
+              <a:gd name="connsiteX4" fmla="*/ 5283200 w 5283200"/>
+              <a:gd name="connsiteY4" fmla="*/ 1181491 h 2038741"/>
+              <a:gd name="connsiteX0" fmla="*/ 0 w 5492750"/>
+              <a:gd name="connsiteY0" fmla="*/ 2038741 h 2038741"/>
+              <a:gd name="connsiteX1" fmla="*/ 1670050 w 5492750"/>
+              <a:gd name="connsiteY1" fmla="*/ 355991 h 2038741"/>
+              <a:gd name="connsiteX2" fmla="*/ 3321049 w 5492750"/>
+              <a:gd name="connsiteY2" fmla="*/ 44216 h 2038741"/>
+              <a:gd name="connsiteX3" fmla="*/ 4540250 w 5492750"/>
+              <a:gd name="connsiteY3" fmla="*/ 952891 h 2038741"/>
+              <a:gd name="connsiteX4" fmla="*/ 5492750 w 5492750"/>
+              <a:gd name="connsiteY4" fmla="*/ 1124341 h 2038741"/>
+              <a:gd name="connsiteX0" fmla="*/ 0 w 5270500"/>
+              <a:gd name="connsiteY0" fmla="*/ 2038741 h 2038741"/>
+              <a:gd name="connsiteX1" fmla="*/ 1670050 w 5270500"/>
+              <a:gd name="connsiteY1" fmla="*/ 355991 h 2038741"/>
+              <a:gd name="connsiteX2" fmla="*/ 3321049 w 5270500"/>
+              <a:gd name="connsiteY2" fmla="*/ 44216 h 2038741"/>
+              <a:gd name="connsiteX3" fmla="*/ 4540250 w 5270500"/>
+              <a:gd name="connsiteY3" fmla="*/ 952891 h 2038741"/>
+              <a:gd name="connsiteX4" fmla="*/ 5270500 w 5270500"/>
+              <a:gd name="connsiteY4" fmla="*/ 1098941 h 2038741"/>
+              <a:gd name="connsiteX0" fmla="*/ 0 w 5270500"/>
+              <a:gd name="connsiteY0" fmla="*/ 2038741 h 2038741"/>
+              <a:gd name="connsiteX1" fmla="*/ 1670050 w 5270500"/>
+              <a:gd name="connsiteY1" fmla="*/ 355991 h 2038741"/>
+              <a:gd name="connsiteX2" fmla="*/ 3321049 w 5270500"/>
+              <a:gd name="connsiteY2" fmla="*/ 44216 h 2038741"/>
+              <a:gd name="connsiteX3" fmla="*/ 4540250 w 5270500"/>
+              <a:gd name="connsiteY3" fmla="*/ 895741 h 2038741"/>
+              <a:gd name="connsiteX4" fmla="*/ 5270500 w 5270500"/>
+              <a:gd name="connsiteY4" fmla="*/ 1098941 h 2038741"/>
+              <a:gd name="connsiteX0" fmla="*/ 0 w 5270500"/>
+              <a:gd name="connsiteY0" fmla="*/ 2038741 h 2038741"/>
+              <a:gd name="connsiteX1" fmla="*/ 1670050 w 5270500"/>
+              <a:gd name="connsiteY1" fmla="*/ 355991 h 2038741"/>
+              <a:gd name="connsiteX2" fmla="*/ 3321049 w 5270500"/>
+              <a:gd name="connsiteY2" fmla="*/ 44216 h 2038741"/>
+              <a:gd name="connsiteX3" fmla="*/ 4540250 w 5270500"/>
+              <a:gd name="connsiteY3" fmla="*/ 895741 h 2038741"/>
+              <a:gd name="connsiteX4" fmla="*/ 5270500 w 5270500"/>
+              <a:gd name="connsiteY4" fmla="*/ 1098941 h 2038741"/>
+              <a:gd name="connsiteX0" fmla="*/ 0 w 5283200"/>
+              <a:gd name="connsiteY0" fmla="*/ 2038741 h 2038741"/>
+              <a:gd name="connsiteX1" fmla="*/ 1670050 w 5283200"/>
+              <a:gd name="connsiteY1" fmla="*/ 355991 h 2038741"/>
+              <a:gd name="connsiteX2" fmla="*/ 3321049 w 5283200"/>
+              <a:gd name="connsiteY2" fmla="*/ 44216 h 2038741"/>
+              <a:gd name="connsiteX3" fmla="*/ 4540250 w 5283200"/>
+              <a:gd name="connsiteY3" fmla="*/ 895741 h 2038741"/>
+              <a:gd name="connsiteX4" fmla="*/ 5283200 w 5283200"/>
+              <a:gd name="connsiteY4" fmla="*/ 965591 h 2038741"/>
+              <a:gd name="connsiteX0" fmla="*/ 0 w 5283200"/>
+              <a:gd name="connsiteY0" fmla="*/ 2038741 h 2038741"/>
+              <a:gd name="connsiteX1" fmla="*/ 1670050 w 5283200"/>
+              <a:gd name="connsiteY1" fmla="*/ 355991 h 2038741"/>
+              <a:gd name="connsiteX2" fmla="*/ 3321049 w 5283200"/>
+              <a:gd name="connsiteY2" fmla="*/ 44216 h 2038741"/>
+              <a:gd name="connsiteX3" fmla="*/ 4540250 w 5283200"/>
+              <a:gd name="connsiteY3" fmla="*/ 895741 h 2038741"/>
+              <a:gd name="connsiteX4" fmla="*/ 5283200 w 5283200"/>
+              <a:gd name="connsiteY4" fmla="*/ 1073541 h 2038741"/>
+              <a:gd name="connsiteX0" fmla="*/ 0 w 5283200"/>
+              <a:gd name="connsiteY0" fmla="*/ 2038741 h 2038741"/>
+              <a:gd name="connsiteX1" fmla="*/ 1670050 w 5283200"/>
+              <a:gd name="connsiteY1" fmla="*/ 355991 h 2038741"/>
+              <a:gd name="connsiteX2" fmla="*/ 3321049 w 5283200"/>
+              <a:gd name="connsiteY2" fmla="*/ 44216 h 2038741"/>
+              <a:gd name="connsiteX3" fmla="*/ 4540250 w 5283200"/>
+              <a:gd name="connsiteY3" fmla="*/ 895741 h 2038741"/>
+              <a:gd name="connsiteX4" fmla="*/ 5283200 w 5283200"/>
+              <a:gd name="connsiteY4" fmla="*/ 1073541 h 2038741"/>
+              <a:gd name="connsiteX0" fmla="*/ 0 w 5283200"/>
+              <a:gd name="connsiteY0" fmla="*/ 2038741 h 2038741"/>
+              <a:gd name="connsiteX1" fmla="*/ 1670050 w 5283200"/>
+              <a:gd name="connsiteY1" fmla="*/ 355991 h 2038741"/>
+              <a:gd name="connsiteX2" fmla="*/ 3321049 w 5283200"/>
+              <a:gd name="connsiteY2" fmla="*/ 44216 h 2038741"/>
+              <a:gd name="connsiteX3" fmla="*/ 4540250 w 5283200"/>
+              <a:gd name="connsiteY3" fmla="*/ 895741 h 2038741"/>
+              <a:gd name="connsiteX4" fmla="*/ 5283200 w 5283200"/>
+              <a:gd name="connsiteY4" fmla="*/ 1073541 h 2038741"/>
+              <a:gd name="connsiteX0" fmla="*/ 0 w 5283200"/>
+              <a:gd name="connsiteY0" fmla="*/ 2038741 h 2038741"/>
+              <a:gd name="connsiteX1" fmla="*/ 1670050 w 5283200"/>
+              <a:gd name="connsiteY1" fmla="*/ 355991 h 2038741"/>
+              <a:gd name="connsiteX2" fmla="*/ 3321049 w 5283200"/>
+              <a:gd name="connsiteY2" fmla="*/ 44216 h 2038741"/>
+              <a:gd name="connsiteX3" fmla="*/ 4540250 w 5283200"/>
+              <a:gd name="connsiteY3" fmla="*/ 895741 h 2038741"/>
+              <a:gd name="connsiteX4" fmla="*/ 5283200 w 5283200"/>
+              <a:gd name="connsiteY4" fmla="*/ 1073541 h 2038741"/>
+              <a:gd name="connsiteX0" fmla="*/ 0 w 5283200"/>
+              <a:gd name="connsiteY0" fmla="*/ 2295468 h 2295468"/>
+              <a:gd name="connsiteX1" fmla="*/ 1670050 w 5283200"/>
+              <a:gd name="connsiteY1" fmla="*/ 612718 h 2295468"/>
+              <a:gd name="connsiteX2" fmla="*/ 4533899 w 5283200"/>
+              <a:gd name="connsiteY2" fmla="*/ 21543 h 2295468"/>
+              <a:gd name="connsiteX3" fmla="*/ 4540250 w 5283200"/>
+              <a:gd name="connsiteY3" fmla="*/ 1152468 h 2295468"/>
+              <a:gd name="connsiteX4" fmla="*/ 5283200 w 5283200"/>
+              <a:gd name="connsiteY4" fmla="*/ 1330268 h 2295468"/>
+              <a:gd name="connsiteX0" fmla="*/ 0 w 5283200"/>
+              <a:gd name="connsiteY0" fmla="*/ 2295468 h 2295468"/>
+              <a:gd name="connsiteX1" fmla="*/ 1670050 w 5283200"/>
+              <a:gd name="connsiteY1" fmla="*/ 612718 h 2295468"/>
+              <a:gd name="connsiteX2" fmla="*/ 4533899 w 5283200"/>
+              <a:gd name="connsiteY2" fmla="*/ 21543 h 2295468"/>
+              <a:gd name="connsiteX3" fmla="*/ 4533900 w 5283200"/>
+              <a:gd name="connsiteY3" fmla="*/ 898468 h 2295468"/>
+              <a:gd name="connsiteX4" fmla="*/ 5283200 w 5283200"/>
+              <a:gd name="connsiteY4" fmla="*/ 1330268 h 2295468"/>
+              <a:gd name="connsiteX0" fmla="*/ 0 w 5264150"/>
+              <a:gd name="connsiteY0" fmla="*/ 2295468 h 2295468"/>
+              <a:gd name="connsiteX1" fmla="*/ 1670050 w 5264150"/>
+              <a:gd name="connsiteY1" fmla="*/ 612718 h 2295468"/>
+              <a:gd name="connsiteX2" fmla="*/ 4533899 w 5264150"/>
+              <a:gd name="connsiteY2" fmla="*/ 21543 h 2295468"/>
+              <a:gd name="connsiteX3" fmla="*/ 4533900 w 5264150"/>
+              <a:gd name="connsiteY3" fmla="*/ 898468 h 2295468"/>
+              <a:gd name="connsiteX4" fmla="*/ 5264150 w 5264150"/>
+              <a:gd name="connsiteY4" fmla="*/ 1171518 h 2295468"/>
+              <a:gd name="connsiteX0" fmla="*/ 0 w 5264150"/>
+              <a:gd name="connsiteY0" fmla="*/ 2295468 h 2295468"/>
+              <a:gd name="connsiteX1" fmla="*/ 1670050 w 5264150"/>
+              <a:gd name="connsiteY1" fmla="*/ 612718 h 2295468"/>
+              <a:gd name="connsiteX2" fmla="*/ 4533899 w 5264150"/>
+              <a:gd name="connsiteY2" fmla="*/ 21543 h 2295468"/>
+              <a:gd name="connsiteX3" fmla="*/ 4533900 w 5264150"/>
+              <a:gd name="connsiteY3" fmla="*/ 898468 h 2295468"/>
+              <a:gd name="connsiteX4" fmla="*/ 5264150 w 5264150"/>
+              <a:gd name="connsiteY4" fmla="*/ 1171518 h 2295468"/>
+              <a:gd name="connsiteX0" fmla="*/ 0 w 5264150"/>
+              <a:gd name="connsiteY0" fmla="*/ 2295468 h 2295468"/>
+              <a:gd name="connsiteX1" fmla="*/ 1670050 w 5264150"/>
+              <a:gd name="connsiteY1" fmla="*/ 612718 h 2295468"/>
+              <a:gd name="connsiteX2" fmla="*/ 4533899 w 5264150"/>
+              <a:gd name="connsiteY2" fmla="*/ 21543 h 2295468"/>
+              <a:gd name="connsiteX3" fmla="*/ 4533900 w 5264150"/>
+              <a:gd name="connsiteY3" fmla="*/ 898468 h 2295468"/>
+              <a:gd name="connsiteX4" fmla="*/ 5264150 w 5264150"/>
+              <a:gd name="connsiteY4" fmla="*/ 1171518 h 2295468"/>
+              <a:gd name="connsiteX0" fmla="*/ 0 w 5264150"/>
+              <a:gd name="connsiteY0" fmla="*/ 2295468 h 2295468"/>
+              <a:gd name="connsiteX1" fmla="*/ 1670050 w 5264150"/>
+              <a:gd name="connsiteY1" fmla="*/ 612718 h 2295468"/>
+              <a:gd name="connsiteX2" fmla="*/ 4533899 w 5264150"/>
+              <a:gd name="connsiteY2" fmla="*/ 21543 h 2295468"/>
+              <a:gd name="connsiteX3" fmla="*/ 4533900 w 5264150"/>
+              <a:gd name="connsiteY3" fmla="*/ 898468 h 2295468"/>
+              <a:gd name="connsiteX4" fmla="*/ 5264150 w 5264150"/>
+              <a:gd name="connsiteY4" fmla="*/ 1171518 h 2295468"/>
+              <a:gd name="connsiteX0" fmla="*/ 0 w 5264150"/>
+              <a:gd name="connsiteY0" fmla="*/ 2317416 h 2317416"/>
+              <a:gd name="connsiteX1" fmla="*/ 1670050 w 5264150"/>
+              <a:gd name="connsiteY1" fmla="*/ 634666 h 2317416"/>
+              <a:gd name="connsiteX2" fmla="*/ 4861559 w 5264150"/>
+              <a:gd name="connsiteY2" fmla="*/ 20631 h 2317416"/>
+              <a:gd name="connsiteX3" fmla="*/ 4533900 w 5264150"/>
+              <a:gd name="connsiteY3" fmla="*/ 920416 h 2317416"/>
+              <a:gd name="connsiteX4" fmla="*/ 5264150 w 5264150"/>
+              <a:gd name="connsiteY4" fmla="*/ 1193466 h 2317416"/>
+              <a:gd name="connsiteX0" fmla="*/ 0 w 5264150"/>
+              <a:gd name="connsiteY0" fmla="*/ 2317416 h 2317416"/>
+              <a:gd name="connsiteX1" fmla="*/ 1670050 w 5264150"/>
+              <a:gd name="connsiteY1" fmla="*/ 634666 h 2317416"/>
+              <a:gd name="connsiteX2" fmla="*/ 4861559 w 5264150"/>
+              <a:gd name="connsiteY2" fmla="*/ 20631 h 2317416"/>
+              <a:gd name="connsiteX3" fmla="*/ 4533900 w 5264150"/>
+              <a:gd name="connsiteY3" fmla="*/ 920416 h 2317416"/>
+              <a:gd name="connsiteX4" fmla="*/ 5264150 w 5264150"/>
+              <a:gd name="connsiteY4" fmla="*/ 1193466 h 2317416"/>
+              <a:gd name="connsiteX0" fmla="*/ 0 w 5264150"/>
+              <a:gd name="connsiteY0" fmla="*/ 2317416 h 2317416"/>
+              <a:gd name="connsiteX1" fmla="*/ 1670050 w 5264150"/>
+              <a:gd name="connsiteY1" fmla="*/ 634666 h 2317416"/>
+              <a:gd name="connsiteX2" fmla="*/ 4861559 w 5264150"/>
+              <a:gd name="connsiteY2" fmla="*/ 20631 h 2317416"/>
+              <a:gd name="connsiteX3" fmla="*/ 4831080 w 5264150"/>
+              <a:gd name="connsiteY3" fmla="*/ 707056 h 2317416"/>
+              <a:gd name="connsiteX4" fmla="*/ 5264150 w 5264150"/>
+              <a:gd name="connsiteY4" fmla="*/ 1193466 h 2317416"/>
+              <a:gd name="connsiteX0" fmla="*/ 0 w 5264150"/>
+              <a:gd name="connsiteY0" fmla="*/ 2317416 h 2317416"/>
+              <a:gd name="connsiteX1" fmla="*/ 1670050 w 5264150"/>
+              <a:gd name="connsiteY1" fmla="*/ 634666 h 2317416"/>
+              <a:gd name="connsiteX2" fmla="*/ 4861559 w 5264150"/>
+              <a:gd name="connsiteY2" fmla="*/ 20631 h 2317416"/>
+              <a:gd name="connsiteX3" fmla="*/ 4859655 w 5264150"/>
+              <a:gd name="connsiteY3" fmla="*/ 713406 h 2317416"/>
+              <a:gd name="connsiteX4" fmla="*/ 5264150 w 5264150"/>
+              <a:gd name="connsiteY4" fmla="*/ 1193466 h 2317416"/>
+              <a:gd name="connsiteX0" fmla="*/ 0 w 5264150"/>
+              <a:gd name="connsiteY0" fmla="*/ 2317416 h 2317416"/>
+              <a:gd name="connsiteX1" fmla="*/ 1670050 w 5264150"/>
+              <a:gd name="connsiteY1" fmla="*/ 634666 h 2317416"/>
+              <a:gd name="connsiteX2" fmla="*/ 4861559 w 5264150"/>
+              <a:gd name="connsiteY2" fmla="*/ 20631 h 2317416"/>
+              <a:gd name="connsiteX3" fmla="*/ 4859655 w 5264150"/>
+              <a:gd name="connsiteY3" fmla="*/ 713406 h 2317416"/>
+              <a:gd name="connsiteX4" fmla="*/ 4930774 w 5264150"/>
+              <a:gd name="connsiteY4" fmla="*/ 826844 h 2317416"/>
+              <a:gd name="connsiteX5" fmla="*/ 5264150 w 5264150"/>
+              <a:gd name="connsiteY5" fmla="*/ 1193466 h 2317416"/>
+              <a:gd name="connsiteX0" fmla="*/ 0 w 5264150"/>
+              <a:gd name="connsiteY0" fmla="*/ 2317416 h 2317416"/>
+              <a:gd name="connsiteX1" fmla="*/ 1670050 w 5264150"/>
+              <a:gd name="connsiteY1" fmla="*/ 634666 h 2317416"/>
+              <a:gd name="connsiteX2" fmla="*/ 4861559 w 5264150"/>
+              <a:gd name="connsiteY2" fmla="*/ 20631 h 2317416"/>
+              <a:gd name="connsiteX3" fmla="*/ 4859655 w 5264150"/>
+              <a:gd name="connsiteY3" fmla="*/ 713406 h 2317416"/>
+              <a:gd name="connsiteX4" fmla="*/ 4930774 w 5264150"/>
+              <a:gd name="connsiteY4" fmla="*/ 826844 h 2317416"/>
+              <a:gd name="connsiteX5" fmla="*/ 5083174 w 5264150"/>
+              <a:gd name="connsiteY5" fmla="*/ 1001469 h 2317416"/>
+              <a:gd name="connsiteX6" fmla="*/ 5264150 w 5264150"/>
+              <a:gd name="connsiteY6" fmla="*/ 1193466 h 2317416"/>
+              <a:gd name="connsiteX0" fmla="*/ 0 w 5264150"/>
+              <a:gd name="connsiteY0" fmla="*/ 2317416 h 2317416"/>
+              <a:gd name="connsiteX1" fmla="*/ 1670050 w 5264150"/>
+              <a:gd name="connsiteY1" fmla="*/ 634666 h 2317416"/>
+              <a:gd name="connsiteX2" fmla="*/ 4861559 w 5264150"/>
+              <a:gd name="connsiteY2" fmla="*/ 20631 h 2317416"/>
+              <a:gd name="connsiteX3" fmla="*/ 4859655 w 5264150"/>
+              <a:gd name="connsiteY3" fmla="*/ 713406 h 2317416"/>
+              <a:gd name="connsiteX4" fmla="*/ 4930774 w 5264150"/>
+              <a:gd name="connsiteY4" fmla="*/ 826844 h 2317416"/>
+              <a:gd name="connsiteX5" fmla="*/ 5083174 w 5264150"/>
+              <a:gd name="connsiteY5" fmla="*/ 1001469 h 2317416"/>
+              <a:gd name="connsiteX6" fmla="*/ 5203824 w 5264150"/>
+              <a:gd name="connsiteY6" fmla="*/ 1125294 h 2317416"/>
+              <a:gd name="connsiteX7" fmla="*/ 5264150 w 5264150"/>
+              <a:gd name="connsiteY7" fmla="*/ 1193466 h 2317416"/>
+              <a:gd name="connsiteX0" fmla="*/ 0 w 5264150"/>
+              <a:gd name="connsiteY0" fmla="*/ 2317416 h 2317416"/>
+              <a:gd name="connsiteX1" fmla="*/ 1670050 w 5264150"/>
+              <a:gd name="connsiteY1" fmla="*/ 634666 h 2317416"/>
+              <a:gd name="connsiteX2" fmla="*/ 4861559 w 5264150"/>
+              <a:gd name="connsiteY2" fmla="*/ 20631 h 2317416"/>
+              <a:gd name="connsiteX3" fmla="*/ 4859655 w 5264150"/>
+              <a:gd name="connsiteY3" fmla="*/ 713406 h 2317416"/>
+              <a:gd name="connsiteX4" fmla="*/ 4930774 w 5264150"/>
+              <a:gd name="connsiteY4" fmla="*/ 826844 h 2317416"/>
+              <a:gd name="connsiteX5" fmla="*/ 4984749 w 5264150"/>
+              <a:gd name="connsiteY5" fmla="*/ 899869 h 2317416"/>
+              <a:gd name="connsiteX6" fmla="*/ 5083174 w 5264150"/>
+              <a:gd name="connsiteY6" fmla="*/ 1001469 h 2317416"/>
+              <a:gd name="connsiteX7" fmla="*/ 5203824 w 5264150"/>
+              <a:gd name="connsiteY7" fmla="*/ 1125294 h 2317416"/>
+              <a:gd name="connsiteX8" fmla="*/ 5264150 w 5264150"/>
+              <a:gd name="connsiteY8" fmla="*/ 1193466 h 2317416"/>
+              <a:gd name="connsiteX0" fmla="*/ 0 w 5264150"/>
+              <a:gd name="connsiteY0" fmla="*/ 2317416 h 2317416"/>
+              <a:gd name="connsiteX1" fmla="*/ 1670050 w 5264150"/>
+              <a:gd name="connsiteY1" fmla="*/ 634666 h 2317416"/>
+              <a:gd name="connsiteX2" fmla="*/ 4861559 w 5264150"/>
+              <a:gd name="connsiteY2" fmla="*/ 20631 h 2317416"/>
+              <a:gd name="connsiteX3" fmla="*/ 4859655 w 5264150"/>
+              <a:gd name="connsiteY3" fmla="*/ 713406 h 2317416"/>
+              <a:gd name="connsiteX4" fmla="*/ 4943474 w 5264150"/>
+              <a:gd name="connsiteY4" fmla="*/ 776044 h 2317416"/>
+              <a:gd name="connsiteX5" fmla="*/ 4984749 w 5264150"/>
+              <a:gd name="connsiteY5" fmla="*/ 899869 h 2317416"/>
+              <a:gd name="connsiteX6" fmla="*/ 5083174 w 5264150"/>
+              <a:gd name="connsiteY6" fmla="*/ 1001469 h 2317416"/>
+              <a:gd name="connsiteX7" fmla="*/ 5203824 w 5264150"/>
+              <a:gd name="connsiteY7" fmla="*/ 1125294 h 2317416"/>
+              <a:gd name="connsiteX8" fmla="*/ 5264150 w 5264150"/>
+              <a:gd name="connsiteY8" fmla="*/ 1193466 h 2317416"/>
+              <a:gd name="connsiteX0" fmla="*/ 0 w 5264150"/>
+              <a:gd name="connsiteY0" fmla="*/ 2317416 h 2317416"/>
+              <a:gd name="connsiteX1" fmla="*/ 1670050 w 5264150"/>
+              <a:gd name="connsiteY1" fmla="*/ 634666 h 2317416"/>
+              <a:gd name="connsiteX2" fmla="*/ 4861559 w 5264150"/>
+              <a:gd name="connsiteY2" fmla="*/ 20631 h 2317416"/>
+              <a:gd name="connsiteX3" fmla="*/ 4859655 w 5264150"/>
+              <a:gd name="connsiteY3" fmla="*/ 713406 h 2317416"/>
+              <a:gd name="connsiteX4" fmla="*/ 4943474 w 5264150"/>
+              <a:gd name="connsiteY4" fmla="*/ 776044 h 2317416"/>
+              <a:gd name="connsiteX5" fmla="*/ 4952999 w 5264150"/>
+              <a:gd name="connsiteY5" fmla="*/ 931619 h 2317416"/>
+              <a:gd name="connsiteX6" fmla="*/ 5083174 w 5264150"/>
+              <a:gd name="connsiteY6" fmla="*/ 1001469 h 2317416"/>
+              <a:gd name="connsiteX7" fmla="*/ 5203824 w 5264150"/>
+              <a:gd name="connsiteY7" fmla="*/ 1125294 h 2317416"/>
+              <a:gd name="connsiteX8" fmla="*/ 5264150 w 5264150"/>
+              <a:gd name="connsiteY8" fmla="*/ 1193466 h 2317416"/>
+              <a:gd name="connsiteX0" fmla="*/ 0 w 5264150"/>
+              <a:gd name="connsiteY0" fmla="*/ 2317416 h 2317416"/>
+              <a:gd name="connsiteX1" fmla="*/ 1670050 w 5264150"/>
+              <a:gd name="connsiteY1" fmla="*/ 634666 h 2317416"/>
+              <a:gd name="connsiteX2" fmla="*/ 4861559 w 5264150"/>
+              <a:gd name="connsiteY2" fmla="*/ 20631 h 2317416"/>
+              <a:gd name="connsiteX3" fmla="*/ 4859655 w 5264150"/>
+              <a:gd name="connsiteY3" fmla="*/ 713406 h 2317416"/>
+              <a:gd name="connsiteX4" fmla="*/ 4943474 w 5264150"/>
+              <a:gd name="connsiteY4" fmla="*/ 776044 h 2317416"/>
+              <a:gd name="connsiteX5" fmla="*/ 4952999 w 5264150"/>
+              <a:gd name="connsiteY5" fmla="*/ 931619 h 2317416"/>
+              <a:gd name="connsiteX6" fmla="*/ 5111749 w 5264150"/>
+              <a:gd name="connsiteY6" fmla="*/ 918919 h 2317416"/>
+              <a:gd name="connsiteX7" fmla="*/ 5203824 w 5264150"/>
+              <a:gd name="connsiteY7" fmla="*/ 1125294 h 2317416"/>
+              <a:gd name="connsiteX8" fmla="*/ 5264150 w 5264150"/>
+              <a:gd name="connsiteY8" fmla="*/ 1193466 h 2317416"/>
+              <a:gd name="connsiteX0" fmla="*/ 0 w 5264150"/>
+              <a:gd name="connsiteY0" fmla="*/ 2317416 h 2317416"/>
+              <a:gd name="connsiteX1" fmla="*/ 1670050 w 5264150"/>
+              <a:gd name="connsiteY1" fmla="*/ 634666 h 2317416"/>
+              <a:gd name="connsiteX2" fmla="*/ 4861559 w 5264150"/>
+              <a:gd name="connsiteY2" fmla="*/ 20631 h 2317416"/>
+              <a:gd name="connsiteX3" fmla="*/ 4859655 w 5264150"/>
+              <a:gd name="connsiteY3" fmla="*/ 713406 h 2317416"/>
+              <a:gd name="connsiteX4" fmla="*/ 4943474 w 5264150"/>
+              <a:gd name="connsiteY4" fmla="*/ 776044 h 2317416"/>
+              <a:gd name="connsiteX5" fmla="*/ 4952999 w 5264150"/>
+              <a:gd name="connsiteY5" fmla="*/ 931619 h 2317416"/>
+              <a:gd name="connsiteX6" fmla="*/ 5111749 w 5264150"/>
+              <a:gd name="connsiteY6" fmla="*/ 918919 h 2317416"/>
+              <a:gd name="connsiteX7" fmla="*/ 5159374 w 5264150"/>
+              <a:gd name="connsiteY7" fmla="*/ 1084019 h 2317416"/>
+              <a:gd name="connsiteX8" fmla="*/ 5264150 w 5264150"/>
+              <a:gd name="connsiteY8" fmla="*/ 1193466 h 2317416"/>
+              <a:gd name="connsiteX0" fmla="*/ 0 w 5283200"/>
+              <a:gd name="connsiteY0" fmla="*/ 2317416 h 2317416"/>
+              <a:gd name="connsiteX1" fmla="*/ 1670050 w 5283200"/>
+              <a:gd name="connsiteY1" fmla="*/ 634666 h 2317416"/>
+              <a:gd name="connsiteX2" fmla="*/ 4861559 w 5283200"/>
+              <a:gd name="connsiteY2" fmla="*/ 20631 h 2317416"/>
+              <a:gd name="connsiteX3" fmla="*/ 4859655 w 5283200"/>
+              <a:gd name="connsiteY3" fmla="*/ 713406 h 2317416"/>
+              <a:gd name="connsiteX4" fmla="*/ 4943474 w 5283200"/>
+              <a:gd name="connsiteY4" fmla="*/ 776044 h 2317416"/>
+              <a:gd name="connsiteX5" fmla="*/ 4952999 w 5283200"/>
+              <a:gd name="connsiteY5" fmla="*/ 931619 h 2317416"/>
+              <a:gd name="connsiteX6" fmla="*/ 5111749 w 5283200"/>
+              <a:gd name="connsiteY6" fmla="*/ 918919 h 2317416"/>
+              <a:gd name="connsiteX7" fmla="*/ 5159374 w 5283200"/>
+              <a:gd name="connsiteY7" fmla="*/ 1084019 h 2317416"/>
+              <a:gd name="connsiteX8" fmla="*/ 5283200 w 5283200"/>
+              <a:gd name="connsiteY8" fmla="*/ 1129966 h 2317416"/>
+              <a:gd name="connsiteX0" fmla="*/ 0 w 5283200"/>
+              <a:gd name="connsiteY0" fmla="*/ 2517408 h 2517408"/>
+              <a:gd name="connsiteX1" fmla="*/ 1670050 w 5283200"/>
+              <a:gd name="connsiteY1" fmla="*/ 834658 h 2517408"/>
+              <a:gd name="connsiteX2" fmla="*/ 5074919 w 5283200"/>
+              <a:gd name="connsiteY2" fmla="*/ 14883 h 2517408"/>
+              <a:gd name="connsiteX3" fmla="*/ 4859655 w 5283200"/>
+              <a:gd name="connsiteY3" fmla="*/ 913398 h 2517408"/>
+              <a:gd name="connsiteX4" fmla="*/ 4943474 w 5283200"/>
+              <a:gd name="connsiteY4" fmla="*/ 976036 h 2517408"/>
+              <a:gd name="connsiteX5" fmla="*/ 4952999 w 5283200"/>
+              <a:gd name="connsiteY5" fmla="*/ 1131611 h 2517408"/>
+              <a:gd name="connsiteX6" fmla="*/ 5111749 w 5283200"/>
+              <a:gd name="connsiteY6" fmla="*/ 1118911 h 2517408"/>
+              <a:gd name="connsiteX7" fmla="*/ 5159374 w 5283200"/>
+              <a:gd name="connsiteY7" fmla="*/ 1284011 h 2517408"/>
+              <a:gd name="connsiteX8" fmla="*/ 5283200 w 5283200"/>
+              <a:gd name="connsiteY8" fmla="*/ 1329958 h 2517408"/>
+              <a:gd name="connsiteX0" fmla="*/ 0 w 5283200"/>
+              <a:gd name="connsiteY0" fmla="*/ 2514059 h 2514059"/>
+              <a:gd name="connsiteX1" fmla="*/ 1670050 w 5283200"/>
+              <a:gd name="connsiteY1" fmla="*/ 831309 h 2514059"/>
+              <a:gd name="connsiteX2" fmla="*/ 5074919 w 5283200"/>
+              <a:gd name="connsiteY2" fmla="*/ 11534 h 2514059"/>
+              <a:gd name="connsiteX3" fmla="*/ 4859655 w 5283200"/>
+              <a:gd name="connsiteY3" fmla="*/ 910049 h 2514059"/>
+              <a:gd name="connsiteX4" fmla="*/ 4943474 w 5283200"/>
+              <a:gd name="connsiteY4" fmla="*/ 972687 h 2514059"/>
+              <a:gd name="connsiteX5" fmla="*/ 4952999 w 5283200"/>
+              <a:gd name="connsiteY5" fmla="*/ 1128262 h 2514059"/>
+              <a:gd name="connsiteX6" fmla="*/ 5111749 w 5283200"/>
+              <a:gd name="connsiteY6" fmla="*/ 1115562 h 2514059"/>
+              <a:gd name="connsiteX7" fmla="*/ 5159374 w 5283200"/>
+              <a:gd name="connsiteY7" fmla="*/ 1280662 h 2514059"/>
+              <a:gd name="connsiteX8" fmla="*/ 5283200 w 5283200"/>
+              <a:gd name="connsiteY8" fmla="*/ 1326609 h 2514059"/>
+              <a:gd name="connsiteX0" fmla="*/ 0 w 5283200"/>
+              <a:gd name="connsiteY0" fmla="*/ 2514059 h 2514059"/>
+              <a:gd name="connsiteX1" fmla="*/ 1670050 w 5283200"/>
+              <a:gd name="connsiteY1" fmla="*/ 831309 h 2514059"/>
+              <a:gd name="connsiteX2" fmla="*/ 5074919 w 5283200"/>
+              <a:gd name="connsiteY2" fmla="*/ 11534 h 2514059"/>
+              <a:gd name="connsiteX3" fmla="*/ 5080635 w 5283200"/>
+              <a:gd name="connsiteY3" fmla="*/ 308069 h 2514059"/>
+              <a:gd name="connsiteX4" fmla="*/ 4943474 w 5283200"/>
+              <a:gd name="connsiteY4" fmla="*/ 972687 h 2514059"/>
+              <a:gd name="connsiteX5" fmla="*/ 4952999 w 5283200"/>
+              <a:gd name="connsiteY5" fmla="*/ 1128262 h 2514059"/>
+              <a:gd name="connsiteX6" fmla="*/ 5111749 w 5283200"/>
+              <a:gd name="connsiteY6" fmla="*/ 1115562 h 2514059"/>
+              <a:gd name="connsiteX7" fmla="*/ 5159374 w 5283200"/>
+              <a:gd name="connsiteY7" fmla="*/ 1280662 h 2514059"/>
+              <a:gd name="connsiteX8" fmla="*/ 5283200 w 5283200"/>
+              <a:gd name="connsiteY8" fmla="*/ 1326609 h 2514059"/>
+              <a:gd name="connsiteX0" fmla="*/ 0 w 5283200"/>
+              <a:gd name="connsiteY0" fmla="*/ 2517568 h 2517568"/>
+              <a:gd name="connsiteX1" fmla="*/ 1670050 w 5283200"/>
+              <a:gd name="connsiteY1" fmla="*/ 834818 h 2517568"/>
+              <a:gd name="connsiteX2" fmla="*/ 5074919 w 5283200"/>
+              <a:gd name="connsiteY2" fmla="*/ 15043 h 2517568"/>
+              <a:gd name="connsiteX3" fmla="*/ 5080635 w 5283200"/>
+              <a:gd name="connsiteY3" fmla="*/ 311578 h 2517568"/>
+              <a:gd name="connsiteX4" fmla="*/ 5210174 w 5283200"/>
+              <a:gd name="connsiteY4" fmla="*/ 8456 h 2517568"/>
+              <a:gd name="connsiteX5" fmla="*/ 4952999 w 5283200"/>
+              <a:gd name="connsiteY5" fmla="*/ 1131771 h 2517568"/>
+              <a:gd name="connsiteX6" fmla="*/ 5111749 w 5283200"/>
+              <a:gd name="connsiteY6" fmla="*/ 1119071 h 2517568"/>
+              <a:gd name="connsiteX7" fmla="*/ 5159374 w 5283200"/>
+              <a:gd name="connsiteY7" fmla="*/ 1284171 h 2517568"/>
+              <a:gd name="connsiteX8" fmla="*/ 5283200 w 5283200"/>
+              <a:gd name="connsiteY8" fmla="*/ 1330118 h 2517568"/>
+              <a:gd name="connsiteX0" fmla="*/ 0 w 5283200"/>
+              <a:gd name="connsiteY0" fmla="*/ 2517568 h 2517568"/>
+              <a:gd name="connsiteX1" fmla="*/ 1670050 w 5283200"/>
+              <a:gd name="connsiteY1" fmla="*/ 834818 h 2517568"/>
+              <a:gd name="connsiteX2" fmla="*/ 5074919 w 5283200"/>
+              <a:gd name="connsiteY2" fmla="*/ 15043 h 2517568"/>
+              <a:gd name="connsiteX3" fmla="*/ 5080635 w 5283200"/>
+              <a:gd name="connsiteY3" fmla="*/ 311578 h 2517568"/>
+              <a:gd name="connsiteX4" fmla="*/ 5210174 w 5283200"/>
+              <a:gd name="connsiteY4" fmla="*/ 8456 h 2517568"/>
+              <a:gd name="connsiteX5" fmla="*/ 5227319 w 5283200"/>
+              <a:gd name="connsiteY5" fmla="*/ 385011 h 2517568"/>
+              <a:gd name="connsiteX6" fmla="*/ 5111749 w 5283200"/>
+              <a:gd name="connsiteY6" fmla="*/ 1119071 h 2517568"/>
+              <a:gd name="connsiteX7" fmla="*/ 5159374 w 5283200"/>
+              <a:gd name="connsiteY7" fmla="*/ 1284171 h 2517568"/>
+              <a:gd name="connsiteX8" fmla="*/ 5283200 w 5283200"/>
+              <a:gd name="connsiteY8" fmla="*/ 1330118 h 2517568"/>
+              <a:gd name="connsiteX0" fmla="*/ 0 w 5308509"/>
+              <a:gd name="connsiteY0" fmla="*/ 2520854 h 2520854"/>
+              <a:gd name="connsiteX1" fmla="*/ 1670050 w 5308509"/>
+              <a:gd name="connsiteY1" fmla="*/ 838104 h 2520854"/>
+              <a:gd name="connsiteX2" fmla="*/ 5074919 w 5308509"/>
+              <a:gd name="connsiteY2" fmla="*/ 18329 h 2520854"/>
+              <a:gd name="connsiteX3" fmla="*/ 5080635 w 5308509"/>
+              <a:gd name="connsiteY3" fmla="*/ 314864 h 2520854"/>
+              <a:gd name="connsiteX4" fmla="*/ 5210174 w 5308509"/>
+              <a:gd name="connsiteY4" fmla="*/ 11742 h 2520854"/>
+              <a:gd name="connsiteX5" fmla="*/ 5227319 w 5308509"/>
+              <a:gd name="connsiteY5" fmla="*/ 388297 h 2520854"/>
+              <a:gd name="connsiteX6" fmla="*/ 5302249 w 5308509"/>
+              <a:gd name="connsiteY6" fmla="*/ 2217 h 2520854"/>
+              <a:gd name="connsiteX7" fmla="*/ 5159374 w 5308509"/>
+              <a:gd name="connsiteY7" fmla="*/ 1287457 h 2520854"/>
+              <a:gd name="connsiteX8" fmla="*/ 5283200 w 5308509"/>
+              <a:gd name="connsiteY8" fmla="*/ 1333404 h 2520854"/>
+              <a:gd name="connsiteX0" fmla="*/ 0 w 5369918"/>
+              <a:gd name="connsiteY0" fmla="*/ 2520854 h 2520854"/>
+              <a:gd name="connsiteX1" fmla="*/ 1670050 w 5369918"/>
+              <a:gd name="connsiteY1" fmla="*/ 838104 h 2520854"/>
+              <a:gd name="connsiteX2" fmla="*/ 5074919 w 5369918"/>
+              <a:gd name="connsiteY2" fmla="*/ 18329 h 2520854"/>
+              <a:gd name="connsiteX3" fmla="*/ 5080635 w 5369918"/>
+              <a:gd name="connsiteY3" fmla="*/ 314864 h 2520854"/>
+              <a:gd name="connsiteX4" fmla="*/ 5210174 w 5369918"/>
+              <a:gd name="connsiteY4" fmla="*/ 11742 h 2520854"/>
+              <a:gd name="connsiteX5" fmla="*/ 5227319 w 5369918"/>
+              <a:gd name="connsiteY5" fmla="*/ 388297 h 2520854"/>
+              <a:gd name="connsiteX6" fmla="*/ 5302249 w 5369918"/>
+              <a:gd name="connsiteY6" fmla="*/ 2217 h 2520854"/>
+              <a:gd name="connsiteX7" fmla="*/ 5365114 w 5369918"/>
+              <a:gd name="connsiteY7" fmla="*/ 327337 h 2520854"/>
+              <a:gd name="connsiteX8" fmla="*/ 5283200 w 5369918"/>
+              <a:gd name="connsiteY8" fmla="*/ 1333404 h 2520854"/>
+              <a:gd name="connsiteX0" fmla="*/ 0 w 5527040"/>
+              <a:gd name="connsiteY0" fmla="*/ 2528820 h 2528820"/>
+              <a:gd name="connsiteX1" fmla="*/ 1670050 w 5527040"/>
+              <a:gd name="connsiteY1" fmla="*/ 846070 h 2528820"/>
+              <a:gd name="connsiteX2" fmla="*/ 5074919 w 5527040"/>
+              <a:gd name="connsiteY2" fmla="*/ 26295 h 2528820"/>
+              <a:gd name="connsiteX3" fmla="*/ 5080635 w 5527040"/>
+              <a:gd name="connsiteY3" fmla="*/ 322830 h 2528820"/>
+              <a:gd name="connsiteX4" fmla="*/ 5210174 w 5527040"/>
+              <a:gd name="connsiteY4" fmla="*/ 19708 h 2528820"/>
+              <a:gd name="connsiteX5" fmla="*/ 5227319 w 5527040"/>
+              <a:gd name="connsiteY5" fmla="*/ 396263 h 2528820"/>
+              <a:gd name="connsiteX6" fmla="*/ 5302249 w 5527040"/>
+              <a:gd name="connsiteY6" fmla="*/ 10183 h 2528820"/>
+              <a:gd name="connsiteX7" fmla="*/ 5365114 w 5527040"/>
+              <a:gd name="connsiteY7" fmla="*/ 335303 h 2528820"/>
+              <a:gd name="connsiteX8" fmla="*/ 5527040 w 5527040"/>
+              <a:gd name="connsiteY8" fmla="*/ 250 h 2528820"/>
+              <a:gd name="connsiteX0" fmla="*/ 0 w 5527040"/>
+              <a:gd name="connsiteY0" fmla="*/ 2528820 h 2528820"/>
+              <a:gd name="connsiteX1" fmla="*/ 1670050 w 5527040"/>
+              <a:gd name="connsiteY1" fmla="*/ 846070 h 2528820"/>
+              <a:gd name="connsiteX2" fmla="*/ 5074919 w 5527040"/>
+              <a:gd name="connsiteY2" fmla="*/ 26295 h 2528820"/>
+              <a:gd name="connsiteX3" fmla="*/ 5074285 w 5527040"/>
+              <a:gd name="connsiteY3" fmla="*/ 141855 h 2528820"/>
+              <a:gd name="connsiteX4" fmla="*/ 5210174 w 5527040"/>
+              <a:gd name="connsiteY4" fmla="*/ 19708 h 2528820"/>
+              <a:gd name="connsiteX5" fmla="*/ 5227319 w 5527040"/>
+              <a:gd name="connsiteY5" fmla="*/ 396263 h 2528820"/>
+              <a:gd name="connsiteX6" fmla="*/ 5302249 w 5527040"/>
+              <a:gd name="connsiteY6" fmla="*/ 10183 h 2528820"/>
+              <a:gd name="connsiteX7" fmla="*/ 5365114 w 5527040"/>
+              <a:gd name="connsiteY7" fmla="*/ 335303 h 2528820"/>
+              <a:gd name="connsiteX8" fmla="*/ 5527040 w 5527040"/>
+              <a:gd name="connsiteY8" fmla="*/ 250 h 2528820"/>
+              <a:gd name="connsiteX0" fmla="*/ 0 w 5527040"/>
+              <a:gd name="connsiteY0" fmla="*/ 2528820 h 2528820"/>
+              <a:gd name="connsiteX1" fmla="*/ 1670050 w 5527040"/>
+              <a:gd name="connsiteY1" fmla="*/ 846070 h 2528820"/>
+              <a:gd name="connsiteX2" fmla="*/ 5074919 w 5527040"/>
+              <a:gd name="connsiteY2" fmla="*/ 26295 h 2528820"/>
+              <a:gd name="connsiteX3" fmla="*/ 5074285 w 5527040"/>
+              <a:gd name="connsiteY3" fmla="*/ 141855 h 2528820"/>
+              <a:gd name="connsiteX4" fmla="*/ 5210174 w 5527040"/>
+              <a:gd name="connsiteY4" fmla="*/ 19708 h 2528820"/>
+              <a:gd name="connsiteX5" fmla="*/ 5227319 w 5527040"/>
+              <a:gd name="connsiteY5" fmla="*/ 396263 h 2528820"/>
+              <a:gd name="connsiteX6" fmla="*/ 5302249 w 5527040"/>
+              <a:gd name="connsiteY6" fmla="*/ 10183 h 2528820"/>
+              <a:gd name="connsiteX7" fmla="*/ 5365114 w 5527040"/>
+              <a:gd name="connsiteY7" fmla="*/ 335303 h 2528820"/>
+              <a:gd name="connsiteX8" fmla="*/ 5527040 w 5527040"/>
+              <a:gd name="connsiteY8" fmla="*/ 250 h 2528820"/>
+              <a:gd name="connsiteX0" fmla="*/ 0 w 5527040"/>
+              <a:gd name="connsiteY0" fmla="*/ 2528820 h 2528820"/>
+              <a:gd name="connsiteX1" fmla="*/ 1670050 w 5527040"/>
+              <a:gd name="connsiteY1" fmla="*/ 846070 h 2528820"/>
+              <a:gd name="connsiteX2" fmla="*/ 5074919 w 5527040"/>
+              <a:gd name="connsiteY2" fmla="*/ 26295 h 2528820"/>
+              <a:gd name="connsiteX3" fmla="*/ 5074285 w 5527040"/>
+              <a:gd name="connsiteY3" fmla="*/ 141855 h 2528820"/>
+              <a:gd name="connsiteX4" fmla="*/ 5210174 w 5527040"/>
+              <a:gd name="connsiteY4" fmla="*/ 19708 h 2528820"/>
+              <a:gd name="connsiteX5" fmla="*/ 5227319 w 5527040"/>
+              <a:gd name="connsiteY5" fmla="*/ 396263 h 2528820"/>
+              <a:gd name="connsiteX6" fmla="*/ 5302249 w 5527040"/>
+              <a:gd name="connsiteY6" fmla="*/ 10183 h 2528820"/>
+              <a:gd name="connsiteX7" fmla="*/ 5365114 w 5527040"/>
+              <a:gd name="connsiteY7" fmla="*/ 335303 h 2528820"/>
+              <a:gd name="connsiteX8" fmla="*/ 5527040 w 5527040"/>
+              <a:gd name="connsiteY8" fmla="*/ 250 h 2528820"/>
+              <a:gd name="connsiteX0" fmla="*/ 0 w 5527040"/>
+              <a:gd name="connsiteY0" fmla="*/ 2528820 h 2528820"/>
+              <a:gd name="connsiteX1" fmla="*/ 1670050 w 5527040"/>
+              <a:gd name="connsiteY1" fmla="*/ 846070 h 2528820"/>
+              <a:gd name="connsiteX2" fmla="*/ 5074919 w 5527040"/>
+              <a:gd name="connsiteY2" fmla="*/ 26295 h 2528820"/>
+              <a:gd name="connsiteX3" fmla="*/ 5074285 w 5527040"/>
+              <a:gd name="connsiteY3" fmla="*/ 141855 h 2528820"/>
+              <a:gd name="connsiteX4" fmla="*/ 5210174 w 5527040"/>
+              <a:gd name="connsiteY4" fmla="*/ 19708 h 2528820"/>
+              <a:gd name="connsiteX5" fmla="*/ 5227319 w 5527040"/>
+              <a:gd name="connsiteY5" fmla="*/ 396263 h 2528820"/>
+              <a:gd name="connsiteX6" fmla="*/ 5302249 w 5527040"/>
+              <a:gd name="connsiteY6" fmla="*/ 10183 h 2528820"/>
+              <a:gd name="connsiteX7" fmla="*/ 5365114 w 5527040"/>
+              <a:gd name="connsiteY7" fmla="*/ 335303 h 2528820"/>
+              <a:gd name="connsiteX8" fmla="*/ 5527040 w 5527040"/>
+              <a:gd name="connsiteY8" fmla="*/ 250 h 2528820"/>
+              <a:gd name="connsiteX0" fmla="*/ 0 w 5527040"/>
+              <a:gd name="connsiteY0" fmla="*/ 2547680 h 2547680"/>
+              <a:gd name="connsiteX1" fmla="*/ 1670050 w 5527040"/>
+              <a:gd name="connsiteY1" fmla="*/ 864930 h 2547680"/>
+              <a:gd name="connsiteX2" fmla="*/ 5074919 w 5527040"/>
+              <a:gd name="connsiteY2" fmla="*/ 45155 h 2547680"/>
+              <a:gd name="connsiteX3" fmla="*/ 5074285 w 5527040"/>
+              <a:gd name="connsiteY3" fmla="*/ 160715 h 2547680"/>
+              <a:gd name="connsiteX4" fmla="*/ 5175249 w 5527040"/>
+              <a:gd name="connsiteY4" fmla="*/ 13168 h 2547680"/>
+              <a:gd name="connsiteX5" fmla="*/ 5227319 w 5527040"/>
+              <a:gd name="connsiteY5" fmla="*/ 415123 h 2547680"/>
+              <a:gd name="connsiteX6" fmla="*/ 5302249 w 5527040"/>
+              <a:gd name="connsiteY6" fmla="*/ 29043 h 2547680"/>
+              <a:gd name="connsiteX7" fmla="*/ 5365114 w 5527040"/>
+              <a:gd name="connsiteY7" fmla="*/ 354163 h 2547680"/>
+              <a:gd name="connsiteX8" fmla="*/ 5527040 w 5527040"/>
+              <a:gd name="connsiteY8" fmla="*/ 19110 h 2547680"/>
+              <a:gd name="connsiteX0" fmla="*/ 0 w 5527040"/>
+              <a:gd name="connsiteY0" fmla="*/ 2547680 h 2547680"/>
+              <a:gd name="connsiteX1" fmla="*/ 1670050 w 5527040"/>
+              <a:gd name="connsiteY1" fmla="*/ 864930 h 2547680"/>
+              <a:gd name="connsiteX2" fmla="*/ 5074919 w 5527040"/>
+              <a:gd name="connsiteY2" fmla="*/ 45155 h 2547680"/>
+              <a:gd name="connsiteX3" fmla="*/ 5074285 w 5527040"/>
+              <a:gd name="connsiteY3" fmla="*/ 160715 h 2547680"/>
+              <a:gd name="connsiteX4" fmla="*/ 5175249 w 5527040"/>
+              <a:gd name="connsiteY4" fmla="*/ 13168 h 2547680"/>
+              <a:gd name="connsiteX5" fmla="*/ 5189219 w 5527040"/>
+              <a:gd name="connsiteY5" fmla="*/ 170648 h 2547680"/>
+              <a:gd name="connsiteX6" fmla="*/ 5302249 w 5527040"/>
+              <a:gd name="connsiteY6" fmla="*/ 29043 h 2547680"/>
+              <a:gd name="connsiteX7" fmla="*/ 5365114 w 5527040"/>
+              <a:gd name="connsiteY7" fmla="*/ 354163 h 2547680"/>
+              <a:gd name="connsiteX8" fmla="*/ 5527040 w 5527040"/>
+              <a:gd name="connsiteY8" fmla="*/ 19110 h 2547680"/>
+              <a:gd name="connsiteX0" fmla="*/ 0 w 5527040"/>
+              <a:gd name="connsiteY0" fmla="*/ 2595123 h 2595123"/>
+              <a:gd name="connsiteX1" fmla="*/ 1670050 w 5527040"/>
+              <a:gd name="connsiteY1" fmla="*/ 912373 h 2595123"/>
+              <a:gd name="connsiteX2" fmla="*/ 5074919 w 5527040"/>
+              <a:gd name="connsiteY2" fmla="*/ 92598 h 2595123"/>
+              <a:gd name="connsiteX3" fmla="*/ 5074285 w 5527040"/>
+              <a:gd name="connsiteY3" fmla="*/ 208158 h 2595123"/>
+              <a:gd name="connsiteX4" fmla="*/ 5175249 w 5527040"/>
+              <a:gd name="connsiteY4" fmla="*/ 60611 h 2595123"/>
+              <a:gd name="connsiteX5" fmla="*/ 5189219 w 5527040"/>
+              <a:gd name="connsiteY5" fmla="*/ 218091 h 2595123"/>
+              <a:gd name="connsiteX6" fmla="*/ 5232399 w 5527040"/>
+              <a:gd name="connsiteY6" fmla="*/ 3461 h 2595123"/>
+              <a:gd name="connsiteX7" fmla="*/ 5365114 w 5527040"/>
+              <a:gd name="connsiteY7" fmla="*/ 401606 h 2595123"/>
+              <a:gd name="connsiteX8" fmla="*/ 5527040 w 5527040"/>
+              <a:gd name="connsiteY8" fmla="*/ 66553 h 2595123"/>
+              <a:gd name="connsiteX0" fmla="*/ 0 w 5527040"/>
+              <a:gd name="connsiteY0" fmla="*/ 2595123 h 2595123"/>
+              <a:gd name="connsiteX1" fmla="*/ 1670050 w 5527040"/>
+              <a:gd name="connsiteY1" fmla="*/ 912373 h 2595123"/>
+              <a:gd name="connsiteX2" fmla="*/ 5074919 w 5527040"/>
+              <a:gd name="connsiteY2" fmla="*/ 92598 h 2595123"/>
+              <a:gd name="connsiteX3" fmla="*/ 5074285 w 5527040"/>
+              <a:gd name="connsiteY3" fmla="*/ 208158 h 2595123"/>
+              <a:gd name="connsiteX4" fmla="*/ 5175249 w 5527040"/>
+              <a:gd name="connsiteY4" fmla="*/ 60611 h 2595123"/>
+              <a:gd name="connsiteX5" fmla="*/ 5189219 w 5527040"/>
+              <a:gd name="connsiteY5" fmla="*/ 218091 h 2595123"/>
+              <a:gd name="connsiteX6" fmla="*/ 5232399 w 5527040"/>
+              <a:gd name="connsiteY6" fmla="*/ 3461 h 2595123"/>
+              <a:gd name="connsiteX7" fmla="*/ 5263514 w 5527040"/>
+              <a:gd name="connsiteY7" fmla="*/ 195231 h 2595123"/>
+              <a:gd name="connsiteX8" fmla="*/ 5527040 w 5527040"/>
+              <a:gd name="connsiteY8" fmla="*/ 66553 h 2595123"/>
+              <a:gd name="connsiteX0" fmla="*/ 0 w 5311140"/>
+              <a:gd name="connsiteY0" fmla="*/ 2595123 h 2595123"/>
+              <a:gd name="connsiteX1" fmla="*/ 1670050 w 5311140"/>
+              <a:gd name="connsiteY1" fmla="*/ 912373 h 2595123"/>
+              <a:gd name="connsiteX2" fmla="*/ 5074919 w 5311140"/>
+              <a:gd name="connsiteY2" fmla="*/ 92598 h 2595123"/>
+              <a:gd name="connsiteX3" fmla="*/ 5074285 w 5311140"/>
+              <a:gd name="connsiteY3" fmla="*/ 208158 h 2595123"/>
+              <a:gd name="connsiteX4" fmla="*/ 5175249 w 5311140"/>
+              <a:gd name="connsiteY4" fmla="*/ 60611 h 2595123"/>
+              <a:gd name="connsiteX5" fmla="*/ 5189219 w 5311140"/>
+              <a:gd name="connsiteY5" fmla="*/ 218091 h 2595123"/>
+              <a:gd name="connsiteX6" fmla="*/ 5232399 w 5311140"/>
+              <a:gd name="connsiteY6" fmla="*/ 3461 h 2595123"/>
+              <a:gd name="connsiteX7" fmla="*/ 5263514 w 5311140"/>
+              <a:gd name="connsiteY7" fmla="*/ 195231 h 2595123"/>
+              <a:gd name="connsiteX8" fmla="*/ 5311140 w 5311140"/>
+              <a:gd name="connsiteY8" fmla="*/ 76078 h 2595123"/>
+              <a:gd name="connsiteX0" fmla="*/ 0 w 5315109"/>
+              <a:gd name="connsiteY0" fmla="*/ 2595123 h 2595123"/>
+              <a:gd name="connsiteX1" fmla="*/ 1670050 w 5315109"/>
+              <a:gd name="connsiteY1" fmla="*/ 912373 h 2595123"/>
+              <a:gd name="connsiteX2" fmla="*/ 5074919 w 5315109"/>
+              <a:gd name="connsiteY2" fmla="*/ 92598 h 2595123"/>
+              <a:gd name="connsiteX3" fmla="*/ 5074285 w 5315109"/>
+              <a:gd name="connsiteY3" fmla="*/ 208158 h 2595123"/>
+              <a:gd name="connsiteX4" fmla="*/ 5175249 w 5315109"/>
+              <a:gd name="connsiteY4" fmla="*/ 60611 h 2595123"/>
+              <a:gd name="connsiteX5" fmla="*/ 5189219 w 5315109"/>
+              <a:gd name="connsiteY5" fmla="*/ 218091 h 2595123"/>
+              <a:gd name="connsiteX6" fmla="*/ 5232399 w 5315109"/>
+              <a:gd name="connsiteY6" fmla="*/ 3461 h 2595123"/>
+              <a:gd name="connsiteX7" fmla="*/ 5263514 w 5315109"/>
+              <a:gd name="connsiteY7" fmla="*/ 195231 h 2595123"/>
+              <a:gd name="connsiteX8" fmla="*/ 5311140 w 5315109"/>
+              <a:gd name="connsiteY8" fmla="*/ 76078 h 2595123"/>
+              <a:gd name="connsiteX0" fmla="*/ 0 w 5311140"/>
+              <a:gd name="connsiteY0" fmla="*/ 2595123 h 2595123"/>
+              <a:gd name="connsiteX1" fmla="*/ 1670050 w 5311140"/>
+              <a:gd name="connsiteY1" fmla="*/ 912373 h 2595123"/>
+              <a:gd name="connsiteX2" fmla="*/ 5074919 w 5311140"/>
+              <a:gd name="connsiteY2" fmla="*/ 92598 h 2595123"/>
+              <a:gd name="connsiteX3" fmla="*/ 5074285 w 5311140"/>
+              <a:gd name="connsiteY3" fmla="*/ 208158 h 2595123"/>
+              <a:gd name="connsiteX4" fmla="*/ 5175249 w 5311140"/>
+              <a:gd name="connsiteY4" fmla="*/ 60611 h 2595123"/>
+              <a:gd name="connsiteX5" fmla="*/ 5189219 w 5311140"/>
+              <a:gd name="connsiteY5" fmla="*/ 218091 h 2595123"/>
+              <a:gd name="connsiteX6" fmla="*/ 5232399 w 5311140"/>
+              <a:gd name="connsiteY6" fmla="*/ 3461 h 2595123"/>
+              <a:gd name="connsiteX7" fmla="*/ 5263514 w 5311140"/>
+              <a:gd name="connsiteY7" fmla="*/ 195231 h 2595123"/>
+              <a:gd name="connsiteX8" fmla="*/ 5311140 w 5311140"/>
+              <a:gd name="connsiteY8" fmla="*/ 76078 h 2595123"/>
+            </a:gdLst>
+            <a:ahLst/>
+            <a:cxnLst>
+              <a:cxn ang="0">
+                <a:pos x="connsiteX0" y="connsiteY0"/>
+              </a:cxn>
+              <a:cxn ang="0">
+                <a:pos x="connsiteX1" y="connsiteY1"/>
+              </a:cxn>
+              <a:cxn ang="0">
+                <a:pos x="connsiteX2" y="connsiteY2"/>
+              </a:cxn>
+              <a:cxn ang="0">
+                <a:pos x="connsiteX3" y="connsiteY3"/>
+              </a:cxn>
+              <a:cxn ang="0">
+                <a:pos x="connsiteX4" y="connsiteY4"/>
+              </a:cxn>
+              <a:cxn ang="0">
+                <a:pos x="connsiteX5" y="connsiteY5"/>
+              </a:cxn>
+              <a:cxn ang="0">
+                <a:pos x="connsiteX6" y="connsiteY6"/>
+              </a:cxn>
+              <a:cxn ang="0">
+                <a:pos x="connsiteX7" y="connsiteY7"/>
+              </a:cxn>
+              <a:cxn ang="0">
+                <a:pos x="connsiteX8" y="connsiteY8"/>
+              </a:cxn>
+            </a:cxnLst>
+            <a:rect l="l" t="t" r="r" b="b"/>
+            <a:pathLst>
+              <a:path w="5311140" h="2595123">
+                <a:moveTo>
+                  <a:pt x="0" y="2595123"/>
+                </a:moveTo>
+                <a:cubicBezTo>
+                  <a:pt x="461433" y="2307256"/>
+                  <a:pt x="824230" y="1329461"/>
+                  <a:pt x="1670050" y="912373"/>
+                </a:cubicBezTo>
+                <a:cubicBezTo>
+                  <a:pt x="2515870" y="495285"/>
+                  <a:pt x="4595494" y="-1170"/>
+                  <a:pt x="5074919" y="92598"/>
+                </a:cubicBezTo>
+                <a:cubicBezTo>
+                  <a:pt x="5078094" y="166681"/>
+                  <a:pt x="5082752" y="35546"/>
+                  <a:pt x="5074285" y="208158"/>
+                </a:cubicBezTo>
+                <a:cubicBezTo>
+                  <a:pt x="5190596" y="294902"/>
+                  <a:pt x="5107833" y="-19399"/>
+                  <a:pt x="5175249" y="60611"/>
+                </a:cubicBezTo>
+                <a:cubicBezTo>
+                  <a:pt x="5196098" y="91688"/>
+                  <a:pt x="5163819" y="188987"/>
+                  <a:pt x="5189219" y="218091"/>
+                </a:cubicBezTo>
+                <a:cubicBezTo>
+                  <a:pt x="5214619" y="247195"/>
+                  <a:pt x="5195887" y="-34110"/>
+                  <a:pt x="5232399" y="3461"/>
+                </a:cubicBezTo>
+                <a:cubicBezTo>
+                  <a:pt x="5277907" y="53203"/>
+                  <a:pt x="5233351" y="163231"/>
+                  <a:pt x="5263514" y="195231"/>
+                </a:cubicBezTo>
+                <a:cubicBezTo>
+                  <a:pt x="5271452" y="312956"/>
+                  <a:pt x="5301086" y="64716"/>
+                  <a:pt x="5311140" y="76078"/>
+                </a:cubicBezTo>
+              </a:path>
+            </a:pathLst>
+          </a:custGeom>
+          <a:noFill/>
+          <a:ln w="25400">
+            <a:solidFill>
+              <a:srgbClr val="FF0000"/>
+            </a:solidFill>
+          </a:ln>
+        </p:spPr>
+        <p:style>
+          <a:lnRef idx="2">
+            <a:schemeClr val="accent1">
+              <a:shade val="50000"/>
+            </a:schemeClr>
+          </a:lnRef>
+          <a:fillRef idx="1">
+            <a:schemeClr val="accent1"/>
+          </a:fillRef>
+          <a:effectRef idx="0">
+            <a:schemeClr val="accent1"/>
+          </a:effectRef>
+          <a:fontRef idx="minor">
+            <a:schemeClr val="lt1"/>
+          </a:fontRef>
+        </p:style>
+        <p:txBody>
+          <a:bodyPr rtlCol="0" anchor="ctr"/>
+          <a:lstStyle/>
+          <a:p>
+            <a:pPr algn="ctr"/>
+            <a:endParaRPr lang="en-US"/>
+          </a:p>
+        </p:txBody>
+      </p:sp>
+      <mc:AlternateContent xmlns:mc="http://schemas.openxmlformats.org/markup-compatibility/2006">
+        <mc:Choice xmlns:a14="http://schemas.microsoft.com/office/drawing/2010/main" Requires="a14">
+          <p:sp>
+            <p:nvSpPr>
+              <p:cNvPr id="41" name="TextBox 40">
+                <a:extLst>
+                  <a:ext uri="{FF2B5EF4-FFF2-40B4-BE49-F238E27FC236}">
+                    <a16:creationId xmlns:a16="http://schemas.microsoft.com/office/drawing/2014/main" id="{2D0A2286-4054-9778-815A-5FD8C58DC226}"/>
+                  </a:ext>
+                </a:extLst>
+              </p:cNvPr>
+              <p:cNvSpPr txBox="1"/>
+              <p:nvPr/>
+            </p:nvSpPr>
+            <p:spPr>
+              <a:xfrm>
+                <a:off x="6640509" y="3794552"/>
+                <a:ext cx="965203" cy="276999"/>
+              </a:xfrm>
+              <a:prstGeom prst="rect">
+                <a:avLst/>
+              </a:prstGeom>
+              <a:noFill/>
+            </p:spPr>
+            <p:txBody>
+              <a:bodyPr wrap="square" rtlCol="0">
+                <a:spAutoFit/>
+              </a:bodyPr>
+              <a:lstStyle/>
+              <a:p>
+                <a14:m>
+                  <m:oMathPara xmlns:m="http://schemas.openxmlformats.org/officeDocument/2006/math">
+                    <m:oMathParaPr>
+                      <m:jc m:val="centerGroup"/>
+                    </m:oMathParaPr>
+                    <m:oMath xmlns:m="http://schemas.openxmlformats.org/officeDocument/2006/math">
+                      <m:r>
+                        <a:rPr lang="en-US" sz="1200" b="0" i="1" smtClean="0">
+                          <a:latin typeface="Cambria Math" panose="02040503050406030204" pitchFamily="18" charset="0"/>
+                        </a:rPr>
+                        <m:t>𝑛𝑜</m:t>
+                      </m:r>
+                      <m:r>
+                        <a:rPr lang="en-US" sz="1200" b="0" i="1" smtClean="0">
+                          <a:latin typeface="Cambria Math" panose="02040503050406030204" pitchFamily="18" charset="0"/>
+                        </a:rPr>
+                        <m:t> </m:t>
+                      </m:r>
+                      <m:r>
+                        <a:rPr lang="en-US" sz="1200" b="0" i="1" smtClean="0">
+                          <a:latin typeface="Cambria Math" panose="02040503050406030204" pitchFamily="18" charset="0"/>
+                        </a:rPr>
+                        <m:t>𝑓𝑙𝑜𝑤</m:t>
+                      </m:r>
+                    </m:oMath>
+                  </m:oMathPara>
+                </a14:m>
+                <a:endParaRPr lang="en-US" sz="1200" dirty="0"/>
+              </a:p>
+            </p:txBody>
+          </p:sp>
+        </mc:Choice>
+        <mc:Fallback>
+          <p:sp>
+            <p:nvSpPr>
+              <p:cNvPr id="41" name="TextBox 40">
+                <a:extLst>
+                  <a:ext uri="{FF2B5EF4-FFF2-40B4-BE49-F238E27FC236}">
+                    <a16:creationId xmlns:a16="http://schemas.microsoft.com/office/drawing/2014/main" id="{2D0A2286-4054-9778-815A-5FD8C58DC226}"/>
+                  </a:ext>
+                </a:extLst>
+              </p:cNvPr>
+              <p:cNvSpPr txBox="1">
+                <a:spLocks noRot="1" noChangeAspect="1" noMove="1" noResize="1" noEditPoints="1" noAdjustHandles="1" noChangeArrowheads="1" noChangeShapeType="1" noTextEdit="1"/>
+              </p:cNvSpPr>
+              <p:nvPr/>
+            </p:nvSpPr>
+            <p:spPr>
+              <a:xfrm>
+                <a:off x="6640509" y="3794552"/>
+                <a:ext cx="965203" cy="276999"/>
+              </a:xfrm>
+              <a:prstGeom prst="rect">
+                <a:avLst/>
+              </a:prstGeom>
+              <a:blipFill>
+                <a:blip r:embed="rId8"/>
+                <a:stretch>
+                  <a:fillRect b="-4348"/>
+                </a:stretch>
+              </a:blipFill>
+            </p:spPr>
+            <p:txBody>
+              <a:bodyPr/>
+              <a:lstStyle/>
+              <a:p>
+                <a:r>
+                  <a:rPr lang="en-US">
+                    <a:noFill/>
+                  </a:rPr>
+                  <a:t> </a:t>
+                </a:r>
+              </a:p>
+            </p:txBody>
+          </p:sp>
+        </mc:Fallback>
+      </mc:AlternateContent>
+      <mc:AlternateContent xmlns:mc="http://schemas.openxmlformats.org/markup-compatibility/2006">
+        <mc:Choice xmlns:a14="http://schemas.microsoft.com/office/drawing/2010/main" Requires="a14">
+          <p:sp>
+            <p:nvSpPr>
+              <p:cNvPr id="42" name="TextBox 41">
+                <a:extLst>
+                  <a:ext uri="{FF2B5EF4-FFF2-40B4-BE49-F238E27FC236}">
+                    <a16:creationId xmlns:a16="http://schemas.microsoft.com/office/drawing/2014/main" id="{F7776D3B-7A51-235A-E11E-8FDF0D179113}"/>
+                  </a:ext>
+                </a:extLst>
+              </p:cNvPr>
+              <p:cNvSpPr txBox="1"/>
+              <p:nvPr/>
+            </p:nvSpPr>
+            <p:spPr>
+              <a:xfrm rot="463238">
+                <a:off x="6602464" y="3318484"/>
+                <a:ext cx="965203" cy="276999"/>
+              </a:xfrm>
+              <a:prstGeom prst="rect">
+                <a:avLst/>
+              </a:prstGeom>
+              <a:noFill/>
+            </p:spPr>
+            <p:txBody>
+              <a:bodyPr wrap="square" rtlCol="0">
+                <a:spAutoFit/>
+              </a:bodyPr>
+              <a:lstStyle/>
+              <a:p>
+                <a14:m>
+                  <m:oMathPara xmlns:m="http://schemas.openxmlformats.org/officeDocument/2006/math">
+                    <m:oMathParaPr>
+                      <m:jc m:val="centerGroup"/>
+                    </m:oMathParaPr>
+                    <m:oMath xmlns:m="http://schemas.openxmlformats.org/officeDocument/2006/math">
+                      <m:r>
+                        <a:rPr lang="en-US" sz="1200" b="0" i="1" smtClean="0">
+                          <a:latin typeface="Cambria Math" panose="02040503050406030204" pitchFamily="18" charset="0"/>
+                        </a:rPr>
+                        <m:t>𝑠𝑢𝑏𝑠𝑜𝑛𝑖𝑐</m:t>
+                      </m:r>
+                      <m:r>
+                        <a:rPr lang="en-US" sz="1200" b="0" i="1" smtClean="0">
+                          <a:latin typeface="Cambria Math" panose="02040503050406030204" pitchFamily="18" charset="0"/>
+                        </a:rPr>
+                        <m:t> </m:t>
+                      </m:r>
+                      <m:r>
+                        <a:rPr lang="en-US" sz="1200" b="0" i="1" smtClean="0">
+                          <a:latin typeface="Cambria Math" panose="02040503050406030204" pitchFamily="18" charset="0"/>
+                        </a:rPr>
+                        <m:t>𝑓𝑙𝑜𝑤</m:t>
+                      </m:r>
+                    </m:oMath>
+                  </m:oMathPara>
+                </a14:m>
+                <a:endParaRPr lang="en-US" sz="1200" dirty="0"/>
+              </a:p>
+            </p:txBody>
+          </p:sp>
+        </mc:Choice>
+        <mc:Fallback>
+          <p:sp>
+            <p:nvSpPr>
+              <p:cNvPr id="42" name="TextBox 41">
+                <a:extLst>
+                  <a:ext uri="{FF2B5EF4-FFF2-40B4-BE49-F238E27FC236}">
+                    <a16:creationId xmlns:a16="http://schemas.microsoft.com/office/drawing/2014/main" id="{F7776D3B-7A51-235A-E11E-8FDF0D179113}"/>
+                  </a:ext>
+                </a:extLst>
+              </p:cNvPr>
+              <p:cNvSpPr txBox="1">
+                <a:spLocks noRot="1" noChangeAspect="1" noMove="1" noResize="1" noEditPoints="1" noAdjustHandles="1" noChangeArrowheads="1" noChangeShapeType="1" noTextEdit="1"/>
+              </p:cNvSpPr>
+              <p:nvPr/>
+            </p:nvSpPr>
+            <p:spPr>
+              <a:xfrm rot="463238">
+                <a:off x="6602464" y="3318484"/>
+                <a:ext cx="965203" cy="276999"/>
+              </a:xfrm>
+              <a:prstGeom prst="rect">
+                <a:avLst/>
+              </a:prstGeom>
+              <a:blipFill>
+                <a:blip r:embed="rId9"/>
+                <a:stretch>
+                  <a:fillRect r="-14634" b="-7353"/>
+                </a:stretch>
+              </a:blipFill>
+            </p:spPr>
+            <p:txBody>
+              <a:bodyPr/>
+              <a:lstStyle/>
+              <a:p>
+                <a:r>
+                  <a:rPr lang="en-US">
+                    <a:noFill/>
+                  </a:rPr>
+                  <a:t> </a:t>
+                </a:r>
+              </a:p>
+            </p:txBody>
+          </p:sp>
+        </mc:Fallback>
+      </mc:AlternateContent>
+      <mc:AlternateContent xmlns:mc="http://schemas.openxmlformats.org/markup-compatibility/2006">
+        <mc:Choice xmlns:a14="http://schemas.microsoft.com/office/drawing/2010/main" Requires="a14">
+          <p:sp>
+            <p:nvSpPr>
+              <p:cNvPr id="43" name="TextBox 42">
+                <a:extLst>
+                  <a:ext uri="{FF2B5EF4-FFF2-40B4-BE49-F238E27FC236}">
+                    <a16:creationId xmlns:a16="http://schemas.microsoft.com/office/drawing/2014/main" id="{3EEB3CB2-6E32-04D3-6D94-99B3557D143D}"/>
+                  </a:ext>
+                </a:extLst>
+              </p:cNvPr>
+              <p:cNvSpPr txBox="1"/>
+              <p:nvPr/>
+            </p:nvSpPr>
+            <p:spPr>
+              <a:xfrm rot="811831">
+                <a:off x="8409896" y="3049597"/>
+                <a:ext cx="965203" cy="276999"/>
+              </a:xfrm>
+              <a:prstGeom prst="rect">
+                <a:avLst/>
+              </a:prstGeom>
+              <a:noFill/>
+            </p:spPr>
+            <p:txBody>
+              <a:bodyPr wrap="square" rtlCol="0">
+                <a:spAutoFit/>
+              </a:bodyPr>
+              <a:lstStyle/>
+              <a:p>
+                <a14:m>
+                  <m:oMathPara xmlns:m="http://schemas.openxmlformats.org/officeDocument/2006/math">
+                    <m:oMathParaPr>
+                      <m:jc m:val="centerGroup"/>
+                    </m:oMathParaPr>
+                    <m:oMath xmlns:m="http://schemas.openxmlformats.org/officeDocument/2006/math">
+                      <m:r>
+                        <a:rPr lang="en-US" sz="1200" b="0" i="1" smtClean="0">
+                          <a:latin typeface="Cambria Math" panose="02040503050406030204" pitchFamily="18" charset="0"/>
+                        </a:rPr>
+                        <m:t>𝑐h𝑜𝑘𝑒𝑑</m:t>
+                      </m:r>
+                      <m:r>
+                        <a:rPr lang="en-US" sz="1200" b="0" i="1" smtClean="0">
+                          <a:latin typeface="Cambria Math" panose="02040503050406030204" pitchFamily="18" charset="0"/>
+                        </a:rPr>
+                        <m:t> </m:t>
+                      </m:r>
+                      <m:r>
+                        <a:rPr lang="en-US" sz="1200" b="0" i="1" smtClean="0">
+                          <a:latin typeface="Cambria Math" panose="02040503050406030204" pitchFamily="18" charset="0"/>
+                        </a:rPr>
+                        <m:t>𝑓𝑙𝑜𝑤</m:t>
+                      </m:r>
+                    </m:oMath>
+                  </m:oMathPara>
+                </a14:m>
+                <a:endParaRPr lang="en-US" sz="1200" dirty="0"/>
+              </a:p>
+            </p:txBody>
+          </p:sp>
+        </mc:Choice>
+        <mc:Fallback>
+          <p:sp>
+            <p:nvSpPr>
+              <p:cNvPr id="43" name="TextBox 42">
+                <a:extLst>
+                  <a:ext uri="{FF2B5EF4-FFF2-40B4-BE49-F238E27FC236}">
+                    <a16:creationId xmlns:a16="http://schemas.microsoft.com/office/drawing/2014/main" id="{3EEB3CB2-6E32-04D3-6D94-99B3557D143D}"/>
+                  </a:ext>
+                </a:extLst>
+              </p:cNvPr>
+              <p:cNvSpPr txBox="1">
+                <a:spLocks noRot="1" noChangeAspect="1" noMove="1" noResize="1" noEditPoints="1" noAdjustHandles="1" noChangeArrowheads="1" noChangeShapeType="1" noTextEdit="1"/>
+              </p:cNvSpPr>
+              <p:nvPr/>
+            </p:nvSpPr>
+            <p:spPr>
+              <a:xfrm rot="811831">
+                <a:off x="8409896" y="3049597"/>
+                <a:ext cx="965203" cy="276999"/>
+              </a:xfrm>
+              <a:prstGeom prst="rect">
+                <a:avLst/>
+              </a:prstGeom>
+              <a:blipFill>
+                <a:blip r:embed="rId10"/>
+                <a:stretch>
+                  <a:fillRect r="-3012" b="-3659"/>
+                </a:stretch>
+              </a:blipFill>
+            </p:spPr>
+            <p:txBody>
+              <a:bodyPr/>
+              <a:lstStyle/>
+              <a:p>
+                <a:r>
+                  <a:rPr lang="en-US">
+                    <a:noFill/>
+                  </a:rPr>
+                  <a:t> </a:t>
+                </a:r>
+              </a:p>
+            </p:txBody>
+          </p:sp>
+        </mc:Fallback>
+      </mc:AlternateContent>
+      <mc:AlternateContent xmlns:mc="http://schemas.openxmlformats.org/markup-compatibility/2006">
+        <mc:Choice xmlns:a14="http://schemas.microsoft.com/office/drawing/2010/main" Requires="a14">
+          <p:sp>
+            <p:nvSpPr>
+              <p:cNvPr id="44" name="TextBox 43">
+                <a:extLst>
+                  <a:ext uri="{FF2B5EF4-FFF2-40B4-BE49-F238E27FC236}">
+                    <a16:creationId xmlns:a16="http://schemas.microsoft.com/office/drawing/2014/main" id="{80915D8D-3A55-798F-B652-C51A1E6F3143}"/>
+                  </a:ext>
+                </a:extLst>
+              </p:cNvPr>
+              <p:cNvSpPr txBox="1"/>
+              <p:nvPr/>
+            </p:nvSpPr>
+            <p:spPr>
+              <a:xfrm rot="891237">
+                <a:off x="7759370" y="2548216"/>
+                <a:ext cx="965203" cy="276999"/>
+              </a:xfrm>
+              <a:prstGeom prst="rect">
+                <a:avLst/>
+              </a:prstGeom>
+              <a:noFill/>
+            </p:spPr>
+            <p:txBody>
+              <a:bodyPr wrap="square" rtlCol="0">
+                <a:spAutoFit/>
+              </a:bodyPr>
+              <a:lstStyle/>
+              <a:p>
+                <a14:m>
+                  <m:oMathPara xmlns:m="http://schemas.openxmlformats.org/officeDocument/2006/math">
+                    <m:oMathParaPr>
+                      <m:jc m:val="centerGroup"/>
+                    </m:oMathParaPr>
+                    <m:oMath xmlns:m="http://schemas.openxmlformats.org/officeDocument/2006/math">
+                      <m:r>
+                        <a:rPr lang="en-US" sz="1200" b="0" i="1" smtClean="0">
+                          <a:latin typeface="Cambria Math" panose="02040503050406030204" pitchFamily="18" charset="0"/>
+                        </a:rPr>
+                        <m:t>𝑠h𝑜𝑐𝑘</m:t>
+                      </m:r>
+                      <m:r>
+                        <a:rPr lang="en-US" sz="1200" b="0" i="1" smtClean="0">
+                          <a:latin typeface="Cambria Math" panose="02040503050406030204" pitchFamily="18" charset="0"/>
+                        </a:rPr>
+                        <m:t> </m:t>
+                      </m:r>
+                      <m:r>
+                        <a:rPr lang="en-US" sz="1200" b="0" i="1" smtClean="0">
+                          <a:latin typeface="Cambria Math" panose="02040503050406030204" pitchFamily="18" charset="0"/>
+                        </a:rPr>
+                        <m:t>𝑖𝑛𝑠𝑖𝑑𝑒</m:t>
+                      </m:r>
+                    </m:oMath>
+                  </m:oMathPara>
+                </a14:m>
+                <a:endParaRPr lang="en-US" sz="1200" dirty="0"/>
+              </a:p>
+            </p:txBody>
+          </p:sp>
+        </mc:Choice>
+        <mc:Fallback>
+          <p:sp>
+            <p:nvSpPr>
+              <p:cNvPr id="44" name="TextBox 43">
+                <a:extLst>
+                  <a:ext uri="{FF2B5EF4-FFF2-40B4-BE49-F238E27FC236}">
+                    <a16:creationId xmlns:a16="http://schemas.microsoft.com/office/drawing/2014/main" id="{80915D8D-3A55-798F-B652-C51A1E6F3143}"/>
+                  </a:ext>
+                </a:extLst>
+              </p:cNvPr>
+              <p:cNvSpPr txBox="1">
+                <a:spLocks noRot="1" noChangeAspect="1" noMove="1" noResize="1" noEditPoints="1" noAdjustHandles="1" noChangeArrowheads="1" noChangeShapeType="1" noTextEdit="1"/>
+              </p:cNvSpPr>
+              <p:nvPr/>
+            </p:nvSpPr>
+            <p:spPr>
+              <a:xfrm rot="891237">
+                <a:off x="7759370" y="2548216"/>
+                <a:ext cx="965203" cy="276999"/>
+              </a:xfrm>
+              <a:prstGeom prst="rect">
+                <a:avLst/>
+              </a:prstGeom>
+              <a:blipFill>
+                <a:blip r:embed="rId11"/>
+                <a:stretch>
+                  <a:fillRect r="-602"/>
+                </a:stretch>
+              </a:blipFill>
+            </p:spPr>
+            <p:txBody>
+              <a:bodyPr/>
+              <a:lstStyle/>
+              <a:p>
+                <a:r>
+                  <a:rPr lang="en-US">
+                    <a:noFill/>
+                  </a:rPr>
+                  <a:t> </a:t>
+                </a:r>
+              </a:p>
+            </p:txBody>
+          </p:sp>
+        </mc:Fallback>
+      </mc:AlternateContent>
+      <mc:AlternateContent xmlns:mc="http://schemas.openxmlformats.org/markup-compatibility/2006">
+        <mc:Choice xmlns:a14="http://schemas.microsoft.com/office/drawing/2010/main" Requires="a14">
+          <p:sp>
+            <p:nvSpPr>
+              <p:cNvPr id="45" name="TextBox 44">
+                <a:extLst>
+                  <a:ext uri="{FF2B5EF4-FFF2-40B4-BE49-F238E27FC236}">
+                    <a16:creationId xmlns:a16="http://schemas.microsoft.com/office/drawing/2014/main" id="{094B3831-D99C-AE0F-9099-9CDEBD743CCA}"/>
+                  </a:ext>
+                </a:extLst>
+              </p:cNvPr>
+              <p:cNvSpPr txBox="1"/>
+              <p:nvPr/>
+            </p:nvSpPr>
+            <p:spPr>
+              <a:xfrm>
+                <a:off x="9499597" y="2840824"/>
+                <a:ext cx="965203" cy="276999"/>
+              </a:xfrm>
+              <a:prstGeom prst="rect">
+                <a:avLst/>
+              </a:prstGeom>
+              <a:noFill/>
+            </p:spPr>
+            <p:txBody>
+              <a:bodyPr wrap="square" rtlCol="0">
+                <a:spAutoFit/>
+              </a:bodyPr>
+              <a:lstStyle/>
+              <a:p>
+                <a14:m>
+                  <m:oMathPara xmlns:m="http://schemas.openxmlformats.org/officeDocument/2006/math">
+                    <m:oMathParaPr>
+                      <m:jc m:val="centerGroup"/>
+                    </m:oMathParaPr>
+                    <m:oMath xmlns:m="http://schemas.openxmlformats.org/officeDocument/2006/math">
+                      <m:r>
+                        <a:rPr lang="en-US" sz="1200" b="0" i="1" smtClean="0">
+                          <a:latin typeface="Cambria Math" panose="02040503050406030204" pitchFamily="18" charset="0"/>
+                        </a:rPr>
+                        <m:t>𝑠h𝑜𝑐𝑘</m:t>
+                      </m:r>
+                      <m:r>
+                        <a:rPr lang="en-US" sz="1200" b="0" i="1" smtClean="0">
+                          <a:latin typeface="Cambria Math" panose="02040503050406030204" pitchFamily="18" charset="0"/>
+                        </a:rPr>
+                        <m:t> </m:t>
+                      </m:r>
+                      <m:r>
+                        <a:rPr lang="en-US" sz="1200" b="0" i="1" smtClean="0">
+                          <a:latin typeface="Cambria Math" panose="02040503050406030204" pitchFamily="18" charset="0"/>
+                        </a:rPr>
+                        <m:t>𝑎𝑡</m:t>
+                      </m:r>
+                      <m:r>
+                        <a:rPr lang="en-US" sz="1200" b="0" i="1" smtClean="0">
+                          <a:latin typeface="Cambria Math" panose="02040503050406030204" pitchFamily="18" charset="0"/>
+                        </a:rPr>
+                        <m:t> </m:t>
+                      </m:r>
+                      <m:r>
+                        <a:rPr lang="en-US" sz="1200" b="0" i="1" smtClean="0">
+                          <a:latin typeface="Cambria Math" panose="02040503050406030204" pitchFamily="18" charset="0"/>
+                        </a:rPr>
+                        <m:t>𝑒𝑥𝑖𝑡</m:t>
+                      </m:r>
+                    </m:oMath>
+                  </m:oMathPara>
+                </a14:m>
+                <a:endParaRPr lang="en-US" sz="1200" dirty="0"/>
+              </a:p>
+            </p:txBody>
+          </p:sp>
+        </mc:Choice>
+        <mc:Fallback>
+          <p:sp>
+            <p:nvSpPr>
+              <p:cNvPr id="45" name="TextBox 44">
+                <a:extLst>
+                  <a:ext uri="{FF2B5EF4-FFF2-40B4-BE49-F238E27FC236}">
+                    <a16:creationId xmlns:a16="http://schemas.microsoft.com/office/drawing/2014/main" id="{094B3831-D99C-AE0F-9099-9CDEBD743CCA}"/>
+                  </a:ext>
+                </a:extLst>
+              </p:cNvPr>
+              <p:cNvSpPr txBox="1">
+                <a:spLocks noRot="1" noChangeAspect="1" noMove="1" noResize="1" noEditPoints="1" noAdjustHandles="1" noChangeArrowheads="1" noChangeShapeType="1" noTextEdit="1"/>
+              </p:cNvSpPr>
+              <p:nvPr/>
+            </p:nvSpPr>
+            <p:spPr>
+              <a:xfrm>
+                <a:off x="9499597" y="2840824"/>
+                <a:ext cx="965203" cy="276999"/>
+              </a:xfrm>
+              <a:prstGeom prst="rect">
+                <a:avLst/>
+              </a:prstGeom>
+              <a:blipFill>
+                <a:blip r:embed="rId12"/>
+                <a:stretch>
+                  <a:fillRect r="-5660"/>
+                </a:stretch>
+              </a:blipFill>
+            </p:spPr>
+            <p:txBody>
+              <a:bodyPr/>
+              <a:lstStyle/>
+              <a:p>
+                <a:r>
+                  <a:rPr lang="en-US">
+                    <a:noFill/>
+                  </a:rPr>
+                  <a:t> </a:t>
+                </a:r>
+              </a:p>
+            </p:txBody>
+          </p:sp>
+        </mc:Fallback>
+      </mc:AlternateContent>
+      <mc:AlternateContent xmlns:mc="http://schemas.openxmlformats.org/markup-compatibility/2006">
+        <mc:Choice xmlns:a14="http://schemas.microsoft.com/office/drawing/2010/main" Requires="a14">
+          <p:sp>
+            <p:nvSpPr>
+              <p:cNvPr id="46" name="TextBox 45">
+                <a:extLst>
+                  <a:ext uri="{FF2B5EF4-FFF2-40B4-BE49-F238E27FC236}">
+                    <a16:creationId xmlns:a16="http://schemas.microsoft.com/office/drawing/2014/main" id="{BE055D07-D1CF-805F-17BD-F74CC62548E2}"/>
+                  </a:ext>
+                </a:extLst>
+              </p:cNvPr>
+              <p:cNvSpPr txBox="1"/>
+              <p:nvPr/>
+            </p:nvSpPr>
+            <p:spPr>
+              <a:xfrm>
+                <a:off x="9226549" y="2448361"/>
+                <a:ext cx="965203" cy="276999"/>
+              </a:xfrm>
+              <a:prstGeom prst="rect">
+                <a:avLst/>
+              </a:prstGeom>
+              <a:noFill/>
+            </p:spPr>
+            <p:txBody>
+              <a:bodyPr wrap="square" rtlCol="0">
+                <a:spAutoFit/>
+              </a:bodyPr>
+              <a:lstStyle/>
+              <a:p>
+                <a14:m>
+                  <m:oMathPara xmlns:m="http://schemas.openxmlformats.org/officeDocument/2006/math">
+                    <m:oMathParaPr>
+                      <m:jc m:val="centerGroup"/>
+                    </m:oMathParaPr>
+                    <m:oMath xmlns:m="http://schemas.openxmlformats.org/officeDocument/2006/math">
+                      <m:sSub>
+                        <m:sSubPr>
+                          <m:ctrlPr>
+                            <a:rPr lang="en-US" sz="1200" b="0" i="1" smtClean="0">
+                              <a:latin typeface="Cambria Math" panose="02040503050406030204" pitchFamily="18" charset="0"/>
+                            </a:rPr>
+                          </m:ctrlPr>
+                        </m:sSubPr>
+                        <m:e>
+                          <m:r>
+                            <a:rPr lang="en-US" sz="1200" b="0" i="1" smtClean="0">
+                              <a:latin typeface="Cambria Math" panose="02040503050406030204" pitchFamily="18" charset="0"/>
+                            </a:rPr>
+                            <m:t>𝑃</m:t>
+                          </m:r>
+                        </m:e>
+                        <m:sub>
+                          <m:r>
+                            <a:rPr lang="en-US" sz="1200" b="0" i="1" smtClean="0">
+                              <a:latin typeface="Cambria Math" panose="02040503050406030204" pitchFamily="18" charset="0"/>
+                            </a:rPr>
+                            <m:t>𝑒</m:t>
+                          </m:r>
+                        </m:sub>
+                      </m:sSub>
+                      <m:r>
+                        <a:rPr lang="en-US" sz="1200" b="0" i="1" smtClean="0">
+                          <a:latin typeface="Cambria Math" panose="02040503050406030204" pitchFamily="18" charset="0"/>
+                        </a:rPr>
+                        <m:t>&lt;</m:t>
+                      </m:r>
+                      <m:sSub>
+                        <m:sSubPr>
+                          <m:ctrlPr>
+                            <a:rPr lang="en-US" sz="1200" b="0" i="1" smtClean="0">
+                              <a:latin typeface="Cambria Math" panose="02040503050406030204" pitchFamily="18" charset="0"/>
+                            </a:rPr>
+                          </m:ctrlPr>
+                        </m:sSubPr>
+                        <m:e>
+                          <m:r>
+                            <a:rPr lang="en-US" sz="1200" b="0" i="1" smtClean="0">
+                              <a:latin typeface="Cambria Math" panose="02040503050406030204" pitchFamily="18" charset="0"/>
+                            </a:rPr>
+                            <m:t>𝑃</m:t>
+                          </m:r>
+                        </m:e>
+                        <m:sub>
+                          <m:r>
+                            <a:rPr lang="en-US" sz="1200" b="0" i="1" smtClean="0">
+                              <a:latin typeface="Cambria Math" panose="02040503050406030204" pitchFamily="18" charset="0"/>
+                            </a:rPr>
+                            <m:t>𝑏</m:t>
+                          </m:r>
+                        </m:sub>
+                      </m:sSub>
+                    </m:oMath>
+                  </m:oMathPara>
+                </a14:m>
+                <a:endParaRPr lang="en-US" sz="1200" dirty="0"/>
+              </a:p>
+            </p:txBody>
+          </p:sp>
+        </mc:Choice>
+        <mc:Fallback>
+          <p:sp>
+            <p:nvSpPr>
+              <p:cNvPr id="46" name="TextBox 45">
+                <a:extLst>
+                  <a:ext uri="{FF2B5EF4-FFF2-40B4-BE49-F238E27FC236}">
+                    <a16:creationId xmlns:a16="http://schemas.microsoft.com/office/drawing/2014/main" id="{BE055D07-D1CF-805F-17BD-F74CC62548E2}"/>
+                  </a:ext>
+                </a:extLst>
+              </p:cNvPr>
+              <p:cNvSpPr txBox="1">
+                <a:spLocks noRot="1" noChangeAspect="1" noMove="1" noResize="1" noEditPoints="1" noAdjustHandles="1" noChangeArrowheads="1" noChangeShapeType="1" noTextEdit="1"/>
+              </p:cNvSpPr>
+              <p:nvPr/>
+            </p:nvSpPr>
+            <p:spPr>
+              <a:xfrm>
+                <a:off x="9226549" y="2448361"/>
+                <a:ext cx="965203" cy="276999"/>
+              </a:xfrm>
+              <a:prstGeom prst="rect">
+                <a:avLst/>
+              </a:prstGeom>
+              <a:blipFill>
+                <a:blip r:embed="rId13"/>
+                <a:stretch>
+                  <a:fillRect/>
+                </a:stretch>
+              </a:blipFill>
+            </p:spPr>
+            <p:txBody>
+              <a:bodyPr/>
+              <a:lstStyle/>
+              <a:p>
+                <a:r>
+                  <a:rPr lang="en-US">
+                    <a:noFill/>
+                  </a:rPr>
+                  <a:t> </a:t>
+                </a:r>
+              </a:p>
+            </p:txBody>
+          </p:sp>
+        </mc:Fallback>
+      </mc:AlternateContent>
+      <mc:AlternateContent xmlns:mc="http://schemas.openxmlformats.org/markup-compatibility/2006">
+        <mc:Choice xmlns:a14="http://schemas.microsoft.com/office/drawing/2010/main" Requires="a14">
+          <p:sp>
+            <p:nvSpPr>
+              <p:cNvPr id="47" name="TextBox 46">
+                <a:extLst>
+                  <a:ext uri="{FF2B5EF4-FFF2-40B4-BE49-F238E27FC236}">
+                    <a16:creationId xmlns:a16="http://schemas.microsoft.com/office/drawing/2014/main" id="{0BA9D41E-628F-A6F9-7124-26A623612CEC}"/>
+                  </a:ext>
+                </a:extLst>
+              </p:cNvPr>
+              <p:cNvSpPr txBox="1"/>
+              <p:nvPr/>
+            </p:nvSpPr>
+            <p:spPr>
+              <a:xfrm>
+                <a:off x="9413242" y="1649319"/>
+                <a:ext cx="965203" cy="276999"/>
+              </a:xfrm>
+              <a:prstGeom prst="rect">
+                <a:avLst/>
+              </a:prstGeom>
+              <a:noFill/>
+            </p:spPr>
+            <p:txBody>
+              <a:bodyPr wrap="square" rtlCol="0">
+                <a:spAutoFit/>
+              </a:bodyPr>
+              <a:lstStyle/>
+              <a:p>
+                <a14:m>
+                  <m:oMathPara xmlns:m="http://schemas.openxmlformats.org/officeDocument/2006/math">
+                    <m:oMathParaPr>
+                      <m:jc m:val="centerGroup"/>
+                    </m:oMathParaPr>
+                    <m:oMath xmlns:m="http://schemas.openxmlformats.org/officeDocument/2006/math">
+                      <m:sSub>
+                        <m:sSubPr>
+                          <m:ctrlPr>
+                            <a:rPr lang="en-US" sz="1200" b="0" i="1" smtClean="0">
+                              <a:latin typeface="Cambria Math" panose="02040503050406030204" pitchFamily="18" charset="0"/>
+                            </a:rPr>
+                          </m:ctrlPr>
+                        </m:sSubPr>
+                        <m:e>
+                          <m:r>
+                            <a:rPr lang="en-US" sz="1200" b="0" i="1" smtClean="0">
+                              <a:latin typeface="Cambria Math" panose="02040503050406030204" pitchFamily="18" charset="0"/>
+                            </a:rPr>
+                            <m:t>𝑃</m:t>
+                          </m:r>
+                        </m:e>
+                        <m:sub>
+                          <m:r>
+                            <a:rPr lang="en-US" sz="1200" b="0" i="1" smtClean="0">
+                              <a:latin typeface="Cambria Math" panose="02040503050406030204" pitchFamily="18" charset="0"/>
+                            </a:rPr>
+                            <m:t>𝑒</m:t>
+                          </m:r>
+                        </m:sub>
+                      </m:sSub>
+                      <m:r>
+                        <a:rPr lang="en-US" sz="1200" b="0" i="1" smtClean="0">
+                          <a:latin typeface="Cambria Math" panose="02040503050406030204" pitchFamily="18" charset="0"/>
+                        </a:rPr>
+                        <m:t>=</m:t>
+                      </m:r>
+                      <m:sSub>
+                        <m:sSubPr>
+                          <m:ctrlPr>
+                            <a:rPr lang="en-US" sz="1200" b="0" i="1" smtClean="0">
+                              <a:latin typeface="Cambria Math" panose="02040503050406030204" pitchFamily="18" charset="0"/>
+                            </a:rPr>
+                          </m:ctrlPr>
+                        </m:sSubPr>
+                        <m:e>
+                          <m:r>
+                            <a:rPr lang="en-US" sz="1200" b="0" i="1" smtClean="0">
+                              <a:latin typeface="Cambria Math" panose="02040503050406030204" pitchFamily="18" charset="0"/>
+                            </a:rPr>
+                            <m:t>𝑃</m:t>
+                          </m:r>
+                        </m:e>
+                        <m:sub>
+                          <m:r>
+                            <a:rPr lang="en-US" sz="1200" b="0" i="1" smtClean="0">
+                              <a:latin typeface="Cambria Math" panose="02040503050406030204" pitchFamily="18" charset="0"/>
+                            </a:rPr>
+                            <m:t>𝑏</m:t>
+                          </m:r>
+                        </m:sub>
+                      </m:sSub>
+                    </m:oMath>
+                  </m:oMathPara>
+                </a14:m>
+                <a:endParaRPr lang="en-US" sz="1200" dirty="0"/>
+              </a:p>
+            </p:txBody>
+          </p:sp>
+        </mc:Choice>
+        <mc:Fallback>
+          <p:sp>
+            <p:nvSpPr>
+              <p:cNvPr id="47" name="TextBox 46">
+                <a:extLst>
+                  <a:ext uri="{FF2B5EF4-FFF2-40B4-BE49-F238E27FC236}">
+                    <a16:creationId xmlns:a16="http://schemas.microsoft.com/office/drawing/2014/main" id="{0BA9D41E-628F-A6F9-7124-26A623612CEC}"/>
+                  </a:ext>
+                </a:extLst>
+              </p:cNvPr>
+              <p:cNvSpPr txBox="1">
+                <a:spLocks noRot="1" noChangeAspect="1" noMove="1" noResize="1" noEditPoints="1" noAdjustHandles="1" noChangeArrowheads="1" noChangeShapeType="1" noTextEdit="1"/>
+              </p:cNvSpPr>
+              <p:nvPr/>
+            </p:nvSpPr>
+            <p:spPr>
+              <a:xfrm>
+                <a:off x="9413242" y="1649319"/>
+                <a:ext cx="965203" cy="276999"/>
+              </a:xfrm>
+              <a:prstGeom prst="rect">
+                <a:avLst/>
+              </a:prstGeom>
+              <a:blipFill>
+                <a:blip r:embed="rId14"/>
+                <a:stretch>
+                  <a:fillRect/>
+                </a:stretch>
+              </a:blipFill>
+            </p:spPr>
+            <p:txBody>
+              <a:bodyPr/>
+              <a:lstStyle/>
+              <a:p>
+                <a:r>
+                  <a:rPr lang="en-US">
+                    <a:noFill/>
+                  </a:rPr>
+                  <a:t> </a:t>
+                </a:r>
+              </a:p>
+            </p:txBody>
+          </p:sp>
+        </mc:Fallback>
+      </mc:AlternateContent>
+      <mc:AlternateContent xmlns:mc="http://schemas.openxmlformats.org/markup-compatibility/2006">
+        <mc:Choice xmlns:a14="http://schemas.microsoft.com/office/drawing/2010/main" Requires="a14">
+          <p:sp>
+            <p:nvSpPr>
+              <p:cNvPr id="48" name="TextBox 47">
+                <a:extLst>
+                  <a:ext uri="{FF2B5EF4-FFF2-40B4-BE49-F238E27FC236}">
+                    <a16:creationId xmlns:a16="http://schemas.microsoft.com/office/drawing/2014/main" id="{536D7426-D35B-A219-2679-34DF612A5210}"/>
+                  </a:ext>
+                </a:extLst>
+              </p:cNvPr>
+              <p:cNvSpPr txBox="1"/>
+              <p:nvPr/>
+            </p:nvSpPr>
+            <p:spPr>
+              <a:xfrm>
+                <a:off x="9112249" y="1264012"/>
+                <a:ext cx="965203" cy="276999"/>
+              </a:xfrm>
+              <a:prstGeom prst="rect">
+                <a:avLst/>
+              </a:prstGeom>
+              <a:noFill/>
+            </p:spPr>
+            <p:txBody>
+              <a:bodyPr wrap="square" rtlCol="0">
+                <a:spAutoFit/>
+              </a:bodyPr>
+              <a:lstStyle/>
+              <a:p>
+                <a14:m>
+                  <m:oMathPara xmlns:m="http://schemas.openxmlformats.org/officeDocument/2006/math">
+                    <m:oMathParaPr>
+                      <m:jc m:val="centerGroup"/>
+                    </m:oMathParaPr>
+                    <m:oMath xmlns:m="http://schemas.openxmlformats.org/officeDocument/2006/math">
+                      <m:sSub>
+                        <m:sSubPr>
+                          <m:ctrlPr>
+                            <a:rPr lang="en-US" sz="1200" b="0" i="1" smtClean="0">
+                              <a:latin typeface="Cambria Math" panose="02040503050406030204" pitchFamily="18" charset="0"/>
+                            </a:rPr>
+                          </m:ctrlPr>
+                        </m:sSubPr>
+                        <m:e>
+                          <m:r>
+                            <a:rPr lang="en-US" sz="1200" b="0" i="1" smtClean="0">
+                              <a:latin typeface="Cambria Math" panose="02040503050406030204" pitchFamily="18" charset="0"/>
+                            </a:rPr>
+                            <m:t>𝑃</m:t>
+                          </m:r>
+                        </m:e>
+                        <m:sub>
+                          <m:r>
+                            <a:rPr lang="en-US" sz="1200" b="0" i="1" smtClean="0">
+                              <a:latin typeface="Cambria Math" panose="02040503050406030204" pitchFamily="18" charset="0"/>
+                            </a:rPr>
+                            <m:t>𝑒</m:t>
+                          </m:r>
+                        </m:sub>
+                      </m:sSub>
+                      <m:r>
+                        <a:rPr lang="en-US" sz="1200" b="0" i="1" smtClean="0">
+                          <a:latin typeface="Cambria Math" panose="02040503050406030204" pitchFamily="18" charset="0"/>
+                        </a:rPr>
+                        <m:t>&gt;</m:t>
+                      </m:r>
+                      <m:sSub>
+                        <m:sSubPr>
+                          <m:ctrlPr>
+                            <a:rPr lang="en-US" sz="1200" b="0" i="1" smtClean="0">
+                              <a:latin typeface="Cambria Math" panose="02040503050406030204" pitchFamily="18" charset="0"/>
+                            </a:rPr>
+                          </m:ctrlPr>
+                        </m:sSubPr>
+                        <m:e>
+                          <m:r>
+                            <a:rPr lang="en-US" sz="1200" b="0" i="1" smtClean="0">
+                              <a:latin typeface="Cambria Math" panose="02040503050406030204" pitchFamily="18" charset="0"/>
+                            </a:rPr>
+                            <m:t>𝑃</m:t>
+                          </m:r>
+                        </m:e>
+                        <m:sub>
+                          <m:r>
+                            <a:rPr lang="en-US" sz="1200" b="0" i="1" smtClean="0">
+                              <a:latin typeface="Cambria Math" panose="02040503050406030204" pitchFamily="18" charset="0"/>
+                            </a:rPr>
+                            <m:t>𝑏</m:t>
+                          </m:r>
+                        </m:sub>
+                      </m:sSub>
+                    </m:oMath>
+                  </m:oMathPara>
+                </a14:m>
+                <a:endParaRPr lang="en-US" sz="1200" dirty="0"/>
+              </a:p>
+            </p:txBody>
+          </p:sp>
+        </mc:Choice>
+        <mc:Fallback>
+          <p:sp>
+            <p:nvSpPr>
+              <p:cNvPr id="48" name="TextBox 47">
+                <a:extLst>
+                  <a:ext uri="{FF2B5EF4-FFF2-40B4-BE49-F238E27FC236}">
+                    <a16:creationId xmlns:a16="http://schemas.microsoft.com/office/drawing/2014/main" id="{536D7426-D35B-A219-2679-34DF612A5210}"/>
+                  </a:ext>
+                </a:extLst>
+              </p:cNvPr>
+              <p:cNvSpPr txBox="1">
+                <a:spLocks noRot="1" noChangeAspect="1" noMove="1" noResize="1" noEditPoints="1" noAdjustHandles="1" noChangeArrowheads="1" noChangeShapeType="1" noTextEdit="1"/>
+              </p:cNvSpPr>
+              <p:nvPr/>
+            </p:nvSpPr>
+            <p:spPr>
+              <a:xfrm>
+                <a:off x="9112249" y="1264012"/>
+                <a:ext cx="965203" cy="276999"/>
+              </a:xfrm>
+              <a:prstGeom prst="rect">
+                <a:avLst/>
+              </a:prstGeom>
+              <a:blipFill>
+                <a:blip r:embed="rId15"/>
+                <a:stretch>
+                  <a:fillRect/>
+                </a:stretch>
+              </a:blipFill>
+            </p:spPr>
+            <p:txBody>
+              <a:bodyPr/>
+              <a:lstStyle/>
+              <a:p>
+                <a:r>
+                  <a:rPr lang="en-US">
+                    <a:noFill/>
+                  </a:rPr>
+                  <a:t> </a:t>
+                </a:r>
+              </a:p>
+            </p:txBody>
+          </p:sp>
+        </mc:Fallback>
+      </mc:AlternateContent>
+    </p:spTree>
+    <p:extLst>
+      <p:ext uri="{BB962C8B-B14F-4D97-AF65-F5344CB8AC3E}">
+        <p14:creationId xmlns:p14="http://schemas.microsoft.com/office/powerpoint/2010/main" val="3776365951"/>
+      </p:ext>
+    </p:extLst>
+  </p:cSld>
+  <p:clrMapOvr>
+    <a:masterClrMapping/>
+  </p:clrMapOvr>
+</p:sld>
+</file>
+
+<file path=ppt/slides/slide3.xml><?xml version="1.0" encoding="utf-8"?>
+<p:sld xmlns:a="http://schemas.openxmlformats.org/drawingml/2006/main" xmlns:r="http://schemas.openxmlformats.org/officeDocument/2006/relationships" xmlns:p="http://schemas.openxmlformats.org/presentationml/2006/main">
+  <p:cSld>
+    <p:spTree>
+      <p:nvGrpSpPr>
+        <p:cNvPr id="1" name=""/>
+        <p:cNvGrpSpPr/>
+        <p:nvPr/>
+      </p:nvGrpSpPr>
+      <p:grpSpPr>
+        <a:xfrm>
+          <a:off x="0" y="0"/>
+          <a:ext cx="0" cy="0"/>
+          <a:chOff x="0" y="0"/>
+          <a:chExt cx="0" cy="0"/>
+        </a:xfrm>
+      </p:grpSpPr>
+      <p:grpSp>
+        <p:nvGrpSpPr>
+          <p:cNvPr id="27" name="Group 26">
+            <a:extLst>
+              <a:ext uri="{FF2B5EF4-FFF2-40B4-BE49-F238E27FC236}">
+                <a16:creationId xmlns:a16="http://schemas.microsoft.com/office/drawing/2014/main" id="{C89D398C-C166-4B8A-B5F5-9EC62FA9D6ED}"/>
+              </a:ext>
+            </a:extLst>
+          </p:cNvPr>
+          <p:cNvGrpSpPr/>
+          <p:nvPr/>
+        </p:nvGrpSpPr>
+        <p:grpSpPr>
+          <a:xfrm>
+            <a:off x="6061754" y="1186665"/>
+            <a:ext cx="2681554" cy="1885965"/>
+            <a:chOff x="6061754" y="1186665"/>
+            <a:chExt cx="2681554" cy="1885965"/>
+          </a:xfrm>
+        </p:grpSpPr>
+        <p:sp>
+          <p:nvSpPr>
+            <p:cNvPr id="26" name="Trapezoid 25">
+              <a:extLst>
+                <a:ext uri="{FF2B5EF4-FFF2-40B4-BE49-F238E27FC236}">
+                  <a16:creationId xmlns:a16="http://schemas.microsoft.com/office/drawing/2014/main" id="{7A9D3465-B07E-4E77-8CD9-3CAD1D38E365}"/>
+                </a:ext>
+              </a:extLst>
+            </p:cNvPr>
+            <p:cNvSpPr/>
+            <p:nvPr/>
+          </p:nvSpPr>
+          <p:spPr>
+            <a:xfrm rot="5400000">
+              <a:off x="6465014" y="783405"/>
+              <a:ext cx="1875034" cy="2681554"/>
+            </a:xfrm>
+            <a:prstGeom prst="trapezoid">
+              <a:avLst>
+                <a:gd name="adj" fmla="val 9110"/>
+              </a:avLst>
+            </a:prstGeom>
+            <a:solidFill>
+              <a:schemeClr val="accent5">
+                <a:lumMod val="20000"/>
+                <a:lumOff val="80000"/>
+              </a:schemeClr>
+            </a:solidFill>
+            <a:ln>
+              <a:noFill/>
+            </a:ln>
+          </p:spPr>
+          <p:style>
+            <a:lnRef idx="2">
+              <a:schemeClr val="accent1">
+                <a:shade val="50000"/>
+              </a:schemeClr>
+            </a:lnRef>
+            <a:fillRef idx="1">
+              <a:schemeClr val="accent1"/>
+            </a:fillRef>
+            <a:effectRef idx="0">
+              <a:schemeClr val="accent1"/>
+            </a:effectRef>
+            <a:fontRef idx="minor">
+              <a:schemeClr val="lt1"/>
+            </a:fontRef>
+          </p:style>
+          <p:txBody>
+            <a:bodyPr rtlCol="0" anchor="ctr"/>
+            <a:lstStyle/>
+            <a:p>
+              <a:pPr algn="ctr"/>
+              <a:endParaRPr lang="en-US"/>
+            </a:p>
+          </p:txBody>
+        </p:sp>
+        <p:grpSp>
+          <p:nvGrpSpPr>
+            <p:cNvPr id="24" name="Group 23">
+              <a:extLst>
+                <a:ext uri="{FF2B5EF4-FFF2-40B4-BE49-F238E27FC236}">
+                  <a16:creationId xmlns:a16="http://schemas.microsoft.com/office/drawing/2014/main" id="{169AE2D2-C3CE-4217-BA59-1ACD66914EF6}"/>
+                </a:ext>
+              </a:extLst>
+            </p:cNvPr>
+            <p:cNvGrpSpPr/>
+            <p:nvPr/>
+          </p:nvGrpSpPr>
+          <p:grpSpPr>
+            <a:xfrm>
+              <a:off x="6064322" y="1186665"/>
+              <a:ext cx="2678986" cy="1885965"/>
+              <a:chOff x="6064322" y="1186665"/>
+              <a:chExt cx="2678986" cy="1885965"/>
+            </a:xfrm>
+            <a:solidFill>
+              <a:schemeClr val="bg1"/>
+            </a:solidFill>
+          </p:grpSpPr>
+          <p:sp>
+            <p:nvSpPr>
+              <p:cNvPr id="10" name="Freeform: Shape 9">
+                <a:extLst>
+                  <a:ext uri="{FF2B5EF4-FFF2-40B4-BE49-F238E27FC236}">
+                    <a16:creationId xmlns:a16="http://schemas.microsoft.com/office/drawing/2014/main" id="{EEBBA1B5-F22D-45D1-9DCA-6AAAD40F73E5}"/>
+                  </a:ext>
+                </a:extLst>
+              </p:cNvPr>
+              <p:cNvSpPr/>
+              <p:nvPr/>
+            </p:nvSpPr>
+            <p:spPr>
+              <a:xfrm>
+                <a:off x="6066890" y="1186665"/>
+                <a:ext cx="2676418" cy="501065"/>
+              </a:xfrm>
+              <a:custGeom>
+                <a:avLst/>
+                <a:gdLst>
+                  <a:gd name="connsiteX0" fmla="*/ 0 w 2676418"/>
+                  <a:gd name="connsiteY0" fmla="*/ 0 h 501065"/>
+                  <a:gd name="connsiteX1" fmla="*/ 996593 w 2676418"/>
+                  <a:gd name="connsiteY1" fmla="*/ 498297 h 501065"/>
+                  <a:gd name="connsiteX2" fmla="*/ 2676418 w 2676418"/>
+                  <a:gd name="connsiteY2" fmla="*/ 164387 h 501065"/>
+                </a:gdLst>
+                <a:ahLst/>
+                <a:cxnLst>
+                  <a:cxn ang="0">
+                    <a:pos x="connsiteX0" y="connsiteY0"/>
+                  </a:cxn>
+                  <a:cxn ang="0">
+                    <a:pos x="connsiteX1" y="connsiteY1"/>
+                  </a:cxn>
+                  <a:cxn ang="0">
+                    <a:pos x="connsiteX2" y="connsiteY2"/>
+                  </a:cxn>
+                </a:cxnLst>
+                <a:rect l="l" t="t" r="r" b="b"/>
+                <a:pathLst>
+                  <a:path w="2676418" h="501065">
+                    <a:moveTo>
+                      <a:pt x="0" y="0"/>
+                    </a:moveTo>
+                    <a:cubicBezTo>
+                      <a:pt x="275261" y="235449"/>
+                      <a:pt x="550523" y="470899"/>
+                      <a:pt x="996593" y="498297"/>
+                    </a:cubicBezTo>
+                    <a:cubicBezTo>
+                      <a:pt x="1442663" y="525695"/>
+                      <a:pt x="2059540" y="345041"/>
+                      <a:pt x="2676418" y="164387"/>
+                    </a:cubicBezTo>
+                  </a:path>
+                </a:pathLst>
+              </a:custGeom>
+              <a:grpFill/>
+            </p:spPr>
+            <p:style>
+              <a:lnRef idx="2">
+                <a:schemeClr val="accent1">
+                  <a:shade val="50000"/>
+                </a:schemeClr>
+              </a:lnRef>
+              <a:fillRef idx="1">
+                <a:schemeClr val="accent1"/>
+              </a:fillRef>
+              <a:effectRef idx="0">
+                <a:schemeClr val="accent1"/>
+              </a:effectRef>
+              <a:fontRef idx="minor">
+                <a:schemeClr val="lt1"/>
+              </a:fontRef>
+            </p:style>
+            <p:txBody>
+              <a:bodyPr rtlCol="0" anchor="ctr"/>
+              <a:lstStyle/>
+              <a:p>
+                <a:pPr algn="ctr"/>
+                <a:endParaRPr lang="en-US"/>
+              </a:p>
+            </p:txBody>
+          </p:sp>
+          <p:sp>
+            <p:nvSpPr>
+              <p:cNvPr id="11" name="Freeform: Shape 10">
+                <a:extLst>
+                  <a:ext uri="{FF2B5EF4-FFF2-40B4-BE49-F238E27FC236}">
+                    <a16:creationId xmlns:a16="http://schemas.microsoft.com/office/drawing/2014/main" id="{8B2AC05C-7B4E-4BA4-9C39-C796D469C3FB}"/>
+                  </a:ext>
+                </a:extLst>
+              </p:cNvPr>
+              <p:cNvSpPr/>
+              <p:nvPr/>
+            </p:nvSpPr>
+            <p:spPr>
+              <a:xfrm flipV="1">
+                <a:off x="6064322" y="2571565"/>
+                <a:ext cx="2676418" cy="501065"/>
+              </a:xfrm>
+              <a:custGeom>
+                <a:avLst/>
+                <a:gdLst>
+                  <a:gd name="connsiteX0" fmla="*/ 0 w 2676418"/>
+                  <a:gd name="connsiteY0" fmla="*/ 0 h 501065"/>
+                  <a:gd name="connsiteX1" fmla="*/ 996593 w 2676418"/>
+                  <a:gd name="connsiteY1" fmla="*/ 498297 h 501065"/>
+                  <a:gd name="connsiteX2" fmla="*/ 2676418 w 2676418"/>
+                  <a:gd name="connsiteY2" fmla="*/ 164387 h 501065"/>
+                </a:gdLst>
+                <a:ahLst/>
+                <a:cxnLst>
+                  <a:cxn ang="0">
+                    <a:pos x="connsiteX0" y="connsiteY0"/>
+                  </a:cxn>
+                  <a:cxn ang="0">
+                    <a:pos x="connsiteX1" y="connsiteY1"/>
+                  </a:cxn>
+                  <a:cxn ang="0">
+                    <a:pos x="connsiteX2" y="connsiteY2"/>
+                  </a:cxn>
+                </a:cxnLst>
+                <a:rect l="l" t="t" r="r" b="b"/>
+                <a:pathLst>
+                  <a:path w="2676418" h="501065">
+                    <a:moveTo>
+                      <a:pt x="0" y="0"/>
+                    </a:moveTo>
+                    <a:cubicBezTo>
+                      <a:pt x="275261" y="235449"/>
+                      <a:pt x="550523" y="470899"/>
+                      <a:pt x="996593" y="498297"/>
+                    </a:cubicBezTo>
+                    <a:cubicBezTo>
+                      <a:pt x="1442663" y="525695"/>
+                      <a:pt x="2059540" y="345041"/>
+                      <a:pt x="2676418" y="164387"/>
+                    </a:cubicBezTo>
+                  </a:path>
+                </a:pathLst>
+              </a:custGeom>
+              <a:grpFill/>
+            </p:spPr>
+            <p:style>
+              <a:lnRef idx="2">
+                <a:schemeClr val="accent1">
+                  <a:shade val="50000"/>
+                </a:schemeClr>
+              </a:lnRef>
+              <a:fillRef idx="1">
+                <a:schemeClr val="accent1"/>
+              </a:fillRef>
+              <a:effectRef idx="0">
+                <a:schemeClr val="accent1"/>
+              </a:effectRef>
+              <a:fontRef idx="minor">
+                <a:schemeClr val="lt1"/>
+              </a:fontRef>
+            </p:style>
+            <p:txBody>
+              <a:bodyPr rtlCol="0" anchor="ctr"/>
+              <a:lstStyle/>
+              <a:p>
+                <a:pPr algn="ctr"/>
+                <a:endParaRPr lang="en-US"/>
+              </a:p>
+            </p:txBody>
+          </p:sp>
+          <p:cxnSp>
+            <p:nvCxnSpPr>
+              <p:cNvPr id="16" name="Straight Connector 15">
+                <a:extLst>
+                  <a:ext uri="{FF2B5EF4-FFF2-40B4-BE49-F238E27FC236}">
+                    <a16:creationId xmlns:a16="http://schemas.microsoft.com/office/drawing/2014/main" id="{5A7E48CB-442E-4525-B8F8-EDEF4293A8E7}"/>
+                  </a:ext>
+                </a:extLst>
+              </p:cNvPr>
+              <p:cNvCxnSpPr>
+                <a:cxnSpLocks/>
+                <a:stCxn id="10" idx="0"/>
+                <a:endCxn id="11" idx="0"/>
+              </p:cNvCxnSpPr>
+              <p:nvPr/>
+            </p:nvCxnSpPr>
+            <p:spPr>
+              <a:xfrm flipH="1">
+                <a:off x="6064322" y="1186665"/>
+                <a:ext cx="2568" cy="1885965"/>
+              </a:xfrm>
+              <a:prstGeom prst="line">
+                <a:avLst/>
+              </a:prstGeom>
+              <a:grpFill/>
+              <a:ln>
+                <a:noFill/>
+              </a:ln>
+            </p:spPr>
+            <p:style>
+              <a:lnRef idx="1">
+                <a:schemeClr val="accent1"/>
+              </a:lnRef>
+              <a:fillRef idx="0">
+                <a:schemeClr val="accent1"/>
+              </a:fillRef>
+              <a:effectRef idx="0">
+                <a:schemeClr val="accent1"/>
+              </a:effectRef>
+              <a:fontRef idx="minor">
+                <a:schemeClr val="tx1"/>
+              </a:fontRef>
+            </p:style>
+          </p:cxnSp>
+          <p:cxnSp>
+            <p:nvCxnSpPr>
+              <p:cNvPr id="18" name="Straight Connector 17">
+                <a:extLst>
+                  <a:ext uri="{FF2B5EF4-FFF2-40B4-BE49-F238E27FC236}">
+                    <a16:creationId xmlns:a16="http://schemas.microsoft.com/office/drawing/2014/main" id="{83305162-563B-45AC-90FB-5E0CCA71CE31}"/>
+                  </a:ext>
+                </a:extLst>
+              </p:cNvPr>
+              <p:cNvCxnSpPr>
+                <a:cxnSpLocks/>
+                <a:stCxn id="10" idx="2"/>
+                <a:endCxn id="11" idx="2"/>
+              </p:cNvCxnSpPr>
+              <p:nvPr/>
+            </p:nvCxnSpPr>
+            <p:spPr>
+              <a:xfrm flipH="1">
+                <a:off x="8740740" y="1351052"/>
+                <a:ext cx="2568" cy="1557191"/>
+              </a:xfrm>
+              <a:prstGeom prst="line">
+                <a:avLst/>
+              </a:prstGeom>
+              <a:grpFill/>
+              <a:ln>
+                <a:noFill/>
+              </a:ln>
+            </p:spPr>
+            <p:style>
+              <a:lnRef idx="1">
+                <a:schemeClr val="accent1"/>
+              </a:lnRef>
+              <a:fillRef idx="0">
+                <a:schemeClr val="accent1"/>
+              </a:fillRef>
+              <a:effectRef idx="0">
+                <a:schemeClr val="accent1"/>
+              </a:effectRef>
+              <a:fontRef idx="minor">
+                <a:schemeClr val="tx1"/>
+              </a:fontRef>
+            </p:style>
+          </p:cxnSp>
+        </p:grpSp>
+      </p:grpSp>
+      <p:sp>
+        <p:nvSpPr>
+          <p:cNvPr id="7" name="Oval 6">
+            <a:extLst>
+              <a:ext uri="{FF2B5EF4-FFF2-40B4-BE49-F238E27FC236}">
+                <a16:creationId xmlns:a16="http://schemas.microsoft.com/office/drawing/2014/main" id="{3E7A0444-C58E-4872-B580-E1EA1EAE7140}"/>
+              </a:ext>
+            </a:extLst>
+          </p:cNvPr>
+          <p:cNvSpPr/>
+          <p:nvPr/>
+        </p:nvSpPr>
+        <p:spPr>
+          <a:xfrm>
+            <a:off x="8472496" y="1359616"/>
+            <a:ext cx="554804" cy="1540063"/>
+          </a:xfrm>
+          <a:prstGeom prst="ellipse">
+            <a:avLst/>
+          </a:prstGeom>
+        </p:spPr>
+        <p:style>
+          <a:lnRef idx="2">
+            <a:schemeClr val="accent1">
+              <a:shade val="50000"/>
+            </a:schemeClr>
+          </a:lnRef>
+          <a:fillRef idx="1">
+            <a:schemeClr val="accent1"/>
+          </a:fillRef>
+          <a:effectRef idx="0">
+            <a:schemeClr val="accent1"/>
+          </a:effectRef>
+          <a:fontRef idx="minor">
+            <a:schemeClr val="lt1"/>
+          </a:fontRef>
+        </p:style>
+        <p:txBody>
+          <a:bodyPr rtlCol="0" anchor="ctr"/>
+          <a:lstStyle/>
+          <a:p>
+            <a:pPr algn="ctr"/>
+            <a:endParaRPr lang="en-US"/>
+          </a:p>
+        </p:txBody>
+      </p:sp>
+      <p:sp>
+        <p:nvSpPr>
+          <p:cNvPr id="5" name="Cylinder 4">
+            <a:extLst>
+              <a:ext uri="{FF2B5EF4-FFF2-40B4-BE49-F238E27FC236}">
+                <a16:creationId xmlns:a16="http://schemas.microsoft.com/office/drawing/2014/main" id="{CA863954-5925-414F-BA45-8D52C45D4720}"/>
+              </a:ext>
+            </a:extLst>
+          </p:cNvPr>
+          <p:cNvSpPr/>
+          <p:nvPr/>
+        </p:nvSpPr>
+        <p:spPr>
+          <a:xfrm rot="5400000">
+            <a:off x="4328418" y="1135294"/>
+            <a:ext cx="1875034" cy="1977776"/>
+          </a:xfrm>
+          <a:prstGeom prst="can">
+            <a:avLst/>
+          </a:prstGeom>
+        </p:spPr>
+        <p:style>
+          <a:lnRef idx="2">
+            <a:schemeClr val="accent1">
+              <a:shade val="50000"/>
+            </a:schemeClr>
+          </a:lnRef>
+          <a:fillRef idx="1">
+            <a:schemeClr val="accent1"/>
+          </a:fillRef>
+          <a:effectRef idx="0">
+            <a:schemeClr val="accent1"/>
+          </a:effectRef>
+          <a:fontRef idx="minor">
+            <a:schemeClr val="lt1"/>
+          </a:fontRef>
+        </p:style>
+        <p:txBody>
+          <a:bodyPr rtlCol="0" anchor="ctr"/>
+          <a:lstStyle/>
+          <a:p>
+            <a:pPr algn="ctr"/>
+            <a:endParaRPr lang="en-US" dirty="0"/>
+          </a:p>
+        </p:txBody>
+      </p:sp>
+      <p:cxnSp>
+        <p:nvCxnSpPr>
+          <p:cNvPr id="43" name="Straight Arrow Connector 42">
+            <a:extLst>
+              <a:ext uri="{FF2B5EF4-FFF2-40B4-BE49-F238E27FC236}">
+                <a16:creationId xmlns:a16="http://schemas.microsoft.com/office/drawing/2014/main" id="{1AEE3E32-994C-42FA-89C9-C02E38DC6D37}"/>
+              </a:ext>
+            </a:extLst>
+          </p:cNvPr>
+          <p:cNvCxnSpPr>
+            <a:cxnSpLocks/>
+            <a:endCxn id="7" idx="6"/>
+          </p:cNvCxnSpPr>
+          <p:nvPr/>
+        </p:nvCxnSpPr>
+        <p:spPr>
+          <a:xfrm>
+            <a:off x="3719505" y="2129648"/>
+            <a:ext cx="5307795" cy="0"/>
+          </a:xfrm>
+          <a:prstGeom prst="straightConnector1">
+            <a:avLst/>
+          </a:prstGeom>
+          <a:ln>
+            <a:solidFill>
+              <a:schemeClr val="tx1"/>
+            </a:solidFill>
+            <a:tailEnd type="none" w="lg" len="lg"/>
           </a:ln>
         </p:spPr>
         <p:style>
@@ -4809,10 +10985,526 @@
           </p:sp>
         </mc:Fallback>
       </mc:AlternateContent>
+      <p:cxnSp>
+        <p:nvCxnSpPr>
+          <p:cNvPr id="4" name="Straight Arrow Connector 3">
+            <a:extLst>
+              <a:ext uri="{FF2B5EF4-FFF2-40B4-BE49-F238E27FC236}">
+                <a16:creationId xmlns:a16="http://schemas.microsoft.com/office/drawing/2014/main" id="{57C4A94A-5E8E-2EB9-C40A-A3AC610084EF}"/>
+              </a:ext>
+            </a:extLst>
+          </p:cNvPr>
+          <p:cNvCxnSpPr>
+            <a:cxnSpLocks/>
+          </p:cNvCxnSpPr>
+          <p:nvPr/>
+        </p:nvCxnSpPr>
+        <p:spPr>
+          <a:xfrm flipV="1">
+            <a:off x="8740740" y="0"/>
+            <a:ext cx="0" cy="4632385"/>
+          </a:xfrm>
+          <a:prstGeom prst="straightConnector1">
+            <a:avLst/>
+          </a:prstGeom>
+          <a:ln>
+            <a:solidFill>
+              <a:srgbClr val="FF0000"/>
+            </a:solidFill>
+            <a:tailEnd type="triangle"/>
+          </a:ln>
+        </p:spPr>
+        <p:style>
+          <a:lnRef idx="1">
+            <a:schemeClr val="accent1"/>
+          </a:lnRef>
+          <a:fillRef idx="0">
+            <a:schemeClr val="accent1"/>
+          </a:fillRef>
+          <a:effectRef idx="0">
+            <a:schemeClr val="accent1"/>
+          </a:effectRef>
+          <a:fontRef idx="minor">
+            <a:schemeClr val="tx1"/>
+          </a:fontRef>
+        </p:style>
+      </p:cxnSp>
+      <p:cxnSp>
+        <p:nvCxnSpPr>
+          <p:cNvPr id="15" name="Straight Arrow Connector 14">
+            <a:extLst>
+              <a:ext uri="{FF2B5EF4-FFF2-40B4-BE49-F238E27FC236}">
+                <a16:creationId xmlns:a16="http://schemas.microsoft.com/office/drawing/2014/main" id="{C923968D-2077-8338-CD9A-8211D00557F2}"/>
+              </a:ext>
+            </a:extLst>
+          </p:cNvPr>
+          <p:cNvCxnSpPr>
+            <a:cxnSpLocks/>
+          </p:cNvCxnSpPr>
+          <p:nvPr/>
+        </p:nvCxnSpPr>
+        <p:spPr>
+          <a:xfrm>
+            <a:off x="3719505" y="1197596"/>
+            <a:ext cx="5307795" cy="0"/>
+          </a:xfrm>
+          <a:prstGeom prst="straightConnector1">
+            <a:avLst/>
+          </a:prstGeom>
+          <a:ln>
+            <a:solidFill>
+              <a:schemeClr val="tx1"/>
+            </a:solidFill>
+            <a:tailEnd type="none" w="lg" len="lg"/>
+          </a:ln>
+        </p:spPr>
+        <p:style>
+          <a:lnRef idx="1">
+            <a:schemeClr val="accent1"/>
+          </a:lnRef>
+          <a:fillRef idx="0">
+            <a:schemeClr val="accent1"/>
+          </a:fillRef>
+          <a:effectRef idx="0">
+            <a:schemeClr val="accent1"/>
+          </a:effectRef>
+          <a:fontRef idx="minor">
+            <a:schemeClr val="tx1"/>
+          </a:fontRef>
+        </p:style>
+      </p:cxnSp>
+      <p:cxnSp>
+        <p:nvCxnSpPr>
+          <p:cNvPr id="3" name="Straight Arrow Connector 2">
+            <a:extLst>
+              <a:ext uri="{FF2B5EF4-FFF2-40B4-BE49-F238E27FC236}">
+                <a16:creationId xmlns:a16="http://schemas.microsoft.com/office/drawing/2014/main" id="{EDBE2DA0-3AB2-30C7-59A5-1FA6754B97A0}"/>
+              </a:ext>
+            </a:extLst>
+          </p:cNvPr>
+          <p:cNvCxnSpPr>
+            <a:cxnSpLocks/>
+          </p:cNvCxnSpPr>
+          <p:nvPr/>
+        </p:nvCxnSpPr>
+        <p:spPr>
+          <a:xfrm flipV="1">
+            <a:off x="4475906" y="0"/>
+            <a:ext cx="0" cy="4546121"/>
+          </a:xfrm>
+          <a:prstGeom prst="straightConnector1">
+            <a:avLst/>
+          </a:prstGeom>
+          <a:ln>
+            <a:solidFill>
+              <a:srgbClr val="FF0000"/>
+            </a:solidFill>
+            <a:tailEnd type="triangle"/>
+          </a:ln>
+        </p:spPr>
+        <p:style>
+          <a:lnRef idx="1">
+            <a:schemeClr val="accent1"/>
+          </a:lnRef>
+          <a:fillRef idx="0">
+            <a:schemeClr val="accent1"/>
+          </a:fillRef>
+          <a:effectRef idx="0">
+            <a:schemeClr val="accent1"/>
+          </a:effectRef>
+          <a:fontRef idx="minor">
+            <a:schemeClr val="tx1"/>
+          </a:fontRef>
+        </p:style>
+      </p:cxnSp>
+      <mc:AlternateContent xmlns:mc="http://schemas.openxmlformats.org/markup-compatibility/2006">
+        <mc:Choice xmlns:a14="http://schemas.microsoft.com/office/drawing/2010/main" Requires="a14">
+          <p:sp>
+            <p:nvSpPr>
+              <p:cNvPr id="48" name="TextBox 47">
+                <a:extLst>
+                  <a:ext uri="{FF2B5EF4-FFF2-40B4-BE49-F238E27FC236}">
+                    <a16:creationId xmlns:a16="http://schemas.microsoft.com/office/drawing/2014/main" id="{633769F8-5D72-54E3-D1A9-A86DC2713A9D}"/>
+                  </a:ext>
+                </a:extLst>
+              </p:cNvPr>
+              <p:cNvSpPr txBox="1"/>
+              <p:nvPr/>
+            </p:nvSpPr>
+            <p:spPr>
+              <a:xfrm>
+                <a:off x="4313559" y="4546121"/>
+                <a:ext cx="324694" cy="369332"/>
+              </a:xfrm>
+              <a:prstGeom prst="rect">
+                <a:avLst/>
+              </a:prstGeom>
+              <a:noFill/>
+            </p:spPr>
+            <p:txBody>
+              <a:bodyPr wrap="square" rtlCol="0">
+                <a:spAutoFit/>
+              </a:bodyPr>
+              <a:lstStyle/>
+              <a:p>
+                <a:pPr/>
+                <a14:m>
+                  <m:oMathPara xmlns:m="http://schemas.openxmlformats.org/officeDocument/2006/math">
+                    <m:oMathParaPr>
+                      <m:jc m:val="centerGroup"/>
+                    </m:oMathParaPr>
+                    <m:oMath xmlns:m="http://schemas.openxmlformats.org/officeDocument/2006/math">
+                      <m:r>
+                        <a:rPr lang="en-US" b="0" i="1" smtClean="0">
+                          <a:latin typeface="Cambria Math" panose="02040503050406030204" pitchFamily="18" charset="0"/>
+                        </a:rPr>
+                        <m:t>0</m:t>
+                      </m:r>
+                    </m:oMath>
+                  </m:oMathPara>
+                </a14:m>
+                <a:endParaRPr lang="en-US" dirty="0"/>
+              </a:p>
+            </p:txBody>
+          </p:sp>
+        </mc:Choice>
+        <mc:Fallback>
+          <p:sp>
+            <p:nvSpPr>
+              <p:cNvPr id="48" name="TextBox 47">
+                <a:extLst>
+                  <a:ext uri="{FF2B5EF4-FFF2-40B4-BE49-F238E27FC236}">
+                    <a16:creationId xmlns:a16="http://schemas.microsoft.com/office/drawing/2014/main" id="{633769F8-5D72-54E3-D1A9-A86DC2713A9D}"/>
+                  </a:ext>
+                </a:extLst>
+              </p:cNvPr>
+              <p:cNvSpPr txBox="1">
+                <a:spLocks noRot="1" noChangeAspect="1" noMove="1" noResize="1" noEditPoints="1" noAdjustHandles="1" noChangeArrowheads="1" noChangeShapeType="1" noTextEdit="1"/>
+              </p:cNvSpPr>
+              <p:nvPr/>
+            </p:nvSpPr>
+            <p:spPr>
+              <a:xfrm>
+                <a:off x="4313559" y="4546121"/>
+                <a:ext cx="324694" cy="369332"/>
+              </a:xfrm>
+              <a:prstGeom prst="rect">
+                <a:avLst/>
+              </a:prstGeom>
+              <a:blipFill>
+                <a:blip r:embed="rId7"/>
+                <a:stretch>
+                  <a:fillRect/>
+                </a:stretch>
+              </a:blipFill>
+            </p:spPr>
+            <p:txBody>
+              <a:bodyPr/>
+              <a:lstStyle/>
+              <a:p>
+                <a:r>
+                  <a:rPr lang="en-US">
+                    <a:noFill/>
+                  </a:rPr>
+                  <a:t> </a:t>
+                </a:r>
+              </a:p>
+            </p:txBody>
+          </p:sp>
+        </mc:Fallback>
+      </mc:AlternateContent>
+      <mc:AlternateContent xmlns:mc="http://schemas.openxmlformats.org/markup-compatibility/2006">
+        <mc:Choice xmlns:a14="http://schemas.microsoft.com/office/drawing/2010/main" Requires="a14">
+          <p:sp>
+            <p:nvSpPr>
+              <p:cNvPr id="49" name="TextBox 48">
+                <a:extLst>
+                  <a:ext uri="{FF2B5EF4-FFF2-40B4-BE49-F238E27FC236}">
+                    <a16:creationId xmlns:a16="http://schemas.microsoft.com/office/drawing/2014/main" id="{477A4433-BE67-A51C-B6CC-E68A1612A443}"/>
+                  </a:ext>
+                </a:extLst>
+              </p:cNvPr>
+              <p:cNvSpPr txBox="1"/>
+              <p:nvPr/>
+            </p:nvSpPr>
+            <p:spPr>
+              <a:xfrm>
+                <a:off x="8587551" y="4546121"/>
+                <a:ext cx="324694" cy="369332"/>
+              </a:xfrm>
+              <a:prstGeom prst="rect">
+                <a:avLst/>
+              </a:prstGeom>
+              <a:noFill/>
+            </p:spPr>
+            <p:txBody>
+              <a:bodyPr wrap="square" rtlCol="0">
+                <a:spAutoFit/>
+              </a:bodyPr>
+              <a:lstStyle/>
+              <a:p>
+                <a:pPr/>
+                <a14:m>
+                  <m:oMathPara xmlns:m="http://schemas.openxmlformats.org/officeDocument/2006/math">
+                    <m:oMathParaPr>
+                      <m:jc m:val="centerGroup"/>
+                    </m:oMathParaPr>
+                    <m:oMath xmlns:m="http://schemas.openxmlformats.org/officeDocument/2006/math">
+                      <m:r>
+                        <a:rPr lang="en-US" b="0" i="1" smtClean="0">
+                          <a:latin typeface="Cambria Math" panose="02040503050406030204" pitchFamily="18" charset="0"/>
+                        </a:rPr>
+                        <m:t>10</m:t>
+                      </m:r>
+                    </m:oMath>
+                  </m:oMathPara>
+                </a14:m>
+                <a:endParaRPr lang="en-US" dirty="0"/>
+              </a:p>
+            </p:txBody>
+          </p:sp>
+        </mc:Choice>
+        <mc:Fallback>
+          <p:sp>
+            <p:nvSpPr>
+              <p:cNvPr id="49" name="TextBox 48">
+                <a:extLst>
+                  <a:ext uri="{FF2B5EF4-FFF2-40B4-BE49-F238E27FC236}">
+                    <a16:creationId xmlns:a16="http://schemas.microsoft.com/office/drawing/2014/main" id="{477A4433-BE67-A51C-B6CC-E68A1612A443}"/>
+                  </a:ext>
+                </a:extLst>
+              </p:cNvPr>
+              <p:cNvSpPr txBox="1">
+                <a:spLocks noRot="1" noChangeAspect="1" noMove="1" noResize="1" noEditPoints="1" noAdjustHandles="1" noChangeArrowheads="1" noChangeShapeType="1" noTextEdit="1"/>
+              </p:cNvSpPr>
+              <p:nvPr/>
+            </p:nvSpPr>
+            <p:spPr>
+              <a:xfrm>
+                <a:off x="8587551" y="4546121"/>
+                <a:ext cx="324694" cy="369332"/>
+              </a:xfrm>
+              <a:prstGeom prst="rect">
+                <a:avLst/>
+              </a:prstGeom>
+              <a:blipFill>
+                <a:blip r:embed="rId8"/>
+                <a:stretch>
+                  <a:fillRect r="-32075"/>
+                </a:stretch>
+              </a:blipFill>
+            </p:spPr>
+            <p:txBody>
+              <a:bodyPr/>
+              <a:lstStyle/>
+              <a:p>
+                <a:r>
+                  <a:rPr lang="en-US">
+                    <a:noFill/>
+                  </a:rPr>
+                  <a:t> </a:t>
+                </a:r>
+              </a:p>
+            </p:txBody>
+          </p:sp>
+        </mc:Fallback>
+      </mc:AlternateContent>
+      <mc:AlternateContent xmlns:mc="http://schemas.openxmlformats.org/markup-compatibility/2006">
+        <mc:Choice xmlns:a14="http://schemas.microsoft.com/office/drawing/2010/main" Requires="a14">
+          <p:sp>
+            <p:nvSpPr>
+              <p:cNvPr id="50" name="TextBox 49">
+                <a:extLst>
+                  <a:ext uri="{FF2B5EF4-FFF2-40B4-BE49-F238E27FC236}">
+                    <a16:creationId xmlns:a16="http://schemas.microsoft.com/office/drawing/2014/main" id="{3C981A33-B3FB-D03D-41A4-7AC2A116DD8B}"/>
+                  </a:ext>
+                </a:extLst>
+              </p:cNvPr>
+              <p:cNvSpPr txBox="1"/>
+              <p:nvPr/>
+            </p:nvSpPr>
+            <p:spPr>
+              <a:xfrm>
+                <a:off x="3264539" y="1946860"/>
+                <a:ext cx="324694" cy="369332"/>
+              </a:xfrm>
+              <a:prstGeom prst="rect">
+                <a:avLst/>
+              </a:prstGeom>
+              <a:noFill/>
+            </p:spPr>
+            <p:txBody>
+              <a:bodyPr wrap="square" rtlCol="0">
+                <a:spAutoFit/>
+              </a:bodyPr>
+              <a:lstStyle/>
+              <a:p>
+                <a:pPr/>
+                <a14:m>
+                  <m:oMathPara xmlns:m="http://schemas.openxmlformats.org/officeDocument/2006/math">
+                    <m:oMathParaPr>
+                      <m:jc m:val="centerGroup"/>
+                    </m:oMathParaPr>
+                    <m:oMath xmlns:m="http://schemas.openxmlformats.org/officeDocument/2006/math">
+                      <m:r>
+                        <a:rPr lang="en-US" b="0" i="1" smtClean="0">
+                          <a:latin typeface="Cambria Math" panose="02040503050406030204" pitchFamily="18" charset="0"/>
+                        </a:rPr>
+                        <m:t>0</m:t>
+                      </m:r>
+                    </m:oMath>
+                  </m:oMathPara>
+                </a14:m>
+                <a:endParaRPr lang="en-US" dirty="0"/>
+              </a:p>
+            </p:txBody>
+          </p:sp>
+        </mc:Choice>
+        <mc:Fallback>
+          <p:sp>
+            <p:nvSpPr>
+              <p:cNvPr id="50" name="TextBox 49">
+                <a:extLst>
+                  <a:ext uri="{FF2B5EF4-FFF2-40B4-BE49-F238E27FC236}">
+                    <a16:creationId xmlns:a16="http://schemas.microsoft.com/office/drawing/2014/main" id="{3C981A33-B3FB-D03D-41A4-7AC2A116DD8B}"/>
+                  </a:ext>
+                </a:extLst>
+              </p:cNvPr>
+              <p:cNvSpPr txBox="1">
+                <a:spLocks noRot="1" noChangeAspect="1" noMove="1" noResize="1" noEditPoints="1" noAdjustHandles="1" noChangeArrowheads="1" noChangeShapeType="1" noTextEdit="1"/>
+              </p:cNvSpPr>
+              <p:nvPr/>
+            </p:nvSpPr>
+            <p:spPr>
+              <a:xfrm>
+                <a:off x="3264539" y="1946860"/>
+                <a:ext cx="324694" cy="369332"/>
+              </a:xfrm>
+              <a:prstGeom prst="rect">
+                <a:avLst/>
+              </a:prstGeom>
+              <a:blipFill>
+                <a:blip r:embed="rId9"/>
+                <a:stretch>
+                  <a:fillRect/>
+                </a:stretch>
+              </a:blipFill>
+            </p:spPr>
+            <p:txBody>
+              <a:bodyPr/>
+              <a:lstStyle/>
+              <a:p>
+                <a:r>
+                  <a:rPr lang="en-US">
+                    <a:noFill/>
+                  </a:rPr>
+                  <a:t> </a:t>
+                </a:r>
+              </a:p>
+            </p:txBody>
+          </p:sp>
+        </mc:Fallback>
+      </mc:AlternateContent>
+      <mc:AlternateContent xmlns:mc="http://schemas.openxmlformats.org/markup-compatibility/2006">
+        <mc:Choice xmlns:a14="http://schemas.microsoft.com/office/drawing/2010/main" Requires="a14">
+          <p:sp>
+            <p:nvSpPr>
+              <p:cNvPr id="51" name="TextBox 50">
+                <a:extLst>
+                  <a:ext uri="{FF2B5EF4-FFF2-40B4-BE49-F238E27FC236}">
+                    <a16:creationId xmlns:a16="http://schemas.microsoft.com/office/drawing/2014/main" id="{226E2403-88EC-B1AF-32BA-E2ED37692BF0}"/>
+                  </a:ext>
+                </a:extLst>
+              </p:cNvPr>
+              <p:cNvSpPr txBox="1"/>
+              <p:nvPr/>
+            </p:nvSpPr>
+            <p:spPr>
+              <a:xfrm>
+                <a:off x="3264539" y="1021556"/>
+                <a:ext cx="324694" cy="369332"/>
+              </a:xfrm>
+              <a:prstGeom prst="rect">
+                <a:avLst/>
+              </a:prstGeom>
+              <a:noFill/>
+            </p:spPr>
+            <p:txBody>
+              <a:bodyPr wrap="square" rtlCol="0">
+                <a:spAutoFit/>
+              </a:bodyPr>
+              <a:lstStyle/>
+              <a:p>
+                <a:pPr/>
+                <a14:m>
+                  <m:oMathPara xmlns:m="http://schemas.openxmlformats.org/officeDocument/2006/math">
+                    <m:oMathParaPr>
+                      <m:jc m:val="centerGroup"/>
+                    </m:oMathParaPr>
+                    <m:oMath xmlns:m="http://schemas.openxmlformats.org/officeDocument/2006/math">
+                      <m:r>
+                        <a:rPr lang="en-US" b="0" i="1" smtClean="0">
+                          <a:latin typeface="Cambria Math" panose="02040503050406030204" pitchFamily="18" charset="0"/>
+                        </a:rPr>
+                        <m:t>5</m:t>
+                      </m:r>
+                    </m:oMath>
+                  </m:oMathPara>
+                </a14:m>
+                <a:endParaRPr lang="en-US" dirty="0"/>
+              </a:p>
+            </p:txBody>
+          </p:sp>
+        </mc:Choice>
+        <mc:Fallback>
+          <p:sp>
+            <p:nvSpPr>
+              <p:cNvPr id="51" name="TextBox 50">
+                <a:extLst>
+                  <a:ext uri="{FF2B5EF4-FFF2-40B4-BE49-F238E27FC236}">
+                    <a16:creationId xmlns:a16="http://schemas.microsoft.com/office/drawing/2014/main" id="{226E2403-88EC-B1AF-32BA-E2ED37692BF0}"/>
+                  </a:ext>
+                </a:extLst>
+              </p:cNvPr>
+              <p:cNvSpPr txBox="1">
+                <a:spLocks noRot="1" noChangeAspect="1" noMove="1" noResize="1" noEditPoints="1" noAdjustHandles="1" noChangeArrowheads="1" noChangeShapeType="1" noTextEdit="1"/>
+              </p:cNvSpPr>
+              <p:nvPr/>
+            </p:nvSpPr>
+            <p:spPr>
+              <a:xfrm>
+                <a:off x="3264539" y="1021556"/>
+                <a:ext cx="324694" cy="369332"/>
+              </a:xfrm>
+              <a:prstGeom prst="rect">
+                <a:avLst/>
+              </a:prstGeom>
+              <a:blipFill>
+                <a:blip r:embed="rId10"/>
+                <a:stretch>
+                  <a:fillRect/>
+                </a:stretch>
+              </a:blipFill>
+            </p:spPr>
+            <p:txBody>
+              <a:bodyPr/>
+              <a:lstStyle/>
+              <a:p>
+                <a:r>
+                  <a:rPr lang="en-US">
+                    <a:noFill/>
+                  </a:rPr>
+                  <a:t> </a:t>
+                </a:r>
+              </a:p>
+            </p:txBody>
+          </p:sp>
+        </mc:Fallback>
+      </mc:AlternateContent>
     </p:spTree>
     <p:extLst>
       <p:ext uri="{BB962C8B-B14F-4D97-AF65-F5344CB8AC3E}">
-        <p14:creationId xmlns:p14="http://schemas.microsoft.com/office/powerpoint/2010/main" val="1700463723"/>
+        <p14:creationId xmlns:p14="http://schemas.microsoft.com/office/powerpoint/2010/main" val="2285367634"/>
       </p:ext>
     </p:extLst>
   </p:cSld>
@@ -4822,7 +11514,7 @@
 </p:sld>
 </file>
 
-<file path=ppt/slides/slide2.xml><?xml version="1.0" encoding="utf-8"?>
+<file path=ppt/slides/slide4.xml><?xml version="1.0" encoding="utf-8"?>
 <p:sld xmlns:a="http://schemas.openxmlformats.org/drawingml/2006/main" xmlns:r="http://schemas.openxmlformats.org/officeDocument/2006/relationships" xmlns:p="http://schemas.openxmlformats.org/presentationml/2006/main">
   <p:cSld>
     <p:spTree>
